--- a/CFT4CUnitSrc/src/report/PPSO_Presentation.pptx
+++ b/CFT4CUnitSrc/src/report/PPSO_Presentation.pptx
@@ -5,38 +5,36 @@
     <p:sldMasterId id="2147483648" r:id="rId1"/>
   </p:sldMasterIdLst>
   <p:handoutMasterIdLst>
-    <p:handoutMasterId r:id="rId31"/>
+    <p:handoutMasterId r:id="rId29"/>
   </p:handoutMasterIdLst>
   <p:sldIdLst>
     <p:sldId id="256" r:id="rId2"/>
     <p:sldId id="257" r:id="rId3"/>
-    <p:sldId id="263" r:id="rId4"/>
-    <p:sldId id="264" r:id="rId5"/>
-    <p:sldId id="265" r:id="rId6"/>
-    <p:sldId id="258" r:id="rId7"/>
-    <p:sldId id="266" r:id="rId8"/>
-    <p:sldId id="267" r:id="rId9"/>
-    <p:sldId id="268" r:id="rId10"/>
-    <p:sldId id="261" r:id="rId11"/>
-    <p:sldId id="269" r:id="rId12"/>
-    <p:sldId id="270" r:id="rId13"/>
-    <p:sldId id="260" r:id="rId14"/>
-    <p:sldId id="271" r:id="rId15"/>
-    <p:sldId id="272" r:id="rId16"/>
-    <p:sldId id="273" r:id="rId17"/>
-    <p:sldId id="274" r:id="rId18"/>
-    <p:sldId id="276" r:id="rId19"/>
-    <p:sldId id="277" r:id="rId20"/>
-    <p:sldId id="278" r:id="rId21"/>
-    <p:sldId id="259" r:id="rId22"/>
-    <p:sldId id="279" r:id="rId23"/>
-    <p:sldId id="280" r:id="rId24"/>
-    <p:sldId id="281" r:id="rId25"/>
-    <p:sldId id="282" r:id="rId26"/>
-    <p:sldId id="262" r:id="rId27"/>
-    <p:sldId id="283" r:id="rId28"/>
-    <p:sldId id="284" r:id="rId29"/>
-    <p:sldId id="285" r:id="rId30"/>
+    <p:sldId id="264" r:id="rId4"/>
+    <p:sldId id="286" r:id="rId5"/>
+    <p:sldId id="287" r:id="rId6"/>
+    <p:sldId id="267" r:id="rId7"/>
+    <p:sldId id="268" r:id="rId8"/>
+    <p:sldId id="261" r:id="rId9"/>
+    <p:sldId id="269" r:id="rId10"/>
+    <p:sldId id="270" r:id="rId11"/>
+    <p:sldId id="260" r:id="rId12"/>
+    <p:sldId id="271" r:id="rId13"/>
+    <p:sldId id="272" r:id="rId14"/>
+    <p:sldId id="273" r:id="rId15"/>
+    <p:sldId id="274" r:id="rId16"/>
+    <p:sldId id="276" r:id="rId17"/>
+    <p:sldId id="277" r:id="rId18"/>
+    <p:sldId id="278" r:id="rId19"/>
+    <p:sldId id="259" r:id="rId20"/>
+    <p:sldId id="279" r:id="rId21"/>
+    <p:sldId id="280" r:id="rId22"/>
+    <p:sldId id="281" r:id="rId23"/>
+    <p:sldId id="282" r:id="rId24"/>
+    <p:sldId id="262" r:id="rId25"/>
+    <p:sldId id="283" r:id="rId26"/>
+    <p:sldId id="284" r:id="rId27"/>
+    <p:sldId id="285" r:id="rId28"/>
   </p:sldIdLst>
   <p:sldSz cx="9144000" cy="6858000" type="screen4x3"/>
   <p:notesSz cx="6797675" cy="9926638"/>
@@ -297,7 +295,7 @@
     </p:spTree>
     <p:extLst>
       <p:ext uri="{BB962C8B-B14F-4D97-AF65-F5344CB8AC3E}">
-        <p14:creationId xmlns:p14="http://schemas.microsoft.com/office/powerpoint/2010/main" xmlns="" val="3656892265"/>
+        <p14:creationId xmlns="" xmlns:p14="http://schemas.microsoft.com/office/powerpoint/2010/main" val="3656892265"/>
       </p:ext>
     </p:extLst>
   </p:cSld>
@@ -539,7 +537,7 @@
     </p:spTree>
     <p:extLst>
       <p:ext uri="{BB962C8B-B14F-4D97-AF65-F5344CB8AC3E}">
-        <p14:creationId xmlns:p14="http://schemas.microsoft.com/office/powerpoint/2010/main" xmlns="" val="1811901625"/>
+        <p14:creationId xmlns="" xmlns:p14="http://schemas.microsoft.com/office/powerpoint/2010/main" val="1811901625"/>
       </p:ext>
     </p:extLst>
   </p:cSld>
@@ -711,7 +709,7 @@
     </p:spTree>
     <p:extLst>
       <p:ext uri="{BB962C8B-B14F-4D97-AF65-F5344CB8AC3E}">
-        <p14:creationId xmlns:p14="http://schemas.microsoft.com/office/powerpoint/2010/main" xmlns="" val="791576242"/>
+        <p14:creationId xmlns="" xmlns:p14="http://schemas.microsoft.com/office/powerpoint/2010/main" val="791576242"/>
       </p:ext>
     </p:extLst>
   </p:cSld>
@@ -893,7 +891,7 @@
     </p:spTree>
     <p:extLst>
       <p:ext uri="{BB962C8B-B14F-4D97-AF65-F5344CB8AC3E}">
-        <p14:creationId xmlns:p14="http://schemas.microsoft.com/office/powerpoint/2010/main" xmlns="" val="2934662006"/>
+        <p14:creationId xmlns="" xmlns:p14="http://schemas.microsoft.com/office/powerpoint/2010/main" val="2934662006"/>
       </p:ext>
     </p:extLst>
   </p:cSld>
@@ -1065,7 +1063,7 @@
     </p:spTree>
     <p:extLst>
       <p:ext uri="{BB962C8B-B14F-4D97-AF65-F5344CB8AC3E}">
-        <p14:creationId xmlns:p14="http://schemas.microsoft.com/office/powerpoint/2010/main" xmlns="" val="855239803"/>
+        <p14:creationId xmlns="" xmlns:p14="http://schemas.microsoft.com/office/powerpoint/2010/main" val="855239803"/>
       </p:ext>
     </p:extLst>
   </p:cSld>
@@ -1313,7 +1311,7 @@
     </p:spTree>
     <p:extLst>
       <p:ext uri="{BB962C8B-B14F-4D97-AF65-F5344CB8AC3E}">
-        <p14:creationId xmlns:p14="http://schemas.microsoft.com/office/powerpoint/2010/main" xmlns="" val="635452818"/>
+        <p14:creationId xmlns="" xmlns:p14="http://schemas.microsoft.com/office/powerpoint/2010/main" val="635452818"/>
       </p:ext>
     </p:extLst>
   </p:cSld>
@@ -1603,7 +1601,7 @@
     </p:spTree>
     <p:extLst>
       <p:ext uri="{BB962C8B-B14F-4D97-AF65-F5344CB8AC3E}">
-        <p14:creationId xmlns:p14="http://schemas.microsoft.com/office/powerpoint/2010/main" xmlns="" val="3716967958"/>
+        <p14:creationId xmlns="" xmlns:p14="http://schemas.microsoft.com/office/powerpoint/2010/main" val="3716967958"/>
       </p:ext>
     </p:extLst>
   </p:cSld>
@@ -2027,7 +2025,7 @@
     </p:spTree>
     <p:extLst>
       <p:ext uri="{BB962C8B-B14F-4D97-AF65-F5344CB8AC3E}">
-        <p14:creationId xmlns:p14="http://schemas.microsoft.com/office/powerpoint/2010/main" xmlns="" val="3991833718"/>
+        <p14:creationId xmlns="" xmlns:p14="http://schemas.microsoft.com/office/powerpoint/2010/main" val="3991833718"/>
       </p:ext>
     </p:extLst>
   </p:cSld>
@@ -2147,7 +2145,7 @@
     </p:spTree>
     <p:extLst>
       <p:ext uri="{BB962C8B-B14F-4D97-AF65-F5344CB8AC3E}">
-        <p14:creationId xmlns:p14="http://schemas.microsoft.com/office/powerpoint/2010/main" xmlns="" val="1837035765"/>
+        <p14:creationId xmlns="" xmlns:p14="http://schemas.microsoft.com/office/powerpoint/2010/main" val="1837035765"/>
       </p:ext>
     </p:extLst>
   </p:cSld>
@@ -2244,7 +2242,7 @@
     </p:spTree>
     <p:extLst>
       <p:ext uri="{BB962C8B-B14F-4D97-AF65-F5344CB8AC3E}">
-        <p14:creationId xmlns:p14="http://schemas.microsoft.com/office/powerpoint/2010/main" xmlns="" val="3419707464"/>
+        <p14:creationId xmlns="" xmlns:p14="http://schemas.microsoft.com/office/powerpoint/2010/main" val="3419707464"/>
       </p:ext>
     </p:extLst>
   </p:cSld>
@@ -2523,7 +2521,7 @@
     </p:spTree>
     <p:extLst>
       <p:ext uri="{BB962C8B-B14F-4D97-AF65-F5344CB8AC3E}">
-        <p14:creationId xmlns:p14="http://schemas.microsoft.com/office/powerpoint/2010/main" xmlns="" val="932762734"/>
+        <p14:creationId xmlns="" xmlns:p14="http://schemas.microsoft.com/office/powerpoint/2010/main" val="932762734"/>
       </p:ext>
     </p:extLst>
   </p:cSld>
@@ -2778,7 +2776,7 @@
     </p:spTree>
     <p:extLst>
       <p:ext uri="{BB962C8B-B14F-4D97-AF65-F5344CB8AC3E}">
-        <p14:creationId xmlns:p14="http://schemas.microsoft.com/office/powerpoint/2010/main" xmlns="" val="2367942364"/>
+        <p14:creationId xmlns="" xmlns:p14="http://schemas.microsoft.com/office/powerpoint/2010/main" val="2367942364"/>
       </p:ext>
     </p:extLst>
   </p:cSld>
@@ -3034,7 +3032,7 @@
     </p:spTree>
     <p:extLst>
       <p:ext uri="{BB962C8B-B14F-4D97-AF65-F5344CB8AC3E}">
-        <p14:creationId xmlns:p14="http://schemas.microsoft.com/office/powerpoint/2010/main" xmlns="" val="1100484609"/>
+        <p14:creationId xmlns="" xmlns:p14="http://schemas.microsoft.com/office/powerpoint/2010/main" val="1100484609"/>
       </p:ext>
     </p:extLst>
   </p:cSld>
@@ -3391,15 +3389,7 @@
             </a:r>
             <a:r>
               <a:rPr lang="en-US" sz="2500" dirty="0" smtClean="0"/>
-              <a:t>-Dinh Vo, </a:t>
-            </a:r>
-            <a:r>
-              <a:rPr lang="en-US" sz="2500" dirty="0" smtClean="0"/>
-              <a:t>Viet-Ha </a:t>
-            </a:r>
-            <a:r>
-              <a:rPr lang="en-US" sz="2500" dirty="0" smtClean="0"/>
-              <a:t>Nguyen</a:t>
+              <a:t>-Dinh Vo, Viet-Ha Nguyen</a:t>
             </a:r>
           </a:p>
           <a:p>
@@ -3451,7 +3441,7 @@
           <a:blip r:embed="rId2" cstate="print">
             <a:extLst>
               <a:ext uri="{28A0092B-C50C-407E-A947-70E740481C1C}">
-                <a14:useLocalDpi xmlns:a14="http://schemas.microsoft.com/office/drawing/2010/main" xmlns="" val="0"/>
+                <a14:useLocalDpi xmlns="" xmlns:a14="http://schemas.microsoft.com/office/drawing/2010/main" val="0"/>
               </a:ext>
             </a:extLst>
           </a:blip>
@@ -3474,14 +3464,14 @@
           </a:ln>
           <a:extLst>
             <a:ext uri="{909E8E84-426E-40DD-AFC4-6F175D3DCCD1}">
-              <a14:hiddenFill xmlns:a14="http://schemas.microsoft.com/office/drawing/2010/main" xmlns="">
+              <a14:hiddenFill xmlns="" xmlns:a14="http://schemas.microsoft.com/office/drawing/2010/main">
                 <a:solidFill>
                   <a:schemeClr val="accent1"/>
                 </a:solidFill>
               </a14:hiddenFill>
             </a:ext>
             <a:ext uri="{91240B29-F687-4F45-9708-019B960494DF}">
-              <a14:hiddenLine xmlns:a14="http://schemas.microsoft.com/office/drawing/2010/main" xmlns="" w="9525">
+              <a14:hiddenLine xmlns="" xmlns:a14="http://schemas.microsoft.com/office/drawing/2010/main" w="9525">
                 <a:solidFill>
                   <a:schemeClr val="tx1"/>
                 </a:solidFill>
@@ -3496,7 +3486,7 @@
     </p:spTree>
     <p:extLst>
       <p:ext uri="{BB962C8B-B14F-4D97-AF65-F5344CB8AC3E}">
-        <p14:creationId xmlns:p14="http://schemas.microsoft.com/office/powerpoint/2010/main" xmlns="" val="44671813"/>
+        <p14:creationId xmlns="" xmlns:p14="http://schemas.microsoft.com/office/powerpoint/2010/main" val="44671813"/>
       </p:ext>
     </p:extLst>
   </p:cSld>
@@ -3564,7 +3554,23 @@
                   <a:schemeClr val="bg1"/>
                 </a:solidFill>
               </a:rPr>
-              <a:t> outline</a:t>
+              <a:t> related work (</a:t>
+            </a:r>
+            <a:r>
+              <a:rPr lang="en-US" dirty="0" err="1" smtClean="0">
+                <a:solidFill>
+                  <a:schemeClr val="bg1"/>
+                </a:solidFill>
+              </a:rPr>
+              <a:t>cond</a:t>
+            </a:r>
+            <a:r>
+              <a:rPr lang="en-US" dirty="0" smtClean="0">
+                <a:solidFill>
+                  <a:schemeClr val="bg1"/>
+                </a:solidFill>
+              </a:rPr>
+              <a:t>)</a:t>
             </a:r>
             <a:endParaRPr lang="en-US" dirty="0">
               <a:solidFill>
@@ -3598,8 +3604,12 @@
               <a:buNone/>
             </a:pPr>
             <a:r>
+              <a:rPr lang="en-US" dirty="0" err="1" smtClean="0"/>
+              <a:t>Malburg</a:t>
+            </a:r>
+            <a:r>
               <a:rPr lang="en-US" dirty="0" smtClean="0"/>
-              <a:t>1. Introduction</a:t>
+              <a:t> and Fraser [5] introduced a novel mutation operator for evolutionary search which based on dynamic SE. </a:t>
             </a:r>
           </a:p>
           <a:p>
@@ -3608,43 +3618,15 @@
             </a:pPr>
             <a:r>
               <a:rPr lang="en-US" dirty="0" smtClean="0"/>
-              <a:t>2. Background</a:t>
-            </a:r>
-          </a:p>
-          <a:p>
-            <a:pPr marL="0" indent="0">
-              <a:buNone/>
-            </a:pPr>
-            <a:r>
-              <a:rPr lang="en-US" b="1" dirty="0" smtClean="0"/>
-              <a:t>3. Related work</a:t>
-            </a:r>
-          </a:p>
-          <a:p>
-            <a:pPr marL="0" indent="0">
-              <a:buNone/>
-            </a:pPr>
+              <a:t>Ahmed and </a:t>
+            </a:r>
+            <a:r>
+              <a:rPr lang="en-US" dirty="0" err="1" smtClean="0"/>
+              <a:t>Hermadi</a:t>
+            </a:r>
             <a:r>
               <a:rPr lang="en-US" dirty="0" smtClean="0"/>
-              <a:t>4. Proposed approach</a:t>
-            </a:r>
-          </a:p>
-          <a:p>
-            <a:pPr marL="0" indent="0">
-              <a:buNone/>
-            </a:pPr>
-            <a:r>
-              <a:rPr lang="en-US" dirty="0" smtClean="0"/>
-              <a:t>5. Experimental result</a:t>
-            </a:r>
-          </a:p>
-          <a:p>
-            <a:pPr marL="0" indent="0">
-              <a:buNone/>
-            </a:pPr>
-            <a:r>
-              <a:rPr lang="en-US" dirty="0" smtClean="0"/>
-              <a:t>6. Conclusion</a:t>
+              <a:t> [6] improved their GA research [7] in 2003 by adding a rewarding scheme and using a more efficient test data generator. </a:t>
             </a:r>
             <a:endParaRPr lang="en-US" dirty="0"/>
           </a:p>
@@ -3653,7 +3635,7 @@
     </p:spTree>
     <p:extLst>
       <p:ext uri="{BB962C8B-B14F-4D97-AF65-F5344CB8AC3E}">
-        <p14:creationId xmlns:p14="http://schemas.microsoft.com/office/powerpoint/2010/main" xmlns="" val="2330834491"/>
+        <p14:creationId xmlns="" xmlns:p14="http://schemas.microsoft.com/office/powerpoint/2010/main" val="2330834491"/>
       </p:ext>
     </p:extLst>
   </p:cSld>
@@ -3721,7 +3703,7 @@
                   <a:schemeClr val="bg1"/>
                 </a:solidFill>
               </a:rPr>
-              <a:t> related work</a:t>
+              <a:t> outline</a:t>
             </a:r>
             <a:endParaRPr lang="en-US" dirty="0">
               <a:solidFill>
@@ -3756,15 +3738,16 @@
             </a:pPr>
             <a:r>
               <a:rPr lang="en-US" dirty="0" smtClean="0"/>
-              <a:t>The path coverage literature using GA started with Lin and </a:t>
-            </a:r>
-            <a:r>
-              <a:rPr lang="en-US" dirty="0" err="1" smtClean="0"/>
-              <a:t>Yeh</a:t>
-            </a:r>
+              <a:t>1. Introduction</a:t>
+            </a:r>
+          </a:p>
+          <a:p>
+            <a:pPr marL="0" indent="0">
+              <a:buNone/>
+            </a:pPr>
             <a:r>
               <a:rPr lang="en-US" dirty="0" smtClean="0"/>
-              <a:t> [2] in 2000. They extended Jones et al.'s work [3] from branch coverage to path coverage.</a:t>
+              <a:t>2. Background</a:t>
             </a:r>
           </a:p>
           <a:p>
@@ -3773,15 +3756,34 @@
             </a:pPr>
             <a:r>
               <a:rPr lang="en-US" dirty="0" smtClean="0"/>
-              <a:t>Chen and </a:t>
-            </a:r>
-            <a:r>
-              <a:rPr lang="en-US" dirty="0" err="1" smtClean="0"/>
-              <a:t>Zhong</a:t>
-            </a:r>
+              <a:t>3. Related work</a:t>
+            </a:r>
+          </a:p>
+          <a:p>
+            <a:pPr marL="0" indent="0">
+              <a:buNone/>
+            </a:pPr>
+            <a:r>
+              <a:rPr lang="en-US" b="1" dirty="0" smtClean="0"/>
+              <a:t>4. Proposed approach</a:t>
+            </a:r>
+          </a:p>
+          <a:p>
+            <a:pPr marL="0" indent="0">
+              <a:buNone/>
+            </a:pPr>
             <a:r>
               <a:rPr lang="en-US" dirty="0" smtClean="0"/>
-              <a:t> [4] developed a multi-population genetic algorithm for path testing. </a:t>
+              <a:t>5. Experimental result</a:t>
+            </a:r>
+          </a:p>
+          <a:p>
+            <a:pPr marL="0" indent="0">
+              <a:buNone/>
+            </a:pPr>
+            <a:r>
+              <a:rPr lang="en-US" dirty="0" smtClean="0"/>
+              <a:t>6. Conclusion</a:t>
             </a:r>
             <a:endParaRPr lang="en-US" dirty="0"/>
           </a:p>
@@ -3790,20 +3792,13 @@
     </p:spTree>
     <p:extLst>
       <p:ext uri="{BB962C8B-B14F-4D97-AF65-F5344CB8AC3E}">
-        <p14:creationId xmlns:p14="http://schemas.microsoft.com/office/powerpoint/2010/main" xmlns="" val="2330834491"/>
+        <p14:creationId xmlns="" xmlns:p14="http://schemas.microsoft.com/office/powerpoint/2010/main" val="1848409642"/>
       </p:ext>
     </p:extLst>
   </p:cSld>
   <p:clrMapOvr>
     <a:masterClrMapping/>
   </p:clrMapOvr>
-  <p:timing>
-    <p:tnLst>
-      <p:par>
-        <p:cTn id="1" dur="indefinite" restart="never" nodeType="tmRoot"/>
-      </p:par>
-    </p:tnLst>
-  </p:timing>
 </p:sld>
 </file>
 
@@ -3858,23 +3853,7 @@
                   <a:schemeClr val="bg1"/>
                 </a:solidFill>
               </a:rPr>
-              <a:t> related work (</a:t>
-            </a:r>
-            <a:r>
-              <a:rPr lang="en-US" dirty="0" err="1" smtClean="0">
-                <a:solidFill>
-                  <a:schemeClr val="bg1"/>
-                </a:solidFill>
-              </a:rPr>
-              <a:t>cond</a:t>
-            </a:r>
-            <a:r>
-              <a:rPr lang="en-US" dirty="0" smtClean="0">
-                <a:solidFill>
-                  <a:schemeClr val="bg1"/>
-                </a:solidFill>
-              </a:rPr>
-              <a:t>)</a:t>
+              <a:t> main steps</a:t>
             </a:r>
             <a:endParaRPr lang="en-US" dirty="0">
               <a:solidFill>
@@ -3884,75 +3863,48 @@
           </a:p>
         </p:txBody>
       </p:sp>
-      <p:sp>
-        <p:nvSpPr>
-          <p:cNvPr id="3" name="Content Placeholder 2"/>
-          <p:cNvSpPr>
-            <a:spLocks noGrp="1"/>
-          </p:cNvSpPr>
-          <p:nvPr>
-            <p:ph idx="1"/>
-          </p:nvPr>
-        </p:nvSpPr>
-        <p:spPr>
-          <a:xfrm>
-            <a:off x="457200" y="1052736"/>
-            <a:ext cx="8229600" cy="4205064"/>
-          </a:xfrm>
+      <p:pic>
+        <p:nvPicPr>
+          <p:cNvPr id="1026" name="Picture 2"/>
+          <p:cNvPicPr>
+            <a:picLocks noChangeAspect="1" noChangeArrowheads="1"/>
+          </p:cNvPicPr>
+          <p:nvPr/>
+        </p:nvPicPr>
+        <p:blipFill>
+          <a:blip r:embed="rId2" cstate="print"/>
+          <a:srcRect/>
+          <a:stretch>
+            <a:fillRect/>
+          </a:stretch>
+        </p:blipFill>
+        <p:spPr bwMode="auto">
+          <a:xfrm>
+            <a:off x="683568" y="980728"/>
+            <a:ext cx="7848872" cy="5328592"/>
+          </a:xfrm>
+          <a:prstGeom prst="rect">
+            <a:avLst/>
+          </a:prstGeom>
+          <a:noFill/>
+          <a:ln w="9525">
+            <a:noFill/>
+            <a:miter lim="800000"/>
+            <a:headEnd/>
+            <a:tailEnd/>
+          </a:ln>
         </p:spPr>
-        <p:txBody>
-          <a:bodyPr/>
-          <a:lstStyle/>
-          <a:p>
-            <a:pPr marL="0" indent="0">
-              <a:buNone/>
-            </a:pPr>
-            <a:r>
-              <a:rPr lang="en-US" dirty="0" err="1" smtClean="0"/>
-              <a:t>Malburg</a:t>
-            </a:r>
-            <a:r>
-              <a:rPr lang="en-US" dirty="0" smtClean="0"/>
-              <a:t> and Fraser [5] introduced a novel mutation operator for evolutionary search which based on dynamic SE. </a:t>
-            </a:r>
-          </a:p>
-          <a:p>
-            <a:pPr marL="0" indent="0">
-              <a:buNone/>
-            </a:pPr>
-            <a:r>
-              <a:rPr lang="en-US" dirty="0" smtClean="0"/>
-              <a:t>Ahmed and </a:t>
-            </a:r>
-            <a:r>
-              <a:rPr lang="en-US" dirty="0" err="1" smtClean="0"/>
-              <a:t>Hermadi</a:t>
-            </a:r>
-            <a:r>
-              <a:rPr lang="en-US" dirty="0" smtClean="0"/>
-              <a:t> [6] improved their GA research [7] in 2003 by adding a rewarding scheme and using a more efficient test data generator. </a:t>
-            </a:r>
-            <a:endParaRPr lang="en-US" dirty="0"/>
-          </a:p>
-        </p:txBody>
-      </p:sp>
+      </p:pic>
     </p:spTree>
     <p:extLst>
       <p:ext uri="{BB962C8B-B14F-4D97-AF65-F5344CB8AC3E}">
-        <p14:creationId xmlns:p14="http://schemas.microsoft.com/office/powerpoint/2010/main" xmlns="" val="2330834491"/>
+        <p14:creationId xmlns="" xmlns:p14="http://schemas.microsoft.com/office/powerpoint/2010/main" val="1848409642"/>
       </p:ext>
     </p:extLst>
   </p:cSld>
   <p:clrMapOvr>
     <a:masterClrMapping/>
   </p:clrMapOvr>
-  <p:timing>
-    <p:tnLst>
-      <p:par>
-        <p:cTn id="1" dur="indefinite" restart="never" nodeType="tmRoot"/>
-      </p:par>
-    </p:tnLst>
-  </p:timing>
 </p:sld>
 </file>
 
@@ -4007,7 +3959,7 @@
                   <a:schemeClr val="bg1"/>
                 </a:solidFill>
               </a:rPr>
-              <a:t> outline</a:t>
+              <a:t> step 1: static program analysis </a:t>
             </a:r>
             <a:endParaRPr lang="en-US" dirty="0">
               <a:solidFill>
@@ -4042,7 +3994,7 @@
             </a:pPr>
             <a:r>
               <a:rPr lang="en-US" dirty="0" smtClean="0"/>
-              <a:t>1. Introduction</a:t>
+              <a:t>Solve path conditions </a:t>
             </a:r>
           </a:p>
           <a:p>
@@ -4051,52 +4003,15 @@
             </a:pPr>
             <a:r>
               <a:rPr lang="en-US" dirty="0" smtClean="0"/>
-              <a:t>2. Background</a:t>
-            </a:r>
-          </a:p>
-          <a:p>
-            <a:pPr marL="0" indent="0">
-              <a:buNone/>
-            </a:pPr>
-            <a:r>
-              <a:rPr lang="en-US" dirty="0" smtClean="0"/>
-              <a:t>3. Related work</a:t>
-            </a:r>
-          </a:p>
-          <a:p>
-            <a:pPr marL="0" indent="0">
-              <a:buNone/>
-            </a:pPr>
-            <a:r>
-              <a:rPr lang="en-US" b="1" dirty="0" smtClean="0"/>
-              <a:t>4. Proposed approach</a:t>
-            </a:r>
-          </a:p>
-          <a:p>
-            <a:pPr marL="0" indent="0">
-              <a:buNone/>
-            </a:pPr>
-            <a:r>
-              <a:rPr lang="en-US" dirty="0" smtClean="0"/>
-              <a:t>5. Experimental result</a:t>
-            </a:r>
-          </a:p>
-          <a:p>
-            <a:pPr marL="0" indent="0">
-              <a:buNone/>
-            </a:pPr>
-            <a:r>
-              <a:rPr lang="en-US" dirty="0" smtClean="0"/>
-              <a:t>6. Conclusion</a:t>
-            </a:r>
-            <a:endParaRPr lang="en-US" dirty="0"/>
+              <a:t>Store constraint satisfaction </a:t>
+            </a:r>
           </a:p>
         </p:txBody>
       </p:sp>
     </p:spTree>
     <p:extLst>
       <p:ext uri="{BB962C8B-B14F-4D97-AF65-F5344CB8AC3E}">
-        <p14:creationId xmlns:p14="http://schemas.microsoft.com/office/powerpoint/2010/main" xmlns="" val="1848409642"/>
+        <p14:creationId xmlns="" xmlns:p14="http://schemas.microsoft.com/office/powerpoint/2010/main" val="1848409642"/>
       </p:ext>
     </p:extLst>
   </p:cSld>
@@ -4107,225 +4022,6 @@
 </file>
 
 <file path=ppt/slides/slide14.xml><?xml version="1.0" encoding="utf-8"?>
-<p:sld xmlns:a="http://schemas.openxmlformats.org/drawingml/2006/main" xmlns:r="http://schemas.openxmlformats.org/officeDocument/2006/relationships" xmlns:p="http://schemas.openxmlformats.org/presentationml/2006/main">
-  <p:cSld>
-    <p:spTree>
-      <p:nvGrpSpPr>
-        <p:cNvPr id="1" name=""/>
-        <p:cNvGrpSpPr/>
-        <p:nvPr/>
-      </p:nvGrpSpPr>
-      <p:grpSpPr>
-        <a:xfrm>
-          <a:off x="0" y="0"/>
-          <a:ext cx="0" cy="0"/>
-          <a:chOff x="0" y="0"/>
-          <a:chExt cx="0" cy="0"/>
-        </a:xfrm>
-      </p:grpSpPr>
-      <p:sp>
-        <p:nvSpPr>
-          <p:cNvPr id="2" name="Title 1"/>
-          <p:cNvSpPr>
-            <a:spLocks noGrp="1"/>
-          </p:cNvSpPr>
-          <p:nvPr>
-            <p:ph type="title"/>
-          </p:nvPr>
-        </p:nvSpPr>
-        <p:spPr>
-          <a:xfrm>
-            <a:off x="-2912" y="0"/>
-            <a:ext cx="9146912" cy="692696"/>
-          </a:xfrm>
-          <a:solidFill>
-            <a:schemeClr val="bg1">
-              <a:lumMod val="75000"/>
-            </a:schemeClr>
-          </a:solidFill>
-        </p:spPr>
-        <p:txBody>
-          <a:bodyPr>
-            <a:normAutofit fontScale="90000"/>
-          </a:bodyPr>
-          <a:lstStyle/>
-          <a:p>
-            <a:pPr algn="l"/>
-            <a:r>
-              <a:rPr lang="en-US" dirty="0" smtClean="0">
-                <a:solidFill>
-                  <a:schemeClr val="bg1"/>
-                </a:solidFill>
-              </a:rPr>
-              <a:t> main steps</a:t>
-            </a:r>
-            <a:endParaRPr lang="en-US" dirty="0">
-              <a:solidFill>
-                <a:schemeClr val="bg1"/>
-              </a:solidFill>
-            </a:endParaRPr>
-          </a:p>
-        </p:txBody>
-      </p:sp>
-      <p:pic>
-        <p:nvPicPr>
-          <p:cNvPr id="1026" name="Picture 2"/>
-          <p:cNvPicPr>
-            <a:picLocks noChangeAspect="1" noChangeArrowheads="1"/>
-          </p:cNvPicPr>
-          <p:nvPr/>
-        </p:nvPicPr>
-        <p:blipFill>
-          <a:blip r:embed="rId2" cstate="print"/>
-          <a:srcRect/>
-          <a:stretch>
-            <a:fillRect/>
-          </a:stretch>
-        </p:blipFill>
-        <p:spPr bwMode="auto">
-          <a:xfrm>
-            <a:off x="683568" y="980728"/>
-            <a:ext cx="7848872" cy="5328592"/>
-          </a:xfrm>
-          <a:prstGeom prst="rect">
-            <a:avLst/>
-          </a:prstGeom>
-          <a:noFill/>
-          <a:ln w="9525">
-            <a:noFill/>
-            <a:miter lim="800000"/>
-            <a:headEnd/>
-            <a:tailEnd/>
-          </a:ln>
-        </p:spPr>
-      </p:pic>
-    </p:spTree>
-    <p:extLst>
-      <p:ext uri="{BB962C8B-B14F-4D97-AF65-F5344CB8AC3E}">
-        <p14:creationId xmlns:p14="http://schemas.microsoft.com/office/powerpoint/2010/main" xmlns="" val="1848409642"/>
-      </p:ext>
-    </p:extLst>
-  </p:cSld>
-  <p:clrMapOvr>
-    <a:masterClrMapping/>
-  </p:clrMapOvr>
-</p:sld>
-</file>
-
-<file path=ppt/slides/slide15.xml><?xml version="1.0" encoding="utf-8"?>
-<p:sld xmlns:a="http://schemas.openxmlformats.org/drawingml/2006/main" xmlns:r="http://schemas.openxmlformats.org/officeDocument/2006/relationships" xmlns:p="http://schemas.openxmlformats.org/presentationml/2006/main">
-  <p:cSld>
-    <p:spTree>
-      <p:nvGrpSpPr>
-        <p:cNvPr id="1" name=""/>
-        <p:cNvGrpSpPr/>
-        <p:nvPr/>
-      </p:nvGrpSpPr>
-      <p:grpSpPr>
-        <a:xfrm>
-          <a:off x="0" y="0"/>
-          <a:ext cx="0" cy="0"/>
-          <a:chOff x="0" y="0"/>
-          <a:chExt cx="0" cy="0"/>
-        </a:xfrm>
-      </p:grpSpPr>
-      <p:sp>
-        <p:nvSpPr>
-          <p:cNvPr id="2" name="Title 1"/>
-          <p:cNvSpPr>
-            <a:spLocks noGrp="1"/>
-          </p:cNvSpPr>
-          <p:nvPr>
-            <p:ph type="title"/>
-          </p:nvPr>
-        </p:nvSpPr>
-        <p:spPr>
-          <a:xfrm>
-            <a:off x="-2912" y="0"/>
-            <a:ext cx="9146912" cy="692696"/>
-          </a:xfrm>
-          <a:solidFill>
-            <a:schemeClr val="bg1">
-              <a:lumMod val="75000"/>
-            </a:schemeClr>
-          </a:solidFill>
-        </p:spPr>
-        <p:txBody>
-          <a:bodyPr>
-            <a:normAutofit fontScale="90000"/>
-          </a:bodyPr>
-          <a:lstStyle/>
-          <a:p>
-            <a:pPr algn="l"/>
-            <a:r>
-              <a:rPr lang="en-US" dirty="0" smtClean="0">
-                <a:solidFill>
-                  <a:schemeClr val="bg1"/>
-                </a:solidFill>
-              </a:rPr>
-              <a:t> step 1: static program analysis </a:t>
-            </a:r>
-            <a:endParaRPr lang="en-US" dirty="0">
-              <a:solidFill>
-                <a:schemeClr val="bg1"/>
-              </a:solidFill>
-            </a:endParaRPr>
-          </a:p>
-        </p:txBody>
-      </p:sp>
-      <p:sp>
-        <p:nvSpPr>
-          <p:cNvPr id="3" name="Content Placeholder 2"/>
-          <p:cNvSpPr>
-            <a:spLocks noGrp="1"/>
-          </p:cNvSpPr>
-          <p:nvPr>
-            <p:ph idx="1"/>
-          </p:nvPr>
-        </p:nvSpPr>
-        <p:spPr>
-          <a:xfrm>
-            <a:off x="457200" y="1052736"/>
-            <a:ext cx="8229600" cy="4205064"/>
-          </a:xfrm>
-        </p:spPr>
-        <p:txBody>
-          <a:bodyPr/>
-          <a:lstStyle/>
-          <a:p>
-            <a:pPr marL="0" indent="0">
-              <a:buNone/>
-            </a:pPr>
-            <a:r>
-              <a:rPr lang="en-US" dirty="0" smtClean="0"/>
-              <a:t>Solve path conditions </a:t>
-            </a:r>
-          </a:p>
-          <a:p>
-            <a:pPr marL="0" indent="0">
-              <a:buNone/>
-            </a:pPr>
-            <a:r>
-              <a:rPr lang="en-US" dirty="0" smtClean="0"/>
-              <a:t>Store constraint satisfaction </a:t>
-            </a:r>
-          </a:p>
-        </p:txBody>
-      </p:sp>
-    </p:spTree>
-    <p:extLst>
-      <p:ext uri="{BB962C8B-B14F-4D97-AF65-F5344CB8AC3E}">
-        <p14:creationId xmlns:p14="http://schemas.microsoft.com/office/powerpoint/2010/main" xmlns="" val="1848409642"/>
-      </p:ext>
-    </p:extLst>
-  </p:cSld>
-  <p:clrMapOvr>
-    <a:masterClrMapping/>
-  </p:clrMapOvr>
-</p:sld>
-</file>
-
-<file path=ppt/slides/slide16.xml><?xml version="1.0" encoding="utf-8"?>
 <p:sld xmlns:a="http://schemas.openxmlformats.org/drawingml/2006/main" xmlns:r="http://schemas.openxmlformats.org/officeDocument/2006/relationships" xmlns:p="http://schemas.openxmlformats.org/presentationml/2006/main">
   <p:cSld>
     <p:spTree>
@@ -4469,7 +4165,7 @@
     </p:spTree>
     <p:extLst>
       <p:ext uri="{BB962C8B-B14F-4D97-AF65-F5344CB8AC3E}">
-        <p14:creationId xmlns:p14="http://schemas.microsoft.com/office/powerpoint/2010/main" xmlns="" val="1848409642"/>
+        <p14:creationId xmlns="" xmlns:p14="http://schemas.microsoft.com/office/powerpoint/2010/main" val="1848409642"/>
       </p:ext>
     </p:extLst>
   </p:cSld>
@@ -4479,7 +4175,7 @@
 </p:sld>
 </file>
 
-<file path=ppt/slides/slide17.xml><?xml version="1.0" encoding="utf-8"?>
+<file path=ppt/slides/slide15.xml><?xml version="1.0" encoding="utf-8"?>
 <p:sld xmlns:a="http://schemas.openxmlformats.org/drawingml/2006/main" xmlns:r="http://schemas.openxmlformats.org/officeDocument/2006/relationships" xmlns:p="http://schemas.openxmlformats.org/presentationml/2006/main">
   <p:cSld>
     <p:spTree>
@@ -4684,7 +4380,256 @@
     </p:spTree>
     <p:extLst>
       <p:ext uri="{BB962C8B-B14F-4D97-AF65-F5344CB8AC3E}">
-        <p14:creationId xmlns:p14="http://schemas.microsoft.com/office/powerpoint/2010/main" xmlns="" val="1848409642"/>
+        <p14:creationId xmlns="" xmlns:p14="http://schemas.microsoft.com/office/powerpoint/2010/main" val="1848409642"/>
+      </p:ext>
+    </p:extLst>
+  </p:cSld>
+  <p:clrMapOvr>
+    <a:masterClrMapping/>
+  </p:clrMapOvr>
+</p:sld>
+</file>
+
+<file path=ppt/slides/slide16.xml><?xml version="1.0" encoding="utf-8"?>
+<p:sld xmlns:a="http://schemas.openxmlformats.org/drawingml/2006/main" xmlns:r="http://schemas.openxmlformats.org/officeDocument/2006/relationships" xmlns:p="http://schemas.openxmlformats.org/presentationml/2006/main">
+  <p:cSld>
+    <p:spTree>
+      <p:nvGrpSpPr>
+        <p:cNvPr id="1" name=""/>
+        <p:cNvGrpSpPr/>
+        <p:nvPr/>
+      </p:nvGrpSpPr>
+      <p:grpSpPr>
+        <a:xfrm>
+          <a:off x="0" y="0"/>
+          <a:ext cx="0" cy="0"/>
+          <a:chOff x="0" y="0"/>
+          <a:chExt cx="0" cy="0"/>
+        </a:xfrm>
+      </p:grpSpPr>
+      <p:sp>
+        <p:nvSpPr>
+          <p:cNvPr id="2" name="Title 1"/>
+          <p:cNvSpPr>
+            <a:spLocks noGrp="1"/>
+          </p:cNvSpPr>
+          <p:nvPr>
+            <p:ph type="title"/>
+          </p:nvPr>
+        </p:nvSpPr>
+        <p:spPr>
+          <a:xfrm>
+            <a:off x="-2912" y="0"/>
+            <a:ext cx="9146912" cy="692696"/>
+          </a:xfrm>
+          <a:solidFill>
+            <a:schemeClr val="bg1">
+              <a:lumMod val="75000"/>
+            </a:schemeClr>
+          </a:solidFill>
+        </p:spPr>
+        <p:txBody>
+          <a:bodyPr>
+            <a:normAutofit fontScale="90000"/>
+          </a:bodyPr>
+          <a:lstStyle/>
+          <a:p>
+            <a:pPr algn="l"/>
+            <a:r>
+              <a:rPr lang="en-US" dirty="0" smtClean="0">
+                <a:solidFill>
+                  <a:schemeClr val="bg1"/>
+                </a:solidFill>
+              </a:rPr>
+              <a:t> step 2: execute GA</a:t>
+            </a:r>
+            <a:endParaRPr lang="en-US" dirty="0">
+              <a:solidFill>
+                <a:schemeClr val="bg1"/>
+              </a:solidFill>
+            </a:endParaRPr>
+          </a:p>
+        </p:txBody>
+      </p:sp>
+      <p:sp>
+        <p:nvSpPr>
+          <p:cNvPr id="3" name="Content Placeholder 2"/>
+          <p:cNvSpPr>
+            <a:spLocks noGrp="1"/>
+          </p:cNvSpPr>
+          <p:nvPr>
+            <p:ph idx="1"/>
+          </p:nvPr>
+        </p:nvSpPr>
+        <p:spPr>
+          <a:xfrm>
+            <a:off x="457200" y="1052736"/>
+            <a:ext cx="8229600" cy="1690464"/>
+          </a:xfrm>
+        </p:spPr>
+        <p:txBody>
+          <a:bodyPr/>
+          <a:lstStyle/>
+          <a:p>
+            <a:pPr marL="0" indent="0">
+              <a:buNone/>
+            </a:pPr>
+            <a:r>
+              <a:rPr lang="en-US" dirty="0" smtClean="0"/>
+              <a:t>Create fitness function </a:t>
+            </a:r>
+          </a:p>
+          <a:p>
+            <a:pPr marL="0" indent="0">
+              <a:buNone/>
+            </a:pPr>
+            <a:r>
+              <a:rPr lang="en-US" dirty="0" smtClean="0"/>
+              <a:t>Constraint-based adjustment</a:t>
+            </a:r>
+          </a:p>
+        </p:txBody>
+      </p:sp>
+    </p:spTree>
+    <p:extLst>
+      <p:ext uri="{BB962C8B-B14F-4D97-AF65-F5344CB8AC3E}">
+        <p14:creationId xmlns="" xmlns:p14="http://schemas.microsoft.com/office/powerpoint/2010/main" val="1848409642"/>
+      </p:ext>
+    </p:extLst>
+  </p:cSld>
+  <p:clrMapOvr>
+    <a:masterClrMapping/>
+  </p:clrMapOvr>
+</p:sld>
+</file>
+
+<file path=ppt/slides/slide17.xml><?xml version="1.0" encoding="utf-8"?>
+<p:sld xmlns:a="http://schemas.openxmlformats.org/drawingml/2006/main" xmlns:r="http://schemas.openxmlformats.org/officeDocument/2006/relationships" xmlns:p="http://schemas.openxmlformats.org/presentationml/2006/main">
+  <p:cSld>
+    <p:spTree>
+      <p:nvGrpSpPr>
+        <p:cNvPr id="1" name=""/>
+        <p:cNvGrpSpPr/>
+        <p:nvPr/>
+      </p:nvGrpSpPr>
+      <p:grpSpPr>
+        <a:xfrm>
+          <a:off x="0" y="0"/>
+          <a:ext cx="0" cy="0"/>
+          <a:chOff x="0" y="0"/>
+          <a:chExt cx="0" cy="0"/>
+        </a:xfrm>
+      </p:grpSpPr>
+      <p:sp>
+        <p:nvSpPr>
+          <p:cNvPr id="2" name="Title 1"/>
+          <p:cNvSpPr>
+            <a:spLocks noGrp="1"/>
+          </p:cNvSpPr>
+          <p:nvPr>
+            <p:ph type="title"/>
+          </p:nvPr>
+        </p:nvSpPr>
+        <p:spPr>
+          <a:xfrm>
+            <a:off x="-2912" y="0"/>
+            <a:ext cx="9146912" cy="692696"/>
+          </a:xfrm>
+          <a:solidFill>
+            <a:schemeClr val="bg1">
+              <a:lumMod val="75000"/>
+            </a:schemeClr>
+          </a:solidFill>
+        </p:spPr>
+        <p:txBody>
+          <a:bodyPr>
+            <a:normAutofit fontScale="90000"/>
+          </a:bodyPr>
+          <a:lstStyle/>
+          <a:p>
+            <a:pPr algn="l"/>
+            <a:r>
+              <a:rPr lang="en-US" dirty="0" smtClean="0">
+                <a:solidFill>
+                  <a:schemeClr val="bg1"/>
+                </a:solidFill>
+              </a:rPr>
+              <a:t> create fitness function</a:t>
+            </a:r>
+            <a:endParaRPr lang="en-US" dirty="0">
+              <a:solidFill>
+                <a:schemeClr val="bg1"/>
+              </a:solidFill>
+            </a:endParaRPr>
+          </a:p>
+        </p:txBody>
+      </p:sp>
+      <p:pic>
+        <p:nvPicPr>
+          <p:cNvPr id="4098" name="Picture 2"/>
+          <p:cNvPicPr>
+            <a:picLocks noChangeAspect="1" noChangeArrowheads="1"/>
+          </p:cNvPicPr>
+          <p:nvPr/>
+        </p:nvPicPr>
+        <p:blipFill>
+          <a:blip r:embed="rId2" cstate="print"/>
+          <a:srcRect/>
+          <a:stretch>
+            <a:fillRect/>
+          </a:stretch>
+        </p:blipFill>
+        <p:spPr bwMode="auto">
+          <a:xfrm>
+            <a:off x="467544" y="1729730"/>
+            <a:ext cx="8280920" cy="2779390"/>
+          </a:xfrm>
+          <a:prstGeom prst="rect">
+            <a:avLst/>
+          </a:prstGeom>
+          <a:noFill/>
+          <a:ln w="9525">
+            <a:noFill/>
+            <a:miter lim="800000"/>
+            <a:headEnd/>
+            <a:tailEnd/>
+          </a:ln>
+        </p:spPr>
+      </p:pic>
+      <p:sp>
+        <p:nvSpPr>
+          <p:cNvPr id="4" name="Content Placeholder 2"/>
+          <p:cNvSpPr>
+            <a:spLocks noGrp="1"/>
+          </p:cNvSpPr>
+          <p:nvPr>
+            <p:ph idx="1"/>
+          </p:nvPr>
+        </p:nvSpPr>
+        <p:spPr>
+          <a:xfrm>
+            <a:off x="374848" y="1052736"/>
+            <a:ext cx="8229600" cy="676994"/>
+          </a:xfrm>
+        </p:spPr>
+        <p:txBody>
+          <a:bodyPr/>
+          <a:lstStyle/>
+          <a:p>
+            <a:pPr marL="0" indent="0">
+              <a:buNone/>
+            </a:pPr>
+            <a:r>
+              <a:rPr lang="en-US" dirty="0" smtClean="0"/>
+              <a:t>Insert instrument code into program under test</a:t>
+            </a:r>
+          </a:p>
+        </p:txBody>
+      </p:sp>
+    </p:spTree>
+    <p:extLst>
+      <p:ext uri="{BB962C8B-B14F-4D97-AF65-F5344CB8AC3E}">
+        <p14:creationId xmlns="" xmlns:p14="http://schemas.microsoft.com/office/powerpoint/2010/main" val="1848409642"/>
       </p:ext>
     </p:extLst>
   </p:cSld>
@@ -4745,7 +4690,7 @@
                   <a:schemeClr val="bg1"/>
                 </a:solidFill>
               </a:rPr>
-              <a:t> step 2: execute GA</a:t>
+              <a:t> constraint-based adjustment</a:t>
             </a:r>
             <a:endParaRPr lang="en-US" dirty="0">
               <a:solidFill>
@@ -4755,49 +4700,42 @@
           </a:p>
         </p:txBody>
       </p:sp>
-      <p:sp>
-        <p:nvSpPr>
-          <p:cNvPr id="3" name="Content Placeholder 2"/>
-          <p:cNvSpPr>
-            <a:spLocks noGrp="1"/>
-          </p:cNvSpPr>
-          <p:nvPr>
-            <p:ph idx="1"/>
-          </p:nvPr>
-        </p:nvSpPr>
-        <p:spPr>
-          <a:xfrm>
-            <a:off x="457200" y="1052736"/>
-            <a:ext cx="8229600" cy="1690464"/>
-          </a:xfrm>
+      <p:pic>
+        <p:nvPicPr>
+          <p:cNvPr id="5122" name="Picture 2"/>
+          <p:cNvPicPr>
+            <a:picLocks noChangeAspect="1" noChangeArrowheads="1"/>
+          </p:cNvPicPr>
+          <p:nvPr/>
+        </p:nvPicPr>
+        <p:blipFill>
+          <a:blip r:embed="rId2" cstate="print"/>
+          <a:srcRect/>
+          <a:stretch>
+            <a:fillRect/>
+          </a:stretch>
+        </p:blipFill>
+        <p:spPr bwMode="auto">
+          <a:xfrm>
+            <a:off x="611560" y="1052736"/>
+            <a:ext cx="7848872" cy="4824536"/>
+          </a:xfrm>
+          <a:prstGeom prst="rect">
+            <a:avLst/>
+          </a:prstGeom>
+          <a:noFill/>
+          <a:ln w="9525">
+            <a:noFill/>
+            <a:miter lim="800000"/>
+            <a:headEnd/>
+            <a:tailEnd/>
+          </a:ln>
         </p:spPr>
-        <p:txBody>
-          <a:bodyPr/>
-          <a:lstStyle/>
-          <a:p>
-            <a:pPr marL="0" indent="0">
-              <a:buNone/>
-            </a:pPr>
-            <a:r>
-              <a:rPr lang="en-US" dirty="0" smtClean="0"/>
-              <a:t>Create fitness function </a:t>
-            </a:r>
-          </a:p>
-          <a:p>
-            <a:pPr marL="0" indent="0">
-              <a:buNone/>
-            </a:pPr>
-            <a:r>
-              <a:rPr lang="en-US" dirty="0" smtClean="0"/>
-              <a:t>Constraint-based adjustment</a:t>
-            </a:r>
-          </a:p>
-        </p:txBody>
-      </p:sp>
+      </p:pic>
     </p:spTree>
     <p:extLst>
       <p:ext uri="{BB962C8B-B14F-4D97-AF65-F5344CB8AC3E}">
-        <p14:creationId xmlns:p14="http://schemas.microsoft.com/office/powerpoint/2010/main" xmlns="" val="1848409642"/>
+        <p14:creationId xmlns="" xmlns:p14="http://schemas.microsoft.com/office/powerpoint/2010/main" val="1848409642"/>
       </p:ext>
     </p:extLst>
   </p:cSld>
@@ -4858,7 +4796,7 @@
                   <a:schemeClr val="bg1"/>
                 </a:solidFill>
               </a:rPr>
-              <a:t> create fitness function</a:t>
+              <a:t> outline</a:t>
             </a:r>
             <a:endParaRPr lang="en-US" dirty="0">
               <a:solidFill>
@@ -4868,54 +4806,22 @@
           </a:p>
         </p:txBody>
       </p:sp>
-      <p:pic>
-        <p:nvPicPr>
-          <p:cNvPr id="4098" name="Picture 2"/>
-          <p:cNvPicPr>
-            <a:picLocks noChangeAspect="1" noChangeArrowheads="1"/>
-          </p:cNvPicPr>
-          <p:nvPr/>
-        </p:nvPicPr>
-        <p:blipFill>
-          <a:blip r:embed="rId2" cstate="print"/>
-          <a:srcRect/>
-          <a:stretch>
-            <a:fillRect/>
-          </a:stretch>
-        </p:blipFill>
-        <p:spPr bwMode="auto">
-          <a:xfrm>
-            <a:off x="467544" y="1729730"/>
-            <a:ext cx="8280920" cy="2779390"/>
-          </a:xfrm>
-          <a:prstGeom prst="rect">
-            <a:avLst/>
-          </a:prstGeom>
-          <a:noFill/>
-          <a:ln w="9525">
-            <a:noFill/>
-            <a:miter lim="800000"/>
-            <a:headEnd/>
-            <a:tailEnd/>
-          </a:ln>
+      <p:sp>
+        <p:nvSpPr>
+          <p:cNvPr id="3" name="Content Placeholder 2"/>
+          <p:cNvSpPr>
+            <a:spLocks noGrp="1"/>
+          </p:cNvSpPr>
+          <p:nvPr>
+            <p:ph idx="1"/>
+          </p:nvPr>
+        </p:nvSpPr>
+        <p:spPr>
+          <a:xfrm>
+            <a:off x="457200" y="1052736"/>
+            <a:ext cx="8229600" cy="4205064"/>
+          </a:xfrm>
         </p:spPr>
-      </p:pic>
-      <p:sp>
-        <p:nvSpPr>
-          <p:cNvPr id="4" name="Content Placeholder 2"/>
-          <p:cNvSpPr>
-            <a:spLocks noGrp="1"/>
-          </p:cNvSpPr>
-          <p:nvPr>
-            <p:ph idx="1"/>
-          </p:nvPr>
-        </p:nvSpPr>
-        <p:spPr>
-          <a:xfrm>
-            <a:off x="374848" y="1052736"/>
-            <a:ext cx="8229600" cy="676994"/>
-          </a:xfrm>
-        </p:spPr>
         <p:txBody>
           <a:bodyPr/>
           <a:lstStyle/>
@@ -4925,15 +4831,61 @@
             </a:pPr>
             <a:r>
               <a:rPr lang="en-US" dirty="0" smtClean="0"/>
-              <a:t>Insert instrument code into program under test</a:t>
-            </a:r>
+              <a:t>1. Introduction</a:t>
+            </a:r>
+          </a:p>
+          <a:p>
+            <a:pPr marL="0" indent="0">
+              <a:buNone/>
+            </a:pPr>
+            <a:r>
+              <a:rPr lang="en-US" dirty="0" smtClean="0"/>
+              <a:t>2. Background</a:t>
+            </a:r>
+          </a:p>
+          <a:p>
+            <a:pPr marL="0" indent="0">
+              <a:buNone/>
+            </a:pPr>
+            <a:r>
+              <a:rPr lang="en-US" dirty="0" smtClean="0"/>
+              <a:t>3. Related work</a:t>
+            </a:r>
+          </a:p>
+          <a:p>
+            <a:pPr marL="0" indent="0">
+              <a:buNone/>
+            </a:pPr>
+            <a:r>
+              <a:rPr lang="en-US" dirty="0" smtClean="0"/>
+              <a:t>4. Proposed approach</a:t>
+            </a:r>
+          </a:p>
+          <a:p>
+            <a:pPr marL="0" indent="0">
+              <a:buNone/>
+            </a:pPr>
+            <a:r>
+              <a:rPr lang="en-US" b="1" dirty="0" smtClean="0"/>
+              <a:t>5. Experimental result</a:t>
+            </a:r>
+          </a:p>
+          <a:p>
+            <a:pPr marL="0" indent="0">
+              <a:buNone/>
+            </a:pPr>
+            <a:r>
+              <a:rPr lang="en-US" dirty="0" smtClean="0"/>
+              <a:t>6. Conclusion</a:t>
+            </a:r>
+            <a:endParaRPr lang="en-US" dirty="0"/>
           </a:p>
         </p:txBody>
       </p:sp>
     </p:spTree>
     <p:extLst>
       <p:ext uri="{BB962C8B-B14F-4D97-AF65-F5344CB8AC3E}">
-        <p14:creationId xmlns:p14="http://schemas.microsoft.com/office/powerpoint/2010/main" xmlns="" val="1848409642"/>
+        <p14:creationId xmlns="" xmlns:p14="http://schemas.microsoft.com/office/powerpoint/2010/main" val="3185099068"/>
       </p:ext>
     </p:extLst>
   </p:cSld>
@@ -5024,57 +4976,40 @@
           <a:bodyPr/>
           <a:lstStyle/>
           <a:p>
-            <a:pPr marL="0" indent="0">
-              <a:buNone/>
+            <a:pPr marL="514350" indent="-514350">
+              <a:buAutoNum type="arabicPeriod"/>
             </a:pPr>
             <a:r>
               <a:rPr lang="en-US" b="1" dirty="0" smtClean="0"/>
-              <a:t>1. Introduction</a:t>
-            </a:r>
-          </a:p>
-          <a:p>
-            <a:pPr marL="0" indent="0">
-              <a:buNone/>
+              <a:t>Introduction</a:t>
+            </a:r>
+            <a:endParaRPr lang="en-US" b="1" dirty="0" smtClean="0"/>
+          </a:p>
+          <a:p>
+            <a:pPr marL="514350" indent="-514350">
+              <a:buAutoNum type="arabicPeriod"/>
             </a:pPr>
             <a:r>
               <a:rPr lang="en-US" dirty="0" smtClean="0"/>
-              <a:t>2. Background</a:t>
-            </a:r>
-          </a:p>
-          <a:p>
-            <a:pPr marL="0" indent="0">
-              <a:buNone/>
+              <a:t>Proposed approach</a:t>
+            </a:r>
+          </a:p>
+          <a:p>
+            <a:pPr marL="514350" indent="-514350">
+              <a:buAutoNum type="arabicPeriod"/>
             </a:pPr>
             <a:r>
               <a:rPr lang="en-US" dirty="0" smtClean="0"/>
-              <a:t>3. Related work</a:t>
-            </a:r>
-          </a:p>
-          <a:p>
-            <a:pPr marL="0" indent="0">
-              <a:buNone/>
+              <a:t>Experimental result</a:t>
+            </a:r>
+          </a:p>
+          <a:p>
+            <a:pPr marL="514350" indent="-514350">
+              <a:buAutoNum type="arabicPeriod"/>
             </a:pPr>
             <a:r>
               <a:rPr lang="en-US" dirty="0" smtClean="0"/>
-              <a:t>4. Proposed approach</a:t>
-            </a:r>
-          </a:p>
-          <a:p>
-            <a:pPr marL="0" indent="0">
-              <a:buNone/>
-            </a:pPr>
-            <a:r>
-              <a:rPr lang="en-US" dirty="0" smtClean="0"/>
-              <a:t>5. Experimental result</a:t>
-            </a:r>
-          </a:p>
-          <a:p>
-            <a:pPr marL="0" indent="0">
-              <a:buNone/>
-            </a:pPr>
-            <a:r>
-              <a:rPr lang="en-US" dirty="0" smtClean="0"/>
-              <a:t>6. Conclusion</a:t>
+              <a:t>Conclusion</a:t>
             </a:r>
             <a:endParaRPr lang="en-US" dirty="0"/>
           </a:p>
@@ -5083,7 +5018,7 @@
     </p:spTree>
     <p:extLst>
       <p:ext uri="{BB962C8B-B14F-4D97-AF65-F5344CB8AC3E}">
-        <p14:creationId xmlns:p14="http://schemas.microsoft.com/office/powerpoint/2010/main" xmlns="" val="2279565587"/>
+        <p14:creationId xmlns="" xmlns:p14="http://schemas.microsoft.com/office/powerpoint/2010/main" val="2279565587"/>
       </p:ext>
     </p:extLst>
   </p:cSld>
@@ -5101,262 +5036,6 @@
 </file>
 
 <file path=ppt/slides/slide20.xml><?xml version="1.0" encoding="utf-8"?>
-<p:sld xmlns:a="http://schemas.openxmlformats.org/drawingml/2006/main" xmlns:r="http://schemas.openxmlformats.org/officeDocument/2006/relationships" xmlns:p="http://schemas.openxmlformats.org/presentationml/2006/main">
-  <p:cSld>
-    <p:spTree>
-      <p:nvGrpSpPr>
-        <p:cNvPr id="1" name=""/>
-        <p:cNvGrpSpPr/>
-        <p:nvPr/>
-      </p:nvGrpSpPr>
-      <p:grpSpPr>
-        <a:xfrm>
-          <a:off x="0" y="0"/>
-          <a:ext cx="0" cy="0"/>
-          <a:chOff x="0" y="0"/>
-          <a:chExt cx="0" cy="0"/>
-        </a:xfrm>
-      </p:grpSpPr>
-      <p:sp>
-        <p:nvSpPr>
-          <p:cNvPr id="2" name="Title 1"/>
-          <p:cNvSpPr>
-            <a:spLocks noGrp="1"/>
-          </p:cNvSpPr>
-          <p:nvPr>
-            <p:ph type="title"/>
-          </p:nvPr>
-        </p:nvSpPr>
-        <p:spPr>
-          <a:xfrm>
-            <a:off x="-2912" y="0"/>
-            <a:ext cx="9146912" cy="692696"/>
-          </a:xfrm>
-          <a:solidFill>
-            <a:schemeClr val="bg1">
-              <a:lumMod val="75000"/>
-            </a:schemeClr>
-          </a:solidFill>
-        </p:spPr>
-        <p:txBody>
-          <a:bodyPr>
-            <a:normAutofit fontScale="90000"/>
-          </a:bodyPr>
-          <a:lstStyle/>
-          <a:p>
-            <a:pPr algn="l"/>
-            <a:r>
-              <a:rPr lang="en-US" dirty="0" smtClean="0">
-                <a:solidFill>
-                  <a:schemeClr val="bg1"/>
-                </a:solidFill>
-              </a:rPr>
-              <a:t> constraint-based adjustment</a:t>
-            </a:r>
-            <a:endParaRPr lang="en-US" dirty="0">
-              <a:solidFill>
-                <a:schemeClr val="bg1"/>
-              </a:solidFill>
-            </a:endParaRPr>
-          </a:p>
-        </p:txBody>
-      </p:sp>
-      <p:pic>
-        <p:nvPicPr>
-          <p:cNvPr id="5122" name="Picture 2"/>
-          <p:cNvPicPr>
-            <a:picLocks noChangeAspect="1" noChangeArrowheads="1"/>
-          </p:cNvPicPr>
-          <p:nvPr/>
-        </p:nvPicPr>
-        <p:blipFill>
-          <a:blip r:embed="rId2" cstate="print"/>
-          <a:srcRect/>
-          <a:stretch>
-            <a:fillRect/>
-          </a:stretch>
-        </p:blipFill>
-        <p:spPr bwMode="auto">
-          <a:xfrm>
-            <a:off x="611560" y="1052736"/>
-            <a:ext cx="7848872" cy="4824536"/>
-          </a:xfrm>
-          <a:prstGeom prst="rect">
-            <a:avLst/>
-          </a:prstGeom>
-          <a:noFill/>
-          <a:ln w="9525">
-            <a:noFill/>
-            <a:miter lim="800000"/>
-            <a:headEnd/>
-            <a:tailEnd/>
-          </a:ln>
-        </p:spPr>
-      </p:pic>
-    </p:spTree>
-    <p:extLst>
-      <p:ext uri="{BB962C8B-B14F-4D97-AF65-F5344CB8AC3E}">
-        <p14:creationId xmlns:p14="http://schemas.microsoft.com/office/powerpoint/2010/main" xmlns="" val="1848409642"/>
-      </p:ext>
-    </p:extLst>
-  </p:cSld>
-  <p:clrMapOvr>
-    <a:masterClrMapping/>
-  </p:clrMapOvr>
-</p:sld>
-</file>
-
-<file path=ppt/slides/slide21.xml><?xml version="1.0" encoding="utf-8"?>
-<p:sld xmlns:a="http://schemas.openxmlformats.org/drawingml/2006/main" xmlns:r="http://schemas.openxmlformats.org/officeDocument/2006/relationships" xmlns:p="http://schemas.openxmlformats.org/presentationml/2006/main">
-  <p:cSld>
-    <p:spTree>
-      <p:nvGrpSpPr>
-        <p:cNvPr id="1" name=""/>
-        <p:cNvGrpSpPr/>
-        <p:nvPr/>
-      </p:nvGrpSpPr>
-      <p:grpSpPr>
-        <a:xfrm>
-          <a:off x="0" y="0"/>
-          <a:ext cx="0" cy="0"/>
-          <a:chOff x="0" y="0"/>
-          <a:chExt cx="0" cy="0"/>
-        </a:xfrm>
-      </p:grpSpPr>
-      <p:sp>
-        <p:nvSpPr>
-          <p:cNvPr id="2" name="Title 1"/>
-          <p:cNvSpPr>
-            <a:spLocks noGrp="1"/>
-          </p:cNvSpPr>
-          <p:nvPr>
-            <p:ph type="title"/>
-          </p:nvPr>
-        </p:nvSpPr>
-        <p:spPr>
-          <a:xfrm>
-            <a:off x="-2912" y="0"/>
-            <a:ext cx="9146912" cy="692696"/>
-          </a:xfrm>
-          <a:solidFill>
-            <a:schemeClr val="bg1">
-              <a:lumMod val="75000"/>
-            </a:schemeClr>
-          </a:solidFill>
-        </p:spPr>
-        <p:txBody>
-          <a:bodyPr>
-            <a:normAutofit fontScale="90000"/>
-          </a:bodyPr>
-          <a:lstStyle/>
-          <a:p>
-            <a:pPr algn="l"/>
-            <a:r>
-              <a:rPr lang="en-US" dirty="0" smtClean="0">
-                <a:solidFill>
-                  <a:schemeClr val="bg1"/>
-                </a:solidFill>
-              </a:rPr>
-              <a:t> outline</a:t>
-            </a:r>
-            <a:endParaRPr lang="en-US" dirty="0">
-              <a:solidFill>
-                <a:schemeClr val="bg1"/>
-              </a:solidFill>
-            </a:endParaRPr>
-          </a:p>
-        </p:txBody>
-      </p:sp>
-      <p:sp>
-        <p:nvSpPr>
-          <p:cNvPr id="3" name="Content Placeholder 2"/>
-          <p:cNvSpPr>
-            <a:spLocks noGrp="1"/>
-          </p:cNvSpPr>
-          <p:nvPr>
-            <p:ph idx="1"/>
-          </p:nvPr>
-        </p:nvSpPr>
-        <p:spPr>
-          <a:xfrm>
-            <a:off x="457200" y="1052736"/>
-            <a:ext cx="8229600" cy="4205064"/>
-          </a:xfrm>
-        </p:spPr>
-        <p:txBody>
-          <a:bodyPr/>
-          <a:lstStyle/>
-          <a:p>
-            <a:pPr marL="0" indent="0">
-              <a:buNone/>
-            </a:pPr>
-            <a:r>
-              <a:rPr lang="en-US" dirty="0" smtClean="0"/>
-              <a:t>1. Introduction</a:t>
-            </a:r>
-          </a:p>
-          <a:p>
-            <a:pPr marL="0" indent="0">
-              <a:buNone/>
-            </a:pPr>
-            <a:r>
-              <a:rPr lang="en-US" dirty="0" smtClean="0"/>
-              <a:t>2. Background</a:t>
-            </a:r>
-          </a:p>
-          <a:p>
-            <a:pPr marL="0" indent="0">
-              <a:buNone/>
-            </a:pPr>
-            <a:r>
-              <a:rPr lang="en-US" dirty="0" smtClean="0"/>
-              <a:t>3. Related work</a:t>
-            </a:r>
-          </a:p>
-          <a:p>
-            <a:pPr marL="0" indent="0">
-              <a:buNone/>
-            </a:pPr>
-            <a:r>
-              <a:rPr lang="en-US" dirty="0" smtClean="0"/>
-              <a:t>4. Proposed approach</a:t>
-            </a:r>
-          </a:p>
-          <a:p>
-            <a:pPr marL="0" indent="0">
-              <a:buNone/>
-            </a:pPr>
-            <a:r>
-              <a:rPr lang="en-US" b="1" dirty="0" smtClean="0"/>
-              <a:t>5. Experimental result</a:t>
-            </a:r>
-          </a:p>
-          <a:p>
-            <a:pPr marL="0" indent="0">
-              <a:buNone/>
-            </a:pPr>
-            <a:r>
-              <a:rPr lang="en-US" dirty="0" smtClean="0"/>
-              <a:t>6. Conclusion</a:t>
-            </a:r>
-            <a:endParaRPr lang="en-US" dirty="0"/>
-          </a:p>
-        </p:txBody>
-      </p:sp>
-    </p:spTree>
-    <p:extLst>
-      <p:ext uri="{BB962C8B-B14F-4D97-AF65-F5344CB8AC3E}">
-        <p14:creationId xmlns:p14="http://schemas.microsoft.com/office/powerpoint/2010/main" xmlns="" val="3185099068"/>
-      </p:ext>
-    </p:extLst>
-  </p:cSld>
-  <p:clrMapOvr>
-    <a:masterClrMapping/>
-  </p:clrMapOvr>
-</p:sld>
-</file>
-
-<file path=ppt/slides/slide22.xml><?xml version="1.0" encoding="utf-8"?>
 <p:sld xmlns:a="http://schemas.openxmlformats.org/drawingml/2006/main" xmlns:r="http://schemas.openxmlformats.org/officeDocument/2006/relationships" xmlns:p="http://schemas.openxmlformats.org/presentationml/2006/main">
   <p:cSld>
     <p:spTree>
@@ -5586,7 +5265,7 @@
     </p:spTree>
     <p:extLst>
       <p:ext uri="{BB962C8B-B14F-4D97-AF65-F5344CB8AC3E}">
-        <p14:creationId xmlns:p14="http://schemas.microsoft.com/office/powerpoint/2010/main" xmlns="" val="3185099068"/>
+        <p14:creationId xmlns="" xmlns:p14="http://schemas.microsoft.com/office/powerpoint/2010/main" val="3185099068"/>
       </p:ext>
     </p:extLst>
   </p:cSld>
@@ -5596,7 +5275,7 @@
 </p:sld>
 </file>
 
-<file path=ppt/slides/slide23.xml><?xml version="1.0" encoding="utf-8"?>
+<file path=ppt/slides/slide21.xml><?xml version="1.0" encoding="utf-8"?>
 <p:sld xmlns:a="http://schemas.openxmlformats.org/drawingml/2006/main" xmlns:r="http://schemas.openxmlformats.org/officeDocument/2006/relationships" xmlns:p="http://schemas.openxmlformats.org/presentationml/2006/main">
   <p:cSld>
     <p:spTree>
@@ -5871,7 +5550,7 @@
     </p:spTree>
     <p:extLst>
       <p:ext uri="{BB962C8B-B14F-4D97-AF65-F5344CB8AC3E}">
-        <p14:creationId xmlns:p14="http://schemas.microsoft.com/office/powerpoint/2010/main" xmlns="" val="3185099068"/>
+        <p14:creationId xmlns="" xmlns:p14="http://schemas.microsoft.com/office/powerpoint/2010/main" val="3185099068"/>
       </p:ext>
     </p:extLst>
   </p:cSld>
@@ -5881,7 +5560,7 @@
 </p:sld>
 </file>
 
-<file path=ppt/slides/slide24.xml><?xml version="1.0" encoding="utf-8"?>
+<file path=ppt/slides/slide22.xml><?xml version="1.0" encoding="utf-8"?>
 <p:sld xmlns:a="http://schemas.openxmlformats.org/drawingml/2006/main" xmlns:r="http://schemas.openxmlformats.org/officeDocument/2006/relationships" xmlns:p="http://schemas.openxmlformats.org/presentationml/2006/main">
   <p:cSld>
     <p:spTree>
@@ -6009,7 +5688,263 @@
     </p:spTree>
     <p:extLst>
       <p:ext uri="{BB962C8B-B14F-4D97-AF65-F5344CB8AC3E}">
-        <p14:creationId xmlns:p14="http://schemas.microsoft.com/office/powerpoint/2010/main" xmlns="" val="3185099068"/>
+        <p14:creationId xmlns="" xmlns:p14="http://schemas.microsoft.com/office/powerpoint/2010/main" val="3185099068"/>
+      </p:ext>
+    </p:extLst>
+  </p:cSld>
+  <p:clrMapOvr>
+    <a:masterClrMapping/>
+  </p:clrMapOvr>
+</p:sld>
+</file>
+
+<file path=ppt/slides/slide23.xml><?xml version="1.0" encoding="utf-8"?>
+<p:sld xmlns:a="http://schemas.openxmlformats.org/drawingml/2006/main" xmlns:r="http://schemas.openxmlformats.org/officeDocument/2006/relationships" xmlns:p="http://schemas.openxmlformats.org/presentationml/2006/main">
+  <p:cSld>
+    <p:spTree>
+      <p:nvGrpSpPr>
+        <p:cNvPr id="1" name=""/>
+        <p:cNvGrpSpPr/>
+        <p:nvPr/>
+      </p:nvGrpSpPr>
+      <p:grpSpPr>
+        <a:xfrm>
+          <a:off x="0" y="0"/>
+          <a:ext cx="0" cy="0"/>
+          <a:chOff x="0" y="0"/>
+          <a:chExt cx="0" cy="0"/>
+        </a:xfrm>
+      </p:grpSpPr>
+      <p:sp>
+        <p:nvSpPr>
+          <p:cNvPr id="2" name="Title 1"/>
+          <p:cNvSpPr>
+            <a:spLocks noGrp="1"/>
+          </p:cNvSpPr>
+          <p:nvPr>
+            <p:ph type="title"/>
+          </p:nvPr>
+        </p:nvSpPr>
+        <p:spPr>
+          <a:xfrm>
+            <a:off x="-2912" y="0"/>
+            <a:ext cx="9146912" cy="692696"/>
+          </a:xfrm>
+          <a:solidFill>
+            <a:schemeClr val="bg1">
+              <a:lumMod val="75000"/>
+            </a:schemeClr>
+          </a:solidFill>
+        </p:spPr>
+        <p:txBody>
+          <a:bodyPr>
+            <a:normAutofit fontScale="90000"/>
+          </a:bodyPr>
+          <a:lstStyle/>
+          <a:p>
+            <a:pPr algn="l"/>
+            <a:r>
+              <a:rPr lang="en-US" dirty="0" smtClean="0">
+                <a:solidFill>
+                  <a:schemeClr val="bg1"/>
+                </a:solidFill>
+              </a:rPr>
+              <a:t> test data generation counts</a:t>
+            </a:r>
+            <a:endParaRPr lang="en-US" dirty="0">
+              <a:solidFill>
+                <a:schemeClr val="bg1"/>
+              </a:solidFill>
+            </a:endParaRPr>
+          </a:p>
+        </p:txBody>
+      </p:sp>
+      <p:pic>
+        <p:nvPicPr>
+          <p:cNvPr id="9218" name="Picture 2"/>
+          <p:cNvPicPr>
+            <a:picLocks noChangeAspect="1" noChangeArrowheads="1"/>
+          </p:cNvPicPr>
+          <p:nvPr/>
+        </p:nvPicPr>
+        <p:blipFill>
+          <a:blip r:embed="rId2" cstate="print"/>
+          <a:srcRect/>
+          <a:stretch>
+            <a:fillRect/>
+          </a:stretch>
+        </p:blipFill>
+        <p:spPr bwMode="auto">
+          <a:xfrm>
+            <a:off x="683568" y="1340768"/>
+            <a:ext cx="7776864" cy="1944216"/>
+          </a:xfrm>
+          <a:prstGeom prst="rect">
+            <a:avLst/>
+          </a:prstGeom>
+          <a:noFill/>
+          <a:ln w="9525">
+            <a:noFill/>
+            <a:miter lim="800000"/>
+            <a:headEnd/>
+            <a:tailEnd/>
+          </a:ln>
+        </p:spPr>
+      </p:pic>
+    </p:spTree>
+    <p:extLst>
+      <p:ext uri="{BB962C8B-B14F-4D97-AF65-F5344CB8AC3E}">
+        <p14:creationId xmlns="" xmlns:p14="http://schemas.microsoft.com/office/powerpoint/2010/main" val="3185099068"/>
+      </p:ext>
+    </p:extLst>
+  </p:cSld>
+  <p:clrMapOvr>
+    <a:masterClrMapping/>
+  </p:clrMapOvr>
+</p:sld>
+</file>
+
+<file path=ppt/slides/slide24.xml><?xml version="1.0" encoding="utf-8"?>
+<p:sld xmlns:a="http://schemas.openxmlformats.org/drawingml/2006/main" xmlns:r="http://schemas.openxmlformats.org/officeDocument/2006/relationships" xmlns:p="http://schemas.openxmlformats.org/presentationml/2006/main">
+  <p:cSld>
+    <p:spTree>
+      <p:nvGrpSpPr>
+        <p:cNvPr id="1" name=""/>
+        <p:cNvGrpSpPr/>
+        <p:nvPr/>
+      </p:nvGrpSpPr>
+      <p:grpSpPr>
+        <a:xfrm>
+          <a:off x="0" y="0"/>
+          <a:ext cx="0" cy="0"/>
+          <a:chOff x="0" y="0"/>
+          <a:chExt cx="0" cy="0"/>
+        </a:xfrm>
+      </p:grpSpPr>
+      <p:sp>
+        <p:nvSpPr>
+          <p:cNvPr id="2" name="Title 1"/>
+          <p:cNvSpPr>
+            <a:spLocks noGrp="1"/>
+          </p:cNvSpPr>
+          <p:nvPr>
+            <p:ph type="title"/>
+          </p:nvPr>
+        </p:nvSpPr>
+        <p:spPr>
+          <a:xfrm>
+            <a:off x="-2912" y="0"/>
+            <a:ext cx="9146912" cy="692696"/>
+          </a:xfrm>
+          <a:solidFill>
+            <a:schemeClr val="bg1">
+              <a:lumMod val="75000"/>
+            </a:schemeClr>
+          </a:solidFill>
+        </p:spPr>
+        <p:txBody>
+          <a:bodyPr>
+            <a:normAutofit fontScale="90000"/>
+          </a:bodyPr>
+          <a:lstStyle/>
+          <a:p>
+            <a:pPr algn="l"/>
+            <a:r>
+              <a:rPr lang="en-US" dirty="0" smtClean="0">
+                <a:solidFill>
+                  <a:schemeClr val="bg1"/>
+                </a:solidFill>
+              </a:rPr>
+              <a:t> outline</a:t>
+            </a:r>
+            <a:endParaRPr lang="en-US" dirty="0">
+              <a:solidFill>
+                <a:schemeClr val="bg1"/>
+              </a:solidFill>
+            </a:endParaRPr>
+          </a:p>
+        </p:txBody>
+      </p:sp>
+      <p:sp>
+        <p:nvSpPr>
+          <p:cNvPr id="3" name="Content Placeholder 2"/>
+          <p:cNvSpPr>
+            <a:spLocks noGrp="1"/>
+          </p:cNvSpPr>
+          <p:nvPr>
+            <p:ph idx="1"/>
+          </p:nvPr>
+        </p:nvSpPr>
+        <p:spPr>
+          <a:xfrm>
+            <a:off x="457200" y="1052736"/>
+            <a:ext cx="8229600" cy="4205064"/>
+          </a:xfrm>
+        </p:spPr>
+        <p:txBody>
+          <a:bodyPr/>
+          <a:lstStyle/>
+          <a:p>
+            <a:pPr marL="0" indent="0">
+              <a:buNone/>
+            </a:pPr>
+            <a:r>
+              <a:rPr lang="en-US" dirty="0" smtClean="0"/>
+              <a:t>1. Introduction</a:t>
+            </a:r>
+          </a:p>
+          <a:p>
+            <a:pPr marL="0" indent="0">
+              <a:buNone/>
+            </a:pPr>
+            <a:r>
+              <a:rPr lang="en-US" dirty="0" smtClean="0"/>
+              <a:t>2. Background</a:t>
+            </a:r>
+          </a:p>
+          <a:p>
+            <a:pPr marL="0" indent="0">
+              <a:buNone/>
+            </a:pPr>
+            <a:r>
+              <a:rPr lang="en-US" dirty="0" smtClean="0"/>
+              <a:t>3. Related work</a:t>
+            </a:r>
+          </a:p>
+          <a:p>
+            <a:pPr marL="0" indent="0">
+              <a:buNone/>
+            </a:pPr>
+            <a:r>
+              <a:rPr lang="en-US" dirty="0" smtClean="0"/>
+              <a:t>4. Proposed approach</a:t>
+            </a:r>
+          </a:p>
+          <a:p>
+            <a:pPr marL="0" indent="0">
+              <a:buNone/>
+            </a:pPr>
+            <a:r>
+              <a:rPr lang="en-US" dirty="0" smtClean="0"/>
+              <a:t>5. Experimental result</a:t>
+            </a:r>
+          </a:p>
+          <a:p>
+            <a:pPr marL="0" indent="0">
+              <a:buNone/>
+            </a:pPr>
+            <a:r>
+              <a:rPr lang="en-US" b="1" dirty="0" smtClean="0"/>
+              <a:t>6. Conclusion</a:t>
+            </a:r>
+            <a:endParaRPr lang="en-US" b="1" dirty="0"/>
+          </a:p>
+        </p:txBody>
+      </p:sp>
+    </p:spTree>
+    <p:extLst>
+      <p:ext uri="{BB962C8B-B14F-4D97-AF65-F5344CB8AC3E}">
+        <p14:creationId xmlns="" xmlns:p14="http://schemas.microsoft.com/office/powerpoint/2010/main" val="1133312594"/>
       </p:ext>
     </p:extLst>
   </p:cSld>
@@ -6070,7 +6005,7 @@
                   <a:schemeClr val="bg1"/>
                 </a:solidFill>
               </a:rPr>
-              <a:t> test data generation counts</a:t>
+              <a:t> conclusion</a:t>
             </a:r>
             <a:endParaRPr lang="en-US" dirty="0">
               <a:solidFill>
@@ -6080,42 +6015,60 @@
           </a:p>
         </p:txBody>
       </p:sp>
-      <p:pic>
-        <p:nvPicPr>
-          <p:cNvPr id="9218" name="Picture 2"/>
-          <p:cNvPicPr>
-            <a:picLocks noChangeAspect="1" noChangeArrowheads="1"/>
-          </p:cNvPicPr>
-          <p:nvPr/>
-        </p:nvPicPr>
-        <p:blipFill>
-          <a:blip r:embed="rId2" cstate="print"/>
-          <a:srcRect/>
-          <a:stretch>
-            <a:fillRect/>
-          </a:stretch>
-        </p:blipFill>
-        <p:spPr bwMode="auto">
-          <a:xfrm>
-            <a:off x="683568" y="1340768"/>
-            <a:ext cx="7776864" cy="1944216"/>
-          </a:xfrm>
-          <a:prstGeom prst="rect">
-            <a:avLst/>
-          </a:prstGeom>
-          <a:noFill/>
-          <a:ln w="9525">
-            <a:noFill/>
-            <a:miter lim="800000"/>
-            <a:headEnd/>
-            <a:tailEnd/>
-          </a:ln>
+      <p:sp>
+        <p:nvSpPr>
+          <p:cNvPr id="3" name="Content Placeholder 2"/>
+          <p:cNvSpPr>
+            <a:spLocks noGrp="1"/>
+          </p:cNvSpPr>
+          <p:nvPr>
+            <p:ph idx="1"/>
+          </p:nvPr>
+        </p:nvSpPr>
+        <p:spPr>
+          <a:xfrm>
+            <a:off x="457200" y="908720"/>
+            <a:ext cx="8229600" cy="5256584"/>
+          </a:xfrm>
         </p:spPr>
-      </p:pic>
+        <p:txBody>
+          <a:bodyPr>
+            <a:noAutofit/>
+          </a:bodyPr>
+          <a:lstStyle/>
+          <a:p>
+            <a:r>
+              <a:rPr lang="en-US" sz="2500" dirty="0" smtClean="0"/>
+              <a:t>From a given program under test, we find out the test paths which are difficult or impossible for GA to generate coverage test data, and then use the constraint solver </a:t>
+            </a:r>
+            <a:r>
+              <a:rPr lang="en-US" sz="2500" dirty="0" err="1" smtClean="0"/>
+              <a:t>Z3</a:t>
+            </a:r>
+            <a:r>
+              <a:rPr lang="en-US" sz="2500" dirty="0" smtClean="0"/>
+              <a:t> to solve these path conditions. The constraint satisfaction will be used again in generating population of GA. </a:t>
+            </a:r>
+          </a:p>
+          <a:p>
+            <a:r>
+              <a:rPr lang="en-US" sz="2500" dirty="0" smtClean="0"/>
+              <a:t>The experimental results of some programs under test demonstrate that improved GA generated test data can cover all feasible paths having path conditions which cannot be covered by test data generated from regular GA. </a:t>
+            </a:r>
+          </a:p>
+          <a:p>
+            <a:r>
+              <a:rPr lang="en-US" sz="2500" dirty="0" smtClean="0"/>
+              <a:t>In the future, we will investigate how to automatically insert instrument code into the given program under test. Moreover, we are going to extend our proposed method to apply to the more complex programs under test. </a:t>
+            </a:r>
+            <a:endParaRPr lang="en-US" sz="2500" b="1" dirty="0"/>
+          </a:p>
+        </p:txBody>
+      </p:sp>
     </p:spTree>
     <p:extLst>
       <p:ext uri="{BB962C8B-B14F-4D97-AF65-F5344CB8AC3E}">
-        <p14:creationId xmlns:p14="http://schemas.microsoft.com/office/powerpoint/2010/main" xmlns="" val="3185099068"/>
+        <p14:creationId xmlns="" xmlns:p14="http://schemas.microsoft.com/office/powerpoint/2010/main" val="1133312594"/>
       </p:ext>
     </p:extLst>
   </p:cSld>
@@ -6176,7 +6129,7 @@
                   <a:schemeClr val="bg1"/>
                 </a:solidFill>
               </a:rPr>
-              <a:t> outline</a:t>
+              <a:t> reference</a:t>
             </a:r>
             <a:endParaRPr lang="en-US" dirty="0">
               <a:solidFill>
@@ -6198,74 +6151,45 @@
         </p:nvSpPr>
         <p:spPr>
           <a:xfrm>
-            <a:off x="457200" y="1052736"/>
-            <a:ext cx="8229600" cy="4205064"/>
+            <a:off x="385025" y="836712"/>
+            <a:ext cx="8424936" cy="5755946"/>
           </a:xfrm>
         </p:spPr>
         <p:txBody>
-          <a:bodyPr/>
-          <a:lstStyle/>
-          <a:p>
-            <a:pPr marL="0" indent="0">
-              <a:buNone/>
+          <a:bodyPr>
+            <a:noAutofit/>
+          </a:bodyPr>
+          <a:lstStyle/>
+          <a:p>
+            <a:pPr marL="514350" lvl="0" indent="-514350">
+              <a:buFont typeface="Arial" panose="020B0604020202020204" pitchFamily="34" charset="0"/>
+              <a:buAutoNum type="arabicPeriod"/>
             </a:pPr>
             <a:r>
-              <a:rPr lang="en-US" dirty="0" smtClean="0"/>
-              <a:t>1. Introduction</a:t>
-            </a:r>
-          </a:p>
-          <a:p>
-            <a:pPr marL="0" indent="0">
-              <a:buNone/>
+              <a:rPr lang="en-US" sz="2000" dirty="0" smtClean="0"/>
+              <a:t>C. Mao: Generating Test Data for Software Structural Testing Based on Particle Swarm Optimization. Arabian Journal for Science and Engineering, </a:t>
+            </a:r>
+            <a:r>
+              <a:rPr lang="en-US" sz="2000" dirty="0" err="1" smtClean="0"/>
+              <a:t>vol</a:t>
+            </a:r>
+            <a:r>
+              <a:rPr lang="en-US" sz="2000" dirty="0" smtClean="0"/>
+              <a:t> 39, issue 6, pp 4593–4607 (June 2014).</a:t>
+            </a:r>
+          </a:p>
+          <a:p>
+            <a:pPr marL="514350" indent="-514350">
+              <a:buAutoNum type="arabicPeriod"/>
             </a:pPr>
-            <a:r>
-              <a:rPr lang="en-US" dirty="0" smtClean="0"/>
-              <a:t>2. Background</a:t>
-            </a:r>
-          </a:p>
-          <a:p>
-            <a:pPr marL="0" indent="0">
-              <a:buNone/>
-            </a:pPr>
-            <a:r>
-              <a:rPr lang="en-US" dirty="0" smtClean="0"/>
-              <a:t>3. Related work</a:t>
-            </a:r>
-          </a:p>
-          <a:p>
-            <a:pPr marL="0" indent="0">
-              <a:buNone/>
-            </a:pPr>
-            <a:r>
-              <a:rPr lang="en-US" dirty="0" smtClean="0"/>
-              <a:t>4. Proposed approach</a:t>
-            </a:r>
-          </a:p>
-          <a:p>
-            <a:pPr marL="0" indent="0">
-              <a:buNone/>
-            </a:pPr>
-            <a:r>
-              <a:rPr lang="en-US" dirty="0" smtClean="0"/>
-              <a:t>5. Experimental result</a:t>
-            </a:r>
-          </a:p>
-          <a:p>
-            <a:pPr marL="0" indent="0">
-              <a:buNone/>
-            </a:pPr>
-            <a:r>
-              <a:rPr lang="en-US" b="1" dirty="0" smtClean="0"/>
-              <a:t>6. Conclusion</a:t>
-            </a:r>
-            <a:endParaRPr lang="en-US" b="1" dirty="0"/>
+            <a:endParaRPr lang="en-US" sz="1900" dirty="0" smtClean="0"/>
           </a:p>
         </p:txBody>
       </p:sp>
     </p:spTree>
     <p:extLst>
       <p:ext uri="{BB962C8B-B14F-4D97-AF65-F5344CB8AC3E}">
-        <p14:creationId xmlns:p14="http://schemas.microsoft.com/office/powerpoint/2010/main" xmlns="" val="1133312594"/>
+        <p14:creationId xmlns="" xmlns:p14="http://schemas.microsoft.com/office/powerpoint/2010/main" val="1133312594"/>
       </p:ext>
     </p:extLst>
   </p:cSld>
@@ -6276,363 +6200,6 @@
 </file>
 
 <file path=ppt/slides/slide27.xml><?xml version="1.0" encoding="utf-8"?>
-<p:sld xmlns:a="http://schemas.openxmlformats.org/drawingml/2006/main" xmlns:r="http://schemas.openxmlformats.org/officeDocument/2006/relationships" xmlns:p="http://schemas.openxmlformats.org/presentationml/2006/main">
-  <p:cSld>
-    <p:spTree>
-      <p:nvGrpSpPr>
-        <p:cNvPr id="1" name=""/>
-        <p:cNvGrpSpPr/>
-        <p:nvPr/>
-      </p:nvGrpSpPr>
-      <p:grpSpPr>
-        <a:xfrm>
-          <a:off x="0" y="0"/>
-          <a:ext cx="0" cy="0"/>
-          <a:chOff x="0" y="0"/>
-          <a:chExt cx="0" cy="0"/>
-        </a:xfrm>
-      </p:grpSpPr>
-      <p:sp>
-        <p:nvSpPr>
-          <p:cNvPr id="2" name="Title 1"/>
-          <p:cNvSpPr>
-            <a:spLocks noGrp="1"/>
-          </p:cNvSpPr>
-          <p:nvPr>
-            <p:ph type="title"/>
-          </p:nvPr>
-        </p:nvSpPr>
-        <p:spPr>
-          <a:xfrm>
-            <a:off x="-2912" y="0"/>
-            <a:ext cx="9146912" cy="692696"/>
-          </a:xfrm>
-          <a:solidFill>
-            <a:schemeClr val="bg1">
-              <a:lumMod val="75000"/>
-            </a:schemeClr>
-          </a:solidFill>
-        </p:spPr>
-        <p:txBody>
-          <a:bodyPr>
-            <a:normAutofit fontScale="90000"/>
-          </a:bodyPr>
-          <a:lstStyle/>
-          <a:p>
-            <a:pPr algn="l"/>
-            <a:r>
-              <a:rPr lang="en-US" dirty="0" smtClean="0">
-                <a:solidFill>
-                  <a:schemeClr val="bg1"/>
-                </a:solidFill>
-              </a:rPr>
-              <a:t> conclusion</a:t>
-            </a:r>
-            <a:endParaRPr lang="en-US" dirty="0">
-              <a:solidFill>
-                <a:schemeClr val="bg1"/>
-              </a:solidFill>
-            </a:endParaRPr>
-          </a:p>
-        </p:txBody>
-      </p:sp>
-      <p:sp>
-        <p:nvSpPr>
-          <p:cNvPr id="3" name="Content Placeholder 2"/>
-          <p:cNvSpPr>
-            <a:spLocks noGrp="1"/>
-          </p:cNvSpPr>
-          <p:nvPr>
-            <p:ph idx="1"/>
-          </p:nvPr>
-        </p:nvSpPr>
-        <p:spPr>
-          <a:xfrm>
-            <a:off x="457200" y="908720"/>
-            <a:ext cx="8229600" cy="5256584"/>
-          </a:xfrm>
-        </p:spPr>
-        <p:txBody>
-          <a:bodyPr>
-            <a:noAutofit/>
-          </a:bodyPr>
-          <a:lstStyle/>
-          <a:p>
-            <a:r>
-              <a:rPr lang="en-US" sz="2500" dirty="0" smtClean="0"/>
-              <a:t>From a given program under test, we find out the test paths which are difficult or impossible for GA to generate coverage test data, and then use the constraint solver </a:t>
-            </a:r>
-            <a:r>
-              <a:rPr lang="en-US" sz="2500" dirty="0" err="1" smtClean="0"/>
-              <a:t>Z3</a:t>
-            </a:r>
-            <a:r>
-              <a:rPr lang="en-US" sz="2500" dirty="0" smtClean="0"/>
-              <a:t> to solve these path conditions. The constraint satisfaction will be used again in generating population of GA. </a:t>
-            </a:r>
-          </a:p>
-          <a:p>
-            <a:r>
-              <a:rPr lang="en-US" sz="2500" dirty="0" smtClean="0"/>
-              <a:t>The experimental results of some programs under test demonstrate that improved GA generated test data can cover all feasible paths having path conditions which cannot be covered by test data generated from regular GA. </a:t>
-            </a:r>
-          </a:p>
-          <a:p>
-            <a:r>
-              <a:rPr lang="en-US" sz="2500" dirty="0" smtClean="0"/>
-              <a:t>In the future, we will investigate how to automatically insert instrument code into the given program under test. Moreover, we are going to extend our proposed method to apply to the more complex programs under test. </a:t>
-            </a:r>
-            <a:endParaRPr lang="en-US" sz="2500" b="1" dirty="0"/>
-          </a:p>
-        </p:txBody>
-      </p:sp>
-    </p:spTree>
-    <p:extLst>
-      <p:ext uri="{BB962C8B-B14F-4D97-AF65-F5344CB8AC3E}">
-        <p14:creationId xmlns:p14="http://schemas.microsoft.com/office/powerpoint/2010/main" xmlns="" val="1133312594"/>
-      </p:ext>
-    </p:extLst>
-  </p:cSld>
-  <p:clrMapOvr>
-    <a:masterClrMapping/>
-  </p:clrMapOvr>
-</p:sld>
-</file>
-
-<file path=ppt/slides/slide28.xml><?xml version="1.0" encoding="utf-8"?>
-<p:sld xmlns:a="http://schemas.openxmlformats.org/drawingml/2006/main" xmlns:r="http://schemas.openxmlformats.org/officeDocument/2006/relationships" xmlns:p="http://schemas.openxmlformats.org/presentationml/2006/main">
-  <p:cSld>
-    <p:spTree>
-      <p:nvGrpSpPr>
-        <p:cNvPr id="1" name=""/>
-        <p:cNvGrpSpPr/>
-        <p:nvPr/>
-      </p:nvGrpSpPr>
-      <p:grpSpPr>
-        <a:xfrm>
-          <a:off x="0" y="0"/>
-          <a:ext cx="0" cy="0"/>
-          <a:chOff x="0" y="0"/>
-          <a:chExt cx="0" cy="0"/>
-        </a:xfrm>
-      </p:grpSpPr>
-      <p:sp>
-        <p:nvSpPr>
-          <p:cNvPr id="2" name="Title 1"/>
-          <p:cNvSpPr>
-            <a:spLocks noGrp="1"/>
-          </p:cNvSpPr>
-          <p:nvPr>
-            <p:ph type="title"/>
-          </p:nvPr>
-        </p:nvSpPr>
-        <p:spPr>
-          <a:xfrm>
-            <a:off x="-2912" y="0"/>
-            <a:ext cx="9146912" cy="692696"/>
-          </a:xfrm>
-          <a:solidFill>
-            <a:schemeClr val="bg1">
-              <a:lumMod val="75000"/>
-            </a:schemeClr>
-          </a:solidFill>
-        </p:spPr>
-        <p:txBody>
-          <a:bodyPr>
-            <a:normAutofit fontScale="90000"/>
-          </a:bodyPr>
-          <a:lstStyle/>
-          <a:p>
-            <a:pPr algn="l"/>
-            <a:r>
-              <a:rPr lang="en-US" dirty="0" smtClean="0">
-                <a:solidFill>
-                  <a:schemeClr val="bg1"/>
-                </a:solidFill>
-              </a:rPr>
-              <a:t> reference</a:t>
-            </a:r>
-            <a:endParaRPr lang="en-US" dirty="0">
-              <a:solidFill>
-                <a:schemeClr val="bg1"/>
-              </a:solidFill>
-            </a:endParaRPr>
-          </a:p>
-        </p:txBody>
-      </p:sp>
-      <p:sp>
-        <p:nvSpPr>
-          <p:cNvPr id="3" name="Content Placeholder 2"/>
-          <p:cNvSpPr>
-            <a:spLocks noGrp="1"/>
-          </p:cNvSpPr>
-          <p:nvPr>
-            <p:ph idx="1"/>
-          </p:nvPr>
-        </p:nvSpPr>
-        <p:spPr>
-          <a:xfrm>
-            <a:off x="385025" y="836712"/>
-            <a:ext cx="8424936" cy="5755946"/>
-          </a:xfrm>
-        </p:spPr>
-        <p:txBody>
-          <a:bodyPr>
-            <a:noAutofit/>
-          </a:bodyPr>
-          <a:lstStyle/>
-          <a:p>
-            <a:pPr marL="514350" indent="-514350">
-              <a:buAutoNum type="arabicPeriod"/>
-            </a:pPr>
-            <a:r>
-              <a:rPr lang="en-US" sz="1900" dirty="0" smtClean="0"/>
-              <a:t>G. J. Myers: The Art of Software Testing, 2nd edition. John Wiley &amp; Sons Inc (2004).</a:t>
-            </a:r>
-          </a:p>
-          <a:p>
-            <a:pPr marL="457200" indent="-457200">
-              <a:buAutoNum type="arabicPeriod"/>
-            </a:pPr>
-            <a:r>
-              <a:rPr lang="en-US" sz="1900" dirty="0" smtClean="0"/>
-              <a:t> J. C. Lin and P. L. </a:t>
-            </a:r>
-            <a:r>
-              <a:rPr lang="en-US" sz="1900" dirty="0" err="1" smtClean="0"/>
-              <a:t>Yeh</a:t>
-            </a:r>
-            <a:r>
-              <a:rPr lang="en-US" sz="1900" dirty="0" smtClean="0"/>
-              <a:t>: Using genetic algorithms for test case generation in path testing. In: 9th Asian Test Symposium, pp. 241--246. IEEE Computer Society, Washington (2000).</a:t>
-            </a:r>
-          </a:p>
-          <a:p>
-            <a:pPr marL="457200" indent="-457200">
-              <a:buAutoNum type="arabicPeriod"/>
-            </a:pPr>
-            <a:r>
-              <a:rPr lang="en-US" sz="1900" dirty="0" smtClean="0"/>
-              <a:t>B. F. Jones, H. H. </a:t>
-            </a:r>
-            <a:r>
-              <a:rPr lang="en-US" sz="1900" dirty="0" err="1" smtClean="0"/>
-              <a:t>Sthamer</a:t>
-            </a:r>
-            <a:r>
-              <a:rPr lang="en-US" sz="1900" dirty="0" smtClean="0"/>
-              <a:t>, and </a:t>
-            </a:r>
-            <a:r>
-              <a:rPr lang="en-US" sz="1900" dirty="0" err="1" smtClean="0"/>
-              <a:t>D.E.</a:t>
-            </a:r>
-            <a:r>
-              <a:rPr lang="en-US" sz="1900" dirty="0" smtClean="0"/>
-              <a:t> </a:t>
-            </a:r>
-            <a:r>
-              <a:rPr lang="en-US" sz="1900" dirty="0" err="1" smtClean="0"/>
-              <a:t>Eyres</a:t>
-            </a:r>
-            <a:r>
-              <a:rPr lang="en-US" sz="1900" dirty="0" smtClean="0"/>
-              <a:t>: Automatic structural testing using genetic algorithms. Software Engineering, 11(5), 299--306, (1996).</a:t>
-            </a:r>
-          </a:p>
-          <a:p>
-            <a:pPr marL="457200" indent="-457200">
-              <a:buAutoNum type="arabicPeriod"/>
-            </a:pPr>
-            <a:r>
-              <a:rPr lang="en-US" sz="1900" dirty="0" smtClean="0"/>
-              <a:t>Y. Chen and Y. </a:t>
-            </a:r>
-            <a:r>
-              <a:rPr lang="en-US" sz="1900" dirty="0" err="1" smtClean="0"/>
-              <a:t>Zhong</a:t>
-            </a:r>
-            <a:r>
-              <a:rPr lang="en-US" sz="1900" dirty="0" smtClean="0"/>
-              <a:t>: Automatic path-oriented test data generation using a multi-population genetic algorithm. In: 4th International Conference on Natural Computation, </a:t>
-            </a:r>
-            <a:r>
-              <a:rPr lang="en-US" sz="1900" dirty="0" err="1" smtClean="0"/>
-              <a:t>vol</a:t>
-            </a:r>
-            <a:r>
-              <a:rPr lang="en-US" sz="1900" dirty="0" smtClean="0"/>
-              <a:t> 1, pp. 566--570, 2008.</a:t>
-            </a:r>
-          </a:p>
-          <a:p>
-            <a:pPr marL="457200" indent="-457200">
-              <a:buAutoNum type="arabicPeriod"/>
-            </a:pPr>
-            <a:r>
-              <a:rPr lang="en-US" sz="1900" dirty="0" smtClean="0"/>
-              <a:t>J. </a:t>
-            </a:r>
-            <a:r>
-              <a:rPr lang="en-US" sz="1900" dirty="0" err="1" smtClean="0"/>
-              <a:t>Malburg</a:t>
-            </a:r>
-            <a:r>
-              <a:rPr lang="en-US" sz="1900" dirty="0" smtClean="0"/>
-              <a:t> and G. Fraser: Search-based testing using constraint-based mutation. Journal Software Testing, Verification &amp; Reliability, vol. 24(6), 472--495 (2014).</a:t>
-            </a:r>
-          </a:p>
-          <a:p>
-            <a:pPr marL="457200" indent="-457200">
-              <a:buAutoNum type="arabicPeriod"/>
-            </a:pPr>
-            <a:r>
-              <a:rPr lang="en-US" sz="1900" dirty="0" smtClean="0"/>
-              <a:t>I. </a:t>
-            </a:r>
-            <a:r>
-              <a:rPr lang="en-US" sz="1900" dirty="0" err="1" smtClean="0"/>
-              <a:t>Hermadi</a:t>
-            </a:r>
-            <a:r>
-              <a:rPr lang="en-US" sz="1900" dirty="0" smtClean="0"/>
-              <a:t> and M. A. Ahmed: Genetic Algorithm based test data generator. In: Congress on Evolutionary Computation (CEC), vol. 1, pp. 85--91. Canberra, Australia (2003).</a:t>
-            </a:r>
-          </a:p>
-          <a:p>
-            <a:pPr marL="457200" indent="-457200">
-              <a:buAutoNum type="arabicPeriod"/>
-            </a:pPr>
-            <a:r>
-              <a:rPr lang="en-US" sz="1900" dirty="0" smtClean="0"/>
-              <a:t>M. A. Ahmed and I. </a:t>
-            </a:r>
-            <a:r>
-              <a:rPr lang="en-US" sz="1900" dirty="0" err="1" smtClean="0"/>
-              <a:t>Hermadi</a:t>
-            </a:r>
-            <a:r>
-              <a:rPr lang="en-US" sz="1900" dirty="0" smtClean="0"/>
-              <a:t>: GA-based Multiple Paths Test Data Generator. Computers &amp; Operations Research, vol. 35, pp 3107--3124 (2008).</a:t>
-            </a:r>
-            <a:endParaRPr lang="en-US" sz="1900" dirty="0"/>
-          </a:p>
-        </p:txBody>
-      </p:sp>
-    </p:spTree>
-    <p:extLst>
-      <p:ext uri="{BB962C8B-B14F-4D97-AF65-F5344CB8AC3E}">
-        <p14:creationId xmlns:p14="http://schemas.microsoft.com/office/powerpoint/2010/main" xmlns="" val="1133312594"/>
-      </p:ext>
-    </p:extLst>
-  </p:cSld>
-  <p:clrMapOvr>
-    <a:masterClrMapping/>
-  </p:clrMapOvr>
-</p:sld>
-</file>
-
-<file path=ppt/slides/slide29.xml><?xml version="1.0" encoding="utf-8"?>
 <p:sld xmlns:a="http://schemas.openxmlformats.org/drawingml/2006/main" xmlns:r="http://schemas.openxmlformats.org/officeDocument/2006/relationships" xmlns:p="http://schemas.openxmlformats.org/presentationml/2006/main">
   <p:cSld>
     <p:spTree>
@@ -6684,7 +6251,7 @@
     </p:spTree>
     <p:extLst>
       <p:ext uri="{BB962C8B-B14F-4D97-AF65-F5344CB8AC3E}">
-        <p14:creationId xmlns:p14="http://schemas.microsoft.com/office/powerpoint/2010/main" xmlns="" val="1133312594"/>
+        <p14:creationId xmlns="" xmlns:p14="http://schemas.microsoft.com/office/powerpoint/2010/main" val="1133312594"/>
       </p:ext>
     </p:extLst>
   </p:cSld>
@@ -6745,7 +6312,15 @@
                   <a:schemeClr val="bg1"/>
                 </a:solidFill>
               </a:rPr>
-              <a:t> software is everywhere</a:t>
+              <a:t> </a:t>
+            </a:r>
+            <a:r>
+              <a:rPr lang="en-US" dirty="0" smtClean="0">
+                <a:solidFill>
+                  <a:schemeClr val="bg1"/>
+                </a:solidFill>
+              </a:rPr>
+              <a:t>Introduction(1)</a:t>
             </a:r>
             <a:endParaRPr lang="en-US" dirty="0">
               <a:solidFill>
@@ -6757,100 +6332,197 @@
       </p:sp>
       <p:sp>
         <p:nvSpPr>
-          <p:cNvPr id="5" name="TextBox 4"/>
-          <p:cNvSpPr txBox="1"/>
-          <p:nvPr/>
+          <p:cNvPr id="3" name="Content Placeholder 2"/>
+          <p:cNvSpPr>
+            <a:spLocks noGrp="1"/>
+          </p:cNvSpPr>
+          <p:nvPr>
+            <p:ph idx="1"/>
+          </p:nvPr>
         </p:nvSpPr>
         <p:spPr>
           <a:xfrm>
-            <a:off x="467544" y="5562600"/>
-            <a:ext cx="8447856" cy="1107996"/>
-          </a:xfrm>
-          <a:prstGeom prst="rect">
-            <a:avLst/>
-          </a:prstGeom>
-          <a:noFill/>
+            <a:off x="457200" y="914400"/>
+            <a:ext cx="8229600" cy="5184576"/>
+          </a:xfrm>
         </p:spPr>
         <p:txBody>
-          <a:bodyPr wrap="square" rtlCol="0">
-            <a:spAutoFit/>
+          <a:bodyPr>
+            <a:normAutofit lnSpcReduction="10000"/>
           </a:bodyPr>
           <a:lstStyle/>
           <a:p>
-            <a:r>
-              <a:rPr lang="en-US" sz="2200" dirty="0" smtClean="0"/>
-              <a:t>Bugs are expensive. Annual cost of bug fixing to US economy is $</a:t>
-            </a:r>
-            <a:r>
-              <a:rPr lang="ja-JP" altLang="en-US" sz="2200" dirty="0" smtClean="0"/>
-              <a:t>～</a:t>
-            </a:r>
-            <a:r>
-              <a:rPr lang="en-US" sz="2200" dirty="0" smtClean="0"/>
-              <a:t>60B [1], so automated testing is an efficient way to reduce those effort and costs.</a:t>
-            </a:r>
-            <a:endParaRPr lang="en-US" sz="2200" dirty="0"/>
-          </a:p>
-        </p:txBody>
-      </p:sp>
-      <p:pic>
-        <p:nvPicPr>
-          <p:cNvPr id="2051" name="Picture 3"/>
-          <p:cNvPicPr>
-            <a:picLocks noChangeAspect="1" noChangeArrowheads="1"/>
-          </p:cNvPicPr>
-          <p:nvPr/>
-        </p:nvPicPr>
-        <p:blipFill>
-          <a:blip r:embed="rId2" cstate="print">
-            <a:extLst>
-              <a:ext uri="{28A0092B-C50C-407E-A947-70E740481C1C}">
-                <a14:useLocalDpi xmlns:a14="http://schemas.microsoft.com/office/drawing/2010/main" xmlns="" val="0"/>
-              </a:ext>
-            </a:extLst>
-          </a:blip>
-          <a:srcRect/>
-          <a:stretch>
-            <a:fillRect/>
-          </a:stretch>
-        </p:blipFill>
-        <p:spPr bwMode="auto">
-          <a:xfrm>
-            <a:off x="323528" y="908720"/>
-            <a:ext cx="8712968" cy="4752528"/>
-          </a:xfrm>
-          <a:prstGeom prst="rect">
-            <a:avLst/>
-          </a:prstGeom>
-          <a:noFill/>
-          <a:ln>
-            <a:noFill/>
-          </a:ln>
-          <a:extLst>
-            <a:ext uri="{909E8E84-426E-40DD-AFC4-6F175D3DCCD1}">
-              <a14:hiddenFill xmlns:a14="http://schemas.microsoft.com/office/drawing/2010/main" xmlns="">
-                <a:solidFill>
-                  <a:schemeClr val="accent1"/>
-                </a:solidFill>
-              </a14:hiddenFill>
-            </a:ext>
-            <a:ext uri="{91240B29-F687-4F45-9708-019B960494DF}">
-              <a14:hiddenLine xmlns:a14="http://schemas.microsoft.com/office/drawing/2010/main" xmlns="" w="9525">
-                <a:solidFill>
-                  <a:schemeClr val="tx1"/>
-                </a:solidFill>
-                <a:miter lim="800000"/>
-                <a:headEnd/>
-                <a:tailEnd/>
-              </a14:hiddenLine>
-            </a:ext>
-          </a:extLst>
-        </p:spPr>
-      </p:pic>
+            <a:pPr marL="0" indent="0">
+              <a:buNone/>
+            </a:pPr>
+            <a:r>
+              <a:rPr lang="en-US" dirty="0" smtClean="0"/>
+              <a:t>Approaches </a:t>
+            </a:r>
+            <a:r>
+              <a:rPr lang="en-US" dirty="0" smtClean="0"/>
+              <a:t>to automated </a:t>
+            </a:r>
+            <a:r>
+              <a:rPr lang="en-US" dirty="0" smtClean="0"/>
+              <a:t>testing:</a:t>
+            </a:r>
+            <a:endParaRPr lang="en-US" dirty="0" smtClean="0"/>
+          </a:p>
+          <a:p>
+            <a:pPr marL="0" indent="0">
+              <a:buNone/>
+            </a:pPr>
+            <a:r>
+              <a:rPr lang="en-US" dirty="0" smtClean="0"/>
+              <a:t>	static </a:t>
+            </a:r>
+            <a:r>
+              <a:rPr lang="en-US" dirty="0"/>
+              <a:t>analysis </a:t>
+            </a:r>
+            <a:endParaRPr lang="en-US" dirty="0" smtClean="0"/>
+          </a:p>
+          <a:p>
+            <a:pPr marL="0" indent="0">
+              <a:buNone/>
+            </a:pPr>
+            <a:r>
+              <a:rPr lang="en-US" dirty="0" smtClean="0"/>
+              <a:t>	</a:t>
+            </a:r>
+            <a:r>
+              <a:rPr lang="en-US" dirty="0" smtClean="0"/>
+              <a:t>	</a:t>
+            </a:r>
+            <a:r>
+              <a:rPr lang="en-US" sz="2800" dirty="0" smtClean="0"/>
+              <a:t>automatic</a:t>
+            </a:r>
+            <a:r>
+              <a:rPr lang="en-US" sz="2800" dirty="0" smtClean="0"/>
+              <a:t>, scalable, exhaustive</a:t>
+            </a:r>
+          </a:p>
+          <a:p>
+            <a:pPr marL="0" indent="0">
+              <a:buNone/>
+            </a:pPr>
+            <a:r>
+              <a:rPr lang="en-US" sz="2800" dirty="0" smtClean="0"/>
+              <a:t>	</a:t>
+            </a:r>
+            <a:r>
+              <a:rPr lang="en-US" sz="2800" dirty="0" smtClean="0"/>
+              <a:t>	infinite loops, array, procedure calls and </a:t>
+            </a:r>
+            <a:r>
+              <a:rPr lang="en-US" sz="2800" dirty="0" smtClean="0"/>
+              <a:t>		pointer references </a:t>
+            </a:r>
+            <a:endParaRPr lang="en-US" sz="2800" dirty="0" smtClean="0"/>
+          </a:p>
+          <a:p>
+            <a:pPr marL="0" indent="0">
+              <a:buNone/>
+            </a:pPr>
+            <a:r>
+              <a:rPr lang="en-US" sz="2800" dirty="0" smtClean="0"/>
+              <a:t>	</a:t>
+            </a:r>
+            <a:r>
+              <a:rPr lang="en-US" sz="2800" dirty="0" smtClean="0"/>
+              <a:t>	state-of-the-art: symbolic execution (SE)</a:t>
+            </a:r>
+            <a:endParaRPr lang="en-US" sz="2800" dirty="0"/>
+          </a:p>
+          <a:p>
+            <a:pPr marL="0" indent="0">
+              <a:buNone/>
+            </a:pPr>
+            <a:r>
+              <a:rPr lang="en-US" dirty="0" smtClean="0"/>
+              <a:t>	dynamic </a:t>
+            </a:r>
+            <a:r>
+              <a:rPr lang="en-US" dirty="0" smtClean="0"/>
+              <a:t>analysis</a:t>
+            </a:r>
+          </a:p>
+          <a:p>
+            <a:pPr marL="0" indent="0">
+              <a:buNone/>
+            </a:pPr>
+            <a:r>
+              <a:rPr lang="en-US" sz="2800" dirty="0" smtClean="0"/>
+              <a:t>	</a:t>
+            </a:r>
+            <a:r>
+              <a:rPr lang="en-US" sz="2800" dirty="0" smtClean="0"/>
+              <a:t>	random </a:t>
+            </a:r>
+            <a:r>
+              <a:rPr lang="en-US" sz="2800" dirty="0" smtClean="0"/>
+              <a:t>testing, local search, and </a:t>
+            </a:r>
+            <a:r>
+              <a:rPr lang="en-US" sz="2800" dirty="0" smtClean="0"/>
+              <a:t>			evolutionary methods </a:t>
+            </a:r>
+            <a:endParaRPr lang="en-US" sz="2800" dirty="0" smtClean="0"/>
+          </a:p>
+          <a:p>
+            <a:pPr marL="0" indent="0">
+              <a:buNone/>
+            </a:pPr>
+            <a:r>
+              <a:rPr lang="en-US" sz="2800" dirty="0" smtClean="0"/>
+              <a:t>	</a:t>
+            </a:r>
+            <a:r>
+              <a:rPr lang="en-US" sz="2800" dirty="0" smtClean="0"/>
+              <a:t>	most widely known: </a:t>
+            </a:r>
+            <a:r>
+              <a:rPr lang="en-US" sz="2800" dirty="0" smtClean="0"/>
+              <a:t>Genetic </a:t>
+            </a:r>
+            <a:r>
+              <a:rPr lang="en-US" sz="2800" dirty="0" smtClean="0"/>
+              <a:t>A</a:t>
+            </a:r>
+            <a:r>
+              <a:rPr lang="en-US" sz="2800" dirty="0" smtClean="0"/>
+              <a:t>lgorithm 		(</a:t>
+            </a:r>
+            <a:r>
+              <a:rPr lang="en-US" sz="2800" dirty="0" smtClean="0"/>
+              <a:t>GA</a:t>
+            </a:r>
+            <a:r>
+              <a:rPr lang="en-US" sz="2800" dirty="0" smtClean="0"/>
+              <a:t>), Particle Swarm </a:t>
+            </a:r>
+            <a:r>
+              <a:rPr lang="en-US" sz="2800" dirty="0" smtClean="0"/>
+              <a:t>Optimization(</a:t>
+            </a:r>
+            <a:r>
+              <a:rPr lang="en-US" sz="2800" dirty="0" err="1" smtClean="0"/>
+              <a:t>PSO</a:t>
+            </a:r>
+            <a:r>
+              <a:rPr lang="en-US" sz="2800" dirty="0" smtClean="0"/>
+              <a:t>)</a:t>
+            </a:r>
+            <a:endParaRPr lang="en-US" sz="2800" dirty="0"/>
+          </a:p>
+        </p:txBody>
+      </p:sp>
     </p:spTree>
     <p:extLst>
       <p:ext uri="{BB962C8B-B14F-4D97-AF65-F5344CB8AC3E}">
-        <p14:creationId xmlns:p14="http://schemas.microsoft.com/office/powerpoint/2010/main" xmlns="" val="763281191"/>
+        <p14:creationId xmlns="" xmlns:p14="http://schemas.microsoft.com/office/powerpoint/2010/main" val="3736083669"/>
       </p:ext>
     </p:extLst>
   </p:cSld>
@@ -6921,20 +6593,12 @@
               <a:t> </a:t>
             </a:r>
             <a:r>
-              <a:rPr lang="en-US" dirty="0">
-                <a:solidFill>
-                  <a:schemeClr val="bg1"/>
-                </a:solidFill>
-              </a:rPr>
-              <a:t>approaches to </a:t>
-            </a:r>
-            <a:r>
               <a:rPr lang="en-US" dirty="0" smtClean="0">
                 <a:solidFill>
                   <a:schemeClr val="bg1"/>
                 </a:solidFill>
               </a:rPr>
-              <a:t>automated testing</a:t>
+              <a:t>Introduction(2)</a:t>
             </a:r>
             <a:endParaRPr lang="en-US" dirty="0">
               <a:solidFill>
@@ -6956,89 +6620,581 @@
         </p:nvSpPr>
         <p:spPr>
           <a:xfrm>
-            <a:off x="457200" y="1052736"/>
-            <a:ext cx="8229600" cy="5184576"/>
+            <a:off x="457200" y="685800"/>
+            <a:ext cx="8229600" cy="5794176"/>
           </a:xfrm>
         </p:spPr>
         <p:txBody>
-          <a:bodyPr/>
+          <a:bodyPr>
+            <a:normAutofit/>
+          </a:bodyPr>
           <a:lstStyle/>
           <a:p>
             <a:pPr marL="0" indent="0">
               <a:buNone/>
             </a:pPr>
             <a:r>
-              <a:rPr lang="en-US" dirty="0"/>
-              <a:t>static analysis </a:t>
-            </a:r>
-            <a:endParaRPr lang="en-US" dirty="0" smtClean="0"/>
-          </a:p>
-          <a:p>
-            <a:pPr marL="0" indent="0">
-              <a:buNone/>
+              <a:rPr lang="en-US" sz="2500" dirty="0" smtClean="0"/>
+              <a:t>Problem statement</a:t>
+            </a:r>
+            <a:endParaRPr lang="en-US" sz="2500" dirty="0" smtClean="0"/>
+          </a:p>
+        </p:txBody>
+      </p:sp>
+      <p:sp>
+        <p:nvSpPr>
+          <p:cNvPr id="5" name="TextBox 1"/>
+          <p:cNvSpPr txBox="1"/>
+          <p:nvPr/>
+        </p:nvSpPr>
+        <p:spPr>
+          <a:xfrm>
+            <a:off x="1066800" y="1157287"/>
+            <a:ext cx="7162800" cy="5624513"/>
+          </a:xfrm>
+          <a:prstGeom prst="rect">
+            <a:avLst/>
+          </a:prstGeom>
+          <a:solidFill>
+            <a:schemeClr val="lt1"/>
+          </a:solidFill>
+          <a:ln w="9525" cmpd="sng">
+            <a:solidFill>
+              <a:schemeClr val="lt1">
+                <a:shade val="50000"/>
+              </a:schemeClr>
+            </a:solidFill>
+          </a:ln>
+        </p:spPr>
+        <p:style>
+          <a:lnRef idx="0">
+            <a:scrgbClr r="0" g="0" b="0"/>
+          </a:lnRef>
+          <a:fillRef idx="0">
+            <a:scrgbClr r="0" g="0" b="0"/>
+          </a:fillRef>
+          <a:effectRef idx="0">
+            <a:scrgbClr r="0" g="0" b="0"/>
+          </a:effectRef>
+          <a:fontRef idx="minor">
+            <a:schemeClr val="dk1"/>
+          </a:fontRef>
+        </p:style>
+        <p:txBody>
+          <a:bodyPr wrap="square" rtlCol="0" anchor="t"/>
+          <a:lstStyle>
+            <a:lvl1pPr marL="0" indent="0">
+              <a:defRPr sz="1100">
+                <a:solidFill>
+                  <a:schemeClr val="dk1"/>
+                </a:solidFill>
+                <a:latin typeface="+mn-lt"/>
+                <a:ea typeface="+mn-ea"/>
+                <a:cs typeface="+mn-cs"/>
+              </a:defRPr>
+            </a:lvl1pPr>
+            <a:lvl2pPr marL="457200" indent="0">
+              <a:defRPr sz="1100">
+                <a:solidFill>
+                  <a:schemeClr val="dk1"/>
+                </a:solidFill>
+                <a:latin typeface="+mn-lt"/>
+                <a:ea typeface="+mn-ea"/>
+                <a:cs typeface="+mn-cs"/>
+              </a:defRPr>
+            </a:lvl2pPr>
+            <a:lvl3pPr marL="914400" indent="0">
+              <a:defRPr sz="1100">
+                <a:solidFill>
+                  <a:schemeClr val="dk1"/>
+                </a:solidFill>
+                <a:latin typeface="+mn-lt"/>
+                <a:ea typeface="+mn-ea"/>
+                <a:cs typeface="+mn-cs"/>
+              </a:defRPr>
+            </a:lvl3pPr>
+            <a:lvl4pPr marL="1371600" indent="0">
+              <a:defRPr sz="1100">
+                <a:solidFill>
+                  <a:schemeClr val="dk1"/>
+                </a:solidFill>
+                <a:latin typeface="+mn-lt"/>
+                <a:ea typeface="+mn-ea"/>
+                <a:cs typeface="+mn-cs"/>
+              </a:defRPr>
+            </a:lvl4pPr>
+            <a:lvl5pPr marL="1828800" indent="0">
+              <a:defRPr sz="1100">
+                <a:solidFill>
+                  <a:schemeClr val="dk1"/>
+                </a:solidFill>
+                <a:latin typeface="+mn-lt"/>
+                <a:ea typeface="+mn-ea"/>
+                <a:cs typeface="+mn-cs"/>
+              </a:defRPr>
+            </a:lvl5pPr>
+            <a:lvl6pPr marL="2286000" indent="0">
+              <a:defRPr sz="1100">
+                <a:solidFill>
+                  <a:schemeClr val="dk1"/>
+                </a:solidFill>
+                <a:latin typeface="+mn-lt"/>
+                <a:ea typeface="+mn-ea"/>
+                <a:cs typeface="+mn-cs"/>
+              </a:defRPr>
+            </a:lvl6pPr>
+            <a:lvl7pPr marL="2743200" indent="0">
+              <a:defRPr sz="1100">
+                <a:solidFill>
+                  <a:schemeClr val="dk1"/>
+                </a:solidFill>
+                <a:latin typeface="+mn-lt"/>
+                <a:ea typeface="+mn-ea"/>
+                <a:cs typeface="+mn-cs"/>
+              </a:defRPr>
+            </a:lvl7pPr>
+            <a:lvl8pPr marL="3200400" indent="0">
+              <a:defRPr sz="1100">
+                <a:solidFill>
+                  <a:schemeClr val="dk1"/>
+                </a:solidFill>
+                <a:latin typeface="+mn-lt"/>
+                <a:ea typeface="+mn-ea"/>
+                <a:cs typeface="+mn-cs"/>
+              </a:defRPr>
+            </a:lvl8pPr>
+            <a:lvl9pPr marL="3657600" indent="0">
+              <a:defRPr sz="1100">
+                <a:solidFill>
+                  <a:schemeClr val="dk1"/>
+                </a:solidFill>
+                <a:latin typeface="+mn-lt"/>
+                <a:ea typeface="+mn-ea"/>
+                <a:cs typeface="+mn-cs"/>
+              </a:defRPr>
+            </a:lvl9pPr>
+          </a:lstStyle>
+          <a:p>
+            <a:pPr>
+              <a:spcBef>
+                <a:spcPts val="200"/>
+              </a:spcBef>
+              <a:spcAft>
+                <a:spcPts val="200"/>
+              </a:spcAft>
             </a:pPr>
             <a:r>
-              <a:rPr lang="en-US" dirty="0" smtClean="0"/>
-              <a:t>	</a:t>
-            </a:r>
-            <a:r>
-              <a:rPr lang="en-US" sz="2800" dirty="0" smtClean="0"/>
-              <a:t>automatic, scalable, exhaustive</a:t>
-            </a:r>
-          </a:p>
-          <a:p>
-            <a:pPr marL="0" indent="0">
-              <a:buNone/>
+              <a:rPr lang="en-US" sz="1700" dirty="0" err="1"/>
+              <a:t>int</a:t>
+            </a:r>
+            <a:r>
+              <a:rPr lang="en-US" sz="1700" dirty="0"/>
+              <a:t> </a:t>
+            </a:r>
+            <a:r>
+              <a:rPr lang="en-US" sz="1700" dirty="0" err="1"/>
+              <a:t>getDayNum</a:t>
+            </a:r>
+            <a:r>
+              <a:rPr lang="en-US" sz="1700" dirty="0"/>
+              <a:t>(</a:t>
+            </a:r>
+            <a:r>
+              <a:rPr lang="en-US" sz="1700" dirty="0" err="1"/>
+              <a:t>int</a:t>
+            </a:r>
+            <a:r>
+              <a:rPr lang="en-US" sz="1700" dirty="0"/>
+              <a:t> year, </a:t>
+            </a:r>
+            <a:r>
+              <a:rPr lang="en-US" sz="1700" dirty="0" err="1"/>
+              <a:t>int</a:t>
+            </a:r>
+            <a:r>
+              <a:rPr lang="en-US" sz="1700" dirty="0"/>
+              <a:t> month)</a:t>
+            </a:r>
+            <a:r>
+              <a:rPr lang="en-US" sz="1700" baseline="0" dirty="0"/>
+              <a:t> </a:t>
+            </a:r>
+            <a:r>
+              <a:rPr lang="en-US" sz="1700" dirty="0"/>
+              <a:t>{	</a:t>
+            </a:r>
+          </a:p>
+          <a:p>
+            <a:pPr>
+              <a:spcBef>
+                <a:spcPts val="200"/>
+              </a:spcBef>
+              <a:spcAft>
+                <a:spcPts val="200"/>
+              </a:spcAft>
             </a:pPr>
             <a:r>
-              <a:rPr lang="en-US" sz="2800" dirty="0" smtClean="0"/>
-              <a:t>	infinite loops, array, procedure calls and pointer 	references </a:t>
-            </a:r>
-          </a:p>
-          <a:p>
-            <a:pPr marL="0" indent="0">
-              <a:buNone/>
+              <a:rPr lang="en-US" sz="1700" dirty="0"/>
+              <a:t>    </a:t>
+            </a:r>
+            <a:r>
+              <a:rPr lang="en-US" sz="1700" dirty="0" err="1"/>
+              <a:t>int</a:t>
+            </a:r>
+            <a:r>
+              <a:rPr lang="en-US" sz="1700" dirty="0"/>
+              <a:t> </a:t>
+            </a:r>
+            <a:r>
+              <a:rPr lang="en-US" sz="1700" dirty="0" err="1"/>
+              <a:t>maxDay</a:t>
+            </a:r>
+            <a:r>
+              <a:rPr lang="en-US" sz="1700" dirty="0"/>
+              <a:t>=0;</a:t>
+            </a:r>
+          </a:p>
+          <a:p>
+            <a:pPr>
+              <a:spcBef>
+                <a:spcPts val="200"/>
+              </a:spcBef>
+              <a:spcAft>
+                <a:spcPts val="200"/>
+              </a:spcAft>
             </a:pPr>
             <a:r>
-              <a:rPr lang="en-US" sz="2800" dirty="0" smtClean="0"/>
-              <a:t>	state-of-the-art: symbolic execution (SE)</a:t>
-            </a:r>
-            <a:endParaRPr lang="en-US" sz="2800" dirty="0"/>
-          </a:p>
-          <a:p>
-            <a:pPr marL="0" indent="0">
-              <a:buNone/>
+              <a:rPr lang="en-US" sz="1700" dirty="0"/>
+              <a:t>    if(</a:t>
+            </a:r>
+            <a:r>
+              <a:rPr lang="en-US" sz="1700" dirty="0" err="1"/>
+              <a:t>month≥1</a:t>
+            </a:r>
+            <a:r>
+              <a:rPr lang="en-US" sz="1700" dirty="0"/>
+              <a:t> &amp;&amp; </a:t>
+            </a:r>
+            <a:r>
+              <a:rPr lang="en-US" sz="1700" dirty="0" err="1"/>
+              <a:t>month≤12</a:t>
+            </a:r>
+            <a:r>
+              <a:rPr lang="en-US" sz="1700" dirty="0"/>
+              <a:t>) {</a:t>
+            </a:r>
+          </a:p>
+          <a:p>
+            <a:pPr>
+              <a:spcBef>
+                <a:spcPts val="200"/>
+              </a:spcBef>
+              <a:spcAft>
+                <a:spcPts val="200"/>
+              </a:spcAft>
             </a:pPr>
             <a:r>
-              <a:rPr lang="en-US" dirty="0" smtClean="0"/>
-              <a:t>dynamic analysis</a:t>
-            </a:r>
-          </a:p>
-          <a:p>
-            <a:pPr marL="0" indent="0">
-              <a:buNone/>
+              <a:rPr lang="en-US" sz="1700" dirty="0"/>
+              <a:t>        if(month=2)</a:t>
+            </a:r>
+            <a:r>
+              <a:rPr lang="en-US" sz="1700" baseline="0" dirty="0"/>
+              <a:t> </a:t>
+            </a:r>
+            <a:r>
+              <a:rPr lang="en-US" sz="1700" dirty="0"/>
+              <a:t>{</a:t>
+            </a:r>
+          </a:p>
+          <a:p>
+            <a:pPr>
+              <a:spcBef>
+                <a:spcPts val="200"/>
+              </a:spcBef>
+              <a:spcAft>
+                <a:spcPts val="200"/>
+              </a:spcAft>
             </a:pPr>
             <a:r>
-              <a:rPr lang="en-US" sz="2800" dirty="0" smtClean="0"/>
-              <a:t>	random testing, local search, and evolutionary 	methods </a:t>
-            </a:r>
-          </a:p>
-          <a:p>
-            <a:pPr marL="0" indent="0">
-              <a:buNone/>
+              <a:rPr lang="en-US" sz="1700" dirty="0"/>
+              <a:t>            if(</a:t>
+            </a:r>
+            <a:r>
+              <a:rPr lang="en-US" sz="1700" dirty="0" err="1"/>
+              <a:t>year%400</a:t>
+            </a:r>
+            <a:r>
+              <a:rPr lang="en-US" sz="1700" dirty="0"/>
+              <a:t>=0||(</a:t>
+            </a:r>
+            <a:r>
+              <a:rPr lang="en-US" sz="1700" dirty="0" err="1"/>
+              <a:t>year%4</a:t>
+            </a:r>
+            <a:r>
+              <a:rPr lang="en-US" sz="1700" dirty="0"/>
+              <a:t>=0&amp;&amp;</a:t>
+            </a:r>
+            <a:r>
+              <a:rPr lang="en-US" sz="1700" dirty="0" err="1"/>
+              <a:t>year%100</a:t>
+            </a:r>
+            <a:r>
+              <a:rPr lang="en-US" sz="1700" dirty="0"/>
+              <a:t>=0))</a:t>
+            </a:r>
+          </a:p>
+          <a:p>
+            <a:pPr>
+              <a:spcBef>
+                <a:spcPts val="200"/>
+              </a:spcBef>
+              <a:spcAft>
+                <a:spcPts val="200"/>
+              </a:spcAft>
             </a:pPr>
             <a:r>
-              <a:rPr lang="en-US" sz="2800" dirty="0" smtClean="0"/>
-              <a:t>	most widely known: genetic algorithm (GA)</a:t>
-            </a:r>
-            <a:endParaRPr lang="en-US" sz="2800" dirty="0"/>
+              <a:rPr lang="en-US" sz="1700" dirty="0"/>
+              <a:t>                </a:t>
+            </a:r>
+            <a:r>
+              <a:rPr lang="en-US" sz="1700" dirty="0" err="1"/>
+              <a:t>maxDay</a:t>
+            </a:r>
+            <a:r>
+              <a:rPr lang="en-US" sz="1700" dirty="0"/>
+              <a:t>=29; //path</a:t>
+            </a:r>
+            <a:r>
+              <a:rPr lang="en-US" sz="1700" baseline="0" dirty="0"/>
+              <a:t> 5</a:t>
+            </a:r>
+            <a:endParaRPr lang="en-US" sz="1700" dirty="0"/>
+          </a:p>
+          <a:p>
+            <a:pPr>
+              <a:spcBef>
+                <a:spcPts val="200"/>
+              </a:spcBef>
+              <a:spcAft>
+                <a:spcPts val="200"/>
+              </a:spcAft>
+            </a:pPr>
+            <a:r>
+              <a:rPr lang="en-US" sz="1700" dirty="0"/>
+              <a:t>            else</a:t>
+            </a:r>
+          </a:p>
+          <a:p>
+            <a:pPr>
+              <a:spcBef>
+                <a:spcPts val="200"/>
+              </a:spcBef>
+              <a:spcAft>
+                <a:spcPts val="200"/>
+              </a:spcAft>
+            </a:pPr>
+            <a:r>
+              <a:rPr lang="en-US" sz="1700" dirty="0"/>
+              <a:t>                </a:t>
+            </a:r>
+            <a:r>
+              <a:rPr lang="en-US" sz="1700" dirty="0" err="1"/>
+              <a:t>maxDay</a:t>
+            </a:r>
+            <a:r>
+              <a:rPr lang="en-US" sz="1700" dirty="0"/>
+              <a:t>=28; //path 4</a:t>
+            </a:r>
+          </a:p>
+          <a:p>
+            <a:pPr>
+              <a:spcBef>
+                <a:spcPts val="200"/>
+              </a:spcBef>
+              <a:spcAft>
+                <a:spcPts val="200"/>
+              </a:spcAft>
+            </a:pPr>
+            <a:r>
+              <a:rPr lang="en-US" sz="1700" dirty="0"/>
+              <a:t>        }</a:t>
+            </a:r>
+          </a:p>
+          <a:p>
+            <a:pPr>
+              <a:spcBef>
+                <a:spcPts val="200"/>
+              </a:spcBef>
+              <a:spcAft>
+                <a:spcPts val="200"/>
+              </a:spcAft>
+            </a:pPr>
+            <a:r>
+              <a:rPr lang="en-US" sz="1700" dirty="0"/>
+              <a:t>        else if(month=4||month=6||month=9||month=11)</a:t>
+            </a:r>
+          </a:p>
+          <a:p>
+            <a:pPr>
+              <a:spcBef>
+                <a:spcPts val="200"/>
+              </a:spcBef>
+              <a:spcAft>
+                <a:spcPts val="200"/>
+              </a:spcAft>
+            </a:pPr>
+            <a:r>
+              <a:rPr lang="en-US" sz="1700" dirty="0"/>
+              <a:t>            </a:t>
+            </a:r>
+            <a:r>
+              <a:rPr lang="en-US" sz="1700" dirty="0" err="1"/>
+              <a:t>maxDay</a:t>
+            </a:r>
+            <a:r>
+              <a:rPr lang="en-US" sz="1700" dirty="0"/>
+              <a:t>=30; // path</a:t>
+            </a:r>
+            <a:r>
+              <a:rPr lang="en-US" sz="1700" baseline="0" dirty="0"/>
+              <a:t> 3</a:t>
+            </a:r>
+            <a:endParaRPr lang="en-US" sz="1700" dirty="0"/>
+          </a:p>
+          <a:p>
+            <a:pPr>
+              <a:spcBef>
+                <a:spcPts val="200"/>
+              </a:spcBef>
+              <a:spcAft>
+                <a:spcPts val="200"/>
+              </a:spcAft>
+            </a:pPr>
+            <a:r>
+              <a:rPr lang="en-US" sz="1700" dirty="0"/>
+              <a:t>        else</a:t>
+            </a:r>
+          </a:p>
+          <a:p>
+            <a:pPr>
+              <a:spcBef>
+                <a:spcPts val="200"/>
+              </a:spcBef>
+              <a:spcAft>
+                <a:spcPts val="200"/>
+              </a:spcAft>
+            </a:pPr>
+            <a:r>
+              <a:rPr lang="en-US" sz="1700" dirty="0"/>
+              <a:t>            </a:t>
+            </a:r>
+            <a:r>
+              <a:rPr lang="en-US" sz="1700" dirty="0" err="1"/>
+              <a:t>maxDay</a:t>
+            </a:r>
+            <a:r>
+              <a:rPr lang="en-US" sz="1700" dirty="0"/>
+              <a:t>=31; //path 2</a:t>
+            </a:r>
+          </a:p>
+          <a:p>
+            <a:pPr>
+              <a:spcBef>
+                <a:spcPts val="200"/>
+              </a:spcBef>
+              <a:spcAft>
+                <a:spcPts val="200"/>
+              </a:spcAft>
+            </a:pPr>
+            <a:r>
+              <a:rPr lang="en-US" sz="1700" dirty="0"/>
+              <a:t>    }</a:t>
+            </a:r>
+          </a:p>
+          <a:p>
+            <a:pPr>
+              <a:spcBef>
+                <a:spcPts val="200"/>
+              </a:spcBef>
+              <a:spcAft>
+                <a:spcPts val="200"/>
+              </a:spcAft>
+            </a:pPr>
+            <a:r>
+              <a:rPr lang="en-US" sz="1700" dirty="0"/>
+              <a:t>    else</a:t>
+            </a:r>
+          </a:p>
+          <a:p>
+            <a:pPr>
+              <a:spcBef>
+                <a:spcPts val="200"/>
+              </a:spcBef>
+              <a:spcAft>
+                <a:spcPts val="200"/>
+              </a:spcAft>
+            </a:pPr>
+            <a:r>
+              <a:rPr lang="en-US" sz="1700" dirty="0"/>
+              <a:t>        </a:t>
+            </a:r>
+            <a:r>
+              <a:rPr lang="en-US" sz="1700" dirty="0" err="1"/>
+              <a:t>maxDay</a:t>
+            </a:r>
+            <a:r>
+              <a:rPr lang="en-US" sz="1700" dirty="0"/>
+              <a:t>=-1;  //</a:t>
+            </a:r>
+            <a:r>
+              <a:rPr lang="en-US" sz="1700" baseline="0" dirty="0"/>
+              <a:t> path 1</a:t>
+            </a:r>
+            <a:endParaRPr lang="en-US" sz="1700" dirty="0"/>
+          </a:p>
+          <a:p>
+            <a:pPr>
+              <a:spcBef>
+                <a:spcPts val="200"/>
+              </a:spcBef>
+              <a:spcAft>
+                <a:spcPts val="200"/>
+              </a:spcAft>
+            </a:pPr>
+            <a:r>
+              <a:rPr lang="en-US" sz="1700" dirty="0"/>
+              <a:t>    return </a:t>
+            </a:r>
+            <a:r>
+              <a:rPr lang="en-US" sz="1700" dirty="0" err="1"/>
+              <a:t>maxDay</a:t>
+            </a:r>
+            <a:r>
+              <a:rPr lang="en-US" sz="1700" dirty="0"/>
+              <a:t>;</a:t>
+            </a:r>
+          </a:p>
+          <a:p>
+            <a:pPr>
+              <a:spcBef>
+                <a:spcPts val="200"/>
+              </a:spcBef>
+              <a:spcAft>
+                <a:spcPts val="200"/>
+              </a:spcAft>
+            </a:pPr>
+            <a:r>
+              <a:rPr lang="en-US" sz="1700" dirty="0"/>
+              <a:t>}</a:t>
+            </a:r>
           </a:p>
         </p:txBody>
       </p:sp>
     </p:spTree>
     <p:extLst>
       <p:ext uri="{BB962C8B-B14F-4D97-AF65-F5344CB8AC3E}">
-        <p14:creationId xmlns:p14="http://schemas.microsoft.com/office/powerpoint/2010/main" xmlns="" val="3736083669"/>
+        <p14:creationId xmlns="" xmlns:p14="http://schemas.microsoft.com/office/powerpoint/2010/main" val="3736083669"/>
       </p:ext>
     </p:extLst>
   </p:cSld>
@@ -7106,7 +7262,15 @@
                   <a:schemeClr val="bg1"/>
                 </a:solidFill>
               </a:rPr>
-              <a:t> problem statement</a:t>
+              <a:t> </a:t>
+            </a:r>
+            <a:r>
+              <a:rPr lang="en-US" dirty="0" smtClean="0">
+                <a:solidFill>
+                  <a:schemeClr val="bg1"/>
+                </a:solidFill>
+              </a:rPr>
+              <a:t>Introduction(3)</a:t>
             </a:r>
             <a:endParaRPr lang="en-US" dirty="0">
               <a:solidFill>
@@ -7128,8 +7292,8 @@
         </p:nvSpPr>
         <p:spPr>
           <a:xfrm>
-            <a:off x="395536" y="4005064"/>
-            <a:ext cx="8229600" cy="2304256"/>
+            <a:off x="457200" y="838200"/>
+            <a:ext cx="8229600" cy="2895600"/>
           </a:xfrm>
         </p:spPr>
         <p:txBody>
@@ -7142,49 +7306,53 @@
               <a:buNone/>
             </a:pPr>
             <a:r>
-              <a:rPr lang="en-US" sz="3000" dirty="0" smtClean="0"/>
-              <a:t>SE can solve the second condition, but cannot for the first, when GA can generate test data for the first condition but it has degraded with the second condition </a:t>
-            </a:r>
-            <a:endParaRPr lang="en-US" sz="3000" dirty="0"/>
-          </a:p>
-        </p:txBody>
-      </p:sp>
-      <p:pic>
-        <p:nvPicPr>
-          <p:cNvPr id="11266" name="Picture 2"/>
-          <p:cNvPicPr>
-            <a:picLocks noChangeAspect="1" noChangeArrowheads="1"/>
-          </p:cNvPicPr>
-          <p:nvPr/>
-        </p:nvPicPr>
-        <p:blipFill>
-          <a:blip r:embed="rId2" cstate="print"/>
-          <a:srcRect/>
-          <a:stretch>
-            <a:fillRect/>
-          </a:stretch>
-        </p:blipFill>
-        <p:spPr bwMode="auto">
-          <a:xfrm>
-            <a:off x="467544" y="1052736"/>
-            <a:ext cx="7632848" cy="2808312"/>
-          </a:xfrm>
-          <a:prstGeom prst="rect">
-            <a:avLst/>
-          </a:prstGeom>
-          <a:noFill/>
-          <a:ln w="9525">
-            <a:noFill/>
-            <a:miter lim="800000"/>
-            <a:headEnd/>
-            <a:tailEnd/>
-          </a:ln>
-        </p:spPr>
-      </p:pic>
+              <a:rPr lang="en-US" sz="2800" dirty="0" smtClean="0"/>
+              <a:t>Mao </a:t>
+            </a:r>
+            <a:r>
+              <a:rPr lang="en-US" sz="2800" dirty="0" smtClean="0"/>
+              <a:t>[1] </a:t>
+            </a:r>
+            <a:r>
+              <a:rPr lang="en-US" sz="2800" dirty="0" smtClean="0"/>
+              <a:t>used </a:t>
+            </a:r>
+            <a:r>
+              <a:rPr lang="en-US" sz="2800" dirty="0" err="1" smtClean="0"/>
+              <a:t>PSO</a:t>
+            </a:r>
+            <a:r>
+              <a:rPr lang="en-US" sz="2800" dirty="0" smtClean="0"/>
+              <a:t> to generate test data through building the one and only fitness function which was the combination of </a:t>
+            </a:r>
+            <a:r>
+              <a:rPr lang="en-US" sz="2800" dirty="0" err="1" smtClean="0"/>
+              <a:t>Korel</a:t>
+            </a:r>
+            <a:r>
+              <a:rPr lang="en-US" sz="2800" dirty="0" smtClean="0"/>
+              <a:t> formula </a:t>
+            </a:r>
+            <a:r>
+              <a:rPr lang="en-US" sz="2800" dirty="0" smtClean="0"/>
+              <a:t>and </a:t>
+            </a:r>
+            <a:r>
+              <a:rPr lang="en-US" sz="2800" dirty="0" smtClean="0"/>
+              <a:t>the branch </a:t>
+            </a:r>
+            <a:r>
+              <a:rPr lang="en-US" sz="2800" dirty="0" smtClean="0"/>
+              <a:t>weights</a:t>
+            </a:r>
+            <a:endParaRPr lang="en-US" sz="2500" dirty="0" smtClean="0"/>
+          </a:p>
+        </p:txBody>
+      </p:sp>
     </p:spTree>
     <p:extLst>
       <p:ext uri="{BB962C8B-B14F-4D97-AF65-F5344CB8AC3E}">
-        <p14:creationId xmlns:p14="http://schemas.microsoft.com/office/powerpoint/2010/main" xmlns="" val="3736083669"/>
+        <p14:creationId xmlns="" xmlns:p14="http://schemas.microsoft.com/office/powerpoint/2010/main" val="3736083669"/>
       </p:ext>
     </p:extLst>
   </p:cSld>
@@ -7252,7 +7420,23 @@
                   <a:schemeClr val="bg1"/>
                 </a:solidFill>
               </a:rPr>
-              <a:t> outline</a:t>
+              <a:t> </a:t>
+            </a:r>
+            <a:r>
+              <a:rPr lang="en-US" dirty="0" err="1" smtClean="0">
+                <a:solidFill>
+                  <a:schemeClr val="bg1"/>
+                </a:solidFill>
+              </a:rPr>
+              <a:t>Korel</a:t>
+            </a:r>
+            <a:r>
+              <a:rPr lang="en-US" dirty="0" smtClean="0">
+                <a:solidFill>
+                  <a:schemeClr val="bg1"/>
+                </a:solidFill>
+              </a:rPr>
+              <a:t> function</a:t>
             </a:r>
             <a:endParaRPr lang="en-US" dirty="0">
               <a:solidFill>
@@ -7262,86 +7446,42 @@
           </a:p>
         </p:txBody>
       </p:sp>
-      <p:sp>
-        <p:nvSpPr>
-          <p:cNvPr id="3" name="Content Placeholder 2"/>
-          <p:cNvSpPr>
-            <a:spLocks noGrp="1"/>
-          </p:cNvSpPr>
-          <p:nvPr>
-            <p:ph idx="1"/>
-          </p:nvPr>
-        </p:nvSpPr>
-        <p:spPr>
-          <a:xfrm>
-            <a:off x="457200" y="1052736"/>
-            <a:ext cx="8229600" cy="4205064"/>
-          </a:xfrm>
+      <p:pic>
+        <p:nvPicPr>
+          <p:cNvPr id="2050" name="Picture 2"/>
+          <p:cNvPicPr>
+            <a:picLocks noChangeAspect="1" noChangeArrowheads="1"/>
+          </p:cNvPicPr>
+          <p:nvPr/>
+        </p:nvPicPr>
+        <p:blipFill>
+          <a:blip r:embed="rId2" cstate="print"/>
+          <a:srcRect/>
+          <a:stretch>
+            <a:fillRect/>
+          </a:stretch>
+        </p:blipFill>
+        <p:spPr bwMode="auto">
+          <a:xfrm>
+            <a:off x="838200" y="1484784"/>
+            <a:ext cx="7391400" cy="3849216"/>
+          </a:xfrm>
+          <a:prstGeom prst="rect">
+            <a:avLst/>
+          </a:prstGeom>
+          <a:noFill/>
+          <a:ln w="9525">
+            <a:noFill/>
+            <a:miter lim="800000"/>
+            <a:headEnd/>
+            <a:tailEnd/>
+          </a:ln>
         </p:spPr>
-        <p:txBody>
-          <a:bodyPr/>
-          <a:lstStyle/>
-          <a:p>
-            <a:pPr marL="0" indent="0">
-              <a:buNone/>
-            </a:pPr>
-            <a:r>
-              <a:rPr lang="en-US" dirty="0" smtClean="0"/>
-              <a:t>1. Introduction</a:t>
-            </a:r>
-          </a:p>
-          <a:p>
-            <a:pPr marL="0" indent="0">
-              <a:buNone/>
-            </a:pPr>
-            <a:r>
-              <a:rPr lang="en-US" b="1" dirty="0" smtClean="0"/>
-              <a:t>2. Background</a:t>
-            </a:r>
-          </a:p>
-          <a:p>
-            <a:pPr marL="0" indent="0">
-              <a:buNone/>
-            </a:pPr>
-            <a:r>
-              <a:rPr lang="en-US" dirty="0" smtClean="0"/>
-              <a:t>3. Related work</a:t>
-            </a:r>
-          </a:p>
-          <a:p>
-            <a:pPr marL="0" indent="0">
-              <a:buNone/>
-            </a:pPr>
-            <a:r>
-              <a:rPr lang="en-US" dirty="0" smtClean="0"/>
-              <a:t>4. Proposed approach</a:t>
-            </a:r>
-          </a:p>
-          <a:p>
-            <a:pPr marL="0" indent="0">
-              <a:buNone/>
-            </a:pPr>
-            <a:r>
-              <a:rPr lang="en-US" dirty="0" smtClean="0"/>
-              <a:t>5. Experimental result</a:t>
-            </a:r>
-          </a:p>
-          <a:p>
-            <a:pPr marL="0" indent="0">
-              <a:buNone/>
-            </a:pPr>
-            <a:r>
-              <a:rPr lang="en-US" dirty="0" smtClean="0"/>
-              <a:t>6. Conclusion</a:t>
-            </a:r>
-            <a:endParaRPr lang="en-US" dirty="0"/>
-          </a:p>
-        </p:txBody>
-      </p:sp>
+      </p:pic>
     </p:spTree>
     <p:extLst>
       <p:ext uri="{BB962C8B-B14F-4D97-AF65-F5344CB8AC3E}">
-        <p14:creationId xmlns:p14="http://schemas.microsoft.com/office/powerpoint/2010/main" xmlns="" val="976856806"/>
+        <p14:creationId xmlns="" xmlns:p14="http://schemas.microsoft.com/office/powerpoint/2010/main" val="976856806"/>
       </p:ext>
     </p:extLst>
   </p:cSld>
@@ -7409,7 +7549,7 @@
                   <a:schemeClr val="bg1"/>
                 </a:solidFill>
               </a:rPr>
-              <a:t> testing as an optimization problem</a:t>
+              <a:t> genetic algorithm(GA)</a:t>
             </a:r>
             <a:endParaRPr lang="en-US" dirty="0">
               <a:solidFill>
@@ -7419,9 +7559,41 @@
           </a:p>
         </p:txBody>
       </p:sp>
-      <p:sp>
-        <p:nvSpPr>
-          <p:cNvPr id="3" name="Content Placeholder 2"/>
+      <p:pic>
+        <p:nvPicPr>
+          <p:cNvPr id="3074" name="Picture 2"/>
+          <p:cNvPicPr>
+            <a:picLocks noChangeAspect="1" noChangeArrowheads="1"/>
+          </p:cNvPicPr>
+          <p:nvPr/>
+        </p:nvPicPr>
+        <p:blipFill>
+          <a:blip r:embed="rId2" cstate="print"/>
+          <a:srcRect/>
+          <a:stretch>
+            <a:fillRect/>
+          </a:stretch>
+        </p:blipFill>
+        <p:spPr bwMode="auto">
+          <a:xfrm>
+            <a:off x="395536" y="2057400"/>
+            <a:ext cx="8420100" cy="4032448"/>
+          </a:xfrm>
+          <a:prstGeom prst="rect">
+            <a:avLst/>
+          </a:prstGeom>
+          <a:noFill/>
+          <a:ln w="9525">
+            <a:noFill/>
+            <a:miter lim="800000"/>
+            <a:headEnd/>
+            <a:tailEnd/>
+          </a:ln>
+        </p:spPr>
+      </p:pic>
+      <p:sp>
+        <p:nvSpPr>
+          <p:cNvPr id="4" name="Content Placeholder 2"/>
           <p:cNvSpPr>
             <a:spLocks noGrp="1"/>
           </p:cNvSpPr>
@@ -7431,13 +7603,13 @@
         </p:nvSpPr>
         <p:spPr>
           <a:xfrm>
-            <a:off x="457200" y="1052736"/>
-            <a:ext cx="8229600" cy="4824536"/>
+            <a:off x="381000" y="914400"/>
+            <a:ext cx="8534400" cy="1066800"/>
           </a:xfrm>
         </p:spPr>
         <p:txBody>
           <a:bodyPr>
-            <a:normAutofit/>
+            <a:noAutofit/>
           </a:bodyPr>
           <a:lstStyle/>
           <a:p>
@@ -7445,8 +7617,8 @@
               <a:buNone/>
             </a:pPr>
             <a:r>
-              <a:rPr lang="en-US" dirty="0" smtClean="0"/>
-              <a:t>When using GA, a path coverage test data generation is transformed into an optimization problem. </a:t>
+              <a:rPr lang="en-US" sz="2600" dirty="0" smtClean="0"/>
+              <a:t>Population is a set of chromosomes.</a:t>
             </a:r>
           </a:p>
           <a:p>
@@ -7454,42 +7626,57 @@
               <a:buNone/>
             </a:pPr>
             <a:r>
-              <a:rPr lang="en-US" dirty="0" smtClean="0"/>
-              <a:t>To cover a test path during execution, find appropriate values for the input variables which satisfy related branch predicates. </a:t>
-            </a:r>
-          </a:p>
-          <a:p>
-            <a:pPr marL="0" indent="0">
-              <a:buNone/>
-            </a:pPr>
-            <a:r>
-              <a:rPr lang="en-US" dirty="0" smtClean="0"/>
-              <a:t>Using </a:t>
-            </a:r>
-            <a:r>
-              <a:rPr lang="en-US" dirty="0" err="1" smtClean="0"/>
-              <a:t>Korel’s</a:t>
-            </a:r>
-            <a:r>
-              <a:rPr lang="en-US" dirty="0" smtClean="0"/>
-              <a:t> branch distance function: if a branch predicate B is (x ≤ y - 5), then apply the </a:t>
-            </a:r>
-            <a:r>
-              <a:rPr lang="en-US" dirty="0" err="1" smtClean="0"/>
-              <a:t>Korel</a:t>
-            </a:r>
-            <a:r>
-              <a:rPr lang="en-US" dirty="0" smtClean="0"/>
-              <a:t> function f(B) = x - (y - 5). </a:t>
-            </a:r>
-            <a:endParaRPr lang="en-US" dirty="0"/>
+              <a:rPr lang="en-US" sz="2600" smtClean="0"/>
+              <a:t>Each </a:t>
+            </a:r>
+            <a:r>
+              <a:rPr lang="en-US" sz="2600" dirty="0" smtClean="0"/>
+              <a:t>chromosome </a:t>
+            </a:r>
+            <a:r>
+              <a:rPr lang="en-US" sz="2600" dirty="0" err="1" smtClean="0"/>
+              <a:t>chrom</a:t>
+            </a:r>
+            <a:r>
+              <a:rPr lang="en-US" sz="2600" dirty="0" smtClean="0"/>
+              <a:t> = (x</a:t>
+            </a:r>
+            <a:r>
+              <a:rPr lang="en-US" sz="2600" baseline="-25000" dirty="0" smtClean="0"/>
+              <a:t>1</a:t>
+            </a:r>
+            <a:r>
+              <a:rPr lang="en-US" sz="2600" dirty="0" smtClean="0"/>
+              <a:t>, x</a:t>
+            </a:r>
+            <a:r>
+              <a:rPr lang="en-US" sz="2600" baseline="-25000" dirty="0" smtClean="0"/>
+              <a:t>2</a:t>
+            </a:r>
+            <a:r>
+              <a:rPr lang="en-US" sz="2600" dirty="0" smtClean="0"/>
+              <a:t>… </a:t>
+            </a:r>
+            <a:r>
+              <a:rPr lang="en-US" sz="2600" dirty="0" err="1" smtClean="0"/>
+              <a:t>x</a:t>
+            </a:r>
+            <a:r>
+              <a:rPr lang="en-US" sz="2600" baseline="-25000" dirty="0" err="1" smtClean="0"/>
+              <a:t>n</a:t>
+            </a:r>
+            <a:r>
+              <a:rPr lang="en-US" sz="2600" dirty="0" smtClean="0"/>
+              <a:t>) to present a test case.</a:t>
+            </a:r>
+            <a:endParaRPr lang="en-US" sz="2600" dirty="0"/>
           </a:p>
         </p:txBody>
       </p:sp>
     </p:spTree>
     <p:extLst>
       <p:ext uri="{BB962C8B-B14F-4D97-AF65-F5344CB8AC3E}">
-        <p14:creationId xmlns:p14="http://schemas.microsoft.com/office/powerpoint/2010/main" xmlns="" val="976856806"/>
+        <p14:creationId xmlns="" xmlns:p14="http://schemas.microsoft.com/office/powerpoint/2010/main" val="976856806"/>
       </p:ext>
     </p:extLst>
   </p:cSld>
@@ -7557,23 +7744,7 @@
                   <a:schemeClr val="bg1"/>
                 </a:solidFill>
               </a:rPr>
-              <a:t> </a:t>
-            </a:r>
-            <a:r>
-              <a:rPr lang="en-US" dirty="0" err="1" smtClean="0">
-                <a:solidFill>
-                  <a:schemeClr val="bg1"/>
-                </a:solidFill>
-              </a:rPr>
-              <a:t>Korel</a:t>
-            </a:r>
-            <a:r>
-              <a:rPr lang="en-US" dirty="0" smtClean="0">
-                <a:solidFill>
-                  <a:schemeClr val="bg1"/>
-                </a:solidFill>
-              </a:rPr>
-              <a:t> function</a:t>
+              <a:t> outline</a:t>
             </a:r>
             <a:endParaRPr lang="en-US" dirty="0">
               <a:solidFill>
@@ -7583,42 +7754,86 @@
           </a:p>
         </p:txBody>
       </p:sp>
-      <p:pic>
-        <p:nvPicPr>
-          <p:cNvPr id="2050" name="Picture 2"/>
-          <p:cNvPicPr>
-            <a:picLocks noChangeAspect="1" noChangeArrowheads="1"/>
-          </p:cNvPicPr>
-          <p:nvPr/>
-        </p:nvPicPr>
-        <p:blipFill>
-          <a:blip r:embed="rId2" cstate="print"/>
-          <a:srcRect/>
-          <a:stretch>
-            <a:fillRect/>
-          </a:stretch>
-        </p:blipFill>
-        <p:spPr bwMode="auto">
-          <a:xfrm>
-            <a:off x="838200" y="1484784"/>
-            <a:ext cx="7391400" cy="3849216"/>
-          </a:xfrm>
-          <a:prstGeom prst="rect">
-            <a:avLst/>
-          </a:prstGeom>
-          <a:noFill/>
-          <a:ln w="9525">
-            <a:noFill/>
-            <a:miter lim="800000"/>
-            <a:headEnd/>
-            <a:tailEnd/>
-          </a:ln>
+      <p:sp>
+        <p:nvSpPr>
+          <p:cNvPr id="3" name="Content Placeholder 2"/>
+          <p:cNvSpPr>
+            <a:spLocks noGrp="1"/>
+          </p:cNvSpPr>
+          <p:nvPr>
+            <p:ph idx="1"/>
+          </p:nvPr>
+        </p:nvSpPr>
+        <p:spPr>
+          <a:xfrm>
+            <a:off x="457200" y="1052736"/>
+            <a:ext cx="8229600" cy="4205064"/>
+          </a:xfrm>
         </p:spPr>
-      </p:pic>
+        <p:txBody>
+          <a:bodyPr/>
+          <a:lstStyle/>
+          <a:p>
+            <a:pPr marL="0" indent="0">
+              <a:buNone/>
+            </a:pPr>
+            <a:r>
+              <a:rPr lang="en-US" dirty="0" smtClean="0"/>
+              <a:t>1. Introduction</a:t>
+            </a:r>
+          </a:p>
+          <a:p>
+            <a:pPr marL="0" indent="0">
+              <a:buNone/>
+            </a:pPr>
+            <a:r>
+              <a:rPr lang="en-US" dirty="0" smtClean="0"/>
+              <a:t>2. Background</a:t>
+            </a:r>
+          </a:p>
+          <a:p>
+            <a:pPr marL="0" indent="0">
+              <a:buNone/>
+            </a:pPr>
+            <a:r>
+              <a:rPr lang="en-US" b="1" dirty="0" smtClean="0"/>
+              <a:t>3. Related work</a:t>
+            </a:r>
+          </a:p>
+          <a:p>
+            <a:pPr marL="0" indent="0">
+              <a:buNone/>
+            </a:pPr>
+            <a:r>
+              <a:rPr lang="en-US" dirty="0" smtClean="0"/>
+              <a:t>4. Proposed approach</a:t>
+            </a:r>
+          </a:p>
+          <a:p>
+            <a:pPr marL="0" indent="0">
+              <a:buNone/>
+            </a:pPr>
+            <a:r>
+              <a:rPr lang="en-US" dirty="0" smtClean="0"/>
+              <a:t>5. Experimental result</a:t>
+            </a:r>
+          </a:p>
+          <a:p>
+            <a:pPr marL="0" indent="0">
+              <a:buNone/>
+            </a:pPr>
+            <a:r>
+              <a:rPr lang="en-US" dirty="0" smtClean="0"/>
+              <a:t>6. Conclusion</a:t>
+            </a:r>
+            <a:endParaRPr lang="en-US" dirty="0"/>
+          </a:p>
+        </p:txBody>
+      </p:sp>
     </p:spTree>
     <p:extLst>
       <p:ext uri="{BB962C8B-B14F-4D97-AF65-F5344CB8AC3E}">
-        <p14:creationId xmlns:p14="http://schemas.microsoft.com/office/powerpoint/2010/main" xmlns="" val="976856806"/>
+        <p14:creationId xmlns="" xmlns:p14="http://schemas.microsoft.com/office/powerpoint/2010/main" val="2330834491"/>
       </p:ext>
     </p:extLst>
   </p:cSld>
@@ -7686,7 +7901,7 @@
                   <a:schemeClr val="bg1"/>
                 </a:solidFill>
               </a:rPr>
-              <a:t> genetic algorithm(GA)</a:t>
+              <a:t> related work</a:t>
             </a:r>
             <a:endParaRPr lang="en-US" dirty="0">
               <a:solidFill>
@@ -7696,66 +7911,40 @@
           </a:p>
         </p:txBody>
       </p:sp>
-      <p:pic>
-        <p:nvPicPr>
-          <p:cNvPr id="3074" name="Picture 2"/>
-          <p:cNvPicPr>
-            <a:picLocks noChangeAspect="1" noChangeArrowheads="1"/>
-          </p:cNvPicPr>
-          <p:nvPr/>
-        </p:nvPicPr>
-        <p:blipFill>
-          <a:blip r:embed="rId2" cstate="print"/>
-          <a:srcRect/>
-          <a:stretch>
-            <a:fillRect/>
-          </a:stretch>
-        </p:blipFill>
-        <p:spPr bwMode="auto">
-          <a:xfrm>
-            <a:off x="395536" y="2057400"/>
-            <a:ext cx="8420100" cy="4032448"/>
-          </a:xfrm>
-          <a:prstGeom prst="rect">
-            <a:avLst/>
-          </a:prstGeom>
-          <a:noFill/>
-          <a:ln w="9525">
-            <a:noFill/>
-            <a:miter lim="800000"/>
-            <a:headEnd/>
-            <a:tailEnd/>
-          </a:ln>
+      <p:sp>
+        <p:nvSpPr>
+          <p:cNvPr id="3" name="Content Placeholder 2"/>
+          <p:cNvSpPr>
+            <a:spLocks noGrp="1"/>
+          </p:cNvSpPr>
+          <p:nvPr>
+            <p:ph idx="1"/>
+          </p:nvPr>
+        </p:nvSpPr>
+        <p:spPr>
+          <a:xfrm>
+            <a:off x="457200" y="1052736"/>
+            <a:ext cx="8229600" cy="4205064"/>
+          </a:xfrm>
         </p:spPr>
-      </p:pic>
-      <p:sp>
-        <p:nvSpPr>
-          <p:cNvPr id="4" name="Content Placeholder 2"/>
-          <p:cNvSpPr>
-            <a:spLocks noGrp="1"/>
-          </p:cNvSpPr>
-          <p:nvPr>
-            <p:ph idx="1"/>
-          </p:nvPr>
-        </p:nvSpPr>
-        <p:spPr>
-          <a:xfrm>
-            <a:off x="381000" y="914400"/>
-            <a:ext cx="8534400" cy="1066800"/>
-          </a:xfrm>
-        </p:spPr>
-        <p:txBody>
-          <a:bodyPr>
-            <a:noAutofit/>
-          </a:bodyPr>
+        <p:txBody>
+          <a:bodyPr/>
           <a:lstStyle/>
           <a:p>
             <a:pPr marL="0" indent="0">
               <a:buNone/>
             </a:pPr>
             <a:r>
-              <a:rPr lang="en-US" sz="2600" dirty="0" smtClean="0"/>
-              <a:t>Population is a set of chromosomes.</a:t>
+              <a:rPr lang="en-US" dirty="0" smtClean="0"/>
+              <a:t>The path coverage literature using GA started with Lin and </a:t>
+            </a:r>
+            <a:r>
+              <a:rPr lang="en-US" dirty="0" err="1" smtClean="0"/>
+              <a:t>Yeh</a:t>
+            </a:r>
+            <a:r>
+              <a:rPr lang="en-US" dirty="0" smtClean="0"/>
+              <a:t> [2] in 2000. They extended Jones et al.'s work [3] from branch coverage to path coverage.</a:t>
             </a:r>
           </a:p>
           <a:p>
@@ -7763,57 +7952,25 @@
               <a:buNone/>
             </a:pPr>
             <a:r>
-              <a:rPr lang="en-US" sz="2600" smtClean="0"/>
-              <a:t>Each </a:t>
-            </a:r>
-            <a:r>
-              <a:rPr lang="en-US" sz="2600" dirty="0" smtClean="0"/>
-              <a:t>chromosome </a:t>
-            </a:r>
-            <a:r>
-              <a:rPr lang="en-US" sz="2600" dirty="0" err="1" smtClean="0"/>
-              <a:t>chrom</a:t>
-            </a:r>
-            <a:r>
-              <a:rPr lang="en-US" sz="2600" dirty="0" smtClean="0"/>
-              <a:t> = (x</a:t>
-            </a:r>
-            <a:r>
-              <a:rPr lang="en-US" sz="2600" baseline="-25000" dirty="0" smtClean="0"/>
-              <a:t>1</a:t>
-            </a:r>
-            <a:r>
-              <a:rPr lang="en-US" sz="2600" dirty="0" smtClean="0"/>
-              <a:t>, x</a:t>
-            </a:r>
-            <a:r>
-              <a:rPr lang="en-US" sz="2600" baseline="-25000" dirty="0" smtClean="0"/>
-              <a:t>2</a:t>
-            </a:r>
-            <a:r>
-              <a:rPr lang="en-US" sz="2600" dirty="0" smtClean="0"/>
-              <a:t>… </a:t>
-            </a:r>
-            <a:r>
-              <a:rPr lang="en-US" sz="2600" dirty="0" err="1" smtClean="0"/>
-              <a:t>x</a:t>
-            </a:r>
-            <a:r>
-              <a:rPr lang="en-US" sz="2600" baseline="-25000" dirty="0" err="1" smtClean="0"/>
-              <a:t>n</a:t>
-            </a:r>
-            <a:r>
-              <a:rPr lang="en-US" sz="2600" dirty="0" smtClean="0"/>
-              <a:t>) to present a test case.</a:t>
-            </a:r>
-            <a:endParaRPr lang="en-US" sz="2600" dirty="0"/>
+              <a:rPr lang="en-US" dirty="0" smtClean="0"/>
+              <a:t>Chen and </a:t>
+            </a:r>
+            <a:r>
+              <a:rPr lang="en-US" dirty="0" err="1" smtClean="0"/>
+              <a:t>Zhong</a:t>
+            </a:r>
+            <a:r>
+              <a:rPr lang="en-US" dirty="0" smtClean="0"/>
+              <a:t> [4] developed a multi-population genetic algorithm for path testing. </a:t>
+            </a:r>
+            <a:endParaRPr lang="en-US" dirty="0"/>
           </a:p>
         </p:txBody>
       </p:sp>
     </p:spTree>
     <p:extLst>
       <p:ext uri="{BB962C8B-B14F-4D97-AF65-F5344CB8AC3E}">
-        <p14:creationId xmlns:p14="http://schemas.microsoft.com/office/powerpoint/2010/main" xmlns="" val="976856806"/>
+        <p14:creationId xmlns="" xmlns:p14="http://schemas.microsoft.com/office/powerpoint/2010/main" val="2330834491"/>
       </p:ext>
     </p:extLst>
   </p:cSld>

--- a/CFT4CUnitSrc/src/report/PPSO_Presentation.pptx
+++ b/CFT4CUnitSrc/src/report/PPSO_Presentation.pptx
@@ -5,7 +5,7 @@
     <p:sldMasterId id="2147483648" r:id="rId1"/>
   </p:sldMasterIdLst>
   <p:handoutMasterIdLst>
-    <p:handoutMasterId r:id="rId29"/>
+    <p:handoutMasterId r:id="rId11"/>
   </p:handoutMasterIdLst>
   <p:sldIdLst>
     <p:sldId id="256" r:id="rId2"/>
@@ -13,28 +13,10 @@
     <p:sldId id="264" r:id="rId4"/>
     <p:sldId id="286" r:id="rId5"/>
     <p:sldId id="287" r:id="rId6"/>
-    <p:sldId id="267" r:id="rId7"/>
-    <p:sldId id="268" r:id="rId8"/>
-    <p:sldId id="261" r:id="rId9"/>
-    <p:sldId id="269" r:id="rId10"/>
-    <p:sldId id="270" r:id="rId11"/>
-    <p:sldId id="260" r:id="rId12"/>
-    <p:sldId id="271" r:id="rId13"/>
-    <p:sldId id="272" r:id="rId14"/>
-    <p:sldId id="273" r:id="rId15"/>
-    <p:sldId id="274" r:id="rId16"/>
-    <p:sldId id="276" r:id="rId17"/>
-    <p:sldId id="277" r:id="rId18"/>
-    <p:sldId id="278" r:id="rId19"/>
-    <p:sldId id="259" r:id="rId20"/>
-    <p:sldId id="279" r:id="rId21"/>
-    <p:sldId id="280" r:id="rId22"/>
-    <p:sldId id="281" r:id="rId23"/>
-    <p:sldId id="282" r:id="rId24"/>
-    <p:sldId id="262" r:id="rId25"/>
-    <p:sldId id="283" r:id="rId26"/>
-    <p:sldId id="284" r:id="rId27"/>
-    <p:sldId id="285" r:id="rId28"/>
+    <p:sldId id="288" r:id="rId7"/>
+    <p:sldId id="289" r:id="rId8"/>
+    <p:sldId id="284" r:id="rId9"/>
+    <p:sldId id="285" r:id="rId10"/>
   </p:sldIdLst>
   <p:sldSz cx="9144000" cy="6858000" type="screen4x3"/>
   <p:notesSz cx="6797675" cy="9926638"/>
@@ -295,7 +277,7 @@
     </p:spTree>
     <p:extLst>
       <p:ext uri="{BB962C8B-B14F-4D97-AF65-F5344CB8AC3E}">
-        <p14:creationId xmlns="" xmlns:p14="http://schemas.microsoft.com/office/powerpoint/2010/main" val="3656892265"/>
+        <p14:creationId xmlns:p14="http://schemas.microsoft.com/office/powerpoint/2010/main" xmlns="" val="3656892265"/>
       </p:ext>
     </p:extLst>
   </p:cSld>
@@ -537,7 +519,7 @@
     </p:spTree>
     <p:extLst>
       <p:ext uri="{BB962C8B-B14F-4D97-AF65-F5344CB8AC3E}">
-        <p14:creationId xmlns="" xmlns:p14="http://schemas.microsoft.com/office/powerpoint/2010/main" val="1811901625"/>
+        <p14:creationId xmlns:p14="http://schemas.microsoft.com/office/powerpoint/2010/main" xmlns="" val="1811901625"/>
       </p:ext>
     </p:extLst>
   </p:cSld>
@@ -709,7 +691,7 @@
     </p:spTree>
     <p:extLst>
       <p:ext uri="{BB962C8B-B14F-4D97-AF65-F5344CB8AC3E}">
-        <p14:creationId xmlns="" xmlns:p14="http://schemas.microsoft.com/office/powerpoint/2010/main" val="791576242"/>
+        <p14:creationId xmlns:p14="http://schemas.microsoft.com/office/powerpoint/2010/main" xmlns="" val="791576242"/>
       </p:ext>
     </p:extLst>
   </p:cSld>
@@ -891,7 +873,7 @@
     </p:spTree>
     <p:extLst>
       <p:ext uri="{BB962C8B-B14F-4D97-AF65-F5344CB8AC3E}">
-        <p14:creationId xmlns="" xmlns:p14="http://schemas.microsoft.com/office/powerpoint/2010/main" val="2934662006"/>
+        <p14:creationId xmlns:p14="http://schemas.microsoft.com/office/powerpoint/2010/main" xmlns="" val="2934662006"/>
       </p:ext>
     </p:extLst>
   </p:cSld>
@@ -1063,7 +1045,7 @@
     </p:spTree>
     <p:extLst>
       <p:ext uri="{BB962C8B-B14F-4D97-AF65-F5344CB8AC3E}">
-        <p14:creationId xmlns="" xmlns:p14="http://schemas.microsoft.com/office/powerpoint/2010/main" val="855239803"/>
+        <p14:creationId xmlns:p14="http://schemas.microsoft.com/office/powerpoint/2010/main" xmlns="" val="855239803"/>
       </p:ext>
     </p:extLst>
   </p:cSld>
@@ -1311,7 +1293,7 @@
     </p:spTree>
     <p:extLst>
       <p:ext uri="{BB962C8B-B14F-4D97-AF65-F5344CB8AC3E}">
-        <p14:creationId xmlns="" xmlns:p14="http://schemas.microsoft.com/office/powerpoint/2010/main" val="635452818"/>
+        <p14:creationId xmlns:p14="http://schemas.microsoft.com/office/powerpoint/2010/main" xmlns="" val="635452818"/>
       </p:ext>
     </p:extLst>
   </p:cSld>
@@ -1601,7 +1583,7 @@
     </p:spTree>
     <p:extLst>
       <p:ext uri="{BB962C8B-B14F-4D97-AF65-F5344CB8AC3E}">
-        <p14:creationId xmlns="" xmlns:p14="http://schemas.microsoft.com/office/powerpoint/2010/main" val="3716967958"/>
+        <p14:creationId xmlns:p14="http://schemas.microsoft.com/office/powerpoint/2010/main" xmlns="" val="3716967958"/>
       </p:ext>
     </p:extLst>
   </p:cSld>
@@ -2025,7 +2007,7 @@
     </p:spTree>
     <p:extLst>
       <p:ext uri="{BB962C8B-B14F-4D97-AF65-F5344CB8AC3E}">
-        <p14:creationId xmlns="" xmlns:p14="http://schemas.microsoft.com/office/powerpoint/2010/main" val="3991833718"/>
+        <p14:creationId xmlns:p14="http://schemas.microsoft.com/office/powerpoint/2010/main" xmlns="" val="3991833718"/>
       </p:ext>
     </p:extLst>
   </p:cSld>
@@ -2145,7 +2127,7 @@
     </p:spTree>
     <p:extLst>
       <p:ext uri="{BB962C8B-B14F-4D97-AF65-F5344CB8AC3E}">
-        <p14:creationId xmlns="" xmlns:p14="http://schemas.microsoft.com/office/powerpoint/2010/main" val="1837035765"/>
+        <p14:creationId xmlns:p14="http://schemas.microsoft.com/office/powerpoint/2010/main" xmlns="" val="1837035765"/>
       </p:ext>
     </p:extLst>
   </p:cSld>
@@ -2242,7 +2224,7 @@
     </p:spTree>
     <p:extLst>
       <p:ext uri="{BB962C8B-B14F-4D97-AF65-F5344CB8AC3E}">
-        <p14:creationId xmlns="" xmlns:p14="http://schemas.microsoft.com/office/powerpoint/2010/main" val="3419707464"/>
+        <p14:creationId xmlns:p14="http://schemas.microsoft.com/office/powerpoint/2010/main" xmlns="" val="3419707464"/>
       </p:ext>
     </p:extLst>
   </p:cSld>
@@ -2521,7 +2503,7 @@
     </p:spTree>
     <p:extLst>
       <p:ext uri="{BB962C8B-B14F-4D97-AF65-F5344CB8AC3E}">
-        <p14:creationId xmlns="" xmlns:p14="http://schemas.microsoft.com/office/powerpoint/2010/main" val="932762734"/>
+        <p14:creationId xmlns:p14="http://schemas.microsoft.com/office/powerpoint/2010/main" xmlns="" val="932762734"/>
       </p:ext>
     </p:extLst>
   </p:cSld>
@@ -2776,7 +2758,7 @@
     </p:spTree>
     <p:extLst>
       <p:ext uri="{BB962C8B-B14F-4D97-AF65-F5344CB8AC3E}">
-        <p14:creationId xmlns="" xmlns:p14="http://schemas.microsoft.com/office/powerpoint/2010/main" val="2367942364"/>
+        <p14:creationId xmlns:p14="http://schemas.microsoft.com/office/powerpoint/2010/main" xmlns="" val="2367942364"/>
       </p:ext>
     </p:extLst>
   </p:cSld>
@@ -3032,7 +3014,7 @@
     </p:spTree>
     <p:extLst>
       <p:ext uri="{BB962C8B-B14F-4D97-AF65-F5344CB8AC3E}">
-        <p14:creationId xmlns="" xmlns:p14="http://schemas.microsoft.com/office/powerpoint/2010/main" val="1100484609"/>
+        <p14:creationId xmlns:p14="http://schemas.microsoft.com/office/powerpoint/2010/main" xmlns="" val="1100484609"/>
       </p:ext>
     </p:extLst>
   </p:cSld>
@@ -3441,7 +3423,7 @@
           <a:blip r:embed="rId2" cstate="print">
             <a:extLst>
               <a:ext uri="{28A0092B-C50C-407E-A947-70E740481C1C}">
-                <a14:useLocalDpi xmlns="" xmlns:a14="http://schemas.microsoft.com/office/drawing/2010/main" val="0"/>
+                <a14:useLocalDpi xmlns:a14="http://schemas.microsoft.com/office/drawing/2010/main" xmlns="" val="0"/>
               </a:ext>
             </a:extLst>
           </a:blip>
@@ -3464,14 +3446,14 @@
           </a:ln>
           <a:extLst>
             <a:ext uri="{909E8E84-426E-40DD-AFC4-6F175D3DCCD1}">
-              <a14:hiddenFill xmlns="" xmlns:a14="http://schemas.microsoft.com/office/drawing/2010/main">
+              <a14:hiddenFill xmlns:a14="http://schemas.microsoft.com/office/drawing/2010/main" xmlns="">
                 <a:solidFill>
                   <a:schemeClr val="accent1"/>
                 </a:solidFill>
               </a14:hiddenFill>
             </a:ext>
             <a:ext uri="{91240B29-F687-4F45-9708-019B960494DF}">
-              <a14:hiddenLine xmlns="" xmlns:a14="http://schemas.microsoft.com/office/drawing/2010/main" w="9525">
+              <a14:hiddenLine xmlns:a14="http://schemas.microsoft.com/office/drawing/2010/main" xmlns="" w="9525">
                 <a:solidFill>
                   <a:schemeClr val="tx1"/>
                 </a:solidFill>
@@ -3486,7 +3468,7 @@
     </p:spTree>
     <p:extLst>
       <p:ext uri="{BB962C8B-B14F-4D97-AF65-F5344CB8AC3E}">
-        <p14:creationId xmlns="" xmlns:p14="http://schemas.microsoft.com/office/powerpoint/2010/main" val="44671813"/>
+        <p14:creationId xmlns:p14="http://schemas.microsoft.com/office/powerpoint/2010/main" xmlns="" val="44671813"/>
       </p:ext>
     </p:extLst>
   </p:cSld>
@@ -3500,1398 +3482,6 @@
       </p:par>
     </p:tnLst>
   </p:timing>
-</p:sld>
-</file>
-
-<file path=ppt/slides/slide10.xml><?xml version="1.0" encoding="utf-8"?>
-<p:sld xmlns:a="http://schemas.openxmlformats.org/drawingml/2006/main" xmlns:r="http://schemas.openxmlformats.org/officeDocument/2006/relationships" xmlns:p="http://schemas.openxmlformats.org/presentationml/2006/main">
-  <p:cSld>
-    <p:spTree>
-      <p:nvGrpSpPr>
-        <p:cNvPr id="1" name=""/>
-        <p:cNvGrpSpPr/>
-        <p:nvPr/>
-      </p:nvGrpSpPr>
-      <p:grpSpPr>
-        <a:xfrm>
-          <a:off x="0" y="0"/>
-          <a:ext cx="0" cy="0"/>
-          <a:chOff x="0" y="0"/>
-          <a:chExt cx="0" cy="0"/>
-        </a:xfrm>
-      </p:grpSpPr>
-      <p:sp>
-        <p:nvSpPr>
-          <p:cNvPr id="2" name="Title 1"/>
-          <p:cNvSpPr>
-            <a:spLocks noGrp="1"/>
-          </p:cNvSpPr>
-          <p:nvPr>
-            <p:ph type="title"/>
-          </p:nvPr>
-        </p:nvSpPr>
-        <p:spPr>
-          <a:xfrm>
-            <a:off x="-2912" y="0"/>
-            <a:ext cx="9146912" cy="692696"/>
-          </a:xfrm>
-          <a:solidFill>
-            <a:schemeClr val="bg1">
-              <a:lumMod val="75000"/>
-            </a:schemeClr>
-          </a:solidFill>
-        </p:spPr>
-        <p:txBody>
-          <a:bodyPr>
-            <a:normAutofit fontScale="90000"/>
-          </a:bodyPr>
-          <a:lstStyle/>
-          <a:p>
-            <a:pPr algn="l"/>
-            <a:r>
-              <a:rPr lang="en-US" dirty="0" smtClean="0">
-                <a:solidFill>
-                  <a:schemeClr val="bg1"/>
-                </a:solidFill>
-              </a:rPr>
-              <a:t> related work (</a:t>
-            </a:r>
-            <a:r>
-              <a:rPr lang="en-US" dirty="0" err="1" smtClean="0">
-                <a:solidFill>
-                  <a:schemeClr val="bg1"/>
-                </a:solidFill>
-              </a:rPr>
-              <a:t>cond</a:t>
-            </a:r>
-            <a:r>
-              <a:rPr lang="en-US" dirty="0" smtClean="0">
-                <a:solidFill>
-                  <a:schemeClr val="bg1"/>
-                </a:solidFill>
-              </a:rPr>
-              <a:t>)</a:t>
-            </a:r>
-            <a:endParaRPr lang="en-US" dirty="0">
-              <a:solidFill>
-                <a:schemeClr val="bg1"/>
-              </a:solidFill>
-            </a:endParaRPr>
-          </a:p>
-        </p:txBody>
-      </p:sp>
-      <p:sp>
-        <p:nvSpPr>
-          <p:cNvPr id="3" name="Content Placeholder 2"/>
-          <p:cNvSpPr>
-            <a:spLocks noGrp="1"/>
-          </p:cNvSpPr>
-          <p:nvPr>
-            <p:ph idx="1"/>
-          </p:nvPr>
-        </p:nvSpPr>
-        <p:spPr>
-          <a:xfrm>
-            <a:off x="457200" y="1052736"/>
-            <a:ext cx="8229600" cy="4205064"/>
-          </a:xfrm>
-        </p:spPr>
-        <p:txBody>
-          <a:bodyPr/>
-          <a:lstStyle/>
-          <a:p>
-            <a:pPr marL="0" indent="0">
-              <a:buNone/>
-            </a:pPr>
-            <a:r>
-              <a:rPr lang="en-US" dirty="0" err="1" smtClean="0"/>
-              <a:t>Malburg</a:t>
-            </a:r>
-            <a:r>
-              <a:rPr lang="en-US" dirty="0" smtClean="0"/>
-              <a:t> and Fraser [5] introduced a novel mutation operator for evolutionary search which based on dynamic SE. </a:t>
-            </a:r>
-          </a:p>
-          <a:p>
-            <a:pPr marL="0" indent="0">
-              <a:buNone/>
-            </a:pPr>
-            <a:r>
-              <a:rPr lang="en-US" dirty="0" smtClean="0"/>
-              <a:t>Ahmed and </a:t>
-            </a:r>
-            <a:r>
-              <a:rPr lang="en-US" dirty="0" err="1" smtClean="0"/>
-              <a:t>Hermadi</a:t>
-            </a:r>
-            <a:r>
-              <a:rPr lang="en-US" dirty="0" smtClean="0"/>
-              <a:t> [6] improved their GA research [7] in 2003 by adding a rewarding scheme and using a more efficient test data generator. </a:t>
-            </a:r>
-            <a:endParaRPr lang="en-US" dirty="0"/>
-          </a:p>
-        </p:txBody>
-      </p:sp>
-    </p:spTree>
-    <p:extLst>
-      <p:ext uri="{BB962C8B-B14F-4D97-AF65-F5344CB8AC3E}">
-        <p14:creationId xmlns="" xmlns:p14="http://schemas.microsoft.com/office/powerpoint/2010/main" val="2330834491"/>
-      </p:ext>
-    </p:extLst>
-  </p:cSld>
-  <p:clrMapOvr>
-    <a:masterClrMapping/>
-  </p:clrMapOvr>
-  <p:timing>
-    <p:tnLst>
-      <p:par>
-        <p:cTn id="1" dur="indefinite" restart="never" nodeType="tmRoot"/>
-      </p:par>
-    </p:tnLst>
-  </p:timing>
-</p:sld>
-</file>
-
-<file path=ppt/slides/slide11.xml><?xml version="1.0" encoding="utf-8"?>
-<p:sld xmlns:a="http://schemas.openxmlformats.org/drawingml/2006/main" xmlns:r="http://schemas.openxmlformats.org/officeDocument/2006/relationships" xmlns:p="http://schemas.openxmlformats.org/presentationml/2006/main">
-  <p:cSld>
-    <p:spTree>
-      <p:nvGrpSpPr>
-        <p:cNvPr id="1" name=""/>
-        <p:cNvGrpSpPr/>
-        <p:nvPr/>
-      </p:nvGrpSpPr>
-      <p:grpSpPr>
-        <a:xfrm>
-          <a:off x="0" y="0"/>
-          <a:ext cx="0" cy="0"/>
-          <a:chOff x="0" y="0"/>
-          <a:chExt cx="0" cy="0"/>
-        </a:xfrm>
-      </p:grpSpPr>
-      <p:sp>
-        <p:nvSpPr>
-          <p:cNvPr id="2" name="Title 1"/>
-          <p:cNvSpPr>
-            <a:spLocks noGrp="1"/>
-          </p:cNvSpPr>
-          <p:nvPr>
-            <p:ph type="title"/>
-          </p:nvPr>
-        </p:nvSpPr>
-        <p:spPr>
-          <a:xfrm>
-            <a:off x="-2912" y="0"/>
-            <a:ext cx="9146912" cy="692696"/>
-          </a:xfrm>
-          <a:solidFill>
-            <a:schemeClr val="bg1">
-              <a:lumMod val="75000"/>
-            </a:schemeClr>
-          </a:solidFill>
-        </p:spPr>
-        <p:txBody>
-          <a:bodyPr>
-            <a:normAutofit fontScale="90000"/>
-          </a:bodyPr>
-          <a:lstStyle/>
-          <a:p>
-            <a:pPr algn="l"/>
-            <a:r>
-              <a:rPr lang="en-US" dirty="0" smtClean="0">
-                <a:solidFill>
-                  <a:schemeClr val="bg1"/>
-                </a:solidFill>
-              </a:rPr>
-              <a:t> outline</a:t>
-            </a:r>
-            <a:endParaRPr lang="en-US" dirty="0">
-              <a:solidFill>
-                <a:schemeClr val="bg1"/>
-              </a:solidFill>
-            </a:endParaRPr>
-          </a:p>
-        </p:txBody>
-      </p:sp>
-      <p:sp>
-        <p:nvSpPr>
-          <p:cNvPr id="3" name="Content Placeholder 2"/>
-          <p:cNvSpPr>
-            <a:spLocks noGrp="1"/>
-          </p:cNvSpPr>
-          <p:nvPr>
-            <p:ph idx="1"/>
-          </p:nvPr>
-        </p:nvSpPr>
-        <p:spPr>
-          <a:xfrm>
-            <a:off x="457200" y="1052736"/>
-            <a:ext cx="8229600" cy="4205064"/>
-          </a:xfrm>
-        </p:spPr>
-        <p:txBody>
-          <a:bodyPr/>
-          <a:lstStyle/>
-          <a:p>
-            <a:pPr marL="0" indent="0">
-              <a:buNone/>
-            </a:pPr>
-            <a:r>
-              <a:rPr lang="en-US" dirty="0" smtClean="0"/>
-              <a:t>1. Introduction</a:t>
-            </a:r>
-          </a:p>
-          <a:p>
-            <a:pPr marL="0" indent="0">
-              <a:buNone/>
-            </a:pPr>
-            <a:r>
-              <a:rPr lang="en-US" dirty="0" smtClean="0"/>
-              <a:t>2. Background</a:t>
-            </a:r>
-          </a:p>
-          <a:p>
-            <a:pPr marL="0" indent="0">
-              <a:buNone/>
-            </a:pPr>
-            <a:r>
-              <a:rPr lang="en-US" dirty="0" smtClean="0"/>
-              <a:t>3. Related work</a:t>
-            </a:r>
-          </a:p>
-          <a:p>
-            <a:pPr marL="0" indent="0">
-              <a:buNone/>
-            </a:pPr>
-            <a:r>
-              <a:rPr lang="en-US" b="1" dirty="0" smtClean="0"/>
-              <a:t>4. Proposed approach</a:t>
-            </a:r>
-          </a:p>
-          <a:p>
-            <a:pPr marL="0" indent="0">
-              <a:buNone/>
-            </a:pPr>
-            <a:r>
-              <a:rPr lang="en-US" dirty="0" smtClean="0"/>
-              <a:t>5. Experimental result</a:t>
-            </a:r>
-          </a:p>
-          <a:p>
-            <a:pPr marL="0" indent="0">
-              <a:buNone/>
-            </a:pPr>
-            <a:r>
-              <a:rPr lang="en-US" dirty="0" smtClean="0"/>
-              <a:t>6. Conclusion</a:t>
-            </a:r>
-            <a:endParaRPr lang="en-US" dirty="0"/>
-          </a:p>
-        </p:txBody>
-      </p:sp>
-    </p:spTree>
-    <p:extLst>
-      <p:ext uri="{BB962C8B-B14F-4D97-AF65-F5344CB8AC3E}">
-        <p14:creationId xmlns="" xmlns:p14="http://schemas.microsoft.com/office/powerpoint/2010/main" val="1848409642"/>
-      </p:ext>
-    </p:extLst>
-  </p:cSld>
-  <p:clrMapOvr>
-    <a:masterClrMapping/>
-  </p:clrMapOvr>
-</p:sld>
-</file>
-
-<file path=ppt/slides/slide12.xml><?xml version="1.0" encoding="utf-8"?>
-<p:sld xmlns:a="http://schemas.openxmlformats.org/drawingml/2006/main" xmlns:r="http://schemas.openxmlformats.org/officeDocument/2006/relationships" xmlns:p="http://schemas.openxmlformats.org/presentationml/2006/main">
-  <p:cSld>
-    <p:spTree>
-      <p:nvGrpSpPr>
-        <p:cNvPr id="1" name=""/>
-        <p:cNvGrpSpPr/>
-        <p:nvPr/>
-      </p:nvGrpSpPr>
-      <p:grpSpPr>
-        <a:xfrm>
-          <a:off x="0" y="0"/>
-          <a:ext cx="0" cy="0"/>
-          <a:chOff x="0" y="0"/>
-          <a:chExt cx="0" cy="0"/>
-        </a:xfrm>
-      </p:grpSpPr>
-      <p:sp>
-        <p:nvSpPr>
-          <p:cNvPr id="2" name="Title 1"/>
-          <p:cNvSpPr>
-            <a:spLocks noGrp="1"/>
-          </p:cNvSpPr>
-          <p:nvPr>
-            <p:ph type="title"/>
-          </p:nvPr>
-        </p:nvSpPr>
-        <p:spPr>
-          <a:xfrm>
-            <a:off x="-2912" y="0"/>
-            <a:ext cx="9146912" cy="692696"/>
-          </a:xfrm>
-          <a:solidFill>
-            <a:schemeClr val="bg1">
-              <a:lumMod val="75000"/>
-            </a:schemeClr>
-          </a:solidFill>
-        </p:spPr>
-        <p:txBody>
-          <a:bodyPr>
-            <a:normAutofit fontScale="90000"/>
-          </a:bodyPr>
-          <a:lstStyle/>
-          <a:p>
-            <a:pPr algn="l"/>
-            <a:r>
-              <a:rPr lang="en-US" dirty="0" smtClean="0">
-                <a:solidFill>
-                  <a:schemeClr val="bg1"/>
-                </a:solidFill>
-              </a:rPr>
-              <a:t> main steps</a:t>
-            </a:r>
-            <a:endParaRPr lang="en-US" dirty="0">
-              <a:solidFill>
-                <a:schemeClr val="bg1"/>
-              </a:solidFill>
-            </a:endParaRPr>
-          </a:p>
-        </p:txBody>
-      </p:sp>
-      <p:pic>
-        <p:nvPicPr>
-          <p:cNvPr id="1026" name="Picture 2"/>
-          <p:cNvPicPr>
-            <a:picLocks noChangeAspect="1" noChangeArrowheads="1"/>
-          </p:cNvPicPr>
-          <p:nvPr/>
-        </p:nvPicPr>
-        <p:blipFill>
-          <a:blip r:embed="rId2" cstate="print"/>
-          <a:srcRect/>
-          <a:stretch>
-            <a:fillRect/>
-          </a:stretch>
-        </p:blipFill>
-        <p:spPr bwMode="auto">
-          <a:xfrm>
-            <a:off x="683568" y="980728"/>
-            <a:ext cx="7848872" cy="5328592"/>
-          </a:xfrm>
-          <a:prstGeom prst="rect">
-            <a:avLst/>
-          </a:prstGeom>
-          <a:noFill/>
-          <a:ln w="9525">
-            <a:noFill/>
-            <a:miter lim="800000"/>
-            <a:headEnd/>
-            <a:tailEnd/>
-          </a:ln>
-        </p:spPr>
-      </p:pic>
-    </p:spTree>
-    <p:extLst>
-      <p:ext uri="{BB962C8B-B14F-4D97-AF65-F5344CB8AC3E}">
-        <p14:creationId xmlns="" xmlns:p14="http://schemas.microsoft.com/office/powerpoint/2010/main" val="1848409642"/>
-      </p:ext>
-    </p:extLst>
-  </p:cSld>
-  <p:clrMapOvr>
-    <a:masterClrMapping/>
-  </p:clrMapOvr>
-</p:sld>
-</file>
-
-<file path=ppt/slides/slide13.xml><?xml version="1.0" encoding="utf-8"?>
-<p:sld xmlns:a="http://schemas.openxmlformats.org/drawingml/2006/main" xmlns:r="http://schemas.openxmlformats.org/officeDocument/2006/relationships" xmlns:p="http://schemas.openxmlformats.org/presentationml/2006/main">
-  <p:cSld>
-    <p:spTree>
-      <p:nvGrpSpPr>
-        <p:cNvPr id="1" name=""/>
-        <p:cNvGrpSpPr/>
-        <p:nvPr/>
-      </p:nvGrpSpPr>
-      <p:grpSpPr>
-        <a:xfrm>
-          <a:off x="0" y="0"/>
-          <a:ext cx="0" cy="0"/>
-          <a:chOff x="0" y="0"/>
-          <a:chExt cx="0" cy="0"/>
-        </a:xfrm>
-      </p:grpSpPr>
-      <p:sp>
-        <p:nvSpPr>
-          <p:cNvPr id="2" name="Title 1"/>
-          <p:cNvSpPr>
-            <a:spLocks noGrp="1"/>
-          </p:cNvSpPr>
-          <p:nvPr>
-            <p:ph type="title"/>
-          </p:nvPr>
-        </p:nvSpPr>
-        <p:spPr>
-          <a:xfrm>
-            <a:off x="-2912" y="0"/>
-            <a:ext cx="9146912" cy="692696"/>
-          </a:xfrm>
-          <a:solidFill>
-            <a:schemeClr val="bg1">
-              <a:lumMod val="75000"/>
-            </a:schemeClr>
-          </a:solidFill>
-        </p:spPr>
-        <p:txBody>
-          <a:bodyPr>
-            <a:normAutofit fontScale="90000"/>
-          </a:bodyPr>
-          <a:lstStyle/>
-          <a:p>
-            <a:pPr algn="l"/>
-            <a:r>
-              <a:rPr lang="en-US" dirty="0" smtClean="0">
-                <a:solidFill>
-                  <a:schemeClr val="bg1"/>
-                </a:solidFill>
-              </a:rPr>
-              <a:t> step 1: static program analysis </a:t>
-            </a:r>
-            <a:endParaRPr lang="en-US" dirty="0">
-              <a:solidFill>
-                <a:schemeClr val="bg1"/>
-              </a:solidFill>
-            </a:endParaRPr>
-          </a:p>
-        </p:txBody>
-      </p:sp>
-      <p:sp>
-        <p:nvSpPr>
-          <p:cNvPr id="3" name="Content Placeholder 2"/>
-          <p:cNvSpPr>
-            <a:spLocks noGrp="1"/>
-          </p:cNvSpPr>
-          <p:nvPr>
-            <p:ph idx="1"/>
-          </p:nvPr>
-        </p:nvSpPr>
-        <p:spPr>
-          <a:xfrm>
-            <a:off x="457200" y="1052736"/>
-            <a:ext cx="8229600" cy="4205064"/>
-          </a:xfrm>
-        </p:spPr>
-        <p:txBody>
-          <a:bodyPr/>
-          <a:lstStyle/>
-          <a:p>
-            <a:pPr marL="0" indent="0">
-              <a:buNone/>
-            </a:pPr>
-            <a:r>
-              <a:rPr lang="en-US" dirty="0" smtClean="0"/>
-              <a:t>Solve path conditions </a:t>
-            </a:r>
-          </a:p>
-          <a:p>
-            <a:pPr marL="0" indent="0">
-              <a:buNone/>
-            </a:pPr>
-            <a:r>
-              <a:rPr lang="en-US" dirty="0" smtClean="0"/>
-              <a:t>Store constraint satisfaction </a:t>
-            </a:r>
-          </a:p>
-        </p:txBody>
-      </p:sp>
-    </p:spTree>
-    <p:extLst>
-      <p:ext uri="{BB962C8B-B14F-4D97-AF65-F5344CB8AC3E}">
-        <p14:creationId xmlns="" xmlns:p14="http://schemas.microsoft.com/office/powerpoint/2010/main" val="1848409642"/>
-      </p:ext>
-    </p:extLst>
-  </p:cSld>
-  <p:clrMapOvr>
-    <a:masterClrMapping/>
-  </p:clrMapOvr>
-</p:sld>
-</file>
-
-<file path=ppt/slides/slide14.xml><?xml version="1.0" encoding="utf-8"?>
-<p:sld xmlns:a="http://schemas.openxmlformats.org/drawingml/2006/main" xmlns:r="http://schemas.openxmlformats.org/officeDocument/2006/relationships" xmlns:p="http://schemas.openxmlformats.org/presentationml/2006/main">
-  <p:cSld>
-    <p:spTree>
-      <p:nvGrpSpPr>
-        <p:cNvPr id="1" name=""/>
-        <p:cNvGrpSpPr/>
-        <p:nvPr/>
-      </p:nvGrpSpPr>
-      <p:grpSpPr>
-        <a:xfrm>
-          <a:off x="0" y="0"/>
-          <a:ext cx="0" cy="0"/>
-          <a:chOff x="0" y="0"/>
-          <a:chExt cx="0" cy="0"/>
-        </a:xfrm>
-      </p:grpSpPr>
-      <p:sp>
-        <p:nvSpPr>
-          <p:cNvPr id="2" name="Title 1"/>
-          <p:cNvSpPr>
-            <a:spLocks noGrp="1"/>
-          </p:cNvSpPr>
-          <p:nvPr>
-            <p:ph type="title"/>
-          </p:nvPr>
-        </p:nvSpPr>
-        <p:spPr>
-          <a:xfrm>
-            <a:off x="-2912" y="0"/>
-            <a:ext cx="9146912" cy="692696"/>
-          </a:xfrm>
-          <a:solidFill>
-            <a:schemeClr val="bg1">
-              <a:lumMod val="75000"/>
-            </a:schemeClr>
-          </a:solidFill>
-        </p:spPr>
-        <p:txBody>
-          <a:bodyPr>
-            <a:normAutofit fontScale="90000"/>
-          </a:bodyPr>
-          <a:lstStyle/>
-          <a:p>
-            <a:pPr algn="l"/>
-            <a:r>
-              <a:rPr lang="en-US" b="1" dirty="0" smtClean="0">
-                <a:solidFill>
-                  <a:schemeClr val="bg1"/>
-                </a:solidFill>
-              </a:rPr>
-              <a:t> </a:t>
-            </a:r>
-            <a:r>
-              <a:rPr lang="en-US" dirty="0" smtClean="0">
-                <a:solidFill>
-                  <a:schemeClr val="bg1"/>
-                </a:solidFill>
-              </a:rPr>
-              <a:t>solve path conditions</a:t>
-            </a:r>
-            <a:r>
-              <a:rPr lang="en-US" b="1" dirty="0" smtClean="0">
-                <a:solidFill>
-                  <a:schemeClr val="bg1"/>
-                </a:solidFill>
-              </a:rPr>
-              <a:t> </a:t>
-            </a:r>
-            <a:endParaRPr lang="en-US" b="1" dirty="0">
-              <a:solidFill>
-                <a:schemeClr val="bg1"/>
-              </a:solidFill>
-            </a:endParaRPr>
-          </a:p>
-        </p:txBody>
-      </p:sp>
-      <p:pic>
-        <p:nvPicPr>
-          <p:cNvPr id="2050" name="Picture 2"/>
-          <p:cNvPicPr>
-            <a:picLocks noChangeAspect="1" noChangeArrowheads="1"/>
-          </p:cNvPicPr>
-          <p:nvPr/>
-        </p:nvPicPr>
-        <p:blipFill>
-          <a:blip r:embed="rId2" cstate="print"/>
-          <a:srcRect/>
-          <a:stretch>
-            <a:fillRect/>
-          </a:stretch>
-        </p:blipFill>
-        <p:spPr bwMode="auto">
-          <a:xfrm>
-            <a:off x="1043608" y="908720"/>
-            <a:ext cx="6848475" cy="2466975"/>
-          </a:xfrm>
-          <a:prstGeom prst="rect">
-            <a:avLst/>
-          </a:prstGeom>
-          <a:noFill/>
-          <a:ln w="9525">
-            <a:noFill/>
-            <a:miter lim="800000"/>
-            <a:headEnd/>
-            <a:tailEnd/>
-          </a:ln>
-        </p:spPr>
-      </p:pic>
-      <p:pic>
-        <p:nvPicPr>
-          <p:cNvPr id="2051" name="Picture 3"/>
-          <p:cNvPicPr>
-            <a:picLocks noChangeAspect="1" noChangeArrowheads="1"/>
-          </p:cNvPicPr>
-          <p:nvPr/>
-        </p:nvPicPr>
-        <p:blipFill>
-          <a:blip r:embed="rId3" cstate="print"/>
-          <a:srcRect/>
-          <a:stretch>
-            <a:fillRect/>
-          </a:stretch>
-        </p:blipFill>
-        <p:spPr bwMode="auto">
-          <a:xfrm>
-            <a:off x="467544" y="3573016"/>
-            <a:ext cx="8424936" cy="2476500"/>
-          </a:xfrm>
-          <a:prstGeom prst="rect">
-            <a:avLst/>
-          </a:prstGeom>
-          <a:noFill/>
-          <a:ln w="9525">
-            <a:noFill/>
-            <a:miter lim="800000"/>
-            <a:headEnd/>
-            <a:tailEnd/>
-          </a:ln>
-        </p:spPr>
-      </p:pic>
-    </p:spTree>
-    <p:extLst>
-      <p:ext uri="{BB962C8B-B14F-4D97-AF65-F5344CB8AC3E}">
-        <p14:creationId xmlns="" xmlns:p14="http://schemas.microsoft.com/office/powerpoint/2010/main" val="1848409642"/>
-      </p:ext>
-    </p:extLst>
-  </p:cSld>
-  <p:clrMapOvr>
-    <a:masterClrMapping/>
-  </p:clrMapOvr>
-</p:sld>
-</file>
-
-<file path=ppt/slides/slide15.xml><?xml version="1.0" encoding="utf-8"?>
-<p:sld xmlns:a="http://schemas.openxmlformats.org/drawingml/2006/main" xmlns:r="http://schemas.openxmlformats.org/officeDocument/2006/relationships" xmlns:p="http://schemas.openxmlformats.org/presentationml/2006/main">
-  <p:cSld>
-    <p:spTree>
-      <p:nvGrpSpPr>
-        <p:cNvPr id="1" name=""/>
-        <p:cNvGrpSpPr/>
-        <p:nvPr/>
-      </p:nvGrpSpPr>
-      <p:grpSpPr>
-        <a:xfrm>
-          <a:off x="0" y="0"/>
-          <a:ext cx="0" cy="0"/>
-          <a:chOff x="0" y="0"/>
-          <a:chExt cx="0" cy="0"/>
-        </a:xfrm>
-      </p:grpSpPr>
-      <p:sp>
-        <p:nvSpPr>
-          <p:cNvPr id="2" name="Title 1"/>
-          <p:cNvSpPr>
-            <a:spLocks noGrp="1"/>
-          </p:cNvSpPr>
-          <p:nvPr>
-            <p:ph type="title"/>
-          </p:nvPr>
-        </p:nvSpPr>
-        <p:spPr>
-          <a:xfrm>
-            <a:off x="-2912" y="0"/>
-            <a:ext cx="9146912" cy="692696"/>
-          </a:xfrm>
-          <a:solidFill>
-            <a:schemeClr val="bg1">
-              <a:lumMod val="75000"/>
-            </a:schemeClr>
-          </a:solidFill>
-        </p:spPr>
-        <p:txBody>
-          <a:bodyPr>
-            <a:normAutofit fontScale="90000"/>
-          </a:bodyPr>
-          <a:lstStyle/>
-          <a:p>
-            <a:pPr algn="l"/>
-            <a:r>
-              <a:rPr lang="en-US" b="1" dirty="0" smtClean="0">
-                <a:solidFill>
-                  <a:schemeClr val="bg1"/>
-                </a:solidFill>
-              </a:rPr>
-              <a:t> </a:t>
-            </a:r>
-            <a:r>
-              <a:rPr lang="en-US" dirty="0" smtClean="0">
-                <a:solidFill>
-                  <a:schemeClr val="bg1"/>
-                </a:solidFill>
-              </a:rPr>
-              <a:t>store constraint satisfaction</a:t>
-            </a:r>
-            <a:r>
-              <a:rPr lang="en-US" b="1" dirty="0" smtClean="0">
-                <a:solidFill>
-                  <a:schemeClr val="bg1"/>
-                </a:solidFill>
-              </a:rPr>
-              <a:t> </a:t>
-            </a:r>
-            <a:endParaRPr lang="en-US" b="1" dirty="0">
-              <a:solidFill>
-                <a:schemeClr val="bg1"/>
-              </a:solidFill>
-            </a:endParaRPr>
-          </a:p>
-        </p:txBody>
-      </p:sp>
-      <p:pic>
-        <p:nvPicPr>
-          <p:cNvPr id="3074" name="Picture 2"/>
-          <p:cNvPicPr>
-            <a:picLocks noChangeAspect="1" noChangeArrowheads="1"/>
-          </p:cNvPicPr>
-          <p:nvPr/>
-        </p:nvPicPr>
-        <p:blipFill>
-          <a:blip r:embed="rId2" cstate="print"/>
-          <a:srcRect/>
-          <a:stretch>
-            <a:fillRect/>
-          </a:stretch>
-        </p:blipFill>
-        <p:spPr bwMode="auto">
-          <a:xfrm>
-            <a:off x="755577" y="908720"/>
-            <a:ext cx="7344816" cy="2736304"/>
-          </a:xfrm>
-          <a:prstGeom prst="rect">
-            <a:avLst/>
-          </a:prstGeom>
-          <a:noFill/>
-          <a:ln w="9525">
-            <a:noFill/>
-            <a:miter lim="800000"/>
-            <a:headEnd/>
-            <a:tailEnd/>
-          </a:ln>
-        </p:spPr>
-      </p:pic>
-      <p:grpSp>
-        <p:nvGrpSpPr>
-          <p:cNvPr id="4" name="Group 3"/>
-          <p:cNvGrpSpPr/>
-          <p:nvPr/>
-        </p:nvGrpSpPr>
-        <p:grpSpPr>
-          <a:xfrm>
-            <a:off x="611560" y="3789040"/>
-            <a:ext cx="8064896" cy="2681858"/>
-            <a:chOff x="611560" y="3789040"/>
-            <a:chExt cx="8064896" cy="2681858"/>
-          </a:xfrm>
-        </p:grpSpPr>
-        <p:pic>
-          <p:nvPicPr>
-            <p:cNvPr id="3076" name="Picture 4"/>
-            <p:cNvPicPr>
-              <a:picLocks noChangeAspect="1" noChangeArrowheads="1"/>
-            </p:cNvPicPr>
-            <p:nvPr/>
-          </p:nvPicPr>
-          <p:blipFill>
-            <a:blip r:embed="rId3" cstate="print"/>
-            <a:srcRect/>
-            <a:stretch>
-              <a:fillRect/>
-            </a:stretch>
-          </p:blipFill>
-          <p:spPr bwMode="auto">
-            <a:xfrm>
-              <a:off x="611560" y="3789040"/>
-              <a:ext cx="7920880" cy="2681858"/>
-            </a:xfrm>
-            <a:prstGeom prst="rect">
-              <a:avLst/>
-            </a:prstGeom>
-            <a:noFill/>
-            <a:ln w="9525">
-              <a:noFill/>
-              <a:miter lim="800000"/>
-              <a:headEnd/>
-              <a:tailEnd/>
-            </a:ln>
-          </p:spPr>
-        </p:pic>
-        <p:sp>
-          <p:nvSpPr>
-            <p:cNvPr id="3" name="Rectangle 2"/>
-            <p:cNvSpPr/>
-            <p:nvPr/>
-          </p:nvSpPr>
-          <p:spPr>
-            <a:xfrm>
-              <a:off x="5004048" y="5543550"/>
-              <a:ext cx="3672408" cy="927348"/>
-            </a:xfrm>
-            <a:prstGeom prst="rect">
-              <a:avLst/>
-            </a:prstGeom>
-            <a:noFill/>
-            <a:ln w="28575">
-              <a:solidFill>
-                <a:srgbClr val="FF0000"/>
-              </a:solidFill>
-            </a:ln>
-          </p:spPr>
-          <p:style>
-            <a:lnRef idx="2">
-              <a:schemeClr val="accent1">
-                <a:shade val="50000"/>
-              </a:schemeClr>
-            </a:lnRef>
-            <a:fillRef idx="1">
-              <a:schemeClr val="accent1"/>
-            </a:fillRef>
-            <a:effectRef idx="0">
-              <a:schemeClr val="accent1"/>
-            </a:effectRef>
-            <a:fontRef idx="minor">
-              <a:schemeClr val="lt1"/>
-            </a:fontRef>
-          </p:style>
-          <p:txBody>
-            <a:bodyPr rtlCol="0" anchor="ctr"/>
-            <a:lstStyle/>
-            <a:p>
-              <a:pPr algn="ctr"/>
-              <a:endParaRPr lang="en-US"/>
-            </a:p>
-          </p:txBody>
-        </p:sp>
-      </p:grpSp>
-    </p:spTree>
-    <p:extLst>
-      <p:ext uri="{BB962C8B-B14F-4D97-AF65-F5344CB8AC3E}">
-        <p14:creationId xmlns="" xmlns:p14="http://schemas.microsoft.com/office/powerpoint/2010/main" val="1848409642"/>
-      </p:ext>
-    </p:extLst>
-  </p:cSld>
-  <p:clrMapOvr>
-    <a:masterClrMapping/>
-  </p:clrMapOvr>
-</p:sld>
-</file>
-
-<file path=ppt/slides/slide16.xml><?xml version="1.0" encoding="utf-8"?>
-<p:sld xmlns:a="http://schemas.openxmlformats.org/drawingml/2006/main" xmlns:r="http://schemas.openxmlformats.org/officeDocument/2006/relationships" xmlns:p="http://schemas.openxmlformats.org/presentationml/2006/main">
-  <p:cSld>
-    <p:spTree>
-      <p:nvGrpSpPr>
-        <p:cNvPr id="1" name=""/>
-        <p:cNvGrpSpPr/>
-        <p:nvPr/>
-      </p:nvGrpSpPr>
-      <p:grpSpPr>
-        <a:xfrm>
-          <a:off x="0" y="0"/>
-          <a:ext cx="0" cy="0"/>
-          <a:chOff x="0" y="0"/>
-          <a:chExt cx="0" cy="0"/>
-        </a:xfrm>
-      </p:grpSpPr>
-      <p:sp>
-        <p:nvSpPr>
-          <p:cNvPr id="2" name="Title 1"/>
-          <p:cNvSpPr>
-            <a:spLocks noGrp="1"/>
-          </p:cNvSpPr>
-          <p:nvPr>
-            <p:ph type="title"/>
-          </p:nvPr>
-        </p:nvSpPr>
-        <p:spPr>
-          <a:xfrm>
-            <a:off x="-2912" y="0"/>
-            <a:ext cx="9146912" cy="692696"/>
-          </a:xfrm>
-          <a:solidFill>
-            <a:schemeClr val="bg1">
-              <a:lumMod val="75000"/>
-            </a:schemeClr>
-          </a:solidFill>
-        </p:spPr>
-        <p:txBody>
-          <a:bodyPr>
-            <a:normAutofit fontScale="90000"/>
-          </a:bodyPr>
-          <a:lstStyle/>
-          <a:p>
-            <a:pPr algn="l"/>
-            <a:r>
-              <a:rPr lang="en-US" dirty="0" smtClean="0">
-                <a:solidFill>
-                  <a:schemeClr val="bg1"/>
-                </a:solidFill>
-              </a:rPr>
-              <a:t> step 2: execute GA</a:t>
-            </a:r>
-            <a:endParaRPr lang="en-US" dirty="0">
-              <a:solidFill>
-                <a:schemeClr val="bg1"/>
-              </a:solidFill>
-            </a:endParaRPr>
-          </a:p>
-        </p:txBody>
-      </p:sp>
-      <p:sp>
-        <p:nvSpPr>
-          <p:cNvPr id="3" name="Content Placeholder 2"/>
-          <p:cNvSpPr>
-            <a:spLocks noGrp="1"/>
-          </p:cNvSpPr>
-          <p:nvPr>
-            <p:ph idx="1"/>
-          </p:nvPr>
-        </p:nvSpPr>
-        <p:spPr>
-          <a:xfrm>
-            <a:off x="457200" y="1052736"/>
-            <a:ext cx="8229600" cy="1690464"/>
-          </a:xfrm>
-        </p:spPr>
-        <p:txBody>
-          <a:bodyPr/>
-          <a:lstStyle/>
-          <a:p>
-            <a:pPr marL="0" indent="0">
-              <a:buNone/>
-            </a:pPr>
-            <a:r>
-              <a:rPr lang="en-US" dirty="0" smtClean="0"/>
-              <a:t>Create fitness function </a:t>
-            </a:r>
-          </a:p>
-          <a:p>
-            <a:pPr marL="0" indent="0">
-              <a:buNone/>
-            </a:pPr>
-            <a:r>
-              <a:rPr lang="en-US" dirty="0" smtClean="0"/>
-              <a:t>Constraint-based adjustment</a:t>
-            </a:r>
-          </a:p>
-        </p:txBody>
-      </p:sp>
-    </p:spTree>
-    <p:extLst>
-      <p:ext uri="{BB962C8B-B14F-4D97-AF65-F5344CB8AC3E}">
-        <p14:creationId xmlns="" xmlns:p14="http://schemas.microsoft.com/office/powerpoint/2010/main" val="1848409642"/>
-      </p:ext>
-    </p:extLst>
-  </p:cSld>
-  <p:clrMapOvr>
-    <a:masterClrMapping/>
-  </p:clrMapOvr>
-</p:sld>
-</file>
-
-<file path=ppt/slides/slide17.xml><?xml version="1.0" encoding="utf-8"?>
-<p:sld xmlns:a="http://schemas.openxmlformats.org/drawingml/2006/main" xmlns:r="http://schemas.openxmlformats.org/officeDocument/2006/relationships" xmlns:p="http://schemas.openxmlformats.org/presentationml/2006/main">
-  <p:cSld>
-    <p:spTree>
-      <p:nvGrpSpPr>
-        <p:cNvPr id="1" name=""/>
-        <p:cNvGrpSpPr/>
-        <p:nvPr/>
-      </p:nvGrpSpPr>
-      <p:grpSpPr>
-        <a:xfrm>
-          <a:off x="0" y="0"/>
-          <a:ext cx="0" cy="0"/>
-          <a:chOff x="0" y="0"/>
-          <a:chExt cx="0" cy="0"/>
-        </a:xfrm>
-      </p:grpSpPr>
-      <p:sp>
-        <p:nvSpPr>
-          <p:cNvPr id="2" name="Title 1"/>
-          <p:cNvSpPr>
-            <a:spLocks noGrp="1"/>
-          </p:cNvSpPr>
-          <p:nvPr>
-            <p:ph type="title"/>
-          </p:nvPr>
-        </p:nvSpPr>
-        <p:spPr>
-          <a:xfrm>
-            <a:off x="-2912" y="0"/>
-            <a:ext cx="9146912" cy="692696"/>
-          </a:xfrm>
-          <a:solidFill>
-            <a:schemeClr val="bg1">
-              <a:lumMod val="75000"/>
-            </a:schemeClr>
-          </a:solidFill>
-        </p:spPr>
-        <p:txBody>
-          <a:bodyPr>
-            <a:normAutofit fontScale="90000"/>
-          </a:bodyPr>
-          <a:lstStyle/>
-          <a:p>
-            <a:pPr algn="l"/>
-            <a:r>
-              <a:rPr lang="en-US" dirty="0" smtClean="0">
-                <a:solidFill>
-                  <a:schemeClr val="bg1"/>
-                </a:solidFill>
-              </a:rPr>
-              <a:t> create fitness function</a:t>
-            </a:r>
-            <a:endParaRPr lang="en-US" dirty="0">
-              <a:solidFill>
-                <a:schemeClr val="bg1"/>
-              </a:solidFill>
-            </a:endParaRPr>
-          </a:p>
-        </p:txBody>
-      </p:sp>
-      <p:pic>
-        <p:nvPicPr>
-          <p:cNvPr id="4098" name="Picture 2"/>
-          <p:cNvPicPr>
-            <a:picLocks noChangeAspect="1" noChangeArrowheads="1"/>
-          </p:cNvPicPr>
-          <p:nvPr/>
-        </p:nvPicPr>
-        <p:blipFill>
-          <a:blip r:embed="rId2" cstate="print"/>
-          <a:srcRect/>
-          <a:stretch>
-            <a:fillRect/>
-          </a:stretch>
-        </p:blipFill>
-        <p:spPr bwMode="auto">
-          <a:xfrm>
-            <a:off x="467544" y="1729730"/>
-            <a:ext cx="8280920" cy="2779390"/>
-          </a:xfrm>
-          <a:prstGeom prst="rect">
-            <a:avLst/>
-          </a:prstGeom>
-          <a:noFill/>
-          <a:ln w="9525">
-            <a:noFill/>
-            <a:miter lim="800000"/>
-            <a:headEnd/>
-            <a:tailEnd/>
-          </a:ln>
-        </p:spPr>
-      </p:pic>
-      <p:sp>
-        <p:nvSpPr>
-          <p:cNvPr id="4" name="Content Placeholder 2"/>
-          <p:cNvSpPr>
-            <a:spLocks noGrp="1"/>
-          </p:cNvSpPr>
-          <p:nvPr>
-            <p:ph idx="1"/>
-          </p:nvPr>
-        </p:nvSpPr>
-        <p:spPr>
-          <a:xfrm>
-            <a:off x="374848" y="1052736"/>
-            <a:ext cx="8229600" cy="676994"/>
-          </a:xfrm>
-        </p:spPr>
-        <p:txBody>
-          <a:bodyPr/>
-          <a:lstStyle/>
-          <a:p>
-            <a:pPr marL="0" indent="0">
-              <a:buNone/>
-            </a:pPr>
-            <a:r>
-              <a:rPr lang="en-US" dirty="0" smtClean="0"/>
-              <a:t>Insert instrument code into program under test</a:t>
-            </a:r>
-          </a:p>
-        </p:txBody>
-      </p:sp>
-    </p:spTree>
-    <p:extLst>
-      <p:ext uri="{BB962C8B-B14F-4D97-AF65-F5344CB8AC3E}">
-        <p14:creationId xmlns="" xmlns:p14="http://schemas.microsoft.com/office/powerpoint/2010/main" val="1848409642"/>
-      </p:ext>
-    </p:extLst>
-  </p:cSld>
-  <p:clrMapOvr>
-    <a:masterClrMapping/>
-  </p:clrMapOvr>
-</p:sld>
-</file>
-
-<file path=ppt/slides/slide18.xml><?xml version="1.0" encoding="utf-8"?>
-<p:sld xmlns:a="http://schemas.openxmlformats.org/drawingml/2006/main" xmlns:r="http://schemas.openxmlformats.org/officeDocument/2006/relationships" xmlns:p="http://schemas.openxmlformats.org/presentationml/2006/main">
-  <p:cSld>
-    <p:spTree>
-      <p:nvGrpSpPr>
-        <p:cNvPr id="1" name=""/>
-        <p:cNvGrpSpPr/>
-        <p:nvPr/>
-      </p:nvGrpSpPr>
-      <p:grpSpPr>
-        <a:xfrm>
-          <a:off x="0" y="0"/>
-          <a:ext cx="0" cy="0"/>
-          <a:chOff x="0" y="0"/>
-          <a:chExt cx="0" cy="0"/>
-        </a:xfrm>
-      </p:grpSpPr>
-      <p:sp>
-        <p:nvSpPr>
-          <p:cNvPr id="2" name="Title 1"/>
-          <p:cNvSpPr>
-            <a:spLocks noGrp="1"/>
-          </p:cNvSpPr>
-          <p:nvPr>
-            <p:ph type="title"/>
-          </p:nvPr>
-        </p:nvSpPr>
-        <p:spPr>
-          <a:xfrm>
-            <a:off x="-2912" y="0"/>
-            <a:ext cx="9146912" cy="692696"/>
-          </a:xfrm>
-          <a:solidFill>
-            <a:schemeClr val="bg1">
-              <a:lumMod val="75000"/>
-            </a:schemeClr>
-          </a:solidFill>
-        </p:spPr>
-        <p:txBody>
-          <a:bodyPr>
-            <a:normAutofit fontScale="90000"/>
-          </a:bodyPr>
-          <a:lstStyle/>
-          <a:p>
-            <a:pPr algn="l"/>
-            <a:r>
-              <a:rPr lang="en-US" dirty="0" smtClean="0">
-                <a:solidFill>
-                  <a:schemeClr val="bg1"/>
-                </a:solidFill>
-              </a:rPr>
-              <a:t> constraint-based adjustment</a:t>
-            </a:r>
-            <a:endParaRPr lang="en-US" dirty="0">
-              <a:solidFill>
-                <a:schemeClr val="bg1"/>
-              </a:solidFill>
-            </a:endParaRPr>
-          </a:p>
-        </p:txBody>
-      </p:sp>
-      <p:pic>
-        <p:nvPicPr>
-          <p:cNvPr id="5122" name="Picture 2"/>
-          <p:cNvPicPr>
-            <a:picLocks noChangeAspect="1" noChangeArrowheads="1"/>
-          </p:cNvPicPr>
-          <p:nvPr/>
-        </p:nvPicPr>
-        <p:blipFill>
-          <a:blip r:embed="rId2" cstate="print"/>
-          <a:srcRect/>
-          <a:stretch>
-            <a:fillRect/>
-          </a:stretch>
-        </p:blipFill>
-        <p:spPr bwMode="auto">
-          <a:xfrm>
-            <a:off x="611560" y="1052736"/>
-            <a:ext cx="7848872" cy="4824536"/>
-          </a:xfrm>
-          <a:prstGeom prst="rect">
-            <a:avLst/>
-          </a:prstGeom>
-          <a:noFill/>
-          <a:ln w="9525">
-            <a:noFill/>
-            <a:miter lim="800000"/>
-            <a:headEnd/>
-            <a:tailEnd/>
-          </a:ln>
-        </p:spPr>
-      </p:pic>
-    </p:spTree>
-    <p:extLst>
-      <p:ext uri="{BB962C8B-B14F-4D97-AF65-F5344CB8AC3E}">
-        <p14:creationId xmlns="" xmlns:p14="http://schemas.microsoft.com/office/powerpoint/2010/main" val="1848409642"/>
-      </p:ext>
-    </p:extLst>
-  </p:cSld>
-  <p:clrMapOvr>
-    <a:masterClrMapping/>
-  </p:clrMapOvr>
-</p:sld>
-</file>
-
-<file path=ppt/slides/slide19.xml><?xml version="1.0" encoding="utf-8"?>
-<p:sld xmlns:a="http://schemas.openxmlformats.org/drawingml/2006/main" xmlns:r="http://schemas.openxmlformats.org/officeDocument/2006/relationships" xmlns:p="http://schemas.openxmlformats.org/presentationml/2006/main">
-  <p:cSld>
-    <p:spTree>
-      <p:nvGrpSpPr>
-        <p:cNvPr id="1" name=""/>
-        <p:cNvGrpSpPr/>
-        <p:nvPr/>
-      </p:nvGrpSpPr>
-      <p:grpSpPr>
-        <a:xfrm>
-          <a:off x="0" y="0"/>
-          <a:ext cx="0" cy="0"/>
-          <a:chOff x="0" y="0"/>
-          <a:chExt cx="0" cy="0"/>
-        </a:xfrm>
-      </p:grpSpPr>
-      <p:sp>
-        <p:nvSpPr>
-          <p:cNvPr id="2" name="Title 1"/>
-          <p:cNvSpPr>
-            <a:spLocks noGrp="1"/>
-          </p:cNvSpPr>
-          <p:nvPr>
-            <p:ph type="title"/>
-          </p:nvPr>
-        </p:nvSpPr>
-        <p:spPr>
-          <a:xfrm>
-            <a:off x="-2912" y="0"/>
-            <a:ext cx="9146912" cy="692696"/>
-          </a:xfrm>
-          <a:solidFill>
-            <a:schemeClr val="bg1">
-              <a:lumMod val="75000"/>
-            </a:schemeClr>
-          </a:solidFill>
-        </p:spPr>
-        <p:txBody>
-          <a:bodyPr>
-            <a:normAutofit fontScale="90000"/>
-          </a:bodyPr>
-          <a:lstStyle/>
-          <a:p>
-            <a:pPr algn="l"/>
-            <a:r>
-              <a:rPr lang="en-US" dirty="0" smtClean="0">
-                <a:solidFill>
-                  <a:schemeClr val="bg1"/>
-                </a:solidFill>
-              </a:rPr>
-              <a:t> outline</a:t>
-            </a:r>
-            <a:endParaRPr lang="en-US" dirty="0">
-              <a:solidFill>
-                <a:schemeClr val="bg1"/>
-              </a:solidFill>
-            </a:endParaRPr>
-          </a:p>
-        </p:txBody>
-      </p:sp>
-      <p:sp>
-        <p:nvSpPr>
-          <p:cNvPr id="3" name="Content Placeholder 2"/>
-          <p:cNvSpPr>
-            <a:spLocks noGrp="1"/>
-          </p:cNvSpPr>
-          <p:nvPr>
-            <p:ph idx="1"/>
-          </p:nvPr>
-        </p:nvSpPr>
-        <p:spPr>
-          <a:xfrm>
-            <a:off x="457200" y="1052736"/>
-            <a:ext cx="8229600" cy="4205064"/>
-          </a:xfrm>
-        </p:spPr>
-        <p:txBody>
-          <a:bodyPr/>
-          <a:lstStyle/>
-          <a:p>
-            <a:pPr marL="0" indent="0">
-              <a:buNone/>
-            </a:pPr>
-            <a:r>
-              <a:rPr lang="en-US" dirty="0" smtClean="0"/>
-              <a:t>1. Introduction</a:t>
-            </a:r>
-          </a:p>
-          <a:p>
-            <a:pPr marL="0" indent="0">
-              <a:buNone/>
-            </a:pPr>
-            <a:r>
-              <a:rPr lang="en-US" dirty="0" smtClean="0"/>
-              <a:t>2. Background</a:t>
-            </a:r>
-          </a:p>
-          <a:p>
-            <a:pPr marL="0" indent="0">
-              <a:buNone/>
-            </a:pPr>
-            <a:r>
-              <a:rPr lang="en-US" dirty="0" smtClean="0"/>
-              <a:t>3. Related work</a:t>
-            </a:r>
-          </a:p>
-          <a:p>
-            <a:pPr marL="0" indent="0">
-              <a:buNone/>
-            </a:pPr>
-            <a:r>
-              <a:rPr lang="en-US" dirty="0" smtClean="0"/>
-              <a:t>4. Proposed approach</a:t>
-            </a:r>
-          </a:p>
-          <a:p>
-            <a:pPr marL="0" indent="0">
-              <a:buNone/>
-            </a:pPr>
-            <a:r>
-              <a:rPr lang="en-US" b="1" dirty="0" smtClean="0"/>
-              <a:t>5. Experimental result</a:t>
-            </a:r>
-          </a:p>
-          <a:p>
-            <a:pPr marL="0" indent="0">
-              <a:buNone/>
-            </a:pPr>
-            <a:r>
-              <a:rPr lang="en-US" dirty="0" smtClean="0"/>
-              <a:t>6. Conclusion</a:t>
-            </a:r>
-            <a:endParaRPr lang="en-US" dirty="0"/>
-          </a:p>
-        </p:txBody>
-      </p:sp>
-    </p:spTree>
-    <p:extLst>
-      <p:ext uri="{BB962C8B-B14F-4D97-AF65-F5344CB8AC3E}">
-        <p14:creationId xmlns="" xmlns:p14="http://schemas.microsoft.com/office/powerpoint/2010/main" val="3185099068"/>
-      </p:ext>
-    </p:extLst>
-  </p:cSld>
-  <p:clrMapOvr>
-    <a:masterClrMapping/>
-  </p:clrMapOvr>
 </p:sld>
 </file>
 
@@ -4980,10 +3570,13 @@
               <a:buAutoNum type="arabicPeriod"/>
             </a:pPr>
             <a:r>
-              <a:rPr lang="en-US" b="1" dirty="0" smtClean="0"/>
+              <a:rPr lang="en-US" b="1" dirty="0" smtClean="0">
+                <a:solidFill>
+                  <a:srgbClr val="FF0000"/>
+                </a:solidFill>
+              </a:rPr>
               <a:t>Introduction</a:t>
             </a:r>
-            <a:endParaRPr lang="en-US" b="1" dirty="0" smtClean="0"/>
           </a:p>
           <a:p>
             <a:pPr marL="514350" indent="-514350">
@@ -5018,7 +3611,7 @@
     </p:spTree>
     <p:extLst>
       <p:ext uri="{BB962C8B-B14F-4D97-AF65-F5344CB8AC3E}">
-        <p14:creationId xmlns="" xmlns:p14="http://schemas.microsoft.com/office/powerpoint/2010/main" val="2279565587"/>
+        <p14:creationId xmlns:p14="http://schemas.microsoft.com/office/powerpoint/2010/main" xmlns="" val="2279565587"/>
       </p:ext>
     </p:extLst>
   </p:cSld>
@@ -5032,1232 +3625,6 @@
       </p:par>
     </p:tnLst>
   </p:timing>
-</p:sld>
-</file>
-
-<file path=ppt/slides/slide20.xml><?xml version="1.0" encoding="utf-8"?>
-<p:sld xmlns:a="http://schemas.openxmlformats.org/drawingml/2006/main" xmlns:r="http://schemas.openxmlformats.org/officeDocument/2006/relationships" xmlns:p="http://schemas.openxmlformats.org/presentationml/2006/main">
-  <p:cSld>
-    <p:spTree>
-      <p:nvGrpSpPr>
-        <p:cNvPr id="1" name=""/>
-        <p:cNvGrpSpPr/>
-        <p:nvPr/>
-      </p:nvGrpSpPr>
-      <p:grpSpPr>
-        <a:xfrm>
-          <a:off x="0" y="0"/>
-          <a:ext cx="0" cy="0"/>
-          <a:chOff x="0" y="0"/>
-          <a:chExt cx="0" cy="0"/>
-        </a:xfrm>
-      </p:grpSpPr>
-      <p:sp>
-        <p:nvSpPr>
-          <p:cNvPr id="2" name="Title 1"/>
-          <p:cNvSpPr>
-            <a:spLocks noGrp="1"/>
-          </p:cNvSpPr>
-          <p:nvPr>
-            <p:ph type="title"/>
-          </p:nvPr>
-        </p:nvSpPr>
-        <p:spPr>
-          <a:xfrm>
-            <a:off x="-2912" y="0"/>
-            <a:ext cx="9146912" cy="692696"/>
-          </a:xfrm>
-          <a:solidFill>
-            <a:schemeClr val="bg1">
-              <a:lumMod val="75000"/>
-            </a:schemeClr>
-          </a:solidFill>
-        </p:spPr>
-        <p:txBody>
-          <a:bodyPr>
-            <a:normAutofit fontScale="90000"/>
-          </a:bodyPr>
-          <a:lstStyle/>
-          <a:p>
-            <a:pPr algn="l"/>
-            <a:r>
-              <a:rPr lang="en-US" dirty="0" smtClean="0">
-                <a:solidFill>
-                  <a:schemeClr val="bg1"/>
-                </a:solidFill>
-              </a:rPr>
-              <a:t> </a:t>
-            </a:r>
-            <a:r>
-              <a:rPr lang="en-US" dirty="0" err="1" smtClean="0">
-                <a:solidFill>
-                  <a:schemeClr val="bg1"/>
-                </a:solidFill>
-              </a:rPr>
-              <a:t>Tritype</a:t>
-            </a:r>
-            <a:r>
-              <a:rPr lang="en-US" dirty="0" smtClean="0">
-                <a:solidFill>
-                  <a:schemeClr val="bg1"/>
-                </a:solidFill>
-              </a:rPr>
-              <a:t> program under test</a:t>
-            </a:r>
-            <a:endParaRPr lang="en-US" dirty="0">
-              <a:solidFill>
-                <a:schemeClr val="bg1"/>
-              </a:solidFill>
-            </a:endParaRPr>
-          </a:p>
-        </p:txBody>
-      </p:sp>
-      <p:grpSp>
-        <p:nvGrpSpPr>
-          <p:cNvPr id="9" name="Group 8"/>
-          <p:cNvGrpSpPr/>
-          <p:nvPr/>
-        </p:nvGrpSpPr>
-        <p:grpSpPr>
-          <a:xfrm>
-            <a:off x="762000" y="1981200"/>
-            <a:ext cx="7162800" cy="4267200"/>
-            <a:chOff x="899592" y="1268760"/>
-            <a:chExt cx="6984776" cy="3888432"/>
-          </a:xfrm>
-        </p:grpSpPr>
-        <p:pic>
-          <p:nvPicPr>
-            <p:cNvPr id="6146" name="Picture 2"/>
-            <p:cNvPicPr>
-              <a:picLocks noChangeAspect="1" noChangeArrowheads="1"/>
-            </p:cNvPicPr>
-            <p:nvPr/>
-          </p:nvPicPr>
-          <p:blipFill>
-            <a:blip r:embed="rId2" cstate="print"/>
-            <a:srcRect/>
-            <a:stretch>
-              <a:fillRect/>
-            </a:stretch>
-          </p:blipFill>
-          <p:spPr bwMode="auto">
-            <a:xfrm>
-              <a:off x="899592" y="1268760"/>
-              <a:ext cx="6984776" cy="3888432"/>
-            </a:xfrm>
-            <a:prstGeom prst="rect">
-              <a:avLst/>
-            </a:prstGeom>
-            <a:noFill/>
-            <a:ln w="9525">
-              <a:noFill/>
-              <a:miter lim="800000"/>
-              <a:headEnd/>
-              <a:tailEnd/>
-            </a:ln>
-          </p:spPr>
-        </p:pic>
-        <p:sp>
-          <p:nvSpPr>
-            <p:cNvPr id="5" name="TextBox 4"/>
-            <p:cNvSpPr txBox="1"/>
-            <p:nvPr/>
-          </p:nvSpPr>
-          <p:spPr>
-            <a:xfrm>
-              <a:off x="5715000" y="1524000"/>
-              <a:ext cx="2133600" cy="369332"/>
-            </a:xfrm>
-            <a:prstGeom prst="rect">
-              <a:avLst/>
-            </a:prstGeom>
-            <a:noFill/>
-            <a:ln w="19050">
-              <a:solidFill>
-                <a:schemeClr val="accent1"/>
-              </a:solidFill>
-            </a:ln>
-          </p:spPr>
-          <p:txBody>
-            <a:bodyPr wrap="square" rtlCol="0">
-              <a:spAutoFit/>
-            </a:bodyPr>
-            <a:lstStyle/>
-            <a:p>
-              <a:pPr algn="ctr"/>
-              <a:r>
-                <a:rPr lang="en-US" dirty="0" smtClean="0"/>
-                <a:t>Z3 constraint solver</a:t>
-              </a:r>
-              <a:endParaRPr lang="en-US" dirty="0"/>
-            </a:p>
-          </p:txBody>
-        </p:sp>
-        <p:cxnSp>
-          <p:nvCxnSpPr>
-            <p:cNvPr id="7" name="Straight Arrow Connector 6"/>
-            <p:cNvCxnSpPr>
-              <a:stCxn id="5" idx="1"/>
-            </p:cNvCxnSpPr>
-            <p:nvPr/>
-          </p:nvCxnSpPr>
-          <p:spPr>
-            <a:xfrm rot="10800000" flipV="1">
-              <a:off x="4267200" y="1708666"/>
-              <a:ext cx="1447800" cy="120134"/>
-            </a:xfrm>
-            <a:prstGeom prst="straightConnector1">
-              <a:avLst/>
-            </a:prstGeom>
-            <a:ln w="25400">
-              <a:tailEnd type="triangle"/>
-            </a:ln>
-          </p:spPr>
-          <p:style>
-            <a:lnRef idx="1">
-              <a:schemeClr val="accent1"/>
-            </a:lnRef>
-            <a:fillRef idx="0">
-              <a:schemeClr val="accent1"/>
-            </a:fillRef>
-            <a:effectRef idx="0">
-              <a:schemeClr val="accent1"/>
-            </a:effectRef>
-            <a:fontRef idx="minor">
-              <a:schemeClr val="tx1"/>
-            </a:fontRef>
-          </p:style>
-        </p:cxnSp>
-      </p:grpSp>
-      <p:sp>
-        <p:nvSpPr>
-          <p:cNvPr id="10" name="Content Placeholder 2"/>
-          <p:cNvSpPr>
-            <a:spLocks noGrp="1"/>
-          </p:cNvSpPr>
-          <p:nvPr>
-            <p:ph idx="1"/>
-          </p:nvPr>
-        </p:nvSpPr>
-        <p:spPr>
-          <a:xfrm>
-            <a:off x="457200" y="900336"/>
-            <a:ext cx="8229600" cy="1080864"/>
-          </a:xfrm>
-        </p:spPr>
-        <p:txBody>
-          <a:bodyPr>
-            <a:normAutofit/>
-          </a:bodyPr>
-          <a:lstStyle/>
-          <a:p>
-            <a:pPr marL="0" indent="0">
-              <a:buNone/>
-            </a:pPr>
-            <a:r>
-              <a:rPr lang="en-US" sz="2800" dirty="0" smtClean="0"/>
-              <a:t>Determine if 3 input variables (an angle and two sides) show an equilateral, isosceles, scalene triangle or not.</a:t>
-            </a:r>
-          </a:p>
-        </p:txBody>
-      </p:sp>
-    </p:spTree>
-    <p:extLst>
-      <p:ext uri="{BB962C8B-B14F-4D97-AF65-F5344CB8AC3E}">
-        <p14:creationId xmlns="" xmlns:p14="http://schemas.microsoft.com/office/powerpoint/2010/main" val="3185099068"/>
-      </p:ext>
-    </p:extLst>
-  </p:cSld>
-  <p:clrMapOvr>
-    <a:masterClrMapping/>
-  </p:clrMapOvr>
-</p:sld>
-</file>
-
-<file path=ppt/slides/slide21.xml><?xml version="1.0" encoding="utf-8"?>
-<p:sld xmlns:a="http://schemas.openxmlformats.org/drawingml/2006/main" xmlns:r="http://schemas.openxmlformats.org/officeDocument/2006/relationships" xmlns:p="http://schemas.openxmlformats.org/presentationml/2006/main">
-  <p:cSld>
-    <p:spTree>
-      <p:nvGrpSpPr>
-        <p:cNvPr id="1" name=""/>
-        <p:cNvGrpSpPr/>
-        <p:nvPr/>
-      </p:nvGrpSpPr>
-      <p:grpSpPr>
-        <a:xfrm>
-          <a:off x="0" y="0"/>
-          <a:ext cx="0" cy="0"/>
-          <a:chOff x="0" y="0"/>
-          <a:chExt cx="0" cy="0"/>
-        </a:xfrm>
-      </p:grpSpPr>
-      <p:sp>
-        <p:nvSpPr>
-          <p:cNvPr id="2" name="Title 1"/>
-          <p:cNvSpPr>
-            <a:spLocks noGrp="1"/>
-          </p:cNvSpPr>
-          <p:nvPr>
-            <p:ph type="title"/>
-          </p:nvPr>
-        </p:nvSpPr>
-        <p:spPr>
-          <a:xfrm>
-            <a:off x="-2912" y="0"/>
-            <a:ext cx="9146912" cy="692696"/>
-          </a:xfrm>
-          <a:solidFill>
-            <a:schemeClr val="bg1">
-              <a:lumMod val="75000"/>
-            </a:schemeClr>
-          </a:solidFill>
-        </p:spPr>
-        <p:txBody>
-          <a:bodyPr>
-            <a:normAutofit fontScale="90000"/>
-          </a:bodyPr>
-          <a:lstStyle/>
-          <a:p>
-            <a:pPr algn="l"/>
-            <a:r>
-              <a:rPr lang="en-US" dirty="0" smtClean="0">
-                <a:solidFill>
-                  <a:schemeClr val="bg1"/>
-                </a:solidFill>
-              </a:rPr>
-              <a:t> </a:t>
-            </a:r>
-            <a:r>
-              <a:rPr lang="en-US" dirty="0" err="1" smtClean="0">
-                <a:solidFill>
-                  <a:schemeClr val="bg1"/>
-                </a:solidFill>
-              </a:rPr>
-              <a:t>QuadEq2</a:t>
-            </a:r>
-            <a:r>
-              <a:rPr lang="en-US" dirty="0" smtClean="0">
-                <a:solidFill>
-                  <a:schemeClr val="bg1"/>
-                </a:solidFill>
-              </a:rPr>
-              <a:t> program under test</a:t>
-            </a:r>
-            <a:endParaRPr lang="en-US" dirty="0">
-              <a:solidFill>
-                <a:schemeClr val="bg1"/>
-              </a:solidFill>
-            </a:endParaRPr>
-          </a:p>
-        </p:txBody>
-      </p:sp>
-      <p:grpSp>
-        <p:nvGrpSpPr>
-          <p:cNvPr id="11" name="Group 10"/>
-          <p:cNvGrpSpPr/>
-          <p:nvPr/>
-        </p:nvGrpSpPr>
-        <p:grpSpPr>
-          <a:xfrm>
-            <a:off x="895350" y="1981200"/>
-            <a:ext cx="7105650" cy="4543425"/>
-            <a:chOff x="899592" y="1124744"/>
-            <a:chExt cx="7105650" cy="4772025"/>
-          </a:xfrm>
-        </p:grpSpPr>
-        <p:pic>
-          <p:nvPicPr>
-            <p:cNvPr id="7170" name="Picture 2"/>
-            <p:cNvPicPr>
-              <a:picLocks noChangeAspect="1" noChangeArrowheads="1"/>
-            </p:cNvPicPr>
-            <p:nvPr/>
-          </p:nvPicPr>
-          <p:blipFill>
-            <a:blip r:embed="rId2" cstate="print"/>
-            <a:srcRect/>
-            <a:stretch>
-              <a:fillRect/>
-            </a:stretch>
-          </p:blipFill>
-          <p:spPr bwMode="auto">
-            <a:xfrm>
-              <a:off x="899592" y="1124744"/>
-              <a:ext cx="7105650" cy="4772025"/>
-            </a:xfrm>
-            <a:prstGeom prst="rect">
-              <a:avLst/>
-            </a:prstGeom>
-            <a:noFill/>
-            <a:ln w="9525">
-              <a:noFill/>
-              <a:miter lim="800000"/>
-              <a:headEnd/>
-              <a:tailEnd/>
-            </a:ln>
-          </p:spPr>
-        </p:pic>
-        <p:sp>
-          <p:nvSpPr>
-            <p:cNvPr id="4" name="TextBox 3"/>
-            <p:cNvSpPr txBox="1"/>
-            <p:nvPr/>
-          </p:nvSpPr>
-          <p:spPr>
-            <a:xfrm>
-              <a:off x="5181600" y="2286000"/>
-              <a:ext cx="2133600" cy="369332"/>
-            </a:xfrm>
-            <a:prstGeom prst="rect">
-              <a:avLst/>
-            </a:prstGeom>
-            <a:noFill/>
-            <a:ln w="19050">
-              <a:solidFill>
-                <a:schemeClr val="accent1"/>
-              </a:solidFill>
-            </a:ln>
-          </p:spPr>
-          <p:txBody>
-            <a:bodyPr wrap="square" rtlCol="0">
-              <a:spAutoFit/>
-            </a:bodyPr>
-            <a:lstStyle/>
-            <a:p>
-              <a:pPr algn="ctr"/>
-              <a:r>
-                <a:rPr lang="en-US" dirty="0" smtClean="0"/>
-                <a:t>Z3 constraint solver</a:t>
-              </a:r>
-              <a:endParaRPr lang="en-US" dirty="0"/>
-            </a:p>
-          </p:txBody>
-        </p:sp>
-        <p:cxnSp>
-          <p:nvCxnSpPr>
-            <p:cNvPr id="5" name="Straight Arrow Connector 4"/>
-            <p:cNvCxnSpPr>
-              <a:stCxn id="4" idx="1"/>
-            </p:cNvCxnSpPr>
-            <p:nvPr/>
-          </p:nvCxnSpPr>
-          <p:spPr>
-            <a:xfrm rot="10800000">
-              <a:off x="2971800" y="1905000"/>
-              <a:ext cx="2209800" cy="565666"/>
-            </a:xfrm>
-            <a:prstGeom prst="straightConnector1">
-              <a:avLst/>
-            </a:prstGeom>
-            <a:ln w="25400">
-              <a:tailEnd type="triangle"/>
-            </a:ln>
-          </p:spPr>
-          <p:style>
-            <a:lnRef idx="1">
-              <a:schemeClr val="accent1"/>
-            </a:lnRef>
-            <a:fillRef idx="0">
-              <a:schemeClr val="accent1"/>
-            </a:fillRef>
-            <a:effectRef idx="0">
-              <a:schemeClr val="accent1"/>
-            </a:effectRef>
-            <a:fontRef idx="minor">
-              <a:schemeClr val="tx1"/>
-            </a:fontRef>
-          </p:style>
-        </p:cxnSp>
-        <p:cxnSp>
-          <p:nvCxnSpPr>
-            <p:cNvPr id="7" name="Straight Arrow Connector 6"/>
-            <p:cNvCxnSpPr>
-              <a:stCxn id="4" idx="2"/>
-            </p:cNvCxnSpPr>
-            <p:nvPr/>
-          </p:nvCxnSpPr>
-          <p:spPr>
-            <a:xfrm rot="5400000">
-              <a:off x="5023366" y="2737366"/>
-              <a:ext cx="1307068" cy="1143000"/>
-            </a:xfrm>
-            <a:prstGeom prst="straightConnector1">
-              <a:avLst/>
-            </a:prstGeom>
-            <a:ln w="25400">
-              <a:tailEnd type="triangle"/>
-            </a:ln>
-          </p:spPr>
-          <p:style>
-            <a:lnRef idx="1">
-              <a:schemeClr val="accent1"/>
-            </a:lnRef>
-            <a:fillRef idx="0">
-              <a:schemeClr val="accent1"/>
-            </a:fillRef>
-            <a:effectRef idx="0">
-              <a:schemeClr val="accent1"/>
-            </a:effectRef>
-            <a:fontRef idx="minor">
-              <a:schemeClr val="tx1"/>
-            </a:fontRef>
-          </p:style>
-        </p:cxnSp>
-      </p:grpSp>
-      <p:sp>
-        <p:nvSpPr>
-          <p:cNvPr id="12" name="Content Placeholder 2"/>
-          <p:cNvSpPr>
-            <a:spLocks noGrp="1"/>
-          </p:cNvSpPr>
-          <p:nvPr>
-            <p:ph idx="1"/>
-          </p:nvPr>
-        </p:nvSpPr>
-        <p:spPr>
-          <a:xfrm>
-            <a:off x="457200" y="824136"/>
-            <a:ext cx="8229600" cy="1080864"/>
-          </a:xfrm>
-        </p:spPr>
-        <p:txBody>
-          <a:bodyPr>
-            <a:normAutofit/>
-          </a:bodyPr>
-          <a:lstStyle/>
-          <a:p>
-            <a:pPr>
-              <a:buNone/>
-            </a:pPr>
-            <a:r>
-              <a:rPr lang="en-US" sz="2800" dirty="0" smtClean="0"/>
-              <a:t>Find all roots of a quadratic equation with 3 coefficients</a:t>
-            </a:r>
-          </a:p>
-          <a:p>
-            <a:pPr>
-              <a:buNone/>
-            </a:pPr>
-            <a:r>
-              <a:rPr lang="en-US" sz="2800" dirty="0" smtClean="0"/>
-              <a:t>a, b and c being the input variables.</a:t>
-            </a:r>
-            <a:endParaRPr lang="en-US" sz="2800" dirty="0"/>
-          </a:p>
-        </p:txBody>
-      </p:sp>
-    </p:spTree>
-    <p:extLst>
-      <p:ext uri="{BB962C8B-B14F-4D97-AF65-F5344CB8AC3E}">
-        <p14:creationId xmlns="" xmlns:p14="http://schemas.microsoft.com/office/powerpoint/2010/main" val="3185099068"/>
-      </p:ext>
-    </p:extLst>
-  </p:cSld>
-  <p:clrMapOvr>
-    <a:masterClrMapping/>
-  </p:clrMapOvr>
-</p:sld>
-</file>
-
-<file path=ppt/slides/slide22.xml><?xml version="1.0" encoding="utf-8"?>
-<p:sld xmlns:a="http://schemas.openxmlformats.org/drawingml/2006/main" xmlns:r="http://schemas.openxmlformats.org/officeDocument/2006/relationships" xmlns:p="http://schemas.openxmlformats.org/presentationml/2006/main">
-  <p:cSld>
-    <p:spTree>
-      <p:nvGrpSpPr>
-        <p:cNvPr id="1" name=""/>
-        <p:cNvGrpSpPr/>
-        <p:nvPr/>
-      </p:nvGrpSpPr>
-      <p:grpSpPr>
-        <a:xfrm>
-          <a:off x="0" y="0"/>
-          <a:ext cx="0" cy="0"/>
-          <a:chOff x="0" y="0"/>
-          <a:chExt cx="0" cy="0"/>
-        </a:xfrm>
-      </p:grpSpPr>
-      <p:sp>
-        <p:nvSpPr>
-          <p:cNvPr id="2" name="Title 1"/>
-          <p:cNvSpPr>
-            <a:spLocks noGrp="1"/>
-          </p:cNvSpPr>
-          <p:nvPr>
-            <p:ph type="title"/>
-          </p:nvPr>
-        </p:nvSpPr>
-        <p:spPr>
-          <a:xfrm>
-            <a:off x="-2912" y="0"/>
-            <a:ext cx="9146912" cy="692696"/>
-          </a:xfrm>
-          <a:solidFill>
-            <a:schemeClr val="bg1">
-              <a:lumMod val="75000"/>
-            </a:schemeClr>
-          </a:solidFill>
-        </p:spPr>
-        <p:txBody>
-          <a:bodyPr>
-            <a:normAutofit fontScale="90000"/>
-          </a:bodyPr>
-          <a:lstStyle/>
-          <a:p>
-            <a:pPr algn="l"/>
-            <a:r>
-              <a:rPr lang="en-US" dirty="0" smtClean="0">
-                <a:solidFill>
-                  <a:schemeClr val="bg1"/>
-                </a:solidFill>
-              </a:rPr>
-              <a:t> test path coverage</a:t>
-            </a:r>
-            <a:endParaRPr lang="en-US" dirty="0">
-              <a:solidFill>
-                <a:schemeClr val="bg1"/>
-              </a:solidFill>
-            </a:endParaRPr>
-          </a:p>
-        </p:txBody>
-      </p:sp>
-      <p:pic>
-        <p:nvPicPr>
-          <p:cNvPr id="8194" name="Picture 2"/>
-          <p:cNvPicPr>
-            <a:picLocks noChangeAspect="1" noChangeArrowheads="1"/>
-          </p:cNvPicPr>
-          <p:nvPr/>
-        </p:nvPicPr>
-        <p:blipFill>
-          <a:blip r:embed="rId2" cstate="print"/>
-          <a:srcRect/>
-          <a:stretch>
-            <a:fillRect/>
-          </a:stretch>
-        </p:blipFill>
-        <p:spPr bwMode="auto">
-          <a:xfrm>
-            <a:off x="683568" y="1196752"/>
-            <a:ext cx="7632848" cy="1728192"/>
-          </a:xfrm>
-          <a:prstGeom prst="rect">
-            <a:avLst/>
-          </a:prstGeom>
-          <a:noFill/>
-          <a:ln w="9525">
-            <a:noFill/>
-            <a:miter lim="800000"/>
-            <a:headEnd/>
-            <a:tailEnd/>
-          </a:ln>
-        </p:spPr>
-      </p:pic>
-      <p:pic>
-        <p:nvPicPr>
-          <p:cNvPr id="8197" name="Picture 5"/>
-          <p:cNvPicPr>
-            <a:picLocks noChangeAspect="1" noChangeArrowheads="1"/>
-          </p:cNvPicPr>
-          <p:nvPr/>
-        </p:nvPicPr>
-        <p:blipFill>
-          <a:blip r:embed="rId3" cstate="print"/>
-          <a:srcRect/>
-          <a:stretch>
-            <a:fillRect/>
-          </a:stretch>
-        </p:blipFill>
-        <p:spPr bwMode="auto">
-          <a:xfrm>
-            <a:off x="467544" y="3356992"/>
-            <a:ext cx="8496943" cy="2390775"/>
-          </a:xfrm>
-          <a:prstGeom prst="rect">
-            <a:avLst/>
-          </a:prstGeom>
-          <a:noFill/>
-          <a:ln w="9525">
-            <a:noFill/>
-            <a:miter lim="800000"/>
-            <a:headEnd/>
-            <a:tailEnd/>
-          </a:ln>
-        </p:spPr>
-      </p:pic>
-    </p:spTree>
-    <p:extLst>
-      <p:ext uri="{BB962C8B-B14F-4D97-AF65-F5344CB8AC3E}">
-        <p14:creationId xmlns="" xmlns:p14="http://schemas.microsoft.com/office/powerpoint/2010/main" val="3185099068"/>
-      </p:ext>
-    </p:extLst>
-  </p:cSld>
-  <p:clrMapOvr>
-    <a:masterClrMapping/>
-  </p:clrMapOvr>
-</p:sld>
-</file>
-
-<file path=ppt/slides/slide23.xml><?xml version="1.0" encoding="utf-8"?>
-<p:sld xmlns:a="http://schemas.openxmlformats.org/drawingml/2006/main" xmlns:r="http://schemas.openxmlformats.org/officeDocument/2006/relationships" xmlns:p="http://schemas.openxmlformats.org/presentationml/2006/main">
-  <p:cSld>
-    <p:spTree>
-      <p:nvGrpSpPr>
-        <p:cNvPr id="1" name=""/>
-        <p:cNvGrpSpPr/>
-        <p:nvPr/>
-      </p:nvGrpSpPr>
-      <p:grpSpPr>
-        <a:xfrm>
-          <a:off x="0" y="0"/>
-          <a:ext cx="0" cy="0"/>
-          <a:chOff x="0" y="0"/>
-          <a:chExt cx="0" cy="0"/>
-        </a:xfrm>
-      </p:grpSpPr>
-      <p:sp>
-        <p:nvSpPr>
-          <p:cNvPr id="2" name="Title 1"/>
-          <p:cNvSpPr>
-            <a:spLocks noGrp="1"/>
-          </p:cNvSpPr>
-          <p:nvPr>
-            <p:ph type="title"/>
-          </p:nvPr>
-        </p:nvSpPr>
-        <p:spPr>
-          <a:xfrm>
-            <a:off x="-2912" y="0"/>
-            <a:ext cx="9146912" cy="692696"/>
-          </a:xfrm>
-          <a:solidFill>
-            <a:schemeClr val="bg1">
-              <a:lumMod val="75000"/>
-            </a:schemeClr>
-          </a:solidFill>
-        </p:spPr>
-        <p:txBody>
-          <a:bodyPr>
-            <a:normAutofit fontScale="90000"/>
-          </a:bodyPr>
-          <a:lstStyle/>
-          <a:p>
-            <a:pPr algn="l"/>
-            <a:r>
-              <a:rPr lang="en-US" dirty="0" smtClean="0">
-                <a:solidFill>
-                  <a:schemeClr val="bg1"/>
-                </a:solidFill>
-              </a:rPr>
-              <a:t> test data generation counts</a:t>
-            </a:r>
-            <a:endParaRPr lang="en-US" dirty="0">
-              <a:solidFill>
-                <a:schemeClr val="bg1"/>
-              </a:solidFill>
-            </a:endParaRPr>
-          </a:p>
-        </p:txBody>
-      </p:sp>
-      <p:pic>
-        <p:nvPicPr>
-          <p:cNvPr id="9218" name="Picture 2"/>
-          <p:cNvPicPr>
-            <a:picLocks noChangeAspect="1" noChangeArrowheads="1"/>
-          </p:cNvPicPr>
-          <p:nvPr/>
-        </p:nvPicPr>
-        <p:blipFill>
-          <a:blip r:embed="rId2" cstate="print"/>
-          <a:srcRect/>
-          <a:stretch>
-            <a:fillRect/>
-          </a:stretch>
-        </p:blipFill>
-        <p:spPr bwMode="auto">
-          <a:xfrm>
-            <a:off x="683568" y="1340768"/>
-            <a:ext cx="7776864" cy="1944216"/>
-          </a:xfrm>
-          <a:prstGeom prst="rect">
-            <a:avLst/>
-          </a:prstGeom>
-          <a:noFill/>
-          <a:ln w="9525">
-            <a:noFill/>
-            <a:miter lim="800000"/>
-            <a:headEnd/>
-            <a:tailEnd/>
-          </a:ln>
-        </p:spPr>
-      </p:pic>
-    </p:spTree>
-    <p:extLst>
-      <p:ext uri="{BB962C8B-B14F-4D97-AF65-F5344CB8AC3E}">
-        <p14:creationId xmlns="" xmlns:p14="http://schemas.microsoft.com/office/powerpoint/2010/main" val="3185099068"/>
-      </p:ext>
-    </p:extLst>
-  </p:cSld>
-  <p:clrMapOvr>
-    <a:masterClrMapping/>
-  </p:clrMapOvr>
-</p:sld>
-</file>
-
-<file path=ppt/slides/slide24.xml><?xml version="1.0" encoding="utf-8"?>
-<p:sld xmlns:a="http://schemas.openxmlformats.org/drawingml/2006/main" xmlns:r="http://schemas.openxmlformats.org/officeDocument/2006/relationships" xmlns:p="http://schemas.openxmlformats.org/presentationml/2006/main">
-  <p:cSld>
-    <p:spTree>
-      <p:nvGrpSpPr>
-        <p:cNvPr id="1" name=""/>
-        <p:cNvGrpSpPr/>
-        <p:nvPr/>
-      </p:nvGrpSpPr>
-      <p:grpSpPr>
-        <a:xfrm>
-          <a:off x="0" y="0"/>
-          <a:ext cx="0" cy="0"/>
-          <a:chOff x="0" y="0"/>
-          <a:chExt cx="0" cy="0"/>
-        </a:xfrm>
-      </p:grpSpPr>
-      <p:sp>
-        <p:nvSpPr>
-          <p:cNvPr id="2" name="Title 1"/>
-          <p:cNvSpPr>
-            <a:spLocks noGrp="1"/>
-          </p:cNvSpPr>
-          <p:nvPr>
-            <p:ph type="title"/>
-          </p:nvPr>
-        </p:nvSpPr>
-        <p:spPr>
-          <a:xfrm>
-            <a:off x="-2912" y="0"/>
-            <a:ext cx="9146912" cy="692696"/>
-          </a:xfrm>
-          <a:solidFill>
-            <a:schemeClr val="bg1">
-              <a:lumMod val="75000"/>
-            </a:schemeClr>
-          </a:solidFill>
-        </p:spPr>
-        <p:txBody>
-          <a:bodyPr>
-            <a:normAutofit fontScale="90000"/>
-          </a:bodyPr>
-          <a:lstStyle/>
-          <a:p>
-            <a:pPr algn="l"/>
-            <a:r>
-              <a:rPr lang="en-US" dirty="0" smtClean="0">
-                <a:solidFill>
-                  <a:schemeClr val="bg1"/>
-                </a:solidFill>
-              </a:rPr>
-              <a:t> outline</a:t>
-            </a:r>
-            <a:endParaRPr lang="en-US" dirty="0">
-              <a:solidFill>
-                <a:schemeClr val="bg1"/>
-              </a:solidFill>
-            </a:endParaRPr>
-          </a:p>
-        </p:txBody>
-      </p:sp>
-      <p:sp>
-        <p:nvSpPr>
-          <p:cNvPr id="3" name="Content Placeholder 2"/>
-          <p:cNvSpPr>
-            <a:spLocks noGrp="1"/>
-          </p:cNvSpPr>
-          <p:nvPr>
-            <p:ph idx="1"/>
-          </p:nvPr>
-        </p:nvSpPr>
-        <p:spPr>
-          <a:xfrm>
-            <a:off x="457200" y="1052736"/>
-            <a:ext cx="8229600" cy="4205064"/>
-          </a:xfrm>
-        </p:spPr>
-        <p:txBody>
-          <a:bodyPr/>
-          <a:lstStyle/>
-          <a:p>
-            <a:pPr marL="0" indent="0">
-              <a:buNone/>
-            </a:pPr>
-            <a:r>
-              <a:rPr lang="en-US" dirty="0" smtClean="0"/>
-              <a:t>1. Introduction</a:t>
-            </a:r>
-          </a:p>
-          <a:p>
-            <a:pPr marL="0" indent="0">
-              <a:buNone/>
-            </a:pPr>
-            <a:r>
-              <a:rPr lang="en-US" dirty="0" smtClean="0"/>
-              <a:t>2. Background</a:t>
-            </a:r>
-          </a:p>
-          <a:p>
-            <a:pPr marL="0" indent="0">
-              <a:buNone/>
-            </a:pPr>
-            <a:r>
-              <a:rPr lang="en-US" dirty="0" smtClean="0"/>
-              <a:t>3. Related work</a:t>
-            </a:r>
-          </a:p>
-          <a:p>
-            <a:pPr marL="0" indent="0">
-              <a:buNone/>
-            </a:pPr>
-            <a:r>
-              <a:rPr lang="en-US" dirty="0" smtClean="0"/>
-              <a:t>4. Proposed approach</a:t>
-            </a:r>
-          </a:p>
-          <a:p>
-            <a:pPr marL="0" indent="0">
-              <a:buNone/>
-            </a:pPr>
-            <a:r>
-              <a:rPr lang="en-US" dirty="0" smtClean="0"/>
-              <a:t>5. Experimental result</a:t>
-            </a:r>
-          </a:p>
-          <a:p>
-            <a:pPr marL="0" indent="0">
-              <a:buNone/>
-            </a:pPr>
-            <a:r>
-              <a:rPr lang="en-US" b="1" dirty="0" smtClean="0"/>
-              <a:t>6. Conclusion</a:t>
-            </a:r>
-            <a:endParaRPr lang="en-US" b="1" dirty="0"/>
-          </a:p>
-        </p:txBody>
-      </p:sp>
-    </p:spTree>
-    <p:extLst>
-      <p:ext uri="{BB962C8B-B14F-4D97-AF65-F5344CB8AC3E}">
-        <p14:creationId xmlns="" xmlns:p14="http://schemas.microsoft.com/office/powerpoint/2010/main" val="1133312594"/>
-      </p:ext>
-    </p:extLst>
-  </p:cSld>
-  <p:clrMapOvr>
-    <a:masterClrMapping/>
-  </p:clrMapOvr>
-</p:sld>
-</file>
-
-<file path=ppt/slides/slide25.xml><?xml version="1.0" encoding="utf-8"?>
-<p:sld xmlns:a="http://schemas.openxmlformats.org/drawingml/2006/main" xmlns:r="http://schemas.openxmlformats.org/officeDocument/2006/relationships" xmlns:p="http://schemas.openxmlformats.org/presentationml/2006/main">
-  <p:cSld>
-    <p:spTree>
-      <p:nvGrpSpPr>
-        <p:cNvPr id="1" name=""/>
-        <p:cNvGrpSpPr/>
-        <p:nvPr/>
-      </p:nvGrpSpPr>
-      <p:grpSpPr>
-        <a:xfrm>
-          <a:off x="0" y="0"/>
-          <a:ext cx="0" cy="0"/>
-          <a:chOff x="0" y="0"/>
-          <a:chExt cx="0" cy="0"/>
-        </a:xfrm>
-      </p:grpSpPr>
-      <p:sp>
-        <p:nvSpPr>
-          <p:cNvPr id="2" name="Title 1"/>
-          <p:cNvSpPr>
-            <a:spLocks noGrp="1"/>
-          </p:cNvSpPr>
-          <p:nvPr>
-            <p:ph type="title"/>
-          </p:nvPr>
-        </p:nvSpPr>
-        <p:spPr>
-          <a:xfrm>
-            <a:off x="-2912" y="0"/>
-            <a:ext cx="9146912" cy="692696"/>
-          </a:xfrm>
-          <a:solidFill>
-            <a:schemeClr val="bg1">
-              <a:lumMod val="75000"/>
-            </a:schemeClr>
-          </a:solidFill>
-        </p:spPr>
-        <p:txBody>
-          <a:bodyPr>
-            <a:normAutofit fontScale="90000"/>
-          </a:bodyPr>
-          <a:lstStyle/>
-          <a:p>
-            <a:pPr algn="l"/>
-            <a:r>
-              <a:rPr lang="en-US" dirty="0" smtClean="0">
-                <a:solidFill>
-                  <a:schemeClr val="bg1"/>
-                </a:solidFill>
-              </a:rPr>
-              <a:t> conclusion</a:t>
-            </a:r>
-            <a:endParaRPr lang="en-US" dirty="0">
-              <a:solidFill>
-                <a:schemeClr val="bg1"/>
-              </a:solidFill>
-            </a:endParaRPr>
-          </a:p>
-        </p:txBody>
-      </p:sp>
-      <p:sp>
-        <p:nvSpPr>
-          <p:cNvPr id="3" name="Content Placeholder 2"/>
-          <p:cNvSpPr>
-            <a:spLocks noGrp="1"/>
-          </p:cNvSpPr>
-          <p:nvPr>
-            <p:ph idx="1"/>
-          </p:nvPr>
-        </p:nvSpPr>
-        <p:spPr>
-          <a:xfrm>
-            <a:off x="457200" y="908720"/>
-            <a:ext cx="8229600" cy="5256584"/>
-          </a:xfrm>
-        </p:spPr>
-        <p:txBody>
-          <a:bodyPr>
-            <a:noAutofit/>
-          </a:bodyPr>
-          <a:lstStyle/>
-          <a:p>
-            <a:r>
-              <a:rPr lang="en-US" sz="2500" dirty="0" smtClean="0"/>
-              <a:t>From a given program under test, we find out the test paths which are difficult or impossible for GA to generate coverage test data, and then use the constraint solver </a:t>
-            </a:r>
-            <a:r>
-              <a:rPr lang="en-US" sz="2500" dirty="0" err="1" smtClean="0"/>
-              <a:t>Z3</a:t>
-            </a:r>
-            <a:r>
-              <a:rPr lang="en-US" sz="2500" dirty="0" smtClean="0"/>
-              <a:t> to solve these path conditions. The constraint satisfaction will be used again in generating population of GA. </a:t>
-            </a:r>
-          </a:p>
-          <a:p>
-            <a:r>
-              <a:rPr lang="en-US" sz="2500" dirty="0" smtClean="0"/>
-              <a:t>The experimental results of some programs under test demonstrate that improved GA generated test data can cover all feasible paths having path conditions which cannot be covered by test data generated from regular GA. </a:t>
-            </a:r>
-          </a:p>
-          <a:p>
-            <a:r>
-              <a:rPr lang="en-US" sz="2500" dirty="0" smtClean="0"/>
-              <a:t>In the future, we will investigate how to automatically insert instrument code into the given program under test. Moreover, we are going to extend our proposed method to apply to the more complex programs under test. </a:t>
-            </a:r>
-            <a:endParaRPr lang="en-US" sz="2500" b="1" dirty="0"/>
-          </a:p>
-        </p:txBody>
-      </p:sp>
-    </p:spTree>
-    <p:extLst>
-      <p:ext uri="{BB962C8B-B14F-4D97-AF65-F5344CB8AC3E}">
-        <p14:creationId xmlns="" xmlns:p14="http://schemas.microsoft.com/office/powerpoint/2010/main" val="1133312594"/>
-      </p:ext>
-    </p:extLst>
-  </p:cSld>
-  <p:clrMapOvr>
-    <a:masterClrMapping/>
-  </p:clrMapOvr>
-</p:sld>
-</file>
-
-<file path=ppt/slides/slide26.xml><?xml version="1.0" encoding="utf-8"?>
-<p:sld xmlns:a="http://schemas.openxmlformats.org/drawingml/2006/main" xmlns:r="http://schemas.openxmlformats.org/officeDocument/2006/relationships" xmlns:p="http://schemas.openxmlformats.org/presentationml/2006/main">
-  <p:cSld>
-    <p:spTree>
-      <p:nvGrpSpPr>
-        <p:cNvPr id="1" name=""/>
-        <p:cNvGrpSpPr/>
-        <p:nvPr/>
-      </p:nvGrpSpPr>
-      <p:grpSpPr>
-        <a:xfrm>
-          <a:off x="0" y="0"/>
-          <a:ext cx="0" cy="0"/>
-          <a:chOff x="0" y="0"/>
-          <a:chExt cx="0" cy="0"/>
-        </a:xfrm>
-      </p:grpSpPr>
-      <p:sp>
-        <p:nvSpPr>
-          <p:cNvPr id="2" name="Title 1"/>
-          <p:cNvSpPr>
-            <a:spLocks noGrp="1"/>
-          </p:cNvSpPr>
-          <p:nvPr>
-            <p:ph type="title"/>
-          </p:nvPr>
-        </p:nvSpPr>
-        <p:spPr>
-          <a:xfrm>
-            <a:off x="-2912" y="0"/>
-            <a:ext cx="9146912" cy="692696"/>
-          </a:xfrm>
-          <a:solidFill>
-            <a:schemeClr val="bg1">
-              <a:lumMod val="75000"/>
-            </a:schemeClr>
-          </a:solidFill>
-        </p:spPr>
-        <p:txBody>
-          <a:bodyPr>
-            <a:normAutofit fontScale="90000"/>
-          </a:bodyPr>
-          <a:lstStyle/>
-          <a:p>
-            <a:pPr algn="l"/>
-            <a:r>
-              <a:rPr lang="en-US" dirty="0" smtClean="0">
-                <a:solidFill>
-                  <a:schemeClr val="bg1"/>
-                </a:solidFill>
-              </a:rPr>
-              <a:t> reference</a:t>
-            </a:r>
-            <a:endParaRPr lang="en-US" dirty="0">
-              <a:solidFill>
-                <a:schemeClr val="bg1"/>
-              </a:solidFill>
-            </a:endParaRPr>
-          </a:p>
-        </p:txBody>
-      </p:sp>
-      <p:sp>
-        <p:nvSpPr>
-          <p:cNvPr id="3" name="Content Placeholder 2"/>
-          <p:cNvSpPr>
-            <a:spLocks noGrp="1"/>
-          </p:cNvSpPr>
-          <p:nvPr>
-            <p:ph idx="1"/>
-          </p:nvPr>
-        </p:nvSpPr>
-        <p:spPr>
-          <a:xfrm>
-            <a:off x="385025" y="836712"/>
-            <a:ext cx="8424936" cy="5755946"/>
-          </a:xfrm>
-        </p:spPr>
-        <p:txBody>
-          <a:bodyPr>
-            <a:noAutofit/>
-          </a:bodyPr>
-          <a:lstStyle/>
-          <a:p>
-            <a:pPr marL="514350" lvl="0" indent="-514350">
-              <a:buFont typeface="Arial" panose="020B0604020202020204" pitchFamily="34" charset="0"/>
-              <a:buAutoNum type="arabicPeriod"/>
-            </a:pPr>
-            <a:r>
-              <a:rPr lang="en-US" sz="2000" dirty="0" smtClean="0"/>
-              <a:t>C. Mao: Generating Test Data for Software Structural Testing Based on Particle Swarm Optimization. Arabian Journal for Science and Engineering, </a:t>
-            </a:r>
-            <a:r>
-              <a:rPr lang="en-US" sz="2000" dirty="0" err="1" smtClean="0"/>
-              <a:t>vol</a:t>
-            </a:r>
-            <a:r>
-              <a:rPr lang="en-US" sz="2000" dirty="0" smtClean="0"/>
-              <a:t> 39, issue 6, pp 4593–4607 (June 2014).</a:t>
-            </a:r>
-          </a:p>
-          <a:p>
-            <a:pPr marL="514350" indent="-514350">
-              <a:buAutoNum type="arabicPeriod"/>
-            </a:pPr>
-            <a:endParaRPr lang="en-US" sz="1900" dirty="0" smtClean="0"/>
-          </a:p>
-        </p:txBody>
-      </p:sp>
-    </p:spTree>
-    <p:extLst>
-      <p:ext uri="{BB962C8B-B14F-4D97-AF65-F5344CB8AC3E}">
-        <p14:creationId xmlns="" xmlns:p14="http://schemas.microsoft.com/office/powerpoint/2010/main" val="1133312594"/>
-      </p:ext>
-    </p:extLst>
-  </p:cSld>
-  <p:clrMapOvr>
-    <a:masterClrMapping/>
-  </p:clrMapOvr>
-</p:sld>
-</file>
-
-<file path=ppt/slides/slide27.xml><?xml version="1.0" encoding="utf-8"?>
-<p:sld xmlns:a="http://schemas.openxmlformats.org/drawingml/2006/main" xmlns:r="http://schemas.openxmlformats.org/officeDocument/2006/relationships" xmlns:p="http://schemas.openxmlformats.org/presentationml/2006/main">
-  <p:cSld>
-    <p:spTree>
-      <p:nvGrpSpPr>
-        <p:cNvPr id="1" name=""/>
-        <p:cNvGrpSpPr/>
-        <p:nvPr/>
-      </p:nvGrpSpPr>
-      <p:grpSpPr>
-        <a:xfrm>
-          <a:off x="0" y="0"/>
-          <a:ext cx="0" cy="0"/>
-          <a:chOff x="0" y="0"/>
-          <a:chExt cx="0" cy="0"/>
-        </a:xfrm>
-      </p:grpSpPr>
-      <p:pic>
-        <p:nvPicPr>
-          <p:cNvPr id="10242" name="Picture 2"/>
-          <p:cNvPicPr>
-            <a:picLocks noChangeAspect="1" noChangeArrowheads="1"/>
-          </p:cNvPicPr>
-          <p:nvPr/>
-        </p:nvPicPr>
-        <p:blipFill>
-          <a:blip r:embed="rId2" cstate="print"/>
-          <a:srcRect/>
-          <a:stretch>
-            <a:fillRect/>
-          </a:stretch>
-        </p:blipFill>
-        <p:spPr bwMode="auto">
-          <a:xfrm>
-            <a:off x="1043608" y="1124744"/>
-            <a:ext cx="7019925" cy="3990975"/>
-          </a:xfrm>
-          <a:prstGeom prst="rect">
-            <a:avLst/>
-          </a:prstGeom>
-          <a:noFill/>
-          <a:ln w="9525">
-            <a:noFill/>
-            <a:miter lim="800000"/>
-            <a:headEnd/>
-            <a:tailEnd/>
-          </a:ln>
-        </p:spPr>
-      </p:pic>
-    </p:spTree>
-    <p:extLst>
-      <p:ext uri="{BB962C8B-B14F-4D97-AF65-F5344CB8AC3E}">
-        <p14:creationId xmlns="" xmlns:p14="http://schemas.microsoft.com/office/powerpoint/2010/main" val="1133312594"/>
-      </p:ext>
-    </p:extLst>
-  </p:cSld>
-  <p:clrMapOvr>
-    <a:masterClrMapping/>
-  </p:clrMapOvr>
 </p:sld>
 </file>
 
@@ -6312,15 +3679,7 @@
                   <a:schemeClr val="bg1"/>
                 </a:solidFill>
               </a:rPr>
-              <a:t> </a:t>
-            </a:r>
-            <a:r>
-              <a:rPr lang="en-US" dirty="0" smtClean="0">
-                <a:solidFill>
-                  <a:schemeClr val="bg1"/>
-                </a:solidFill>
-              </a:rPr>
-              <a:t>Introduction(1)</a:t>
+              <a:t> Introduction(1)</a:t>
             </a:r>
             <a:endParaRPr lang="en-US" dirty="0">
               <a:solidFill>
@@ -6357,17 +3716,8 @@
             </a:pPr>
             <a:r>
               <a:rPr lang="en-US" dirty="0" smtClean="0"/>
-              <a:t>Approaches </a:t>
-            </a:r>
-            <a:r>
-              <a:rPr lang="en-US" dirty="0" smtClean="0"/>
-              <a:t>to automated </a:t>
-            </a:r>
-            <a:r>
-              <a:rPr lang="en-US" dirty="0" smtClean="0"/>
-              <a:t>testing:</a:t>
-            </a:r>
-            <a:endParaRPr lang="en-US" dirty="0" smtClean="0"/>
+              <a:t>Approaches to automated testing:</a:t>
+            </a:r>
           </a:p>
           <a:p>
             <a:pPr marL="0" indent="0">
@@ -6389,123 +3739,57 @@
             </a:pPr>
             <a:r>
               <a:rPr lang="en-US" dirty="0" smtClean="0"/>
-              <a:t>	</a:t>
-            </a:r>
+              <a:t>		</a:t>
+            </a:r>
+            <a:r>
+              <a:rPr lang="en-US" sz="2800" dirty="0" smtClean="0"/>
+              <a:t>automatic, scalable, exhaustive</a:t>
+            </a:r>
+          </a:p>
+          <a:p>
+            <a:pPr marL="0" indent="0">
+              <a:buNone/>
+            </a:pPr>
+            <a:r>
+              <a:rPr lang="en-US" sz="2800" dirty="0" smtClean="0"/>
+              <a:t>		infinite loops, array, procedure calls and 		pointer references </a:t>
+            </a:r>
+          </a:p>
+          <a:p>
+            <a:pPr marL="0" indent="0">
+              <a:buNone/>
+            </a:pPr>
+            <a:r>
+              <a:rPr lang="en-US" sz="2800" dirty="0" smtClean="0"/>
+              <a:t>		state-of-the-art: symbolic execution (SE)</a:t>
+            </a:r>
+            <a:endParaRPr lang="en-US" sz="2800" dirty="0"/>
+          </a:p>
+          <a:p>
+            <a:pPr marL="0" indent="0">
+              <a:buNone/>
+            </a:pPr>
             <a:r>
               <a:rPr lang="en-US" dirty="0" smtClean="0"/>
-              <a:t>	</a:t>
-            </a:r>
+              <a:t>	dynamic analysis</a:t>
+            </a:r>
+          </a:p>
+          <a:p>
+            <a:pPr marL="0" indent="0">
+              <a:buNone/>
+            </a:pPr>
             <a:r>
               <a:rPr lang="en-US" sz="2800" dirty="0" smtClean="0"/>
-              <a:t>automatic</a:t>
-            </a:r>
+              <a:t>		random testing, local search, and 			evolutionary methods </a:t>
+            </a:r>
+          </a:p>
+          <a:p>
+            <a:pPr marL="0" indent="0">
+              <a:buNone/>
+            </a:pPr>
             <a:r>
               <a:rPr lang="en-US" sz="2800" dirty="0" smtClean="0"/>
-              <a:t>, scalable, exhaustive</a:t>
-            </a:r>
-          </a:p>
-          <a:p>
-            <a:pPr marL="0" indent="0">
-              <a:buNone/>
-            </a:pPr>
-            <a:r>
-              <a:rPr lang="en-US" sz="2800" dirty="0" smtClean="0"/>
-              <a:t>	</a:t>
-            </a:r>
-            <a:r>
-              <a:rPr lang="en-US" sz="2800" dirty="0" smtClean="0"/>
-              <a:t>	infinite loops, array, procedure calls and </a:t>
-            </a:r>
-            <a:r>
-              <a:rPr lang="en-US" sz="2800" dirty="0" smtClean="0"/>
-              <a:t>		pointer references </a:t>
-            </a:r>
-            <a:endParaRPr lang="en-US" sz="2800" dirty="0" smtClean="0"/>
-          </a:p>
-          <a:p>
-            <a:pPr marL="0" indent="0">
-              <a:buNone/>
-            </a:pPr>
-            <a:r>
-              <a:rPr lang="en-US" sz="2800" dirty="0" smtClean="0"/>
-              <a:t>	</a:t>
-            </a:r>
-            <a:r>
-              <a:rPr lang="en-US" sz="2800" dirty="0" smtClean="0"/>
-              <a:t>	state-of-the-art: symbolic execution (SE)</a:t>
-            </a:r>
-            <a:endParaRPr lang="en-US" sz="2800" dirty="0"/>
-          </a:p>
-          <a:p>
-            <a:pPr marL="0" indent="0">
-              <a:buNone/>
-            </a:pPr>
-            <a:r>
-              <a:rPr lang="en-US" dirty="0" smtClean="0"/>
-              <a:t>	dynamic </a:t>
-            </a:r>
-            <a:r>
-              <a:rPr lang="en-US" dirty="0" smtClean="0"/>
-              <a:t>analysis</a:t>
-            </a:r>
-          </a:p>
-          <a:p>
-            <a:pPr marL="0" indent="0">
-              <a:buNone/>
-            </a:pPr>
-            <a:r>
-              <a:rPr lang="en-US" sz="2800" dirty="0" smtClean="0"/>
-              <a:t>	</a:t>
-            </a:r>
-            <a:r>
-              <a:rPr lang="en-US" sz="2800" dirty="0" smtClean="0"/>
-              <a:t>	random </a:t>
-            </a:r>
-            <a:r>
-              <a:rPr lang="en-US" sz="2800" dirty="0" smtClean="0"/>
-              <a:t>testing, local search, and </a:t>
-            </a:r>
-            <a:r>
-              <a:rPr lang="en-US" sz="2800" dirty="0" smtClean="0"/>
-              <a:t>			evolutionary methods </a:t>
-            </a:r>
-            <a:endParaRPr lang="en-US" sz="2800" dirty="0" smtClean="0"/>
-          </a:p>
-          <a:p>
-            <a:pPr marL="0" indent="0">
-              <a:buNone/>
-            </a:pPr>
-            <a:r>
-              <a:rPr lang="en-US" sz="2800" dirty="0" smtClean="0"/>
-              <a:t>	</a:t>
-            </a:r>
-            <a:r>
-              <a:rPr lang="en-US" sz="2800" dirty="0" smtClean="0"/>
-              <a:t>	most widely known: </a:t>
-            </a:r>
-            <a:r>
-              <a:rPr lang="en-US" sz="2800" dirty="0" smtClean="0"/>
-              <a:t>Genetic </a:t>
-            </a:r>
-            <a:r>
-              <a:rPr lang="en-US" sz="2800" dirty="0" smtClean="0"/>
-              <a:t>A</a:t>
-            </a:r>
-            <a:r>
-              <a:rPr lang="en-US" sz="2800" dirty="0" smtClean="0"/>
-              <a:t>lgorithm 		(</a:t>
-            </a:r>
-            <a:r>
-              <a:rPr lang="en-US" sz="2800" dirty="0" smtClean="0"/>
-              <a:t>GA</a:t>
-            </a:r>
-            <a:r>
-              <a:rPr lang="en-US" sz="2800" dirty="0" smtClean="0"/>
-              <a:t>), Particle Swarm </a:t>
-            </a:r>
-            <a:r>
-              <a:rPr lang="en-US" sz="2800" dirty="0" smtClean="0"/>
-              <a:t>Optimization(</a:t>
+              <a:t>		most widely known: Genetic Algorithm 		(GA), Particle Swarm Optimization(</a:t>
             </a:r>
             <a:r>
               <a:rPr lang="en-US" sz="2800" dirty="0" err="1" smtClean="0"/>
@@ -6522,7 +3806,7 @@
     </p:spTree>
     <p:extLst>
       <p:ext uri="{BB962C8B-B14F-4D97-AF65-F5344CB8AC3E}">
-        <p14:creationId xmlns="" xmlns:p14="http://schemas.microsoft.com/office/powerpoint/2010/main" val="3736083669"/>
+        <p14:creationId xmlns:p14="http://schemas.microsoft.com/office/powerpoint/2010/main" xmlns="" val="3736083669"/>
       </p:ext>
     </p:extLst>
   </p:cSld>
@@ -6590,15 +3874,7 @@
                   <a:schemeClr val="bg1"/>
                 </a:solidFill>
               </a:rPr>
-              <a:t> </a:t>
-            </a:r>
-            <a:r>
-              <a:rPr lang="en-US" dirty="0" smtClean="0">
-                <a:solidFill>
-                  <a:schemeClr val="bg1"/>
-                </a:solidFill>
-              </a:rPr>
-              <a:t>Introduction(2)</a:t>
+              <a:t> Introduction(2)</a:t>
             </a:r>
             <a:endParaRPr lang="en-US" dirty="0">
               <a:solidFill>
@@ -6637,7 +3913,6 @@
               <a:rPr lang="en-US" sz="2500" dirty="0" smtClean="0"/>
               <a:t>Problem statement</a:t>
             </a:r>
-            <a:endParaRPr lang="en-US" sz="2500" dirty="0" smtClean="0"/>
           </a:p>
         </p:txBody>
       </p:sp>
@@ -7194,7 +4469,7 @@
     </p:spTree>
     <p:extLst>
       <p:ext uri="{BB962C8B-B14F-4D97-AF65-F5344CB8AC3E}">
-        <p14:creationId xmlns="" xmlns:p14="http://schemas.microsoft.com/office/powerpoint/2010/main" val="3736083669"/>
+        <p14:creationId xmlns:p14="http://schemas.microsoft.com/office/powerpoint/2010/main" xmlns="" val="3736083669"/>
       </p:ext>
     </p:extLst>
   </p:cSld>
@@ -7262,15 +4537,7 @@
                   <a:schemeClr val="bg1"/>
                 </a:solidFill>
               </a:rPr>
-              <a:t> </a:t>
-            </a:r>
-            <a:r>
-              <a:rPr lang="en-US" dirty="0" smtClean="0">
-                <a:solidFill>
-                  <a:schemeClr val="bg1"/>
-                </a:solidFill>
-              </a:rPr>
-              <a:t>Introduction(3)</a:t>
+              <a:t> Introduction(3)</a:t>
             </a:r>
             <a:endParaRPr lang="en-US" dirty="0">
               <a:solidFill>
@@ -7307,15 +4574,7 @@
             </a:pPr>
             <a:r>
               <a:rPr lang="en-US" sz="2800" dirty="0" smtClean="0"/>
-              <a:t>Mao </a:t>
-            </a:r>
-            <a:r>
-              <a:rPr lang="en-US" sz="2800" dirty="0" smtClean="0"/>
-              <a:t>[1] </a:t>
-            </a:r>
-            <a:r>
-              <a:rPr lang="en-US" sz="2800" dirty="0" smtClean="0"/>
-              <a:t>used </a:t>
+              <a:t>Mao [1] used </a:t>
             </a:r>
             <a:r>
               <a:rPr lang="en-US" sz="2800" dirty="0" err="1" smtClean="0"/>
@@ -7331,19 +4590,7 @@
             </a:r>
             <a:r>
               <a:rPr lang="en-US" sz="2800" dirty="0" smtClean="0"/>
-              <a:t> formula </a:t>
-            </a:r>
-            <a:r>
-              <a:rPr lang="en-US" sz="2800" dirty="0" smtClean="0"/>
-              <a:t>and </a:t>
-            </a:r>
-            <a:r>
-              <a:rPr lang="en-US" sz="2800" dirty="0" smtClean="0"/>
-              <a:t>the branch </a:t>
-            </a:r>
-            <a:r>
-              <a:rPr lang="en-US" sz="2800" dirty="0" smtClean="0"/>
-              <a:t>weights</a:t>
+              <a:t> formula and the branch weights</a:t>
             </a:r>
             <a:endParaRPr lang="en-US" sz="2500" dirty="0" smtClean="0"/>
           </a:p>
@@ -7352,7 +4599,7 @@
     </p:spTree>
     <p:extLst>
       <p:ext uri="{BB962C8B-B14F-4D97-AF65-F5344CB8AC3E}">
-        <p14:creationId xmlns="" xmlns:p14="http://schemas.microsoft.com/office/powerpoint/2010/main" val="3736083669"/>
+        <p14:creationId xmlns:p14="http://schemas.microsoft.com/office/powerpoint/2010/main" xmlns="" val="3736083669"/>
       </p:ext>
     </p:extLst>
   </p:cSld>
@@ -7420,23 +4667,7 @@
                   <a:schemeClr val="bg1"/>
                 </a:solidFill>
               </a:rPr>
-              <a:t> </a:t>
-            </a:r>
-            <a:r>
-              <a:rPr lang="en-US" dirty="0" err="1" smtClean="0">
-                <a:solidFill>
-                  <a:schemeClr val="bg1"/>
-                </a:solidFill>
-              </a:rPr>
-              <a:t>Korel</a:t>
-            </a:r>
-            <a:r>
-              <a:rPr lang="en-US" dirty="0" smtClean="0">
-                <a:solidFill>
-                  <a:schemeClr val="bg1"/>
-                </a:solidFill>
-              </a:rPr>
-              <a:t> function</a:t>
+              <a:t> outline</a:t>
             </a:r>
             <a:endParaRPr lang="en-US" dirty="0">
               <a:solidFill>
@@ -7446,42 +4677,72 @@
           </a:p>
         </p:txBody>
       </p:sp>
-      <p:pic>
-        <p:nvPicPr>
-          <p:cNvPr id="2050" name="Picture 2"/>
-          <p:cNvPicPr>
-            <a:picLocks noChangeAspect="1" noChangeArrowheads="1"/>
-          </p:cNvPicPr>
-          <p:nvPr/>
-        </p:nvPicPr>
-        <p:blipFill>
-          <a:blip r:embed="rId2" cstate="print"/>
-          <a:srcRect/>
-          <a:stretch>
-            <a:fillRect/>
-          </a:stretch>
-        </p:blipFill>
-        <p:spPr bwMode="auto">
+      <p:sp>
+        <p:nvSpPr>
+          <p:cNvPr id="3" name="Content Placeholder 2"/>
+          <p:cNvSpPr>
+            <a:spLocks noGrp="1"/>
+          </p:cNvSpPr>
+          <p:nvPr>
+            <p:ph idx="1"/>
+          </p:nvPr>
+        </p:nvSpPr>
+        <p:spPr>
           <a:xfrm>
-            <a:off x="838200" y="1484784"/>
-            <a:ext cx="7391400" cy="3849216"/>
+            <a:off x="457200" y="1052736"/>
+            <a:ext cx="8229600" cy="4205064"/>
           </a:xfrm>
-          <a:prstGeom prst="rect">
-            <a:avLst/>
-          </a:prstGeom>
-          <a:noFill/>
-          <a:ln w="9525">
-            <a:noFill/>
-            <a:miter lim="800000"/>
-            <a:headEnd/>
-            <a:tailEnd/>
-          </a:ln>
         </p:spPr>
-      </p:pic>
+        <p:txBody>
+          <a:bodyPr/>
+          <a:lstStyle/>
+          <a:p>
+            <a:pPr marL="514350" indent="-514350">
+              <a:buAutoNum type="arabicPeriod"/>
+            </a:pPr>
+            <a:r>
+              <a:rPr lang="en-US" dirty="0" smtClean="0"/>
+              <a:t>Introduction</a:t>
+            </a:r>
+          </a:p>
+          <a:p>
+            <a:pPr marL="514350" indent="-514350">
+              <a:buAutoNum type="arabicPeriod"/>
+            </a:pPr>
+            <a:r>
+              <a:rPr lang="en-US" b="1" dirty="0" smtClean="0">
+                <a:solidFill>
+                  <a:srgbClr val="FF0000"/>
+                </a:solidFill>
+              </a:rPr>
+              <a:t>Proposed approach</a:t>
+            </a:r>
+          </a:p>
+          <a:p>
+            <a:pPr marL="514350" indent="-514350">
+              <a:buAutoNum type="arabicPeriod"/>
+            </a:pPr>
+            <a:r>
+              <a:rPr lang="en-US" dirty="0" smtClean="0"/>
+              <a:t>Experimental result</a:t>
+            </a:r>
+          </a:p>
+          <a:p>
+            <a:pPr marL="514350" indent="-514350">
+              <a:buAutoNum type="arabicPeriod"/>
+            </a:pPr>
+            <a:r>
+              <a:rPr lang="en-US" dirty="0" smtClean="0"/>
+              <a:t>Conclusion</a:t>
+            </a:r>
+            <a:endParaRPr lang="en-US" dirty="0"/>
+          </a:p>
+        </p:txBody>
+      </p:sp>
     </p:spTree>
     <p:extLst>
       <p:ext uri="{BB962C8B-B14F-4D97-AF65-F5344CB8AC3E}">
-        <p14:creationId xmlns="" xmlns:p14="http://schemas.microsoft.com/office/powerpoint/2010/main" val="976856806"/>
+        <p14:creationId xmlns:p14="http://schemas.microsoft.com/office/powerpoint/2010/main" xmlns="" val="2279565587"/>
       </p:ext>
     </p:extLst>
   </p:cSld>
@@ -7549,7 +4810,15 @@
                   <a:schemeClr val="bg1"/>
                 </a:solidFill>
               </a:rPr>
-              <a:t> genetic algorithm(GA)</a:t>
+              <a:t> </a:t>
+            </a:r>
+            <a:r>
+              <a:rPr lang="en-US" dirty="0" smtClean="0">
+                <a:solidFill>
+                  <a:schemeClr val="bg1"/>
+                </a:solidFill>
+              </a:rPr>
+              <a:t>Proposed approach</a:t>
             </a:r>
             <a:endParaRPr lang="en-US" dirty="0">
               <a:solidFill>
@@ -7561,122 +4830,30 @@
       </p:sp>
       <p:pic>
         <p:nvPicPr>
-          <p:cNvPr id="3074" name="Picture 2"/>
-          <p:cNvPicPr>
-            <a:picLocks noChangeAspect="1" noChangeArrowheads="1"/>
-          </p:cNvPicPr>
+          <p:cNvPr id="6" name="Picture 5"/>
+          <p:cNvPicPr/>
           <p:nvPr/>
         </p:nvPicPr>
         <p:blipFill>
           <a:blip r:embed="rId2" cstate="print"/>
-          <a:srcRect/>
           <a:stretch>
             <a:fillRect/>
           </a:stretch>
         </p:blipFill>
-        <p:spPr bwMode="auto">
+        <p:spPr>
           <a:xfrm>
-            <a:off x="395536" y="2057400"/>
-            <a:ext cx="8420100" cy="4032448"/>
+            <a:off x="228600" y="990600"/>
+            <a:ext cx="8763000" cy="1752600"/>
           </a:xfrm>
           <a:prstGeom prst="rect">
             <a:avLst/>
           </a:prstGeom>
-          <a:noFill/>
-          <a:ln w="9525">
-            <a:noFill/>
-            <a:miter lim="800000"/>
-            <a:headEnd/>
-            <a:tailEnd/>
-          </a:ln>
         </p:spPr>
       </p:pic>
-      <p:sp>
-        <p:nvSpPr>
-          <p:cNvPr id="4" name="Content Placeholder 2"/>
-          <p:cNvSpPr>
-            <a:spLocks noGrp="1"/>
-          </p:cNvSpPr>
-          <p:nvPr>
-            <p:ph idx="1"/>
-          </p:nvPr>
-        </p:nvSpPr>
-        <p:spPr>
-          <a:xfrm>
-            <a:off x="381000" y="914400"/>
-            <a:ext cx="8534400" cy="1066800"/>
-          </a:xfrm>
-        </p:spPr>
-        <p:txBody>
-          <a:bodyPr>
-            <a:noAutofit/>
-          </a:bodyPr>
-          <a:lstStyle/>
-          <a:p>
-            <a:pPr marL="0" indent="0">
-              <a:buNone/>
-            </a:pPr>
-            <a:r>
-              <a:rPr lang="en-US" sz="2600" dirty="0" smtClean="0"/>
-              <a:t>Population is a set of chromosomes.</a:t>
-            </a:r>
-          </a:p>
-          <a:p>
-            <a:pPr marL="0" indent="0">
-              <a:buNone/>
-            </a:pPr>
-            <a:r>
-              <a:rPr lang="en-US" sz="2600" smtClean="0"/>
-              <a:t>Each </a:t>
-            </a:r>
-            <a:r>
-              <a:rPr lang="en-US" sz="2600" dirty="0" smtClean="0"/>
-              <a:t>chromosome </a:t>
-            </a:r>
-            <a:r>
-              <a:rPr lang="en-US" sz="2600" dirty="0" err="1" smtClean="0"/>
-              <a:t>chrom</a:t>
-            </a:r>
-            <a:r>
-              <a:rPr lang="en-US" sz="2600" dirty="0" smtClean="0"/>
-              <a:t> = (x</a:t>
-            </a:r>
-            <a:r>
-              <a:rPr lang="en-US" sz="2600" baseline="-25000" dirty="0" smtClean="0"/>
-              <a:t>1</a:t>
-            </a:r>
-            <a:r>
-              <a:rPr lang="en-US" sz="2600" dirty="0" smtClean="0"/>
-              <a:t>, x</a:t>
-            </a:r>
-            <a:r>
-              <a:rPr lang="en-US" sz="2600" baseline="-25000" dirty="0" smtClean="0"/>
-              <a:t>2</a:t>
-            </a:r>
-            <a:r>
-              <a:rPr lang="en-US" sz="2600" dirty="0" smtClean="0"/>
-              <a:t>… </a:t>
-            </a:r>
-            <a:r>
-              <a:rPr lang="en-US" sz="2600" dirty="0" err="1" smtClean="0"/>
-              <a:t>x</a:t>
-            </a:r>
-            <a:r>
-              <a:rPr lang="en-US" sz="2600" baseline="-25000" dirty="0" err="1" smtClean="0"/>
-              <a:t>n</a:t>
-            </a:r>
-            <a:r>
-              <a:rPr lang="en-US" sz="2600" dirty="0" smtClean="0"/>
-              <a:t>) to present a test case.</a:t>
-            </a:r>
-            <a:endParaRPr lang="en-US" sz="2600" dirty="0"/>
-          </a:p>
-        </p:txBody>
-      </p:sp>
     </p:spTree>
     <p:extLst>
       <p:ext uri="{BB962C8B-B14F-4D97-AF65-F5344CB8AC3E}">
-        <p14:creationId xmlns="" xmlns:p14="http://schemas.microsoft.com/office/powerpoint/2010/main" val="976856806"/>
+        <p14:creationId xmlns:p14="http://schemas.microsoft.com/office/powerpoint/2010/main" xmlns="" val="3736083669"/>
       </p:ext>
     </p:extLst>
   </p:cSld>
@@ -7744,7 +4921,7 @@
                   <a:schemeClr val="bg1"/>
                 </a:solidFill>
               </a:rPr>
-              <a:t> outline</a:t>
+              <a:t> reference</a:t>
             </a:r>
             <a:endParaRPr lang="en-US" dirty="0">
               <a:solidFill>
@@ -7766,87 +4943,51 @@
         </p:nvSpPr>
         <p:spPr>
           <a:xfrm>
-            <a:off x="457200" y="1052736"/>
-            <a:ext cx="8229600" cy="4205064"/>
+            <a:off x="385025" y="836712"/>
+            <a:ext cx="8424936" cy="5755946"/>
           </a:xfrm>
         </p:spPr>
         <p:txBody>
-          <a:bodyPr/>
-          <a:lstStyle/>
-          <a:p>
-            <a:pPr marL="0" indent="0">
-              <a:buNone/>
+          <a:bodyPr>
+            <a:noAutofit/>
+          </a:bodyPr>
+          <a:lstStyle/>
+          <a:p>
+            <a:pPr marL="514350" lvl="0" indent="-514350">
+              <a:buFont typeface="Arial" panose="020B0604020202020204" pitchFamily="34" charset="0"/>
+              <a:buAutoNum type="arabicPeriod"/>
             </a:pPr>
             <a:r>
-              <a:rPr lang="en-US" dirty="0" smtClean="0"/>
-              <a:t>1. Introduction</a:t>
-            </a:r>
-          </a:p>
-          <a:p>
-            <a:pPr marL="0" indent="0">
-              <a:buNone/>
+              <a:rPr lang="en-US" sz="2000" dirty="0" smtClean="0"/>
+              <a:t>C. Mao: Generating Test Data for Software Structural Testing Based on Particle Swarm Optimization. Arabian Journal for Science and Engineering, </a:t>
+            </a:r>
+            <a:r>
+              <a:rPr lang="en-US" sz="2000" dirty="0" err="1" smtClean="0"/>
+              <a:t>vol</a:t>
+            </a:r>
+            <a:r>
+              <a:rPr lang="en-US" sz="2000" dirty="0" smtClean="0"/>
+              <a:t> 39, issue 6, pp 4593–4607 (June 2014).</a:t>
+            </a:r>
+          </a:p>
+          <a:p>
+            <a:pPr marL="514350" indent="-514350">
+              <a:buAutoNum type="arabicPeriod"/>
             </a:pPr>
-            <a:r>
-              <a:rPr lang="en-US" dirty="0" smtClean="0"/>
-              <a:t>2. Background</a:t>
-            </a:r>
-          </a:p>
-          <a:p>
-            <a:pPr marL="0" indent="0">
-              <a:buNone/>
-            </a:pPr>
-            <a:r>
-              <a:rPr lang="en-US" b="1" dirty="0" smtClean="0"/>
-              <a:t>3. Related work</a:t>
-            </a:r>
-          </a:p>
-          <a:p>
-            <a:pPr marL="0" indent="0">
-              <a:buNone/>
-            </a:pPr>
-            <a:r>
-              <a:rPr lang="en-US" dirty="0" smtClean="0"/>
-              <a:t>4. Proposed approach</a:t>
-            </a:r>
-          </a:p>
-          <a:p>
-            <a:pPr marL="0" indent="0">
-              <a:buNone/>
-            </a:pPr>
-            <a:r>
-              <a:rPr lang="en-US" dirty="0" smtClean="0"/>
-              <a:t>5. Experimental result</a:t>
-            </a:r>
-          </a:p>
-          <a:p>
-            <a:pPr marL="0" indent="0">
-              <a:buNone/>
-            </a:pPr>
-            <a:r>
-              <a:rPr lang="en-US" dirty="0" smtClean="0"/>
-              <a:t>6. Conclusion</a:t>
-            </a:r>
-            <a:endParaRPr lang="en-US" dirty="0"/>
+            <a:endParaRPr lang="en-US" sz="1900" dirty="0" smtClean="0"/>
           </a:p>
         </p:txBody>
       </p:sp>
     </p:spTree>
     <p:extLst>
       <p:ext uri="{BB962C8B-B14F-4D97-AF65-F5344CB8AC3E}">
-        <p14:creationId xmlns="" xmlns:p14="http://schemas.microsoft.com/office/powerpoint/2010/main" val="2330834491"/>
+        <p14:creationId xmlns:p14="http://schemas.microsoft.com/office/powerpoint/2010/main" xmlns="" val="1133312594"/>
       </p:ext>
     </p:extLst>
   </p:cSld>
   <p:clrMapOvr>
     <a:masterClrMapping/>
   </p:clrMapOvr>
-  <p:timing>
-    <p:tnLst>
-      <p:par>
-        <p:cTn id="1" dur="indefinite" restart="never" nodeType="tmRoot"/>
-      </p:par>
-    </p:tnLst>
-  </p:timing>
 </p:sld>
 </file>
 
@@ -7867,123 +5008,48 @@
           <a:chExt cx="0" cy="0"/>
         </a:xfrm>
       </p:grpSpPr>
-      <p:sp>
-        <p:nvSpPr>
-          <p:cNvPr id="2" name="Title 1"/>
-          <p:cNvSpPr>
-            <a:spLocks noGrp="1"/>
-          </p:cNvSpPr>
-          <p:nvPr>
-            <p:ph type="title"/>
-          </p:nvPr>
-        </p:nvSpPr>
-        <p:spPr>
+      <p:pic>
+        <p:nvPicPr>
+          <p:cNvPr id="10242" name="Picture 2"/>
+          <p:cNvPicPr>
+            <a:picLocks noChangeAspect="1" noChangeArrowheads="1"/>
+          </p:cNvPicPr>
+          <p:nvPr/>
+        </p:nvPicPr>
+        <p:blipFill>
+          <a:blip r:embed="rId2" cstate="print"/>
+          <a:srcRect/>
+          <a:stretch>
+            <a:fillRect/>
+          </a:stretch>
+        </p:blipFill>
+        <p:spPr bwMode="auto">
           <a:xfrm>
-            <a:off x="-2912" y="0"/>
-            <a:ext cx="9146912" cy="692696"/>
+            <a:off x="1043608" y="1124744"/>
+            <a:ext cx="7019925" cy="3990975"/>
           </a:xfrm>
-          <a:solidFill>
-            <a:schemeClr val="bg1">
-              <a:lumMod val="75000"/>
-            </a:schemeClr>
-          </a:solidFill>
+          <a:prstGeom prst="rect">
+            <a:avLst/>
+          </a:prstGeom>
+          <a:noFill/>
+          <a:ln w="9525">
+            <a:noFill/>
+            <a:miter lim="800000"/>
+            <a:headEnd/>
+            <a:tailEnd/>
+          </a:ln>
         </p:spPr>
-        <p:txBody>
-          <a:bodyPr>
-            <a:normAutofit fontScale="90000"/>
-          </a:bodyPr>
-          <a:lstStyle/>
-          <a:p>
-            <a:pPr algn="l"/>
-            <a:r>
-              <a:rPr lang="en-US" dirty="0" smtClean="0">
-                <a:solidFill>
-                  <a:schemeClr val="bg1"/>
-                </a:solidFill>
-              </a:rPr>
-              <a:t> related work</a:t>
-            </a:r>
-            <a:endParaRPr lang="en-US" dirty="0">
-              <a:solidFill>
-                <a:schemeClr val="bg1"/>
-              </a:solidFill>
-            </a:endParaRPr>
-          </a:p>
-        </p:txBody>
-      </p:sp>
-      <p:sp>
-        <p:nvSpPr>
-          <p:cNvPr id="3" name="Content Placeholder 2"/>
-          <p:cNvSpPr>
-            <a:spLocks noGrp="1"/>
-          </p:cNvSpPr>
-          <p:nvPr>
-            <p:ph idx="1"/>
-          </p:nvPr>
-        </p:nvSpPr>
-        <p:spPr>
-          <a:xfrm>
-            <a:off x="457200" y="1052736"/>
-            <a:ext cx="8229600" cy="4205064"/>
-          </a:xfrm>
-        </p:spPr>
-        <p:txBody>
-          <a:bodyPr/>
-          <a:lstStyle/>
-          <a:p>
-            <a:pPr marL="0" indent="0">
-              <a:buNone/>
-            </a:pPr>
-            <a:r>
-              <a:rPr lang="en-US" dirty="0" smtClean="0"/>
-              <a:t>The path coverage literature using GA started with Lin and </a:t>
-            </a:r>
-            <a:r>
-              <a:rPr lang="en-US" dirty="0" err="1" smtClean="0"/>
-              <a:t>Yeh</a:t>
-            </a:r>
-            <a:r>
-              <a:rPr lang="en-US" dirty="0" smtClean="0"/>
-              <a:t> [2] in 2000. They extended Jones et al.'s work [3] from branch coverage to path coverage.</a:t>
-            </a:r>
-          </a:p>
-          <a:p>
-            <a:pPr marL="0" indent="0">
-              <a:buNone/>
-            </a:pPr>
-            <a:r>
-              <a:rPr lang="en-US" dirty="0" smtClean="0"/>
-              <a:t>Chen and </a:t>
-            </a:r>
-            <a:r>
-              <a:rPr lang="en-US" dirty="0" err="1" smtClean="0"/>
-              <a:t>Zhong</a:t>
-            </a:r>
-            <a:r>
-              <a:rPr lang="en-US" dirty="0" smtClean="0"/>
-              <a:t> [4] developed a multi-population genetic algorithm for path testing. </a:t>
-            </a:r>
-            <a:endParaRPr lang="en-US" dirty="0"/>
-          </a:p>
-        </p:txBody>
-      </p:sp>
+      </p:pic>
     </p:spTree>
     <p:extLst>
       <p:ext uri="{BB962C8B-B14F-4D97-AF65-F5344CB8AC3E}">
-        <p14:creationId xmlns="" xmlns:p14="http://schemas.microsoft.com/office/powerpoint/2010/main" val="2330834491"/>
+        <p14:creationId xmlns:p14="http://schemas.microsoft.com/office/powerpoint/2010/main" xmlns="" val="1133312594"/>
       </p:ext>
     </p:extLst>
   </p:cSld>
   <p:clrMapOvr>
     <a:masterClrMapping/>
   </p:clrMapOvr>
-  <p:timing>
-    <p:tnLst>
-      <p:par>
-        <p:cTn id="1" dur="indefinite" restart="never" nodeType="tmRoot"/>
-      </p:par>
-    </p:tnLst>
-  </p:timing>
 </p:sld>
 </file>
 

--- a/CFT4CUnitSrc/src/report/PPSO_Presentation.pptx
+++ b/CFT4CUnitSrc/src/report/PPSO_Presentation.pptx
@@ -5,14 +5,14 @@
     <p:sldMasterId id="2147483648" r:id="rId1"/>
   </p:sldMasterIdLst>
   <p:handoutMasterIdLst>
-    <p:handoutMasterId r:id="rId19"/>
+    <p:handoutMasterId r:id="rId23"/>
   </p:handoutMasterIdLst>
   <p:sldIdLst>
     <p:sldId id="256" r:id="rId2"/>
     <p:sldId id="257" r:id="rId3"/>
     <p:sldId id="264" r:id="rId4"/>
     <p:sldId id="286" r:id="rId5"/>
-    <p:sldId id="287" r:id="rId6"/>
+    <p:sldId id="300" r:id="rId6"/>
     <p:sldId id="288" r:id="rId7"/>
     <p:sldId id="289" r:id="rId8"/>
     <p:sldId id="290" r:id="rId9"/>
@@ -23,8 +23,12 @@
     <p:sldId id="295" r:id="rId14"/>
     <p:sldId id="296" r:id="rId15"/>
     <p:sldId id="297" r:id="rId16"/>
-    <p:sldId id="284" r:id="rId17"/>
-    <p:sldId id="285" r:id="rId18"/>
+    <p:sldId id="298" r:id="rId17"/>
+    <p:sldId id="299" r:id="rId18"/>
+    <p:sldId id="301" r:id="rId19"/>
+    <p:sldId id="302" r:id="rId20"/>
+    <p:sldId id="284" r:id="rId21"/>
+    <p:sldId id="285" r:id="rId22"/>
   </p:sldIdLst>
   <p:sldSz cx="9144000" cy="6858000" type="screen4x3"/>
   <p:notesSz cx="6797675" cy="9926638"/>
@@ -10673,7 +10677,7 @@
         </p:nvGraphicFramePr>
         <p:xfrm>
           <a:off x="1295400" y="990600"/>
-          <a:ext cx="6705600" cy="4452493"/>
+          <a:ext cx="6705600" cy="4469130"/>
         </p:xfrm>
         <a:graphic>
           <a:graphicData uri="http://schemas.openxmlformats.org/drawingml/2006/table">
@@ -19153,7 +19157,7 @@
                   <a:schemeClr val="bg1"/>
                 </a:solidFill>
               </a:rPr>
-              <a:t> reference</a:t>
+              <a:t> outline</a:t>
             </a:r>
             <a:endParaRPr lang="en-US" dirty="0">
               <a:solidFill>
@@ -19175,80 +19179,73 @@
         </p:nvSpPr>
         <p:spPr>
           <a:xfrm>
-            <a:off x="385025" y="836712"/>
-            <a:ext cx="8424936" cy="5755946"/>
+            <a:off x="457200" y="1052736"/>
+            <a:ext cx="8229600" cy="4205064"/>
           </a:xfrm>
         </p:spPr>
         <p:txBody>
-          <a:bodyPr>
-            <a:noAutofit/>
-          </a:bodyPr>
+          <a:bodyPr/>
           <a:lstStyle/>
           <a:p>
-            <a:pPr marL="514350" lvl="0" indent="-514350">
-              <a:buFont typeface="Arial" panose="020B0604020202020204" pitchFamily="34" charset="0"/>
+            <a:pPr marL="514350" indent="-514350">
               <a:buAutoNum type="arabicPeriod"/>
             </a:pPr>
             <a:r>
-              <a:rPr lang="en-US" sz="2000" dirty="0" smtClean="0"/>
-              <a:t>C. Mao: Generating Test Data for Software Structural Testing Based on Particle Swarm Optimization. Arabian Journal for Science and Engineering, </a:t>
+              <a:rPr lang="en-US" dirty="0" smtClean="0"/>
+              <a:t>Introduction</a:t>
             </a:r>
-            <a:r>
-              <a:rPr lang="en-US" sz="2000" dirty="0" err="1" smtClean="0"/>
-              <a:t>vol</a:t>
-            </a:r>
-            <a:r>
-              <a:rPr lang="en-US" sz="2000" dirty="0" smtClean="0"/>
-              <a:t> 39, issue 6, pp 4593–4607 (June 2014</a:t>
-            </a:r>
-            <a:r>
-              <a:rPr lang="en-US" sz="2000" dirty="0" smtClean="0"/>
-              <a:t>).</a:t>
-            </a:r>
-          </a:p>
-          <a:p>
-            <a:pPr marL="514350" indent="-514350">
-              <a:buFont typeface="Arial" panose="020B0604020202020204" pitchFamily="34" charset="0"/>
-              <a:buAutoNum type="arabicPeriod"/>
-            </a:pPr>
-            <a:r>
-              <a:rPr lang="en-US" sz="2000" dirty="0" smtClean="0"/>
-              <a:t>B. </a:t>
-            </a:r>
-            <a:r>
-              <a:rPr lang="en-US" sz="2000" dirty="0" err="1" smtClean="0"/>
-              <a:t>Korel</a:t>
-            </a:r>
-            <a:r>
-              <a:rPr lang="en-US" sz="2000" dirty="0" smtClean="0"/>
-              <a:t>. Automated software test data generation. IEEE Transactions on Software Engineering, vol. 16, 870-879 (1990).</a:t>
-            </a:r>
-          </a:p>
-          <a:p>
-            <a:pPr marL="514350" lvl="0" indent="-514350">
-              <a:buFont typeface="Arial" panose="020B0604020202020204" pitchFamily="34" charset="0"/>
-              <a:buAutoNum type="arabicPeriod"/>
-            </a:pPr>
-            <a:endParaRPr lang="en-US" sz="2000" dirty="0" smtClean="0"/>
           </a:p>
           <a:p>
             <a:pPr marL="514350" indent="-514350">
               <a:buAutoNum type="arabicPeriod"/>
             </a:pPr>
-            <a:endParaRPr lang="en-US" sz="1900" dirty="0" smtClean="0"/>
+            <a:r>
+              <a:rPr lang="en-US" dirty="0" smtClean="0"/>
+              <a:t>Proposed approach</a:t>
+            </a:r>
+          </a:p>
+          <a:p>
+            <a:pPr marL="514350" indent="-514350">
+              <a:buAutoNum type="arabicPeriod"/>
+            </a:pPr>
+            <a:r>
+              <a:rPr lang="en-US" b="1" dirty="0" smtClean="0">
+                <a:solidFill>
+                  <a:srgbClr val="FF0000"/>
+                </a:solidFill>
+              </a:rPr>
+              <a:t>Experimental result</a:t>
+            </a:r>
+          </a:p>
+          <a:p>
+            <a:pPr marL="514350" indent="-514350">
+              <a:buAutoNum type="arabicPeriod"/>
+            </a:pPr>
+            <a:r>
+              <a:rPr lang="en-US" dirty="0" smtClean="0"/>
+              <a:t>Conclusion</a:t>
+            </a:r>
+            <a:endParaRPr lang="en-US" dirty="0"/>
           </a:p>
         </p:txBody>
       </p:sp>
     </p:spTree>
     <p:extLst>
       <p:ext uri="{BB962C8B-B14F-4D97-AF65-F5344CB8AC3E}">
-        <p14:creationId xmlns="" xmlns:p14="http://schemas.microsoft.com/office/powerpoint/2010/main" val="1133312594"/>
+        <p14:creationId xmlns="" xmlns:p14="http://schemas.microsoft.com/office/powerpoint/2010/main" val="2279565587"/>
       </p:ext>
     </p:extLst>
   </p:cSld>
   <p:clrMapOvr>
     <a:masterClrMapping/>
   </p:clrMapOvr>
+  <p:timing>
+    <p:tnLst>
+      <p:par>
+        <p:cTn id="1" dur="indefinite" restart="never" nodeType="tmRoot"/>
+      </p:par>
+    </p:tnLst>
+  </p:timing>
 </p:sld>
 </file>
 
@@ -19269,25 +19266,291 @@
           <a:chExt cx="0" cy="0"/>
         </a:xfrm>
       </p:grpSpPr>
-      <p:pic>
-        <p:nvPicPr>
-          <p:cNvPr id="10242" name="Picture 2"/>
-          <p:cNvPicPr>
-            <a:picLocks noChangeAspect="1" noChangeArrowheads="1"/>
-          </p:cNvPicPr>
+      <p:sp>
+        <p:nvSpPr>
+          <p:cNvPr id="2" name="Title 1"/>
+          <p:cNvSpPr>
+            <a:spLocks noGrp="1"/>
+          </p:cNvSpPr>
+          <p:nvPr>
+            <p:ph type="title"/>
+          </p:nvPr>
+        </p:nvSpPr>
+        <p:spPr>
+          <a:xfrm>
+            <a:off x="-2912" y="0"/>
+            <a:ext cx="9146912" cy="692696"/>
+          </a:xfrm>
+          <a:solidFill>
+            <a:schemeClr val="bg1">
+              <a:lumMod val="75000"/>
+            </a:schemeClr>
+          </a:solidFill>
+        </p:spPr>
+        <p:txBody>
+          <a:bodyPr>
+            <a:normAutofit fontScale="90000"/>
+          </a:bodyPr>
+          <a:lstStyle/>
+          <a:p>
+            <a:pPr algn="l"/>
+            <a:r>
+              <a:rPr lang="en-US" dirty="0" smtClean="0">
+                <a:solidFill>
+                  <a:schemeClr val="bg1"/>
+                </a:solidFill>
+              </a:rPr>
+              <a:t> Experimental result</a:t>
+            </a:r>
+            <a:endParaRPr lang="en-US" dirty="0">
+              <a:solidFill>
+                <a:schemeClr val="bg1"/>
+              </a:solidFill>
+            </a:endParaRPr>
+          </a:p>
+        </p:txBody>
+      </p:sp>
+      <p:sp>
+        <p:nvSpPr>
+          <p:cNvPr id="3" name="Content Placeholder 2"/>
+          <p:cNvSpPr>
+            <a:spLocks noGrp="1"/>
+          </p:cNvSpPr>
+          <p:nvPr>
+            <p:ph idx="1"/>
+          </p:nvPr>
+        </p:nvSpPr>
+        <p:spPr>
+          <a:xfrm>
+            <a:off x="457200" y="1052736"/>
+            <a:ext cx="8229600" cy="4890864"/>
+          </a:xfrm>
+        </p:spPr>
+        <p:txBody>
+          <a:bodyPr>
+            <a:normAutofit fontScale="92500"/>
+          </a:bodyPr>
+          <a:lstStyle/>
+          <a:p>
+            <a:pPr marL="514350" indent="-514350">
+              <a:buNone/>
+            </a:pPr>
+            <a:r>
+              <a:rPr lang="en-US" u="sng" dirty="0" smtClean="0"/>
+              <a:t>Automatic ability:</a:t>
+            </a:r>
+          </a:p>
+          <a:p>
+            <a:pPr lvl="0"/>
+            <a:r>
+              <a:rPr lang="en-US" dirty="0" smtClean="0"/>
+              <a:t>As there is no need to build the branch weight function, the automatic feature of this proposal will be improved.</a:t>
+            </a:r>
+          </a:p>
+          <a:p>
+            <a:pPr lvl="0"/>
+            <a:r>
+              <a:rPr lang="en-US" dirty="0" smtClean="0"/>
+              <a:t>The fitness functions are automatically built basing on the decision nodes of each test path, and those decision nodes can be entirely generated automatically from a PUT with above mentioned algorithm 2 and 3. This obviously advanced the automatic ability in our proposal.</a:t>
+            </a:r>
+          </a:p>
+          <a:p>
+            <a:pPr marL="514350" indent="-514350">
+              <a:buNone/>
+            </a:pPr>
+            <a:endParaRPr lang="en-US" dirty="0" smtClean="0"/>
+          </a:p>
+        </p:txBody>
+      </p:sp>
+    </p:spTree>
+    <p:extLst>
+      <p:ext uri="{BB962C8B-B14F-4D97-AF65-F5344CB8AC3E}">
+        <p14:creationId xmlns="" xmlns:p14="http://schemas.microsoft.com/office/powerpoint/2010/main" val="2279565587"/>
+      </p:ext>
+    </p:extLst>
+  </p:cSld>
+  <p:clrMapOvr>
+    <a:masterClrMapping/>
+  </p:clrMapOvr>
+  <p:timing>
+    <p:tnLst>
+      <p:par>
+        <p:cTn id="1" dur="indefinite" restart="never" nodeType="tmRoot"/>
+      </p:par>
+    </p:tnLst>
+  </p:timing>
+</p:sld>
+</file>
+
+<file path=ppt/slides/slide18.xml><?xml version="1.0" encoding="utf-8"?>
+<p:sld xmlns:a="http://schemas.openxmlformats.org/drawingml/2006/main" xmlns:r="http://schemas.openxmlformats.org/officeDocument/2006/relationships" xmlns:p="http://schemas.openxmlformats.org/presentationml/2006/main">
+  <p:cSld>
+    <p:spTree>
+      <p:nvGrpSpPr>
+        <p:cNvPr id="1" name=""/>
+        <p:cNvGrpSpPr/>
+        <p:nvPr/>
+      </p:nvGrpSpPr>
+      <p:grpSpPr>
+        <a:xfrm>
+          <a:off x="0" y="0"/>
+          <a:ext cx="0" cy="0"/>
+          <a:chOff x="0" y="0"/>
+          <a:chExt cx="0" cy="0"/>
+        </a:xfrm>
+      </p:grpSpPr>
+      <p:sp>
+        <p:nvSpPr>
+          <p:cNvPr id="2" name="Title 1"/>
+          <p:cNvSpPr>
+            <a:spLocks noGrp="1"/>
+          </p:cNvSpPr>
+          <p:nvPr>
+            <p:ph type="title"/>
+          </p:nvPr>
+        </p:nvSpPr>
+        <p:spPr>
+          <a:xfrm>
+            <a:off x="-2912" y="0"/>
+            <a:ext cx="9146912" cy="692696"/>
+          </a:xfrm>
+          <a:solidFill>
+            <a:schemeClr val="bg1">
+              <a:lumMod val="75000"/>
+            </a:schemeClr>
+          </a:solidFill>
+        </p:spPr>
+        <p:txBody>
+          <a:bodyPr>
+            <a:normAutofit fontScale="90000"/>
+          </a:bodyPr>
+          <a:lstStyle/>
+          <a:p>
+            <a:pPr algn="l"/>
+            <a:r>
+              <a:rPr lang="en-US" dirty="0" smtClean="0">
+                <a:solidFill>
+                  <a:schemeClr val="bg1"/>
+                </a:solidFill>
+              </a:rPr>
+              <a:t> Experimental result</a:t>
+            </a:r>
+            <a:endParaRPr lang="en-US" dirty="0">
+              <a:solidFill>
+                <a:schemeClr val="bg1"/>
+              </a:solidFill>
+            </a:endParaRPr>
+          </a:p>
+        </p:txBody>
+      </p:sp>
+      <p:sp>
+        <p:nvSpPr>
+          <p:cNvPr id="3" name="Content Placeholder 2"/>
+          <p:cNvSpPr>
+            <a:spLocks noGrp="1"/>
+          </p:cNvSpPr>
+          <p:nvPr>
+            <p:ph idx="1"/>
+          </p:nvPr>
+        </p:nvSpPr>
+        <p:spPr>
+          <a:xfrm>
+            <a:off x="457200" y="1052736"/>
+            <a:ext cx="8382000" cy="3214464"/>
+          </a:xfrm>
+        </p:spPr>
+        <p:txBody>
+          <a:bodyPr>
+            <a:normAutofit fontScale="92500" lnSpcReduction="20000"/>
+          </a:bodyPr>
+          <a:lstStyle/>
+          <a:p>
+            <a:pPr marL="514350" indent="-514350">
+              <a:buNone/>
+            </a:pPr>
+            <a:r>
+              <a:rPr lang="en-US" u="sng" dirty="0" smtClean="0"/>
+              <a:t>Coverage</a:t>
+            </a:r>
+            <a:r>
+              <a:rPr lang="en-US" u="sng" dirty="0" smtClean="0"/>
+              <a:t> </a:t>
+            </a:r>
+            <a:r>
+              <a:rPr lang="en-US" u="sng" dirty="0" smtClean="0"/>
+              <a:t>ability</a:t>
+            </a:r>
+            <a:r>
+              <a:rPr lang="en-US" u="sng" dirty="0" smtClean="0"/>
+              <a:t>:</a:t>
+            </a:r>
+          </a:p>
+          <a:p>
+            <a:pPr marL="514350" indent="-514350">
+              <a:buNone/>
+            </a:pPr>
+            <a:r>
+              <a:rPr lang="en-US" dirty="0" smtClean="0"/>
+              <a:t>Success rate (SR): the probability of all </a:t>
+            </a:r>
+            <a:r>
+              <a:rPr lang="en-US" dirty="0" smtClean="0"/>
+              <a:t>branches which can </a:t>
+            </a:r>
+            <a:r>
+              <a:rPr lang="en-US" dirty="0" smtClean="0"/>
+              <a:t>be covered by the generated test data. </a:t>
+            </a:r>
+            <a:endParaRPr lang="en-US" dirty="0" smtClean="0"/>
+          </a:p>
+          <a:p>
+            <a:pPr marL="514350" indent="-514350">
+              <a:buNone/>
+            </a:pPr>
+            <a:endParaRPr lang="en-US" dirty="0" smtClean="0"/>
+          </a:p>
+          <a:p>
+            <a:pPr marL="514350" indent="-514350">
+              <a:buNone/>
+            </a:pPr>
+            <a:endParaRPr lang="en-US" dirty="0" smtClean="0"/>
+          </a:p>
+          <a:p>
+            <a:pPr marL="514350" indent="-514350">
+              <a:buNone/>
+            </a:pPr>
+            <a:r>
+              <a:rPr lang="en-US" dirty="0" smtClean="0"/>
+              <a:t>Average coverage (AC): the average of the branch coverage achieved by all test inputs in 1,000 runs. </a:t>
+            </a:r>
+            <a:endParaRPr lang="en-US" dirty="0" smtClean="0"/>
+          </a:p>
+          <a:p>
+            <a:pPr marL="514350" indent="-514350">
+              <a:buNone/>
+            </a:pPr>
+            <a:endParaRPr lang="en-US" u="sng" dirty="0" smtClean="0"/>
+          </a:p>
+          <a:p>
+            <a:pPr marL="514350" indent="-514350">
+              <a:buNone/>
+            </a:pPr>
+            <a:endParaRPr lang="en-US" dirty="0" smtClean="0"/>
+          </a:p>
+        </p:txBody>
+      </p:sp>
+      <p:sp>
+        <p:nvSpPr>
+          <p:cNvPr id="1027" name="Rectangle 3"/>
+          <p:cNvSpPr>
+            <a:spLocks noChangeArrowheads="1"/>
+          </p:cNvSpPr>
           <p:nvPr/>
-        </p:nvPicPr>
-        <p:blipFill>
-          <a:blip r:embed="rId2" cstate="print"/>
-          <a:srcRect/>
-          <a:stretch>
-            <a:fillRect/>
-          </a:stretch>
-        </p:blipFill>
+        </p:nvSpPr>
         <p:spPr bwMode="auto">
           <a:xfrm>
-            <a:off x="1043608" y="1124744"/>
-            <a:ext cx="7019925" cy="3990975"/>
+            <a:off x="0" y="0"/>
+            <a:ext cx="9144000" cy="0"/>
           </a:xfrm>
           <a:prstGeom prst="rect">
             <a:avLst/>
@@ -19299,18 +19562,3991 @@
             <a:headEnd/>
             <a:tailEnd/>
           </a:ln>
+          <a:effectLst/>
+        </p:spPr>
+        <p:txBody>
+          <a:bodyPr vert="horz" wrap="none" lIns="91440" tIns="45720" rIns="91440" bIns="45720" numCol="1" anchor="ctr" anchorCtr="0" compatLnSpc="1">
+            <a:prstTxWarp prst="textNoShape">
+              <a:avLst/>
+            </a:prstTxWarp>
+            <a:spAutoFit/>
+          </a:bodyPr>
+          <a:lstStyle/>
+          <a:p>
+            <a:endParaRPr lang="en-US"/>
+          </a:p>
+        </p:txBody>
+      </p:sp>
+      <p:pic>
+        <p:nvPicPr>
+          <p:cNvPr id="1026" name="Picture 2"/>
+          <p:cNvPicPr>
+            <a:picLocks noChangeAspect="1" noChangeArrowheads="1"/>
+          </p:cNvPicPr>
+          <p:nvPr/>
+        </p:nvPicPr>
+        <p:blipFill>
+          <a:blip r:embed="rId2" cstate="print">
+            <a:clrChange>
+              <a:clrFrom>
+                <a:srgbClr val="FFFFFF"/>
+              </a:clrFrom>
+              <a:clrTo>
+                <a:srgbClr val="FFFFFF">
+                  <a:alpha val="0"/>
+                </a:srgbClr>
+              </a:clrTo>
+            </a:clrChange>
+          </a:blip>
+          <a:srcRect/>
+          <a:stretch>
+            <a:fillRect/>
+          </a:stretch>
+        </p:blipFill>
+        <p:spPr bwMode="auto">
+          <a:xfrm>
+            <a:off x="1676400" y="2438400"/>
+            <a:ext cx="5410200" cy="762000"/>
+          </a:xfrm>
+          <a:prstGeom prst="rect">
+            <a:avLst/>
+          </a:prstGeom>
+          <a:noFill/>
+        </p:spPr>
+      </p:pic>
+      <p:sp>
+        <p:nvSpPr>
+          <p:cNvPr id="1029" name="Rectangle 5"/>
+          <p:cNvSpPr>
+            <a:spLocks noChangeArrowheads="1"/>
+          </p:cNvSpPr>
+          <p:nvPr/>
+        </p:nvSpPr>
+        <p:spPr bwMode="auto">
+          <a:xfrm>
+            <a:off x="0" y="0"/>
+            <a:ext cx="9144000" cy="0"/>
+          </a:xfrm>
+          <a:prstGeom prst="rect">
+            <a:avLst/>
+          </a:prstGeom>
+          <a:noFill/>
+          <a:ln w="9525">
+            <a:noFill/>
+            <a:miter lim="800000"/>
+            <a:headEnd/>
+            <a:tailEnd/>
+          </a:ln>
+          <a:effectLst/>
+        </p:spPr>
+        <p:txBody>
+          <a:bodyPr vert="horz" wrap="none" lIns="91440" tIns="45720" rIns="91440" bIns="45720" numCol="1" anchor="ctr" anchorCtr="0" compatLnSpc="1">
+            <a:prstTxWarp prst="textNoShape">
+              <a:avLst/>
+            </a:prstTxWarp>
+            <a:spAutoFit/>
+          </a:bodyPr>
+          <a:lstStyle/>
+          <a:p>
+            <a:endParaRPr lang="en-US"/>
+          </a:p>
+        </p:txBody>
+      </p:sp>
+      <p:pic>
+        <p:nvPicPr>
+          <p:cNvPr id="1028" name="Picture 4"/>
+          <p:cNvPicPr>
+            <a:picLocks noChangeAspect="1" noChangeArrowheads="1"/>
+          </p:cNvPicPr>
+          <p:nvPr/>
+        </p:nvPicPr>
+        <p:blipFill>
+          <a:blip r:embed="rId3" cstate="print">
+            <a:clrChange>
+              <a:clrFrom>
+                <a:srgbClr val="FFFFFF"/>
+              </a:clrFrom>
+              <a:clrTo>
+                <a:srgbClr val="FFFFFF">
+                  <a:alpha val="0"/>
+                </a:srgbClr>
+              </a:clrTo>
+            </a:clrChange>
+          </a:blip>
+          <a:srcRect/>
+          <a:stretch>
+            <a:fillRect/>
+          </a:stretch>
+        </p:blipFill>
+        <p:spPr bwMode="auto">
+          <a:xfrm>
+            <a:off x="2895600" y="4267200"/>
+            <a:ext cx="2971800" cy="838200"/>
+          </a:xfrm>
+          <a:prstGeom prst="rect">
+            <a:avLst/>
+          </a:prstGeom>
+          <a:noFill/>
         </p:spPr>
       </p:pic>
     </p:spTree>
     <p:extLst>
       <p:ext uri="{BB962C8B-B14F-4D97-AF65-F5344CB8AC3E}">
-        <p14:creationId xmlns="" xmlns:p14="http://schemas.microsoft.com/office/powerpoint/2010/main" val="1133312594"/>
+        <p14:creationId xmlns="" xmlns:p14="http://schemas.microsoft.com/office/powerpoint/2010/main" val="2279565587"/>
       </p:ext>
     </p:extLst>
   </p:cSld>
   <p:clrMapOvr>
     <a:masterClrMapping/>
   </p:clrMapOvr>
+  <p:timing>
+    <p:tnLst>
+      <p:par>
+        <p:cTn id="1" dur="indefinite" restart="never" nodeType="tmRoot"/>
+      </p:par>
+    </p:tnLst>
+  </p:timing>
+</p:sld>
+</file>
+
+<file path=ppt/slides/slide19.xml><?xml version="1.0" encoding="utf-8"?>
+<p:sld xmlns:a="http://schemas.openxmlformats.org/drawingml/2006/main" xmlns:r="http://schemas.openxmlformats.org/officeDocument/2006/relationships" xmlns:p="http://schemas.openxmlformats.org/presentationml/2006/main">
+  <p:cSld>
+    <p:spTree>
+      <p:nvGrpSpPr>
+        <p:cNvPr id="1" name=""/>
+        <p:cNvGrpSpPr/>
+        <p:nvPr/>
+      </p:nvGrpSpPr>
+      <p:grpSpPr>
+        <a:xfrm>
+          <a:off x="0" y="0"/>
+          <a:ext cx="0" cy="0"/>
+          <a:chOff x="0" y="0"/>
+          <a:chExt cx="0" cy="0"/>
+        </a:xfrm>
+      </p:grpSpPr>
+      <p:sp>
+        <p:nvSpPr>
+          <p:cNvPr id="2" name="Title 1"/>
+          <p:cNvSpPr>
+            <a:spLocks noGrp="1"/>
+          </p:cNvSpPr>
+          <p:nvPr>
+            <p:ph type="title"/>
+          </p:nvPr>
+        </p:nvSpPr>
+        <p:spPr>
+          <a:xfrm>
+            <a:off x="-2912" y="0"/>
+            <a:ext cx="9146912" cy="692696"/>
+          </a:xfrm>
+          <a:solidFill>
+            <a:schemeClr val="bg1">
+              <a:lumMod val="75000"/>
+            </a:schemeClr>
+          </a:solidFill>
+        </p:spPr>
+        <p:txBody>
+          <a:bodyPr>
+            <a:normAutofit fontScale="90000"/>
+          </a:bodyPr>
+          <a:lstStyle/>
+          <a:p>
+            <a:pPr algn="l"/>
+            <a:r>
+              <a:rPr lang="en-US" dirty="0" smtClean="0">
+                <a:solidFill>
+                  <a:schemeClr val="bg1"/>
+                </a:solidFill>
+              </a:rPr>
+              <a:t> Experimental result</a:t>
+            </a:r>
+            <a:endParaRPr lang="en-US" dirty="0">
+              <a:solidFill>
+                <a:schemeClr val="bg1"/>
+              </a:solidFill>
+            </a:endParaRPr>
+          </a:p>
+        </p:txBody>
+      </p:sp>
+      <p:graphicFrame>
+        <p:nvGraphicFramePr>
+          <p:cNvPr id="4" name="Table 3"/>
+          <p:cNvGraphicFramePr>
+            <a:graphicFrameLocks noGrp="1"/>
+          </p:cNvGraphicFramePr>
+          <p:nvPr/>
+        </p:nvGraphicFramePr>
+        <p:xfrm>
+          <a:off x="685800" y="1371600"/>
+          <a:ext cx="8084370" cy="1314450"/>
+        </p:xfrm>
+        <a:graphic>
+          <a:graphicData uri="http://schemas.openxmlformats.org/drawingml/2006/table">
+            <a:tbl>
+              <a:tblPr/>
+              <a:tblGrid>
+                <a:gridCol w="1224598"/>
+                <a:gridCol w="1278926"/>
+                <a:gridCol w="965792"/>
+                <a:gridCol w="1183898"/>
+                <a:gridCol w="3431156"/>
+              </a:tblGrid>
+              <a:tr h="0">
+                <a:tc>
+                  <a:txBody>
+                    <a:bodyPr/>
+                    <a:lstStyle/>
+                    <a:p>
+                      <a:pPr marL="0" marR="0">
+                        <a:lnSpc>
+                          <a:spcPct val="115000"/>
+                        </a:lnSpc>
+                        <a:spcBef>
+                          <a:spcPts val="0"/>
+                        </a:spcBef>
+                        <a:spcAft>
+                          <a:spcPts val="0"/>
+                        </a:spcAft>
+                      </a:pPr>
+                      <a:r>
+                        <a:rPr lang="en-US" sz="1500" dirty="0">
+                          <a:latin typeface="Times New Roman"/>
+                          <a:ea typeface="MS Mincho"/>
+                          <a:cs typeface="Times New Roman"/>
+                        </a:rPr>
+                        <a:t>PUT name</a:t>
+                      </a:r>
+                      <a:endParaRPr lang="en-US" sz="1500" dirty="0">
+                        <a:latin typeface="Calibri"/>
+                        <a:ea typeface="MS Mincho"/>
+                        <a:cs typeface="Times New Roman"/>
+                      </a:endParaRPr>
+                    </a:p>
+                  </a:txBody>
+                  <a:tcPr marL="68580" marR="68580" marT="0" marB="0">
+                    <a:lnL w="12700" cap="flat" cmpd="sng" algn="ctr">
+                      <a:solidFill>
+                        <a:srgbClr val="000000"/>
+                      </a:solidFill>
+                      <a:prstDash val="solid"/>
+                      <a:round/>
+                      <a:headEnd type="none" w="med" len="med"/>
+                      <a:tailEnd type="none" w="med" len="med"/>
+                    </a:lnL>
+                    <a:lnR w="12700" cap="flat" cmpd="sng" algn="ctr">
+                      <a:solidFill>
+                        <a:srgbClr val="000000"/>
+                      </a:solidFill>
+                      <a:prstDash val="solid"/>
+                      <a:round/>
+                      <a:headEnd type="none" w="med" len="med"/>
+                      <a:tailEnd type="none" w="med" len="med"/>
+                    </a:lnR>
+                    <a:lnT w="12700" cap="flat" cmpd="sng" algn="ctr">
+                      <a:solidFill>
+                        <a:srgbClr val="000000"/>
+                      </a:solidFill>
+                      <a:prstDash val="solid"/>
+                      <a:round/>
+                      <a:headEnd type="none" w="med" len="med"/>
+                      <a:tailEnd type="none" w="med" len="med"/>
+                    </a:lnT>
+                    <a:lnB w="12700" cap="flat" cmpd="sng" algn="ctr">
+                      <a:solidFill>
+                        <a:srgbClr val="000000"/>
+                      </a:solidFill>
+                      <a:prstDash val="solid"/>
+                      <a:round/>
+                      <a:headEnd type="none" w="med" len="med"/>
+                      <a:tailEnd type="none" w="med" len="med"/>
+                    </a:lnB>
+                  </a:tcPr>
+                </a:tc>
+                <a:tc>
+                  <a:txBody>
+                    <a:bodyPr/>
+                    <a:lstStyle/>
+                    <a:p>
+                      <a:pPr marL="0" marR="0" algn="ctr">
+                        <a:lnSpc>
+                          <a:spcPct val="115000"/>
+                        </a:lnSpc>
+                        <a:spcBef>
+                          <a:spcPts val="0"/>
+                        </a:spcBef>
+                        <a:spcAft>
+                          <a:spcPts val="0"/>
+                        </a:spcAft>
+                      </a:pPr>
+                      <a:r>
+                        <a:rPr lang="en-US" sz="1500">
+                          <a:latin typeface="Times New Roman"/>
+                          <a:ea typeface="MS Mincho"/>
+                          <a:cs typeface="Times New Roman"/>
+                        </a:rPr>
+                        <a:t>Lines of code</a:t>
+                      </a:r>
+                      <a:endParaRPr lang="en-US" sz="1500">
+                        <a:latin typeface="Calibri"/>
+                        <a:ea typeface="MS Mincho"/>
+                        <a:cs typeface="Times New Roman"/>
+                      </a:endParaRPr>
+                    </a:p>
+                  </a:txBody>
+                  <a:tcPr marL="68580" marR="68580" marT="0" marB="0">
+                    <a:lnL w="12700" cap="flat" cmpd="sng" algn="ctr">
+                      <a:solidFill>
+                        <a:srgbClr val="000000"/>
+                      </a:solidFill>
+                      <a:prstDash val="solid"/>
+                      <a:round/>
+                      <a:headEnd type="none" w="med" len="med"/>
+                      <a:tailEnd type="none" w="med" len="med"/>
+                    </a:lnL>
+                    <a:lnR w="12700" cap="flat" cmpd="sng" algn="ctr">
+                      <a:solidFill>
+                        <a:srgbClr val="000000"/>
+                      </a:solidFill>
+                      <a:prstDash val="solid"/>
+                      <a:round/>
+                      <a:headEnd type="none" w="med" len="med"/>
+                      <a:tailEnd type="none" w="med" len="med"/>
+                    </a:lnR>
+                    <a:lnT w="12700" cap="flat" cmpd="sng" algn="ctr">
+                      <a:solidFill>
+                        <a:srgbClr val="000000"/>
+                      </a:solidFill>
+                      <a:prstDash val="solid"/>
+                      <a:round/>
+                      <a:headEnd type="none" w="med" len="med"/>
+                      <a:tailEnd type="none" w="med" len="med"/>
+                    </a:lnT>
+                    <a:lnB w="12700" cap="flat" cmpd="sng" algn="ctr">
+                      <a:solidFill>
+                        <a:srgbClr val="000000"/>
+                      </a:solidFill>
+                      <a:prstDash val="solid"/>
+                      <a:round/>
+                      <a:headEnd type="none" w="med" len="med"/>
+                      <a:tailEnd type="none" w="med" len="med"/>
+                    </a:lnB>
+                  </a:tcPr>
+                </a:tc>
+                <a:tc>
+                  <a:txBody>
+                    <a:bodyPr/>
+                    <a:lstStyle/>
+                    <a:p>
+                      <a:pPr marL="0" marR="0" algn="ctr">
+                        <a:lnSpc>
+                          <a:spcPct val="115000"/>
+                        </a:lnSpc>
+                        <a:spcBef>
+                          <a:spcPts val="0"/>
+                        </a:spcBef>
+                        <a:spcAft>
+                          <a:spcPts val="0"/>
+                        </a:spcAft>
+                      </a:pPr>
+                      <a:r>
+                        <a:rPr lang="en-US" sz="1500">
+                          <a:latin typeface="Times New Roman"/>
+                          <a:ea typeface="MS Mincho"/>
+                          <a:cs typeface="Times New Roman"/>
+                        </a:rPr>
+                        <a:t>Branches</a:t>
+                      </a:r>
+                      <a:endParaRPr lang="en-US" sz="1500">
+                        <a:latin typeface="Calibri"/>
+                        <a:ea typeface="MS Mincho"/>
+                        <a:cs typeface="Times New Roman"/>
+                      </a:endParaRPr>
+                    </a:p>
+                  </a:txBody>
+                  <a:tcPr marL="68580" marR="68580" marT="0" marB="0">
+                    <a:lnL w="12700" cap="flat" cmpd="sng" algn="ctr">
+                      <a:solidFill>
+                        <a:srgbClr val="000000"/>
+                      </a:solidFill>
+                      <a:prstDash val="solid"/>
+                      <a:round/>
+                      <a:headEnd type="none" w="med" len="med"/>
+                      <a:tailEnd type="none" w="med" len="med"/>
+                    </a:lnL>
+                    <a:lnR w="12700" cap="flat" cmpd="sng" algn="ctr">
+                      <a:solidFill>
+                        <a:srgbClr val="000000"/>
+                      </a:solidFill>
+                      <a:prstDash val="solid"/>
+                      <a:round/>
+                      <a:headEnd type="none" w="med" len="med"/>
+                      <a:tailEnd type="none" w="med" len="med"/>
+                    </a:lnR>
+                    <a:lnT w="12700" cap="flat" cmpd="sng" algn="ctr">
+                      <a:solidFill>
+                        <a:srgbClr val="000000"/>
+                      </a:solidFill>
+                      <a:prstDash val="solid"/>
+                      <a:round/>
+                      <a:headEnd type="none" w="med" len="med"/>
+                      <a:tailEnd type="none" w="med" len="med"/>
+                    </a:lnT>
+                    <a:lnB w="12700" cap="flat" cmpd="sng" algn="ctr">
+                      <a:solidFill>
+                        <a:srgbClr val="000000"/>
+                      </a:solidFill>
+                      <a:prstDash val="solid"/>
+                      <a:round/>
+                      <a:headEnd type="none" w="med" len="med"/>
+                      <a:tailEnd type="none" w="med" len="med"/>
+                    </a:lnB>
+                  </a:tcPr>
+                </a:tc>
+                <a:tc>
+                  <a:txBody>
+                    <a:bodyPr/>
+                    <a:lstStyle/>
+                    <a:p>
+                      <a:pPr marL="0" marR="0" algn="ctr">
+                        <a:lnSpc>
+                          <a:spcPct val="115000"/>
+                        </a:lnSpc>
+                        <a:spcBef>
+                          <a:spcPts val="0"/>
+                        </a:spcBef>
+                        <a:spcAft>
+                          <a:spcPts val="0"/>
+                        </a:spcAft>
+                      </a:pPr>
+                      <a:r>
+                        <a:rPr lang="en-US" sz="1500">
+                          <a:latin typeface="Times-Roman"/>
+                          <a:ea typeface="MS Mincho"/>
+                          <a:cs typeface="Times-Roman"/>
+                        </a:rPr>
+                        <a:t>Arguments</a:t>
+                      </a:r>
+                      <a:endParaRPr lang="en-US" sz="1500">
+                        <a:latin typeface="Calibri"/>
+                        <a:ea typeface="MS Mincho"/>
+                        <a:cs typeface="Times New Roman"/>
+                      </a:endParaRPr>
+                    </a:p>
+                  </a:txBody>
+                  <a:tcPr marL="68580" marR="68580" marT="0" marB="0">
+                    <a:lnL w="12700" cap="flat" cmpd="sng" algn="ctr">
+                      <a:solidFill>
+                        <a:srgbClr val="000000"/>
+                      </a:solidFill>
+                      <a:prstDash val="solid"/>
+                      <a:round/>
+                      <a:headEnd type="none" w="med" len="med"/>
+                      <a:tailEnd type="none" w="med" len="med"/>
+                    </a:lnL>
+                    <a:lnR w="12700" cap="flat" cmpd="sng" algn="ctr">
+                      <a:solidFill>
+                        <a:srgbClr val="000000"/>
+                      </a:solidFill>
+                      <a:prstDash val="solid"/>
+                      <a:round/>
+                      <a:headEnd type="none" w="med" len="med"/>
+                      <a:tailEnd type="none" w="med" len="med"/>
+                    </a:lnR>
+                    <a:lnT w="12700" cap="flat" cmpd="sng" algn="ctr">
+                      <a:solidFill>
+                        <a:srgbClr val="000000"/>
+                      </a:solidFill>
+                      <a:prstDash val="solid"/>
+                      <a:round/>
+                      <a:headEnd type="none" w="med" len="med"/>
+                      <a:tailEnd type="none" w="med" len="med"/>
+                    </a:lnT>
+                    <a:lnB w="12700" cap="flat" cmpd="sng" algn="ctr">
+                      <a:solidFill>
+                        <a:srgbClr val="000000"/>
+                      </a:solidFill>
+                      <a:prstDash val="solid"/>
+                      <a:round/>
+                      <a:headEnd type="none" w="med" len="med"/>
+                      <a:tailEnd type="none" w="med" len="med"/>
+                    </a:lnB>
+                  </a:tcPr>
+                </a:tc>
+                <a:tc>
+                  <a:txBody>
+                    <a:bodyPr/>
+                    <a:lstStyle/>
+                    <a:p>
+                      <a:pPr marL="0" marR="0" algn="ctr">
+                        <a:lnSpc>
+                          <a:spcPct val="115000"/>
+                        </a:lnSpc>
+                        <a:spcBef>
+                          <a:spcPts val="0"/>
+                        </a:spcBef>
+                        <a:spcAft>
+                          <a:spcPts val="0"/>
+                        </a:spcAft>
+                      </a:pPr>
+                      <a:r>
+                        <a:rPr lang="en-US" sz="1500">
+                          <a:latin typeface="Times-Roman"/>
+                          <a:ea typeface="MS Mincho"/>
+                          <a:cs typeface="Times-Roman"/>
+                        </a:rPr>
+                        <a:t>Description</a:t>
+                      </a:r>
+                      <a:endParaRPr lang="en-US" sz="1500">
+                        <a:latin typeface="Calibri"/>
+                        <a:ea typeface="MS Mincho"/>
+                        <a:cs typeface="Times New Roman"/>
+                      </a:endParaRPr>
+                    </a:p>
+                  </a:txBody>
+                  <a:tcPr marL="68580" marR="68580" marT="0" marB="0">
+                    <a:lnL w="12700" cap="flat" cmpd="sng" algn="ctr">
+                      <a:solidFill>
+                        <a:srgbClr val="000000"/>
+                      </a:solidFill>
+                      <a:prstDash val="solid"/>
+                      <a:round/>
+                      <a:headEnd type="none" w="med" len="med"/>
+                      <a:tailEnd type="none" w="med" len="med"/>
+                    </a:lnL>
+                    <a:lnR w="12700" cap="flat" cmpd="sng" algn="ctr">
+                      <a:solidFill>
+                        <a:srgbClr val="000000"/>
+                      </a:solidFill>
+                      <a:prstDash val="solid"/>
+                      <a:round/>
+                      <a:headEnd type="none" w="med" len="med"/>
+                      <a:tailEnd type="none" w="med" len="med"/>
+                    </a:lnR>
+                    <a:lnT w="12700" cap="flat" cmpd="sng" algn="ctr">
+                      <a:solidFill>
+                        <a:srgbClr val="000000"/>
+                      </a:solidFill>
+                      <a:prstDash val="solid"/>
+                      <a:round/>
+                      <a:headEnd type="none" w="med" len="med"/>
+                      <a:tailEnd type="none" w="med" len="med"/>
+                    </a:lnT>
+                    <a:lnB w="12700" cap="flat" cmpd="sng" algn="ctr">
+                      <a:solidFill>
+                        <a:srgbClr val="000000"/>
+                      </a:solidFill>
+                      <a:prstDash val="solid"/>
+                      <a:round/>
+                      <a:headEnd type="none" w="med" len="med"/>
+                      <a:tailEnd type="none" w="med" len="med"/>
+                    </a:lnB>
+                  </a:tcPr>
+                </a:tc>
+              </a:tr>
+              <a:tr h="0">
+                <a:tc>
+                  <a:txBody>
+                    <a:bodyPr/>
+                    <a:lstStyle/>
+                    <a:p>
+                      <a:pPr marL="0" marR="0">
+                        <a:lnSpc>
+                          <a:spcPct val="115000"/>
+                        </a:lnSpc>
+                        <a:spcBef>
+                          <a:spcPts val="0"/>
+                        </a:spcBef>
+                        <a:spcAft>
+                          <a:spcPts val="0"/>
+                        </a:spcAft>
+                      </a:pPr>
+                      <a:r>
+                        <a:rPr lang="en-US" sz="1500" dirty="0" err="1">
+                          <a:latin typeface="Times New Roman"/>
+                          <a:ea typeface="MS Mincho"/>
+                          <a:cs typeface="Times New Roman"/>
+                        </a:rPr>
+                        <a:t>triangleType</a:t>
+                      </a:r>
+                      <a:r>
+                        <a:rPr lang="en-US" sz="1500" dirty="0">
+                          <a:latin typeface="Times New Roman"/>
+                          <a:ea typeface="MS Mincho"/>
+                          <a:cs typeface="Times New Roman"/>
+                        </a:rPr>
+                        <a:t> </a:t>
+                      </a:r>
+                      <a:endParaRPr lang="en-US" sz="1500" dirty="0">
+                        <a:latin typeface="Calibri"/>
+                        <a:ea typeface="MS Mincho"/>
+                        <a:cs typeface="Times New Roman"/>
+                      </a:endParaRPr>
+                    </a:p>
+                  </a:txBody>
+                  <a:tcPr marL="68580" marR="68580" marT="0" marB="0">
+                    <a:lnL w="12700" cap="flat" cmpd="sng" algn="ctr">
+                      <a:solidFill>
+                        <a:srgbClr val="000000"/>
+                      </a:solidFill>
+                      <a:prstDash val="solid"/>
+                      <a:round/>
+                      <a:headEnd type="none" w="med" len="med"/>
+                      <a:tailEnd type="none" w="med" len="med"/>
+                    </a:lnL>
+                    <a:lnR w="12700" cap="flat" cmpd="sng" algn="ctr">
+                      <a:solidFill>
+                        <a:srgbClr val="000000"/>
+                      </a:solidFill>
+                      <a:prstDash val="solid"/>
+                      <a:round/>
+                      <a:headEnd type="none" w="med" len="med"/>
+                      <a:tailEnd type="none" w="med" len="med"/>
+                    </a:lnR>
+                    <a:lnT w="12700" cap="flat" cmpd="sng" algn="ctr">
+                      <a:solidFill>
+                        <a:srgbClr val="000000"/>
+                      </a:solidFill>
+                      <a:prstDash val="solid"/>
+                      <a:round/>
+                      <a:headEnd type="none" w="med" len="med"/>
+                      <a:tailEnd type="none" w="med" len="med"/>
+                    </a:lnT>
+                    <a:lnB w="12700" cap="flat" cmpd="sng" algn="ctr">
+                      <a:solidFill>
+                        <a:srgbClr val="000000"/>
+                      </a:solidFill>
+                      <a:prstDash val="solid"/>
+                      <a:round/>
+                      <a:headEnd type="none" w="med" len="med"/>
+                      <a:tailEnd type="none" w="med" len="med"/>
+                    </a:lnB>
+                  </a:tcPr>
+                </a:tc>
+                <a:tc>
+                  <a:txBody>
+                    <a:bodyPr/>
+                    <a:lstStyle/>
+                    <a:p>
+                      <a:pPr marL="0" marR="0" algn="r">
+                        <a:lnSpc>
+                          <a:spcPct val="115000"/>
+                        </a:lnSpc>
+                        <a:spcBef>
+                          <a:spcPts val="0"/>
+                        </a:spcBef>
+                        <a:spcAft>
+                          <a:spcPts val="0"/>
+                        </a:spcAft>
+                      </a:pPr>
+                      <a:r>
+                        <a:rPr lang="en-US" sz="1500" dirty="0">
+                          <a:latin typeface="Times New Roman"/>
+                          <a:ea typeface="MS Mincho"/>
+                          <a:cs typeface="Times New Roman"/>
+                        </a:rPr>
+                        <a:t>31</a:t>
+                      </a:r>
+                      <a:endParaRPr lang="en-US" sz="1500" dirty="0">
+                        <a:latin typeface="Calibri"/>
+                        <a:ea typeface="MS Mincho"/>
+                        <a:cs typeface="Times New Roman"/>
+                      </a:endParaRPr>
+                    </a:p>
+                  </a:txBody>
+                  <a:tcPr marL="68580" marR="68580" marT="0" marB="0">
+                    <a:lnL w="12700" cap="flat" cmpd="sng" algn="ctr">
+                      <a:solidFill>
+                        <a:srgbClr val="000000"/>
+                      </a:solidFill>
+                      <a:prstDash val="solid"/>
+                      <a:round/>
+                      <a:headEnd type="none" w="med" len="med"/>
+                      <a:tailEnd type="none" w="med" len="med"/>
+                    </a:lnL>
+                    <a:lnR w="12700" cap="flat" cmpd="sng" algn="ctr">
+                      <a:solidFill>
+                        <a:srgbClr val="000000"/>
+                      </a:solidFill>
+                      <a:prstDash val="solid"/>
+                      <a:round/>
+                      <a:headEnd type="none" w="med" len="med"/>
+                      <a:tailEnd type="none" w="med" len="med"/>
+                    </a:lnR>
+                    <a:lnT w="12700" cap="flat" cmpd="sng" algn="ctr">
+                      <a:solidFill>
+                        <a:srgbClr val="000000"/>
+                      </a:solidFill>
+                      <a:prstDash val="solid"/>
+                      <a:round/>
+                      <a:headEnd type="none" w="med" len="med"/>
+                      <a:tailEnd type="none" w="med" len="med"/>
+                    </a:lnT>
+                    <a:lnB w="12700" cap="flat" cmpd="sng" algn="ctr">
+                      <a:solidFill>
+                        <a:srgbClr val="000000"/>
+                      </a:solidFill>
+                      <a:prstDash val="solid"/>
+                      <a:round/>
+                      <a:headEnd type="none" w="med" len="med"/>
+                      <a:tailEnd type="none" w="med" len="med"/>
+                    </a:lnB>
+                  </a:tcPr>
+                </a:tc>
+                <a:tc>
+                  <a:txBody>
+                    <a:bodyPr/>
+                    <a:lstStyle/>
+                    <a:p>
+                      <a:pPr marL="0" marR="0" algn="r">
+                        <a:lnSpc>
+                          <a:spcPct val="115000"/>
+                        </a:lnSpc>
+                        <a:spcBef>
+                          <a:spcPts val="0"/>
+                        </a:spcBef>
+                        <a:spcAft>
+                          <a:spcPts val="0"/>
+                        </a:spcAft>
+                      </a:pPr>
+                      <a:r>
+                        <a:rPr lang="en-US" sz="1500">
+                          <a:latin typeface="Times New Roman"/>
+                          <a:ea typeface="MS Mincho"/>
+                          <a:cs typeface="Times New Roman"/>
+                        </a:rPr>
+                        <a:t>5</a:t>
+                      </a:r>
+                      <a:endParaRPr lang="en-US" sz="1500">
+                        <a:latin typeface="Calibri"/>
+                        <a:ea typeface="MS Mincho"/>
+                        <a:cs typeface="Times New Roman"/>
+                      </a:endParaRPr>
+                    </a:p>
+                  </a:txBody>
+                  <a:tcPr marL="68580" marR="68580" marT="0" marB="0">
+                    <a:lnL w="12700" cap="flat" cmpd="sng" algn="ctr">
+                      <a:solidFill>
+                        <a:srgbClr val="000000"/>
+                      </a:solidFill>
+                      <a:prstDash val="solid"/>
+                      <a:round/>
+                      <a:headEnd type="none" w="med" len="med"/>
+                      <a:tailEnd type="none" w="med" len="med"/>
+                    </a:lnL>
+                    <a:lnR w="12700" cap="flat" cmpd="sng" algn="ctr">
+                      <a:solidFill>
+                        <a:srgbClr val="000000"/>
+                      </a:solidFill>
+                      <a:prstDash val="solid"/>
+                      <a:round/>
+                      <a:headEnd type="none" w="med" len="med"/>
+                      <a:tailEnd type="none" w="med" len="med"/>
+                    </a:lnR>
+                    <a:lnT w="12700" cap="flat" cmpd="sng" algn="ctr">
+                      <a:solidFill>
+                        <a:srgbClr val="000000"/>
+                      </a:solidFill>
+                      <a:prstDash val="solid"/>
+                      <a:round/>
+                      <a:headEnd type="none" w="med" len="med"/>
+                      <a:tailEnd type="none" w="med" len="med"/>
+                    </a:lnT>
+                    <a:lnB w="12700" cap="flat" cmpd="sng" algn="ctr">
+                      <a:solidFill>
+                        <a:srgbClr val="000000"/>
+                      </a:solidFill>
+                      <a:prstDash val="solid"/>
+                      <a:round/>
+                      <a:headEnd type="none" w="med" len="med"/>
+                      <a:tailEnd type="none" w="med" len="med"/>
+                    </a:lnB>
+                  </a:tcPr>
+                </a:tc>
+                <a:tc>
+                  <a:txBody>
+                    <a:bodyPr/>
+                    <a:lstStyle/>
+                    <a:p>
+                      <a:pPr marL="0" marR="0" algn="r">
+                        <a:lnSpc>
+                          <a:spcPct val="115000"/>
+                        </a:lnSpc>
+                        <a:spcBef>
+                          <a:spcPts val="0"/>
+                        </a:spcBef>
+                        <a:spcAft>
+                          <a:spcPts val="0"/>
+                        </a:spcAft>
+                      </a:pPr>
+                      <a:r>
+                        <a:rPr lang="en-US" sz="1500" dirty="0">
+                          <a:latin typeface="Times New Roman"/>
+                          <a:ea typeface="MS Mincho"/>
+                          <a:cs typeface="Times New Roman"/>
+                        </a:rPr>
+                        <a:t>3</a:t>
+                      </a:r>
+                      <a:endParaRPr lang="en-US" sz="1500" dirty="0">
+                        <a:latin typeface="Calibri"/>
+                        <a:ea typeface="MS Mincho"/>
+                        <a:cs typeface="Times New Roman"/>
+                      </a:endParaRPr>
+                    </a:p>
+                  </a:txBody>
+                  <a:tcPr marL="68580" marR="68580" marT="0" marB="0">
+                    <a:lnL w="12700" cap="flat" cmpd="sng" algn="ctr">
+                      <a:solidFill>
+                        <a:srgbClr val="000000"/>
+                      </a:solidFill>
+                      <a:prstDash val="solid"/>
+                      <a:round/>
+                      <a:headEnd type="none" w="med" len="med"/>
+                      <a:tailEnd type="none" w="med" len="med"/>
+                    </a:lnL>
+                    <a:lnR w="12700" cap="flat" cmpd="sng" algn="ctr">
+                      <a:solidFill>
+                        <a:srgbClr val="000000"/>
+                      </a:solidFill>
+                      <a:prstDash val="solid"/>
+                      <a:round/>
+                      <a:headEnd type="none" w="med" len="med"/>
+                      <a:tailEnd type="none" w="med" len="med"/>
+                    </a:lnR>
+                    <a:lnT w="12700" cap="flat" cmpd="sng" algn="ctr">
+                      <a:solidFill>
+                        <a:srgbClr val="000000"/>
+                      </a:solidFill>
+                      <a:prstDash val="solid"/>
+                      <a:round/>
+                      <a:headEnd type="none" w="med" len="med"/>
+                      <a:tailEnd type="none" w="med" len="med"/>
+                    </a:lnT>
+                    <a:lnB w="12700" cap="flat" cmpd="sng" algn="ctr">
+                      <a:solidFill>
+                        <a:srgbClr val="000000"/>
+                      </a:solidFill>
+                      <a:prstDash val="solid"/>
+                      <a:round/>
+                      <a:headEnd type="none" w="med" len="med"/>
+                      <a:tailEnd type="none" w="med" len="med"/>
+                    </a:lnB>
+                  </a:tcPr>
+                </a:tc>
+                <a:tc>
+                  <a:txBody>
+                    <a:bodyPr/>
+                    <a:lstStyle/>
+                    <a:p>
+                      <a:pPr marL="0" marR="0">
+                        <a:lnSpc>
+                          <a:spcPct val="115000"/>
+                        </a:lnSpc>
+                        <a:spcBef>
+                          <a:spcPts val="0"/>
+                        </a:spcBef>
+                        <a:spcAft>
+                          <a:spcPts val="0"/>
+                        </a:spcAft>
+                      </a:pPr>
+                      <a:r>
+                        <a:rPr lang="en-US" sz="1500">
+                          <a:latin typeface="Times New Roman"/>
+                          <a:ea typeface="MS Mincho"/>
+                          <a:cs typeface="Times New Roman"/>
+                        </a:rPr>
+                        <a:t>Type classification for a triangle</a:t>
+                      </a:r>
+                      <a:endParaRPr lang="en-US" sz="1500">
+                        <a:latin typeface="Calibri"/>
+                        <a:ea typeface="MS Mincho"/>
+                        <a:cs typeface="Times New Roman"/>
+                      </a:endParaRPr>
+                    </a:p>
+                  </a:txBody>
+                  <a:tcPr marL="68580" marR="68580" marT="0" marB="0">
+                    <a:lnL w="12700" cap="flat" cmpd="sng" algn="ctr">
+                      <a:solidFill>
+                        <a:srgbClr val="000000"/>
+                      </a:solidFill>
+                      <a:prstDash val="solid"/>
+                      <a:round/>
+                      <a:headEnd type="none" w="med" len="med"/>
+                      <a:tailEnd type="none" w="med" len="med"/>
+                    </a:lnL>
+                    <a:lnR w="12700" cap="flat" cmpd="sng" algn="ctr">
+                      <a:solidFill>
+                        <a:srgbClr val="000000"/>
+                      </a:solidFill>
+                      <a:prstDash val="solid"/>
+                      <a:round/>
+                      <a:headEnd type="none" w="med" len="med"/>
+                      <a:tailEnd type="none" w="med" len="med"/>
+                    </a:lnR>
+                    <a:lnT w="12700" cap="flat" cmpd="sng" algn="ctr">
+                      <a:solidFill>
+                        <a:srgbClr val="000000"/>
+                      </a:solidFill>
+                      <a:prstDash val="solid"/>
+                      <a:round/>
+                      <a:headEnd type="none" w="med" len="med"/>
+                      <a:tailEnd type="none" w="med" len="med"/>
+                    </a:lnT>
+                    <a:lnB w="12700" cap="flat" cmpd="sng" algn="ctr">
+                      <a:solidFill>
+                        <a:srgbClr val="000000"/>
+                      </a:solidFill>
+                      <a:prstDash val="solid"/>
+                      <a:round/>
+                      <a:headEnd type="none" w="med" len="med"/>
+                      <a:tailEnd type="none" w="med" len="med"/>
+                    </a:lnB>
+                  </a:tcPr>
+                </a:tc>
+              </a:tr>
+              <a:tr h="0">
+                <a:tc>
+                  <a:txBody>
+                    <a:bodyPr/>
+                    <a:lstStyle/>
+                    <a:p>
+                      <a:pPr marL="0" marR="0">
+                        <a:lnSpc>
+                          <a:spcPct val="115000"/>
+                        </a:lnSpc>
+                        <a:spcBef>
+                          <a:spcPts val="0"/>
+                        </a:spcBef>
+                        <a:spcAft>
+                          <a:spcPts val="0"/>
+                        </a:spcAft>
+                      </a:pPr>
+                      <a:r>
+                        <a:rPr lang="en-US" sz="1500" dirty="0" err="1" smtClean="0">
+                          <a:latin typeface="Times New Roman"/>
+                          <a:ea typeface="MS Mincho"/>
+                          <a:cs typeface="Times New Roman"/>
+                        </a:rPr>
+                        <a:t>computeTax</a:t>
+                      </a:r>
+                      <a:endParaRPr lang="en-US" sz="1500" dirty="0">
+                        <a:latin typeface="Calibri"/>
+                        <a:ea typeface="MS Mincho"/>
+                        <a:cs typeface="Times New Roman"/>
+                      </a:endParaRPr>
+                    </a:p>
+                  </a:txBody>
+                  <a:tcPr marL="68580" marR="68580" marT="0" marB="0">
+                    <a:lnL w="12700" cap="flat" cmpd="sng" algn="ctr">
+                      <a:solidFill>
+                        <a:srgbClr val="000000"/>
+                      </a:solidFill>
+                      <a:prstDash val="solid"/>
+                      <a:round/>
+                      <a:headEnd type="none" w="med" len="med"/>
+                      <a:tailEnd type="none" w="med" len="med"/>
+                    </a:lnL>
+                    <a:lnR w="12700" cap="flat" cmpd="sng" algn="ctr">
+                      <a:solidFill>
+                        <a:srgbClr val="000000"/>
+                      </a:solidFill>
+                      <a:prstDash val="solid"/>
+                      <a:round/>
+                      <a:headEnd type="none" w="med" len="med"/>
+                      <a:tailEnd type="none" w="med" len="med"/>
+                    </a:lnR>
+                    <a:lnT w="12700" cap="flat" cmpd="sng" algn="ctr">
+                      <a:solidFill>
+                        <a:srgbClr val="000000"/>
+                      </a:solidFill>
+                      <a:prstDash val="solid"/>
+                      <a:round/>
+                      <a:headEnd type="none" w="med" len="med"/>
+                      <a:tailEnd type="none" w="med" len="med"/>
+                    </a:lnT>
+                    <a:lnB w="12700" cap="flat" cmpd="sng" algn="ctr">
+                      <a:solidFill>
+                        <a:srgbClr val="000000"/>
+                      </a:solidFill>
+                      <a:prstDash val="solid"/>
+                      <a:round/>
+                      <a:headEnd type="none" w="med" len="med"/>
+                      <a:tailEnd type="none" w="med" len="med"/>
+                    </a:lnB>
+                  </a:tcPr>
+                </a:tc>
+                <a:tc>
+                  <a:txBody>
+                    <a:bodyPr/>
+                    <a:lstStyle/>
+                    <a:p>
+                      <a:pPr marL="0" marR="0" algn="r">
+                        <a:lnSpc>
+                          <a:spcPct val="115000"/>
+                        </a:lnSpc>
+                        <a:spcBef>
+                          <a:spcPts val="0"/>
+                        </a:spcBef>
+                        <a:spcAft>
+                          <a:spcPts val="0"/>
+                        </a:spcAft>
+                      </a:pPr>
+                      <a:r>
+                        <a:rPr lang="en-US" sz="1500">
+                          <a:latin typeface="Times New Roman"/>
+                          <a:ea typeface="MS Mincho"/>
+                          <a:cs typeface="Times New Roman"/>
+                        </a:rPr>
+                        <a:t>61</a:t>
+                      </a:r>
+                      <a:endParaRPr lang="en-US" sz="1500">
+                        <a:latin typeface="Calibri"/>
+                        <a:ea typeface="MS Mincho"/>
+                        <a:cs typeface="Times New Roman"/>
+                      </a:endParaRPr>
+                    </a:p>
+                  </a:txBody>
+                  <a:tcPr marL="68580" marR="68580" marT="0" marB="0">
+                    <a:lnL w="12700" cap="flat" cmpd="sng" algn="ctr">
+                      <a:solidFill>
+                        <a:srgbClr val="000000"/>
+                      </a:solidFill>
+                      <a:prstDash val="solid"/>
+                      <a:round/>
+                      <a:headEnd type="none" w="med" len="med"/>
+                      <a:tailEnd type="none" w="med" len="med"/>
+                    </a:lnL>
+                    <a:lnR w="12700" cap="flat" cmpd="sng" algn="ctr">
+                      <a:solidFill>
+                        <a:srgbClr val="000000"/>
+                      </a:solidFill>
+                      <a:prstDash val="solid"/>
+                      <a:round/>
+                      <a:headEnd type="none" w="med" len="med"/>
+                      <a:tailEnd type="none" w="med" len="med"/>
+                    </a:lnR>
+                    <a:lnT w="12700" cap="flat" cmpd="sng" algn="ctr">
+                      <a:solidFill>
+                        <a:srgbClr val="000000"/>
+                      </a:solidFill>
+                      <a:prstDash val="solid"/>
+                      <a:round/>
+                      <a:headEnd type="none" w="med" len="med"/>
+                      <a:tailEnd type="none" w="med" len="med"/>
+                    </a:lnT>
+                    <a:lnB w="12700" cap="flat" cmpd="sng" algn="ctr">
+                      <a:solidFill>
+                        <a:srgbClr val="000000"/>
+                      </a:solidFill>
+                      <a:prstDash val="solid"/>
+                      <a:round/>
+                      <a:headEnd type="none" w="med" len="med"/>
+                      <a:tailEnd type="none" w="med" len="med"/>
+                    </a:lnB>
+                  </a:tcPr>
+                </a:tc>
+                <a:tc>
+                  <a:txBody>
+                    <a:bodyPr/>
+                    <a:lstStyle/>
+                    <a:p>
+                      <a:pPr marL="0" marR="0" algn="r">
+                        <a:lnSpc>
+                          <a:spcPct val="115000"/>
+                        </a:lnSpc>
+                        <a:spcBef>
+                          <a:spcPts val="0"/>
+                        </a:spcBef>
+                        <a:spcAft>
+                          <a:spcPts val="0"/>
+                        </a:spcAft>
+                      </a:pPr>
+                      <a:r>
+                        <a:rPr lang="en-US" sz="1500">
+                          <a:latin typeface="Times New Roman"/>
+                          <a:ea typeface="MS Mincho"/>
+                          <a:cs typeface="Times New Roman"/>
+                        </a:rPr>
+                        <a:t>11</a:t>
+                      </a:r>
+                      <a:endParaRPr lang="en-US" sz="1500">
+                        <a:latin typeface="Calibri"/>
+                        <a:ea typeface="MS Mincho"/>
+                        <a:cs typeface="Times New Roman"/>
+                      </a:endParaRPr>
+                    </a:p>
+                  </a:txBody>
+                  <a:tcPr marL="68580" marR="68580" marT="0" marB="0">
+                    <a:lnL w="12700" cap="flat" cmpd="sng" algn="ctr">
+                      <a:solidFill>
+                        <a:srgbClr val="000000"/>
+                      </a:solidFill>
+                      <a:prstDash val="solid"/>
+                      <a:round/>
+                      <a:headEnd type="none" w="med" len="med"/>
+                      <a:tailEnd type="none" w="med" len="med"/>
+                    </a:lnL>
+                    <a:lnR w="12700" cap="flat" cmpd="sng" algn="ctr">
+                      <a:solidFill>
+                        <a:srgbClr val="000000"/>
+                      </a:solidFill>
+                      <a:prstDash val="solid"/>
+                      <a:round/>
+                      <a:headEnd type="none" w="med" len="med"/>
+                      <a:tailEnd type="none" w="med" len="med"/>
+                    </a:lnR>
+                    <a:lnT w="12700" cap="flat" cmpd="sng" algn="ctr">
+                      <a:solidFill>
+                        <a:srgbClr val="000000"/>
+                      </a:solidFill>
+                      <a:prstDash val="solid"/>
+                      <a:round/>
+                      <a:headEnd type="none" w="med" len="med"/>
+                      <a:tailEnd type="none" w="med" len="med"/>
+                    </a:lnT>
+                    <a:lnB w="12700" cap="flat" cmpd="sng" algn="ctr">
+                      <a:solidFill>
+                        <a:srgbClr val="000000"/>
+                      </a:solidFill>
+                      <a:prstDash val="solid"/>
+                      <a:round/>
+                      <a:headEnd type="none" w="med" len="med"/>
+                      <a:tailEnd type="none" w="med" len="med"/>
+                    </a:lnB>
+                  </a:tcPr>
+                </a:tc>
+                <a:tc>
+                  <a:txBody>
+                    <a:bodyPr/>
+                    <a:lstStyle/>
+                    <a:p>
+                      <a:pPr marL="0" marR="0" algn="r">
+                        <a:lnSpc>
+                          <a:spcPct val="115000"/>
+                        </a:lnSpc>
+                        <a:spcBef>
+                          <a:spcPts val="0"/>
+                        </a:spcBef>
+                        <a:spcAft>
+                          <a:spcPts val="0"/>
+                        </a:spcAft>
+                      </a:pPr>
+                      <a:r>
+                        <a:rPr lang="en-US" sz="1500">
+                          <a:latin typeface="Times New Roman"/>
+                          <a:ea typeface="MS Mincho"/>
+                          <a:cs typeface="Times New Roman"/>
+                        </a:rPr>
+                        <a:t>2</a:t>
+                      </a:r>
+                      <a:endParaRPr lang="en-US" sz="1500">
+                        <a:latin typeface="Calibri"/>
+                        <a:ea typeface="MS Mincho"/>
+                        <a:cs typeface="Times New Roman"/>
+                      </a:endParaRPr>
+                    </a:p>
+                  </a:txBody>
+                  <a:tcPr marL="68580" marR="68580" marT="0" marB="0">
+                    <a:lnL w="12700" cap="flat" cmpd="sng" algn="ctr">
+                      <a:solidFill>
+                        <a:srgbClr val="000000"/>
+                      </a:solidFill>
+                      <a:prstDash val="solid"/>
+                      <a:round/>
+                      <a:headEnd type="none" w="med" len="med"/>
+                      <a:tailEnd type="none" w="med" len="med"/>
+                    </a:lnL>
+                    <a:lnR w="12700" cap="flat" cmpd="sng" algn="ctr">
+                      <a:solidFill>
+                        <a:srgbClr val="000000"/>
+                      </a:solidFill>
+                      <a:prstDash val="solid"/>
+                      <a:round/>
+                      <a:headEnd type="none" w="med" len="med"/>
+                      <a:tailEnd type="none" w="med" len="med"/>
+                    </a:lnR>
+                    <a:lnT w="12700" cap="flat" cmpd="sng" algn="ctr">
+                      <a:solidFill>
+                        <a:srgbClr val="000000"/>
+                      </a:solidFill>
+                      <a:prstDash val="solid"/>
+                      <a:round/>
+                      <a:headEnd type="none" w="med" len="med"/>
+                      <a:tailEnd type="none" w="med" len="med"/>
+                    </a:lnT>
+                    <a:lnB w="12700" cap="flat" cmpd="sng" algn="ctr">
+                      <a:solidFill>
+                        <a:srgbClr val="000000"/>
+                      </a:solidFill>
+                      <a:prstDash val="solid"/>
+                      <a:round/>
+                      <a:headEnd type="none" w="med" len="med"/>
+                      <a:tailEnd type="none" w="med" len="med"/>
+                    </a:lnB>
+                  </a:tcPr>
+                </a:tc>
+                <a:tc>
+                  <a:txBody>
+                    <a:bodyPr/>
+                    <a:lstStyle/>
+                    <a:p>
+                      <a:pPr marL="0" marR="0">
+                        <a:lnSpc>
+                          <a:spcPct val="115000"/>
+                        </a:lnSpc>
+                        <a:spcBef>
+                          <a:spcPts val="0"/>
+                        </a:spcBef>
+                        <a:spcAft>
+                          <a:spcPts val="0"/>
+                        </a:spcAft>
+                      </a:pPr>
+                      <a:r>
+                        <a:rPr lang="en-US" sz="1500" dirty="0">
+                          <a:latin typeface="Times New Roman"/>
+                          <a:ea typeface="MS Mincho"/>
+                          <a:cs typeface="Times New Roman"/>
+                        </a:rPr>
+                        <a:t>Compute the federal personal income tax</a:t>
+                      </a:r>
+                      <a:endParaRPr lang="en-US" sz="1500" dirty="0">
+                        <a:latin typeface="Calibri"/>
+                        <a:ea typeface="MS Mincho"/>
+                        <a:cs typeface="Times New Roman"/>
+                      </a:endParaRPr>
+                    </a:p>
+                  </a:txBody>
+                  <a:tcPr marL="68580" marR="68580" marT="0" marB="0">
+                    <a:lnL w="12700" cap="flat" cmpd="sng" algn="ctr">
+                      <a:solidFill>
+                        <a:srgbClr val="000000"/>
+                      </a:solidFill>
+                      <a:prstDash val="solid"/>
+                      <a:round/>
+                      <a:headEnd type="none" w="med" len="med"/>
+                      <a:tailEnd type="none" w="med" len="med"/>
+                    </a:lnL>
+                    <a:lnR w="12700" cap="flat" cmpd="sng" algn="ctr">
+                      <a:solidFill>
+                        <a:srgbClr val="000000"/>
+                      </a:solidFill>
+                      <a:prstDash val="solid"/>
+                      <a:round/>
+                      <a:headEnd type="none" w="med" len="med"/>
+                      <a:tailEnd type="none" w="med" len="med"/>
+                    </a:lnR>
+                    <a:lnT w="12700" cap="flat" cmpd="sng" algn="ctr">
+                      <a:solidFill>
+                        <a:srgbClr val="000000"/>
+                      </a:solidFill>
+                      <a:prstDash val="solid"/>
+                      <a:round/>
+                      <a:headEnd type="none" w="med" len="med"/>
+                      <a:tailEnd type="none" w="med" len="med"/>
+                    </a:lnT>
+                    <a:lnB w="12700" cap="flat" cmpd="sng" algn="ctr">
+                      <a:solidFill>
+                        <a:srgbClr val="000000"/>
+                      </a:solidFill>
+                      <a:prstDash val="solid"/>
+                      <a:round/>
+                      <a:headEnd type="none" w="med" len="med"/>
+                      <a:tailEnd type="none" w="med" len="med"/>
+                    </a:lnB>
+                  </a:tcPr>
+                </a:tc>
+              </a:tr>
+              <a:tr h="0">
+                <a:tc>
+                  <a:txBody>
+                    <a:bodyPr/>
+                    <a:lstStyle/>
+                    <a:p>
+                      <a:pPr marL="0" marR="0">
+                        <a:lnSpc>
+                          <a:spcPct val="115000"/>
+                        </a:lnSpc>
+                        <a:spcBef>
+                          <a:spcPts val="0"/>
+                        </a:spcBef>
+                        <a:spcAft>
+                          <a:spcPts val="0"/>
+                        </a:spcAft>
+                      </a:pPr>
+                      <a:r>
+                        <a:rPr lang="en-US" sz="1500">
+                          <a:latin typeface="Times New Roman"/>
+                          <a:ea typeface="MS Mincho"/>
+                          <a:cs typeface="Times New Roman"/>
+                        </a:rPr>
+                        <a:t>printCalendar</a:t>
+                      </a:r>
+                      <a:endParaRPr lang="en-US" sz="1500">
+                        <a:latin typeface="Calibri"/>
+                        <a:ea typeface="MS Mincho"/>
+                        <a:cs typeface="Times New Roman"/>
+                      </a:endParaRPr>
+                    </a:p>
+                  </a:txBody>
+                  <a:tcPr marL="68580" marR="68580" marT="0" marB="0">
+                    <a:lnL w="12700" cap="flat" cmpd="sng" algn="ctr">
+                      <a:solidFill>
+                        <a:srgbClr val="000000"/>
+                      </a:solidFill>
+                      <a:prstDash val="solid"/>
+                      <a:round/>
+                      <a:headEnd type="none" w="med" len="med"/>
+                      <a:tailEnd type="none" w="med" len="med"/>
+                    </a:lnL>
+                    <a:lnR w="12700" cap="flat" cmpd="sng" algn="ctr">
+                      <a:solidFill>
+                        <a:srgbClr val="000000"/>
+                      </a:solidFill>
+                      <a:prstDash val="solid"/>
+                      <a:round/>
+                      <a:headEnd type="none" w="med" len="med"/>
+                      <a:tailEnd type="none" w="med" len="med"/>
+                    </a:lnR>
+                    <a:lnT w="12700" cap="flat" cmpd="sng" algn="ctr">
+                      <a:solidFill>
+                        <a:srgbClr val="000000"/>
+                      </a:solidFill>
+                      <a:prstDash val="solid"/>
+                      <a:round/>
+                      <a:headEnd type="none" w="med" len="med"/>
+                      <a:tailEnd type="none" w="med" len="med"/>
+                    </a:lnT>
+                    <a:lnB w="12700" cap="flat" cmpd="sng" algn="ctr">
+                      <a:solidFill>
+                        <a:srgbClr val="000000"/>
+                      </a:solidFill>
+                      <a:prstDash val="solid"/>
+                      <a:round/>
+                      <a:headEnd type="none" w="med" len="med"/>
+                      <a:tailEnd type="none" w="med" len="med"/>
+                    </a:lnB>
+                  </a:tcPr>
+                </a:tc>
+                <a:tc>
+                  <a:txBody>
+                    <a:bodyPr/>
+                    <a:lstStyle/>
+                    <a:p>
+                      <a:pPr marL="0" marR="0" algn="r">
+                        <a:lnSpc>
+                          <a:spcPct val="115000"/>
+                        </a:lnSpc>
+                        <a:spcBef>
+                          <a:spcPts val="0"/>
+                        </a:spcBef>
+                        <a:spcAft>
+                          <a:spcPts val="0"/>
+                        </a:spcAft>
+                      </a:pPr>
+                      <a:r>
+                        <a:rPr lang="en-US" sz="1500">
+                          <a:latin typeface="Times New Roman"/>
+                          <a:ea typeface="MS Mincho"/>
+                          <a:cs typeface="Times New Roman"/>
+                        </a:rPr>
+                        <a:t>187</a:t>
+                      </a:r>
+                      <a:endParaRPr lang="en-US" sz="1500">
+                        <a:latin typeface="Calibri"/>
+                        <a:ea typeface="MS Mincho"/>
+                        <a:cs typeface="Times New Roman"/>
+                      </a:endParaRPr>
+                    </a:p>
+                  </a:txBody>
+                  <a:tcPr marL="68580" marR="68580" marT="0" marB="0">
+                    <a:lnL w="12700" cap="flat" cmpd="sng" algn="ctr">
+                      <a:solidFill>
+                        <a:srgbClr val="000000"/>
+                      </a:solidFill>
+                      <a:prstDash val="solid"/>
+                      <a:round/>
+                      <a:headEnd type="none" w="med" len="med"/>
+                      <a:tailEnd type="none" w="med" len="med"/>
+                    </a:lnL>
+                    <a:lnR w="12700" cap="flat" cmpd="sng" algn="ctr">
+                      <a:solidFill>
+                        <a:srgbClr val="000000"/>
+                      </a:solidFill>
+                      <a:prstDash val="solid"/>
+                      <a:round/>
+                      <a:headEnd type="none" w="med" len="med"/>
+                      <a:tailEnd type="none" w="med" len="med"/>
+                    </a:lnR>
+                    <a:lnT w="12700" cap="flat" cmpd="sng" algn="ctr">
+                      <a:solidFill>
+                        <a:srgbClr val="000000"/>
+                      </a:solidFill>
+                      <a:prstDash val="solid"/>
+                      <a:round/>
+                      <a:headEnd type="none" w="med" len="med"/>
+                      <a:tailEnd type="none" w="med" len="med"/>
+                    </a:lnT>
+                    <a:lnB w="12700" cap="flat" cmpd="sng" algn="ctr">
+                      <a:solidFill>
+                        <a:srgbClr val="000000"/>
+                      </a:solidFill>
+                      <a:prstDash val="solid"/>
+                      <a:round/>
+                      <a:headEnd type="none" w="med" len="med"/>
+                      <a:tailEnd type="none" w="med" len="med"/>
+                    </a:lnB>
+                  </a:tcPr>
+                </a:tc>
+                <a:tc>
+                  <a:txBody>
+                    <a:bodyPr/>
+                    <a:lstStyle/>
+                    <a:p>
+                      <a:pPr marL="0" marR="0" algn="r">
+                        <a:lnSpc>
+                          <a:spcPct val="115000"/>
+                        </a:lnSpc>
+                        <a:spcBef>
+                          <a:spcPts val="0"/>
+                        </a:spcBef>
+                        <a:spcAft>
+                          <a:spcPts val="0"/>
+                        </a:spcAft>
+                      </a:pPr>
+                      <a:r>
+                        <a:rPr lang="en-US" sz="1500">
+                          <a:latin typeface="Times New Roman"/>
+                          <a:ea typeface="MS Mincho"/>
+                          <a:cs typeface="Times New Roman"/>
+                        </a:rPr>
+                        <a:t>33</a:t>
+                      </a:r>
+                      <a:endParaRPr lang="en-US" sz="1500">
+                        <a:latin typeface="Calibri"/>
+                        <a:ea typeface="MS Mincho"/>
+                        <a:cs typeface="Times New Roman"/>
+                      </a:endParaRPr>
+                    </a:p>
+                  </a:txBody>
+                  <a:tcPr marL="68580" marR="68580" marT="0" marB="0">
+                    <a:lnL w="12700" cap="flat" cmpd="sng" algn="ctr">
+                      <a:solidFill>
+                        <a:srgbClr val="000000"/>
+                      </a:solidFill>
+                      <a:prstDash val="solid"/>
+                      <a:round/>
+                      <a:headEnd type="none" w="med" len="med"/>
+                      <a:tailEnd type="none" w="med" len="med"/>
+                    </a:lnL>
+                    <a:lnR w="12700" cap="flat" cmpd="sng" algn="ctr">
+                      <a:solidFill>
+                        <a:srgbClr val="000000"/>
+                      </a:solidFill>
+                      <a:prstDash val="solid"/>
+                      <a:round/>
+                      <a:headEnd type="none" w="med" len="med"/>
+                      <a:tailEnd type="none" w="med" len="med"/>
+                    </a:lnR>
+                    <a:lnT w="12700" cap="flat" cmpd="sng" algn="ctr">
+                      <a:solidFill>
+                        <a:srgbClr val="000000"/>
+                      </a:solidFill>
+                      <a:prstDash val="solid"/>
+                      <a:round/>
+                      <a:headEnd type="none" w="med" len="med"/>
+                      <a:tailEnd type="none" w="med" len="med"/>
+                    </a:lnT>
+                    <a:lnB w="12700" cap="flat" cmpd="sng" algn="ctr">
+                      <a:solidFill>
+                        <a:srgbClr val="000000"/>
+                      </a:solidFill>
+                      <a:prstDash val="solid"/>
+                      <a:round/>
+                      <a:headEnd type="none" w="med" len="med"/>
+                      <a:tailEnd type="none" w="med" len="med"/>
+                    </a:lnB>
+                  </a:tcPr>
+                </a:tc>
+                <a:tc>
+                  <a:txBody>
+                    <a:bodyPr/>
+                    <a:lstStyle/>
+                    <a:p>
+                      <a:pPr marL="0" marR="0" algn="r">
+                        <a:lnSpc>
+                          <a:spcPct val="115000"/>
+                        </a:lnSpc>
+                        <a:spcBef>
+                          <a:spcPts val="0"/>
+                        </a:spcBef>
+                        <a:spcAft>
+                          <a:spcPts val="0"/>
+                        </a:spcAft>
+                      </a:pPr>
+                      <a:r>
+                        <a:rPr lang="en-US" sz="1500">
+                          <a:latin typeface="Times New Roman"/>
+                          <a:ea typeface="MS Mincho"/>
+                          <a:cs typeface="Times New Roman"/>
+                        </a:rPr>
+                        <a:t>2</a:t>
+                      </a:r>
+                      <a:endParaRPr lang="en-US" sz="1500">
+                        <a:latin typeface="Calibri"/>
+                        <a:ea typeface="MS Mincho"/>
+                        <a:cs typeface="Times New Roman"/>
+                      </a:endParaRPr>
+                    </a:p>
+                  </a:txBody>
+                  <a:tcPr marL="68580" marR="68580" marT="0" marB="0">
+                    <a:lnL w="12700" cap="flat" cmpd="sng" algn="ctr">
+                      <a:solidFill>
+                        <a:srgbClr val="000000"/>
+                      </a:solidFill>
+                      <a:prstDash val="solid"/>
+                      <a:round/>
+                      <a:headEnd type="none" w="med" len="med"/>
+                      <a:tailEnd type="none" w="med" len="med"/>
+                    </a:lnL>
+                    <a:lnR w="12700" cap="flat" cmpd="sng" algn="ctr">
+                      <a:solidFill>
+                        <a:srgbClr val="000000"/>
+                      </a:solidFill>
+                      <a:prstDash val="solid"/>
+                      <a:round/>
+                      <a:headEnd type="none" w="med" len="med"/>
+                      <a:tailEnd type="none" w="med" len="med"/>
+                    </a:lnR>
+                    <a:lnT w="12700" cap="flat" cmpd="sng" algn="ctr">
+                      <a:solidFill>
+                        <a:srgbClr val="000000"/>
+                      </a:solidFill>
+                      <a:prstDash val="solid"/>
+                      <a:round/>
+                      <a:headEnd type="none" w="med" len="med"/>
+                      <a:tailEnd type="none" w="med" len="med"/>
+                    </a:lnT>
+                    <a:lnB w="12700" cap="flat" cmpd="sng" algn="ctr">
+                      <a:solidFill>
+                        <a:srgbClr val="000000"/>
+                      </a:solidFill>
+                      <a:prstDash val="solid"/>
+                      <a:round/>
+                      <a:headEnd type="none" w="med" len="med"/>
+                      <a:tailEnd type="none" w="med" len="med"/>
+                    </a:lnB>
+                  </a:tcPr>
+                </a:tc>
+                <a:tc>
+                  <a:txBody>
+                    <a:bodyPr/>
+                    <a:lstStyle/>
+                    <a:p>
+                      <a:pPr marL="0" marR="0">
+                        <a:lnSpc>
+                          <a:spcPct val="115000"/>
+                        </a:lnSpc>
+                        <a:spcBef>
+                          <a:spcPts val="0"/>
+                        </a:spcBef>
+                        <a:spcAft>
+                          <a:spcPts val="0"/>
+                        </a:spcAft>
+                      </a:pPr>
+                      <a:r>
+                        <a:rPr lang="en-US" sz="1500" dirty="0">
+                          <a:latin typeface="Times New Roman"/>
+                          <a:ea typeface="MS Mincho"/>
+                          <a:cs typeface="Times New Roman"/>
+                        </a:rPr>
+                        <a:t>Print the calendar of a month in some year</a:t>
+                      </a:r>
+                      <a:endParaRPr lang="en-US" sz="1500" dirty="0">
+                        <a:latin typeface="Calibri"/>
+                        <a:ea typeface="MS Mincho"/>
+                        <a:cs typeface="Times New Roman"/>
+                      </a:endParaRPr>
+                    </a:p>
+                  </a:txBody>
+                  <a:tcPr marL="68580" marR="68580" marT="0" marB="0">
+                    <a:lnL w="12700" cap="flat" cmpd="sng" algn="ctr">
+                      <a:solidFill>
+                        <a:srgbClr val="000000"/>
+                      </a:solidFill>
+                      <a:prstDash val="solid"/>
+                      <a:round/>
+                      <a:headEnd type="none" w="med" len="med"/>
+                      <a:tailEnd type="none" w="med" len="med"/>
+                    </a:lnL>
+                    <a:lnR w="12700" cap="flat" cmpd="sng" algn="ctr">
+                      <a:solidFill>
+                        <a:srgbClr val="000000"/>
+                      </a:solidFill>
+                      <a:prstDash val="solid"/>
+                      <a:round/>
+                      <a:headEnd type="none" w="med" len="med"/>
+                      <a:tailEnd type="none" w="med" len="med"/>
+                    </a:lnR>
+                    <a:lnT w="12700" cap="flat" cmpd="sng" algn="ctr">
+                      <a:solidFill>
+                        <a:srgbClr val="000000"/>
+                      </a:solidFill>
+                      <a:prstDash val="solid"/>
+                      <a:round/>
+                      <a:headEnd type="none" w="med" len="med"/>
+                      <a:tailEnd type="none" w="med" len="med"/>
+                    </a:lnT>
+                    <a:lnB w="12700" cap="flat" cmpd="sng" algn="ctr">
+                      <a:solidFill>
+                        <a:srgbClr val="000000"/>
+                      </a:solidFill>
+                      <a:prstDash val="solid"/>
+                      <a:round/>
+                      <a:headEnd type="none" w="med" len="med"/>
+                      <a:tailEnd type="none" w="med" len="med"/>
+                    </a:lnB>
+                  </a:tcPr>
+                </a:tc>
+              </a:tr>
+              <a:tr h="0">
+                <a:tc>
+                  <a:txBody>
+                    <a:bodyPr/>
+                    <a:lstStyle/>
+                    <a:p>
+                      <a:pPr marL="0" marR="0">
+                        <a:lnSpc>
+                          <a:spcPct val="115000"/>
+                        </a:lnSpc>
+                        <a:spcBef>
+                          <a:spcPts val="0"/>
+                        </a:spcBef>
+                        <a:spcAft>
+                          <a:spcPts val="0"/>
+                        </a:spcAft>
+                      </a:pPr>
+                      <a:r>
+                        <a:rPr lang="en-US" sz="1500">
+                          <a:latin typeface="Times New Roman"/>
+                          <a:ea typeface="MS Mincho"/>
+                          <a:cs typeface="Times New Roman"/>
+                        </a:rPr>
+                        <a:t>line</a:t>
+                      </a:r>
+                      <a:endParaRPr lang="en-US" sz="1500">
+                        <a:latin typeface="Calibri"/>
+                        <a:ea typeface="MS Mincho"/>
+                        <a:cs typeface="Times New Roman"/>
+                      </a:endParaRPr>
+                    </a:p>
+                  </a:txBody>
+                  <a:tcPr marL="68580" marR="68580" marT="0" marB="0">
+                    <a:lnL w="12700" cap="flat" cmpd="sng" algn="ctr">
+                      <a:solidFill>
+                        <a:srgbClr val="000000"/>
+                      </a:solidFill>
+                      <a:prstDash val="solid"/>
+                      <a:round/>
+                      <a:headEnd type="none" w="med" len="med"/>
+                      <a:tailEnd type="none" w="med" len="med"/>
+                    </a:lnL>
+                    <a:lnR w="12700" cap="flat" cmpd="sng" algn="ctr">
+                      <a:solidFill>
+                        <a:srgbClr val="000000"/>
+                      </a:solidFill>
+                      <a:prstDash val="solid"/>
+                      <a:round/>
+                      <a:headEnd type="none" w="med" len="med"/>
+                      <a:tailEnd type="none" w="med" len="med"/>
+                    </a:lnR>
+                    <a:lnT w="12700" cap="flat" cmpd="sng" algn="ctr">
+                      <a:solidFill>
+                        <a:srgbClr val="000000"/>
+                      </a:solidFill>
+                      <a:prstDash val="solid"/>
+                      <a:round/>
+                      <a:headEnd type="none" w="med" len="med"/>
+                      <a:tailEnd type="none" w="med" len="med"/>
+                    </a:lnT>
+                    <a:lnB w="12700" cap="flat" cmpd="sng" algn="ctr">
+                      <a:solidFill>
+                        <a:srgbClr val="000000"/>
+                      </a:solidFill>
+                      <a:prstDash val="solid"/>
+                      <a:round/>
+                      <a:headEnd type="none" w="med" len="med"/>
+                      <a:tailEnd type="none" w="med" len="med"/>
+                    </a:lnB>
+                  </a:tcPr>
+                </a:tc>
+                <a:tc>
+                  <a:txBody>
+                    <a:bodyPr/>
+                    <a:lstStyle/>
+                    <a:p>
+                      <a:pPr marL="0" marR="0" algn="r">
+                        <a:lnSpc>
+                          <a:spcPct val="115000"/>
+                        </a:lnSpc>
+                        <a:spcBef>
+                          <a:spcPts val="0"/>
+                        </a:spcBef>
+                        <a:spcAft>
+                          <a:spcPts val="0"/>
+                        </a:spcAft>
+                      </a:pPr>
+                      <a:r>
+                        <a:rPr lang="en-US" sz="1500">
+                          <a:latin typeface="Times New Roman"/>
+                          <a:ea typeface="MS Mincho"/>
+                          <a:cs typeface="Times New Roman"/>
+                        </a:rPr>
+                        <a:t>92</a:t>
+                      </a:r>
+                      <a:endParaRPr lang="en-US" sz="1500">
+                        <a:latin typeface="Calibri"/>
+                        <a:ea typeface="MS Mincho"/>
+                        <a:cs typeface="Times New Roman"/>
+                      </a:endParaRPr>
+                    </a:p>
+                  </a:txBody>
+                  <a:tcPr marL="68580" marR="68580" marT="0" marB="0">
+                    <a:lnL w="12700" cap="flat" cmpd="sng" algn="ctr">
+                      <a:solidFill>
+                        <a:srgbClr val="000000"/>
+                      </a:solidFill>
+                      <a:prstDash val="solid"/>
+                      <a:round/>
+                      <a:headEnd type="none" w="med" len="med"/>
+                      <a:tailEnd type="none" w="med" len="med"/>
+                    </a:lnL>
+                    <a:lnR w="12700" cap="flat" cmpd="sng" algn="ctr">
+                      <a:solidFill>
+                        <a:srgbClr val="000000"/>
+                      </a:solidFill>
+                      <a:prstDash val="solid"/>
+                      <a:round/>
+                      <a:headEnd type="none" w="med" len="med"/>
+                      <a:tailEnd type="none" w="med" len="med"/>
+                    </a:lnR>
+                    <a:lnT w="12700" cap="flat" cmpd="sng" algn="ctr">
+                      <a:solidFill>
+                        <a:srgbClr val="000000"/>
+                      </a:solidFill>
+                      <a:prstDash val="solid"/>
+                      <a:round/>
+                      <a:headEnd type="none" w="med" len="med"/>
+                      <a:tailEnd type="none" w="med" len="med"/>
+                    </a:lnT>
+                    <a:lnB w="12700" cap="flat" cmpd="sng" algn="ctr">
+                      <a:solidFill>
+                        <a:srgbClr val="000000"/>
+                      </a:solidFill>
+                      <a:prstDash val="solid"/>
+                      <a:round/>
+                      <a:headEnd type="none" w="med" len="med"/>
+                      <a:tailEnd type="none" w="med" len="med"/>
+                    </a:lnB>
+                  </a:tcPr>
+                </a:tc>
+                <a:tc>
+                  <a:txBody>
+                    <a:bodyPr/>
+                    <a:lstStyle/>
+                    <a:p>
+                      <a:pPr marL="0" marR="0" algn="r">
+                        <a:lnSpc>
+                          <a:spcPct val="115000"/>
+                        </a:lnSpc>
+                        <a:spcBef>
+                          <a:spcPts val="0"/>
+                        </a:spcBef>
+                        <a:spcAft>
+                          <a:spcPts val="0"/>
+                        </a:spcAft>
+                      </a:pPr>
+                      <a:r>
+                        <a:rPr lang="en-US" sz="1500" dirty="0">
+                          <a:latin typeface="Times New Roman"/>
+                          <a:ea typeface="MS Mincho"/>
+                          <a:cs typeface="Times New Roman"/>
+                        </a:rPr>
+                        <a:t>36</a:t>
+                      </a:r>
+                      <a:endParaRPr lang="en-US" sz="1500" dirty="0">
+                        <a:latin typeface="Calibri"/>
+                        <a:ea typeface="MS Mincho"/>
+                        <a:cs typeface="Times New Roman"/>
+                      </a:endParaRPr>
+                    </a:p>
+                  </a:txBody>
+                  <a:tcPr marL="68580" marR="68580" marT="0" marB="0">
+                    <a:lnL w="12700" cap="flat" cmpd="sng" algn="ctr">
+                      <a:solidFill>
+                        <a:srgbClr val="000000"/>
+                      </a:solidFill>
+                      <a:prstDash val="solid"/>
+                      <a:round/>
+                      <a:headEnd type="none" w="med" len="med"/>
+                      <a:tailEnd type="none" w="med" len="med"/>
+                    </a:lnL>
+                    <a:lnR w="12700" cap="flat" cmpd="sng" algn="ctr">
+                      <a:solidFill>
+                        <a:srgbClr val="000000"/>
+                      </a:solidFill>
+                      <a:prstDash val="solid"/>
+                      <a:round/>
+                      <a:headEnd type="none" w="med" len="med"/>
+                      <a:tailEnd type="none" w="med" len="med"/>
+                    </a:lnR>
+                    <a:lnT w="12700" cap="flat" cmpd="sng" algn="ctr">
+                      <a:solidFill>
+                        <a:srgbClr val="000000"/>
+                      </a:solidFill>
+                      <a:prstDash val="solid"/>
+                      <a:round/>
+                      <a:headEnd type="none" w="med" len="med"/>
+                      <a:tailEnd type="none" w="med" len="med"/>
+                    </a:lnT>
+                    <a:lnB w="12700" cap="flat" cmpd="sng" algn="ctr">
+                      <a:solidFill>
+                        <a:srgbClr val="000000"/>
+                      </a:solidFill>
+                      <a:prstDash val="solid"/>
+                      <a:round/>
+                      <a:headEnd type="none" w="med" len="med"/>
+                      <a:tailEnd type="none" w="med" len="med"/>
+                    </a:lnB>
+                  </a:tcPr>
+                </a:tc>
+                <a:tc>
+                  <a:txBody>
+                    <a:bodyPr/>
+                    <a:lstStyle/>
+                    <a:p>
+                      <a:pPr marL="0" marR="0" algn="r">
+                        <a:lnSpc>
+                          <a:spcPct val="115000"/>
+                        </a:lnSpc>
+                        <a:spcBef>
+                          <a:spcPts val="0"/>
+                        </a:spcBef>
+                        <a:spcAft>
+                          <a:spcPts val="0"/>
+                        </a:spcAft>
+                      </a:pPr>
+                      <a:r>
+                        <a:rPr lang="en-US" sz="1500" dirty="0">
+                          <a:latin typeface="Times New Roman"/>
+                          <a:ea typeface="MS Mincho"/>
+                          <a:cs typeface="Times New Roman"/>
+                        </a:rPr>
+                        <a:t>8</a:t>
+                      </a:r>
+                      <a:endParaRPr lang="en-US" sz="1500" dirty="0">
+                        <a:latin typeface="Calibri"/>
+                        <a:ea typeface="MS Mincho"/>
+                        <a:cs typeface="Times New Roman"/>
+                      </a:endParaRPr>
+                    </a:p>
+                  </a:txBody>
+                  <a:tcPr marL="68580" marR="68580" marT="0" marB="0">
+                    <a:lnL w="12700" cap="flat" cmpd="sng" algn="ctr">
+                      <a:solidFill>
+                        <a:srgbClr val="000000"/>
+                      </a:solidFill>
+                      <a:prstDash val="solid"/>
+                      <a:round/>
+                      <a:headEnd type="none" w="med" len="med"/>
+                      <a:tailEnd type="none" w="med" len="med"/>
+                    </a:lnL>
+                    <a:lnR w="12700" cap="flat" cmpd="sng" algn="ctr">
+                      <a:solidFill>
+                        <a:srgbClr val="000000"/>
+                      </a:solidFill>
+                      <a:prstDash val="solid"/>
+                      <a:round/>
+                      <a:headEnd type="none" w="med" len="med"/>
+                      <a:tailEnd type="none" w="med" len="med"/>
+                    </a:lnR>
+                    <a:lnT w="12700" cap="flat" cmpd="sng" algn="ctr">
+                      <a:solidFill>
+                        <a:srgbClr val="000000"/>
+                      </a:solidFill>
+                      <a:prstDash val="solid"/>
+                      <a:round/>
+                      <a:headEnd type="none" w="med" len="med"/>
+                      <a:tailEnd type="none" w="med" len="med"/>
+                    </a:lnT>
+                    <a:lnB w="12700" cap="flat" cmpd="sng" algn="ctr">
+                      <a:solidFill>
+                        <a:srgbClr val="000000"/>
+                      </a:solidFill>
+                      <a:prstDash val="solid"/>
+                      <a:round/>
+                      <a:headEnd type="none" w="med" len="med"/>
+                      <a:tailEnd type="none" w="med" len="med"/>
+                    </a:lnB>
+                  </a:tcPr>
+                </a:tc>
+                <a:tc>
+                  <a:txBody>
+                    <a:bodyPr/>
+                    <a:lstStyle/>
+                    <a:p>
+                      <a:pPr marL="0" marR="0">
+                        <a:lnSpc>
+                          <a:spcPct val="115000"/>
+                        </a:lnSpc>
+                        <a:spcBef>
+                          <a:spcPts val="0"/>
+                        </a:spcBef>
+                        <a:spcAft>
+                          <a:spcPts val="0"/>
+                        </a:spcAft>
+                      </a:pPr>
+                      <a:r>
+                        <a:rPr lang="en-US" sz="1500" dirty="0">
+                          <a:latin typeface="Times New Roman"/>
+                          <a:ea typeface="MS Mincho"/>
+                          <a:cs typeface="Times New Roman"/>
+                        </a:rPr>
+                        <a:t>Check if two rectangles overlap</a:t>
+                      </a:r>
+                      <a:endParaRPr lang="en-US" sz="1500" dirty="0">
+                        <a:latin typeface="Calibri"/>
+                        <a:ea typeface="MS Mincho"/>
+                        <a:cs typeface="Times New Roman"/>
+                      </a:endParaRPr>
+                    </a:p>
+                  </a:txBody>
+                  <a:tcPr marL="68580" marR="68580" marT="0" marB="0">
+                    <a:lnL w="12700" cap="flat" cmpd="sng" algn="ctr">
+                      <a:solidFill>
+                        <a:srgbClr val="000000"/>
+                      </a:solidFill>
+                      <a:prstDash val="solid"/>
+                      <a:round/>
+                      <a:headEnd type="none" w="med" len="med"/>
+                      <a:tailEnd type="none" w="med" len="med"/>
+                    </a:lnL>
+                    <a:lnR w="12700" cap="flat" cmpd="sng" algn="ctr">
+                      <a:solidFill>
+                        <a:srgbClr val="000000"/>
+                      </a:solidFill>
+                      <a:prstDash val="solid"/>
+                      <a:round/>
+                      <a:headEnd type="none" w="med" len="med"/>
+                      <a:tailEnd type="none" w="med" len="med"/>
+                    </a:lnR>
+                    <a:lnT w="12700" cap="flat" cmpd="sng" algn="ctr">
+                      <a:solidFill>
+                        <a:srgbClr val="000000"/>
+                      </a:solidFill>
+                      <a:prstDash val="solid"/>
+                      <a:round/>
+                      <a:headEnd type="none" w="med" len="med"/>
+                      <a:tailEnd type="none" w="med" len="med"/>
+                    </a:lnT>
+                    <a:lnB w="12700" cap="flat" cmpd="sng" algn="ctr">
+                      <a:solidFill>
+                        <a:srgbClr val="000000"/>
+                      </a:solidFill>
+                      <a:prstDash val="solid"/>
+                      <a:round/>
+                      <a:headEnd type="none" w="med" len="med"/>
+                      <a:tailEnd type="none" w="med" len="med"/>
+                    </a:lnB>
+                  </a:tcPr>
+                </a:tc>
+              </a:tr>
+            </a:tbl>
+          </a:graphicData>
+        </a:graphic>
+      </p:graphicFrame>
+      <p:graphicFrame>
+        <p:nvGraphicFramePr>
+          <p:cNvPr id="6" name="Table 5"/>
+          <p:cNvGraphicFramePr>
+            <a:graphicFrameLocks noGrp="1"/>
+          </p:cNvGraphicFramePr>
+          <p:nvPr/>
+        </p:nvGraphicFramePr>
+        <p:xfrm>
+          <a:off x="1143000" y="3200400"/>
+          <a:ext cx="7086601" cy="1577340"/>
+        </p:xfrm>
+        <a:graphic>
+          <a:graphicData uri="http://schemas.openxmlformats.org/drawingml/2006/table">
+            <a:tbl>
+              <a:tblPr/>
+              <a:tblGrid>
+                <a:gridCol w="1518841"/>
+                <a:gridCol w="1427631"/>
+                <a:gridCol w="1427631"/>
+                <a:gridCol w="1356249"/>
+                <a:gridCol w="1356249"/>
+              </a:tblGrid>
+              <a:tr h="0">
+                <a:tc rowSpan="2">
+                  <a:txBody>
+                    <a:bodyPr/>
+                    <a:lstStyle/>
+                    <a:p>
+                      <a:pPr marL="0" marR="0" algn="ctr">
+                        <a:lnSpc>
+                          <a:spcPct val="115000"/>
+                        </a:lnSpc>
+                        <a:spcBef>
+                          <a:spcPts val="0"/>
+                        </a:spcBef>
+                        <a:spcAft>
+                          <a:spcPts val="0"/>
+                        </a:spcAft>
+                      </a:pPr>
+                      <a:r>
+                        <a:rPr lang="en-US" sz="1500">
+                          <a:latin typeface="Times New Roman"/>
+                          <a:ea typeface="MS Mincho"/>
+                          <a:cs typeface="Times New Roman"/>
+                        </a:rPr>
+                        <a:t>Program under test</a:t>
+                      </a:r>
+                      <a:endParaRPr lang="en-US" sz="1500">
+                        <a:latin typeface="Calibri"/>
+                        <a:ea typeface="MS Mincho"/>
+                        <a:cs typeface="Times New Roman"/>
+                      </a:endParaRPr>
+                    </a:p>
+                  </a:txBody>
+                  <a:tcPr marL="68580" marR="68580" marT="0" marB="0" anchor="ctr">
+                    <a:lnL w="12700" cap="flat" cmpd="sng" algn="ctr">
+                      <a:solidFill>
+                        <a:srgbClr val="000000"/>
+                      </a:solidFill>
+                      <a:prstDash val="solid"/>
+                      <a:round/>
+                      <a:headEnd type="none" w="med" len="med"/>
+                      <a:tailEnd type="none" w="med" len="med"/>
+                    </a:lnL>
+                    <a:lnR w="12700" cap="flat" cmpd="sng" algn="ctr">
+                      <a:solidFill>
+                        <a:srgbClr val="000000"/>
+                      </a:solidFill>
+                      <a:prstDash val="solid"/>
+                      <a:round/>
+                      <a:headEnd type="none" w="med" len="med"/>
+                      <a:tailEnd type="none" w="med" len="med"/>
+                    </a:lnR>
+                    <a:lnT w="12700" cap="flat" cmpd="sng" algn="ctr">
+                      <a:solidFill>
+                        <a:srgbClr val="000000"/>
+                      </a:solidFill>
+                      <a:prstDash val="solid"/>
+                      <a:round/>
+                      <a:headEnd type="none" w="med" len="med"/>
+                      <a:tailEnd type="none" w="med" len="med"/>
+                    </a:lnT>
+                    <a:lnB w="12700" cap="flat" cmpd="sng" algn="ctr">
+                      <a:solidFill>
+                        <a:srgbClr val="000000"/>
+                      </a:solidFill>
+                      <a:prstDash val="solid"/>
+                      <a:round/>
+                      <a:headEnd type="none" w="med" len="med"/>
+                      <a:tailEnd type="none" w="med" len="med"/>
+                    </a:lnB>
+                  </a:tcPr>
+                </a:tc>
+                <a:tc gridSpan="2">
+                  <a:txBody>
+                    <a:bodyPr/>
+                    <a:lstStyle/>
+                    <a:p>
+                      <a:pPr marL="0" marR="0" algn="ctr">
+                        <a:lnSpc>
+                          <a:spcPct val="115000"/>
+                        </a:lnSpc>
+                        <a:spcBef>
+                          <a:spcPts val="0"/>
+                        </a:spcBef>
+                        <a:spcAft>
+                          <a:spcPts val="0"/>
+                        </a:spcAft>
+                      </a:pPr>
+                      <a:r>
+                        <a:rPr lang="en-US" sz="1500">
+                          <a:solidFill>
+                            <a:srgbClr val="131413"/>
+                          </a:solidFill>
+                          <a:latin typeface="Times New Roman"/>
+                          <a:ea typeface="MS Mincho"/>
+                          <a:cs typeface="Times New Roman"/>
+                        </a:rPr>
+                        <a:t>Success rate (%)</a:t>
+                      </a:r>
+                      <a:endParaRPr lang="en-US" sz="1500">
+                        <a:latin typeface="Calibri"/>
+                        <a:ea typeface="MS Mincho"/>
+                        <a:cs typeface="Times New Roman"/>
+                      </a:endParaRPr>
+                    </a:p>
+                  </a:txBody>
+                  <a:tcPr marL="68580" marR="68580" marT="0" marB="0">
+                    <a:lnL w="12700" cap="flat" cmpd="sng" algn="ctr">
+                      <a:solidFill>
+                        <a:srgbClr val="000000"/>
+                      </a:solidFill>
+                      <a:prstDash val="solid"/>
+                      <a:round/>
+                      <a:headEnd type="none" w="med" len="med"/>
+                      <a:tailEnd type="none" w="med" len="med"/>
+                    </a:lnL>
+                    <a:lnR w="12700" cap="flat" cmpd="sng" algn="ctr">
+                      <a:solidFill>
+                        <a:srgbClr val="000000"/>
+                      </a:solidFill>
+                      <a:prstDash val="solid"/>
+                      <a:round/>
+                      <a:headEnd type="none" w="med" len="med"/>
+                      <a:tailEnd type="none" w="med" len="med"/>
+                    </a:lnR>
+                    <a:lnT w="12700" cap="flat" cmpd="sng" algn="ctr">
+                      <a:solidFill>
+                        <a:srgbClr val="000000"/>
+                      </a:solidFill>
+                      <a:prstDash val="solid"/>
+                      <a:round/>
+                      <a:headEnd type="none" w="med" len="med"/>
+                      <a:tailEnd type="none" w="med" len="med"/>
+                    </a:lnT>
+                    <a:lnB w="12700" cap="flat" cmpd="sng" algn="ctr">
+                      <a:solidFill>
+                        <a:srgbClr val="000000"/>
+                      </a:solidFill>
+                      <a:prstDash val="solid"/>
+                      <a:round/>
+                      <a:headEnd type="none" w="med" len="med"/>
+                      <a:tailEnd type="none" w="med" len="med"/>
+                    </a:lnB>
+                  </a:tcPr>
+                </a:tc>
+                <a:tc hMerge="1">
+                  <a:txBody>
+                    <a:bodyPr/>
+                    <a:lstStyle/>
+                    <a:p>
+                      <a:endParaRPr lang="en-US"/>
+                    </a:p>
+                  </a:txBody>
+                  <a:tcPr/>
+                </a:tc>
+                <a:tc gridSpan="2">
+                  <a:txBody>
+                    <a:bodyPr/>
+                    <a:lstStyle/>
+                    <a:p>
+                      <a:pPr marL="0" marR="0" algn="ctr">
+                        <a:lnSpc>
+                          <a:spcPct val="115000"/>
+                        </a:lnSpc>
+                        <a:spcBef>
+                          <a:spcPts val="0"/>
+                        </a:spcBef>
+                        <a:spcAft>
+                          <a:spcPts val="0"/>
+                        </a:spcAft>
+                      </a:pPr>
+                      <a:r>
+                        <a:rPr lang="en-US" sz="1500">
+                          <a:solidFill>
+                            <a:srgbClr val="131413"/>
+                          </a:solidFill>
+                          <a:latin typeface="Times New Roman"/>
+                          <a:ea typeface="MS Mincho"/>
+                          <a:cs typeface="Times New Roman"/>
+                        </a:rPr>
+                        <a:t>Average coverage (%)</a:t>
+                      </a:r>
+                      <a:endParaRPr lang="en-US" sz="1500">
+                        <a:latin typeface="Calibri"/>
+                        <a:ea typeface="MS Mincho"/>
+                        <a:cs typeface="Times New Roman"/>
+                      </a:endParaRPr>
+                    </a:p>
+                  </a:txBody>
+                  <a:tcPr marL="68580" marR="68580" marT="0" marB="0">
+                    <a:lnL w="12700" cap="flat" cmpd="sng" algn="ctr">
+                      <a:solidFill>
+                        <a:srgbClr val="000000"/>
+                      </a:solidFill>
+                      <a:prstDash val="solid"/>
+                      <a:round/>
+                      <a:headEnd type="none" w="med" len="med"/>
+                      <a:tailEnd type="none" w="med" len="med"/>
+                    </a:lnL>
+                    <a:lnR w="12700" cap="flat" cmpd="sng" algn="ctr">
+                      <a:solidFill>
+                        <a:srgbClr val="000000"/>
+                      </a:solidFill>
+                      <a:prstDash val="solid"/>
+                      <a:round/>
+                      <a:headEnd type="none" w="med" len="med"/>
+                      <a:tailEnd type="none" w="med" len="med"/>
+                    </a:lnR>
+                    <a:lnT w="12700" cap="flat" cmpd="sng" algn="ctr">
+                      <a:solidFill>
+                        <a:srgbClr val="000000"/>
+                      </a:solidFill>
+                      <a:prstDash val="solid"/>
+                      <a:round/>
+                      <a:headEnd type="none" w="med" len="med"/>
+                      <a:tailEnd type="none" w="med" len="med"/>
+                    </a:lnT>
+                    <a:lnB w="12700" cap="flat" cmpd="sng" algn="ctr">
+                      <a:solidFill>
+                        <a:srgbClr val="000000"/>
+                      </a:solidFill>
+                      <a:prstDash val="solid"/>
+                      <a:round/>
+                      <a:headEnd type="none" w="med" len="med"/>
+                      <a:tailEnd type="none" w="med" len="med"/>
+                    </a:lnB>
+                  </a:tcPr>
+                </a:tc>
+                <a:tc hMerge="1">
+                  <a:txBody>
+                    <a:bodyPr/>
+                    <a:lstStyle/>
+                    <a:p>
+                      <a:endParaRPr lang="en-US"/>
+                    </a:p>
+                  </a:txBody>
+                  <a:tcPr/>
+                </a:tc>
+              </a:tr>
+              <a:tr h="0">
+                <a:tc vMerge="1">
+                  <a:txBody>
+                    <a:bodyPr/>
+                    <a:lstStyle/>
+                    <a:p>
+                      <a:endParaRPr lang="en-US"/>
+                    </a:p>
+                  </a:txBody>
+                  <a:tcPr/>
+                </a:tc>
+                <a:tc>
+                  <a:txBody>
+                    <a:bodyPr/>
+                    <a:lstStyle/>
+                    <a:p>
+                      <a:pPr marL="0" marR="0" algn="ctr">
+                        <a:lnSpc>
+                          <a:spcPct val="115000"/>
+                        </a:lnSpc>
+                        <a:spcBef>
+                          <a:spcPts val="0"/>
+                        </a:spcBef>
+                        <a:spcAft>
+                          <a:spcPts val="0"/>
+                        </a:spcAft>
+                      </a:pPr>
+                      <a:r>
+                        <a:rPr lang="en-US" sz="1500">
+                          <a:latin typeface="Times New Roman"/>
+                          <a:ea typeface="MS Mincho"/>
+                          <a:cs typeface="Times New Roman"/>
+                        </a:rPr>
+                        <a:t>Mao[10]’s PSO</a:t>
+                      </a:r>
+                      <a:endParaRPr lang="en-US" sz="1500">
+                        <a:latin typeface="Calibri"/>
+                        <a:ea typeface="MS Mincho"/>
+                        <a:cs typeface="Times New Roman"/>
+                      </a:endParaRPr>
+                    </a:p>
+                  </a:txBody>
+                  <a:tcPr marL="68580" marR="68580" marT="0" marB="0">
+                    <a:lnL w="12700" cap="flat" cmpd="sng" algn="ctr">
+                      <a:solidFill>
+                        <a:srgbClr val="000000"/>
+                      </a:solidFill>
+                      <a:prstDash val="solid"/>
+                      <a:round/>
+                      <a:headEnd type="none" w="med" len="med"/>
+                      <a:tailEnd type="none" w="med" len="med"/>
+                    </a:lnL>
+                    <a:lnR w="12700" cap="flat" cmpd="sng" algn="ctr">
+                      <a:solidFill>
+                        <a:srgbClr val="000000"/>
+                      </a:solidFill>
+                      <a:prstDash val="solid"/>
+                      <a:round/>
+                      <a:headEnd type="none" w="med" len="med"/>
+                      <a:tailEnd type="none" w="med" len="med"/>
+                    </a:lnR>
+                    <a:lnT w="12700" cap="flat" cmpd="sng" algn="ctr">
+                      <a:solidFill>
+                        <a:srgbClr val="000000"/>
+                      </a:solidFill>
+                      <a:prstDash val="solid"/>
+                      <a:round/>
+                      <a:headEnd type="none" w="med" len="med"/>
+                      <a:tailEnd type="none" w="med" len="med"/>
+                    </a:lnT>
+                    <a:lnB w="12700" cap="flat" cmpd="sng" algn="ctr">
+                      <a:solidFill>
+                        <a:srgbClr val="000000"/>
+                      </a:solidFill>
+                      <a:prstDash val="solid"/>
+                      <a:round/>
+                      <a:headEnd type="none" w="med" len="med"/>
+                      <a:tailEnd type="none" w="med" len="med"/>
+                    </a:lnB>
+                  </a:tcPr>
+                </a:tc>
+                <a:tc>
+                  <a:txBody>
+                    <a:bodyPr/>
+                    <a:lstStyle/>
+                    <a:p>
+                      <a:pPr marL="0" marR="0" algn="ctr">
+                        <a:lnSpc>
+                          <a:spcPct val="115000"/>
+                        </a:lnSpc>
+                        <a:spcBef>
+                          <a:spcPts val="0"/>
+                        </a:spcBef>
+                        <a:spcAft>
+                          <a:spcPts val="0"/>
+                        </a:spcAft>
+                      </a:pPr>
+                      <a:r>
+                        <a:rPr lang="en-US" sz="1500">
+                          <a:latin typeface="Times New Roman"/>
+                          <a:ea typeface="MS Mincho"/>
+                          <a:cs typeface="Times New Roman"/>
+                        </a:rPr>
+                        <a:t>PPSO</a:t>
+                      </a:r>
+                      <a:endParaRPr lang="en-US" sz="1500">
+                        <a:latin typeface="Calibri"/>
+                        <a:ea typeface="MS Mincho"/>
+                        <a:cs typeface="Times New Roman"/>
+                      </a:endParaRPr>
+                    </a:p>
+                  </a:txBody>
+                  <a:tcPr marL="68580" marR="68580" marT="0" marB="0">
+                    <a:lnL w="12700" cap="flat" cmpd="sng" algn="ctr">
+                      <a:solidFill>
+                        <a:srgbClr val="000000"/>
+                      </a:solidFill>
+                      <a:prstDash val="solid"/>
+                      <a:round/>
+                      <a:headEnd type="none" w="med" len="med"/>
+                      <a:tailEnd type="none" w="med" len="med"/>
+                    </a:lnL>
+                    <a:lnR w="12700" cap="flat" cmpd="sng" algn="ctr">
+                      <a:solidFill>
+                        <a:srgbClr val="000000"/>
+                      </a:solidFill>
+                      <a:prstDash val="solid"/>
+                      <a:round/>
+                      <a:headEnd type="none" w="med" len="med"/>
+                      <a:tailEnd type="none" w="med" len="med"/>
+                    </a:lnR>
+                    <a:lnT w="12700" cap="flat" cmpd="sng" algn="ctr">
+                      <a:solidFill>
+                        <a:srgbClr val="000000"/>
+                      </a:solidFill>
+                      <a:prstDash val="solid"/>
+                      <a:round/>
+                      <a:headEnd type="none" w="med" len="med"/>
+                      <a:tailEnd type="none" w="med" len="med"/>
+                    </a:lnT>
+                    <a:lnB w="12700" cap="flat" cmpd="sng" algn="ctr">
+                      <a:solidFill>
+                        <a:srgbClr val="000000"/>
+                      </a:solidFill>
+                      <a:prstDash val="solid"/>
+                      <a:round/>
+                      <a:headEnd type="none" w="med" len="med"/>
+                      <a:tailEnd type="none" w="med" len="med"/>
+                    </a:lnB>
+                  </a:tcPr>
+                </a:tc>
+                <a:tc>
+                  <a:txBody>
+                    <a:bodyPr/>
+                    <a:lstStyle/>
+                    <a:p>
+                      <a:pPr marL="0" marR="0" algn="ctr">
+                        <a:lnSpc>
+                          <a:spcPct val="115000"/>
+                        </a:lnSpc>
+                        <a:spcBef>
+                          <a:spcPts val="0"/>
+                        </a:spcBef>
+                        <a:spcAft>
+                          <a:spcPts val="0"/>
+                        </a:spcAft>
+                      </a:pPr>
+                      <a:r>
+                        <a:rPr lang="en-US" sz="1500">
+                          <a:latin typeface="Times New Roman"/>
+                          <a:ea typeface="MS Mincho"/>
+                          <a:cs typeface="Times New Roman"/>
+                        </a:rPr>
+                        <a:t>Mao[10]’s PSO</a:t>
+                      </a:r>
+                      <a:endParaRPr lang="en-US" sz="1500">
+                        <a:latin typeface="Calibri"/>
+                        <a:ea typeface="MS Mincho"/>
+                        <a:cs typeface="Times New Roman"/>
+                      </a:endParaRPr>
+                    </a:p>
+                  </a:txBody>
+                  <a:tcPr marL="68580" marR="68580" marT="0" marB="0">
+                    <a:lnL w="12700" cap="flat" cmpd="sng" algn="ctr">
+                      <a:solidFill>
+                        <a:srgbClr val="000000"/>
+                      </a:solidFill>
+                      <a:prstDash val="solid"/>
+                      <a:round/>
+                      <a:headEnd type="none" w="med" len="med"/>
+                      <a:tailEnd type="none" w="med" len="med"/>
+                    </a:lnL>
+                    <a:lnR w="12700" cap="flat" cmpd="sng" algn="ctr">
+                      <a:solidFill>
+                        <a:srgbClr val="000000"/>
+                      </a:solidFill>
+                      <a:prstDash val="solid"/>
+                      <a:round/>
+                      <a:headEnd type="none" w="med" len="med"/>
+                      <a:tailEnd type="none" w="med" len="med"/>
+                    </a:lnR>
+                    <a:lnT w="12700" cap="flat" cmpd="sng" algn="ctr">
+                      <a:solidFill>
+                        <a:srgbClr val="000000"/>
+                      </a:solidFill>
+                      <a:prstDash val="solid"/>
+                      <a:round/>
+                      <a:headEnd type="none" w="med" len="med"/>
+                      <a:tailEnd type="none" w="med" len="med"/>
+                    </a:lnT>
+                    <a:lnB w="12700" cap="flat" cmpd="sng" algn="ctr">
+                      <a:solidFill>
+                        <a:srgbClr val="000000"/>
+                      </a:solidFill>
+                      <a:prstDash val="solid"/>
+                      <a:round/>
+                      <a:headEnd type="none" w="med" len="med"/>
+                      <a:tailEnd type="none" w="med" len="med"/>
+                    </a:lnB>
+                  </a:tcPr>
+                </a:tc>
+                <a:tc>
+                  <a:txBody>
+                    <a:bodyPr/>
+                    <a:lstStyle/>
+                    <a:p>
+                      <a:pPr marL="0" marR="0" algn="ctr">
+                        <a:lnSpc>
+                          <a:spcPct val="115000"/>
+                        </a:lnSpc>
+                        <a:spcBef>
+                          <a:spcPts val="0"/>
+                        </a:spcBef>
+                        <a:spcAft>
+                          <a:spcPts val="0"/>
+                        </a:spcAft>
+                      </a:pPr>
+                      <a:r>
+                        <a:rPr lang="en-US" sz="1500">
+                          <a:latin typeface="Times New Roman"/>
+                          <a:ea typeface="MS Mincho"/>
+                          <a:cs typeface="Times New Roman"/>
+                        </a:rPr>
+                        <a:t>PPSO</a:t>
+                      </a:r>
+                      <a:endParaRPr lang="en-US" sz="1500">
+                        <a:latin typeface="Calibri"/>
+                        <a:ea typeface="MS Mincho"/>
+                        <a:cs typeface="Times New Roman"/>
+                      </a:endParaRPr>
+                    </a:p>
+                  </a:txBody>
+                  <a:tcPr marL="68580" marR="68580" marT="0" marB="0">
+                    <a:lnL w="12700" cap="flat" cmpd="sng" algn="ctr">
+                      <a:solidFill>
+                        <a:srgbClr val="000000"/>
+                      </a:solidFill>
+                      <a:prstDash val="solid"/>
+                      <a:round/>
+                      <a:headEnd type="none" w="med" len="med"/>
+                      <a:tailEnd type="none" w="med" len="med"/>
+                    </a:lnL>
+                    <a:lnR w="12700" cap="flat" cmpd="sng" algn="ctr">
+                      <a:solidFill>
+                        <a:srgbClr val="000000"/>
+                      </a:solidFill>
+                      <a:prstDash val="solid"/>
+                      <a:round/>
+                      <a:headEnd type="none" w="med" len="med"/>
+                      <a:tailEnd type="none" w="med" len="med"/>
+                    </a:lnR>
+                    <a:lnT w="12700" cap="flat" cmpd="sng" algn="ctr">
+                      <a:solidFill>
+                        <a:srgbClr val="000000"/>
+                      </a:solidFill>
+                      <a:prstDash val="solid"/>
+                      <a:round/>
+                      <a:headEnd type="none" w="med" len="med"/>
+                      <a:tailEnd type="none" w="med" len="med"/>
+                    </a:lnT>
+                    <a:lnB w="12700" cap="flat" cmpd="sng" algn="ctr">
+                      <a:solidFill>
+                        <a:srgbClr val="000000"/>
+                      </a:solidFill>
+                      <a:prstDash val="solid"/>
+                      <a:round/>
+                      <a:headEnd type="none" w="med" len="med"/>
+                      <a:tailEnd type="none" w="med" len="med"/>
+                    </a:lnB>
+                  </a:tcPr>
+                </a:tc>
+              </a:tr>
+              <a:tr h="0">
+                <a:tc>
+                  <a:txBody>
+                    <a:bodyPr/>
+                    <a:lstStyle/>
+                    <a:p>
+                      <a:pPr marL="0" marR="0">
+                        <a:lnSpc>
+                          <a:spcPct val="115000"/>
+                        </a:lnSpc>
+                        <a:spcBef>
+                          <a:spcPts val="0"/>
+                        </a:spcBef>
+                        <a:spcAft>
+                          <a:spcPts val="0"/>
+                        </a:spcAft>
+                      </a:pPr>
+                      <a:r>
+                        <a:rPr lang="en-US" sz="1500">
+                          <a:latin typeface="Times New Roman"/>
+                          <a:ea typeface="MS Mincho"/>
+                          <a:cs typeface="Times New Roman"/>
+                        </a:rPr>
+                        <a:t>triangleType </a:t>
+                      </a:r>
+                      <a:endParaRPr lang="en-US" sz="1500">
+                        <a:latin typeface="Calibri"/>
+                        <a:ea typeface="MS Mincho"/>
+                        <a:cs typeface="Times New Roman"/>
+                      </a:endParaRPr>
+                    </a:p>
+                  </a:txBody>
+                  <a:tcPr marL="68580" marR="68580" marT="0" marB="0">
+                    <a:lnL w="12700" cap="flat" cmpd="sng" algn="ctr">
+                      <a:solidFill>
+                        <a:srgbClr val="000000"/>
+                      </a:solidFill>
+                      <a:prstDash val="solid"/>
+                      <a:round/>
+                      <a:headEnd type="none" w="med" len="med"/>
+                      <a:tailEnd type="none" w="med" len="med"/>
+                    </a:lnL>
+                    <a:lnR w="12700" cap="flat" cmpd="sng" algn="ctr">
+                      <a:solidFill>
+                        <a:srgbClr val="000000"/>
+                      </a:solidFill>
+                      <a:prstDash val="solid"/>
+                      <a:round/>
+                      <a:headEnd type="none" w="med" len="med"/>
+                      <a:tailEnd type="none" w="med" len="med"/>
+                    </a:lnR>
+                    <a:lnT w="12700" cap="flat" cmpd="sng" algn="ctr">
+                      <a:solidFill>
+                        <a:srgbClr val="000000"/>
+                      </a:solidFill>
+                      <a:prstDash val="solid"/>
+                      <a:round/>
+                      <a:headEnd type="none" w="med" len="med"/>
+                      <a:tailEnd type="none" w="med" len="med"/>
+                    </a:lnT>
+                    <a:lnB w="12700" cap="flat" cmpd="sng" algn="ctr">
+                      <a:solidFill>
+                        <a:srgbClr val="000000"/>
+                      </a:solidFill>
+                      <a:prstDash val="solid"/>
+                      <a:round/>
+                      <a:headEnd type="none" w="med" len="med"/>
+                      <a:tailEnd type="none" w="med" len="med"/>
+                    </a:lnB>
+                  </a:tcPr>
+                </a:tc>
+                <a:tc>
+                  <a:txBody>
+                    <a:bodyPr/>
+                    <a:lstStyle/>
+                    <a:p>
+                      <a:pPr marL="0" marR="0" algn="r">
+                        <a:lnSpc>
+                          <a:spcPct val="115000"/>
+                        </a:lnSpc>
+                        <a:spcBef>
+                          <a:spcPts val="0"/>
+                        </a:spcBef>
+                        <a:spcAft>
+                          <a:spcPts val="0"/>
+                        </a:spcAft>
+                      </a:pPr>
+                      <a:r>
+                        <a:rPr lang="en-US" sz="1500">
+                          <a:latin typeface="Times New Roman"/>
+                          <a:ea typeface="MS Mincho"/>
+                          <a:cs typeface="Times New Roman"/>
+                        </a:rPr>
+                        <a:t>99.80</a:t>
+                      </a:r>
+                      <a:endParaRPr lang="en-US" sz="1500">
+                        <a:latin typeface="Calibri"/>
+                        <a:ea typeface="MS Mincho"/>
+                        <a:cs typeface="Times New Roman"/>
+                      </a:endParaRPr>
+                    </a:p>
+                  </a:txBody>
+                  <a:tcPr marL="68580" marR="68580" marT="0" marB="0">
+                    <a:lnL w="12700" cap="flat" cmpd="sng" algn="ctr">
+                      <a:solidFill>
+                        <a:srgbClr val="000000"/>
+                      </a:solidFill>
+                      <a:prstDash val="solid"/>
+                      <a:round/>
+                      <a:headEnd type="none" w="med" len="med"/>
+                      <a:tailEnd type="none" w="med" len="med"/>
+                    </a:lnL>
+                    <a:lnR w="12700" cap="flat" cmpd="sng" algn="ctr">
+                      <a:solidFill>
+                        <a:srgbClr val="000000"/>
+                      </a:solidFill>
+                      <a:prstDash val="solid"/>
+                      <a:round/>
+                      <a:headEnd type="none" w="med" len="med"/>
+                      <a:tailEnd type="none" w="med" len="med"/>
+                    </a:lnR>
+                    <a:lnT w="12700" cap="flat" cmpd="sng" algn="ctr">
+                      <a:solidFill>
+                        <a:srgbClr val="000000"/>
+                      </a:solidFill>
+                      <a:prstDash val="solid"/>
+                      <a:round/>
+                      <a:headEnd type="none" w="med" len="med"/>
+                      <a:tailEnd type="none" w="med" len="med"/>
+                    </a:lnT>
+                    <a:lnB w="12700" cap="flat" cmpd="sng" algn="ctr">
+                      <a:solidFill>
+                        <a:srgbClr val="000000"/>
+                      </a:solidFill>
+                      <a:prstDash val="solid"/>
+                      <a:round/>
+                      <a:headEnd type="none" w="med" len="med"/>
+                      <a:tailEnd type="none" w="med" len="med"/>
+                    </a:lnB>
+                  </a:tcPr>
+                </a:tc>
+                <a:tc>
+                  <a:txBody>
+                    <a:bodyPr/>
+                    <a:lstStyle/>
+                    <a:p>
+                      <a:pPr marL="0" marR="0" algn="r">
+                        <a:lnSpc>
+                          <a:spcPct val="115000"/>
+                        </a:lnSpc>
+                        <a:spcBef>
+                          <a:spcPts val="0"/>
+                        </a:spcBef>
+                        <a:spcAft>
+                          <a:spcPts val="0"/>
+                        </a:spcAft>
+                      </a:pPr>
+                      <a:r>
+                        <a:rPr lang="en-US" sz="1500">
+                          <a:latin typeface="Times New Roman"/>
+                          <a:ea typeface="MS Mincho"/>
+                          <a:cs typeface="Times New Roman"/>
+                        </a:rPr>
+                        <a:t>100.0</a:t>
+                      </a:r>
+                      <a:endParaRPr lang="en-US" sz="1500">
+                        <a:latin typeface="Calibri"/>
+                        <a:ea typeface="MS Mincho"/>
+                        <a:cs typeface="Times New Roman"/>
+                      </a:endParaRPr>
+                    </a:p>
+                  </a:txBody>
+                  <a:tcPr marL="68580" marR="68580" marT="0" marB="0">
+                    <a:lnL w="12700" cap="flat" cmpd="sng" algn="ctr">
+                      <a:solidFill>
+                        <a:srgbClr val="000000"/>
+                      </a:solidFill>
+                      <a:prstDash val="solid"/>
+                      <a:round/>
+                      <a:headEnd type="none" w="med" len="med"/>
+                      <a:tailEnd type="none" w="med" len="med"/>
+                    </a:lnL>
+                    <a:lnR w="12700" cap="flat" cmpd="sng" algn="ctr">
+                      <a:solidFill>
+                        <a:srgbClr val="000000"/>
+                      </a:solidFill>
+                      <a:prstDash val="solid"/>
+                      <a:round/>
+                      <a:headEnd type="none" w="med" len="med"/>
+                      <a:tailEnd type="none" w="med" len="med"/>
+                    </a:lnR>
+                    <a:lnT w="12700" cap="flat" cmpd="sng" algn="ctr">
+                      <a:solidFill>
+                        <a:srgbClr val="000000"/>
+                      </a:solidFill>
+                      <a:prstDash val="solid"/>
+                      <a:round/>
+                      <a:headEnd type="none" w="med" len="med"/>
+                      <a:tailEnd type="none" w="med" len="med"/>
+                    </a:lnT>
+                    <a:lnB w="12700" cap="flat" cmpd="sng" algn="ctr">
+                      <a:solidFill>
+                        <a:srgbClr val="000000"/>
+                      </a:solidFill>
+                      <a:prstDash val="solid"/>
+                      <a:round/>
+                      <a:headEnd type="none" w="med" len="med"/>
+                      <a:tailEnd type="none" w="med" len="med"/>
+                    </a:lnB>
+                  </a:tcPr>
+                </a:tc>
+                <a:tc>
+                  <a:txBody>
+                    <a:bodyPr/>
+                    <a:lstStyle/>
+                    <a:p>
+                      <a:pPr marL="0" marR="0" algn="r">
+                        <a:lnSpc>
+                          <a:spcPct val="115000"/>
+                        </a:lnSpc>
+                        <a:spcBef>
+                          <a:spcPts val="0"/>
+                        </a:spcBef>
+                        <a:spcAft>
+                          <a:spcPts val="0"/>
+                        </a:spcAft>
+                      </a:pPr>
+                      <a:r>
+                        <a:rPr lang="en-US" sz="1500">
+                          <a:latin typeface="Times New Roman"/>
+                          <a:ea typeface="MS Mincho"/>
+                          <a:cs typeface="Times New Roman"/>
+                        </a:rPr>
+                        <a:t>99.94</a:t>
+                      </a:r>
+                      <a:endParaRPr lang="en-US" sz="1500">
+                        <a:latin typeface="Calibri"/>
+                        <a:ea typeface="MS Mincho"/>
+                        <a:cs typeface="Times New Roman"/>
+                      </a:endParaRPr>
+                    </a:p>
+                  </a:txBody>
+                  <a:tcPr marL="68580" marR="68580" marT="0" marB="0">
+                    <a:lnL w="12700" cap="flat" cmpd="sng" algn="ctr">
+                      <a:solidFill>
+                        <a:srgbClr val="000000"/>
+                      </a:solidFill>
+                      <a:prstDash val="solid"/>
+                      <a:round/>
+                      <a:headEnd type="none" w="med" len="med"/>
+                      <a:tailEnd type="none" w="med" len="med"/>
+                    </a:lnL>
+                    <a:lnR w="12700" cap="flat" cmpd="sng" algn="ctr">
+                      <a:solidFill>
+                        <a:srgbClr val="000000"/>
+                      </a:solidFill>
+                      <a:prstDash val="solid"/>
+                      <a:round/>
+                      <a:headEnd type="none" w="med" len="med"/>
+                      <a:tailEnd type="none" w="med" len="med"/>
+                    </a:lnR>
+                    <a:lnT w="12700" cap="flat" cmpd="sng" algn="ctr">
+                      <a:solidFill>
+                        <a:srgbClr val="000000"/>
+                      </a:solidFill>
+                      <a:prstDash val="solid"/>
+                      <a:round/>
+                      <a:headEnd type="none" w="med" len="med"/>
+                      <a:tailEnd type="none" w="med" len="med"/>
+                    </a:lnT>
+                    <a:lnB w="12700" cap="flat" cmpd="sng" algn="ctr">
+                      <a:solidFill>
+                        <a:srgbClr val="000000"/>
+                      </a:solidFill>
+                      <a:prstDash val="solid"/>
+                      <a:round/>
+                      <a:headEnd type="none" w="med" len="med"/>
+                      <a:tailEnd type="none" w="med" len="med"/>
+                    </a:lnB>
+                  </a:tcPr>
+                </a:tc>
+                <a:tc>
+                  <a:txBody>
+                    <a:bodyPr/>
+                    <a:lstStyle/>
+                    <a:p>
+                      <a:pPr marL="0" marR="0" algn="r">
+                        <a:lnSpc>
+                          <a:spcPct val="115000"/>
+                        </a:lnSpc>
+                        <a:spcBef>
+                          <a:spcPts val="0"/>
+                        </a:spcBef>
+                        <a:spcAft>
+                          <a:spcPts val="0"/>
+                        </a:spcAft>
+                      </a:pPr>
+                      <a:r>
+                        <a:rPr lang="en-US" sz="1500">
+                          <a:latin typeface="Times New Roman"/>
+                          <a:ea typeface="MS Mincho"/>
+                          <a:cs typeface="Times New Roman"/>
+                        </a:rPr>
+                        <a:t>100.0</a:t>
+                      </a:r>
+                      <a:endParaRPr lang="en-US" sz="1500">
+                        <a:latin typeface="Calibri"/>
+                        <a:ea typeface="MS Mincho"/>
+                        <a:cs typeface="Times New Roman"/>
+                      </a:endParaRPr>
+                    </a:p>
+                  </a:txBody>
+                  <a:tcPr marL="68580" marR="68580" marT="0" marB="0">
+                    <a:lnL w="12700" cap="flat" cmpd="sng" algn="ctr">
+                      <a:solidFill>
+                        <a:srgbClr val="000000"/>
+                      </a:solidFill>
+                      <a:prstDash val="solid"/>
+                      <a:round/>
+                      <a:headEnd type="none" w="med" len="med"/>
+                      <a:tailEnd type="none" w="med" len="med"/>
+                    </a:lnL>
+                    <a:lnR w="12700" cap="flat" cmpd="sng" algn="ctr">
+                      <a:solidFill>
+                        <a:srgbClr val="000000"/>
+                      </a:solidFill>
+                      <a:prstDash val="solid"/>
+                      <a:round/>
+                      <a:headEnd type="none" w="med" len="med"/>
+                      <a:tailEnd type="none" w="med" len="med"/>
+                    </a:lnR>
+                    <a:lnT w="12700" cap="flat" cmpd="sng" algn="ctr">
+                      <a:solidFill>
+                        <a:srgbClr val="000000"/>
+                      </a:solidFill>
+                      <a:prstDash val="solid"/>
+                      <a:round/>
+                      <a:headEnd type="none" w="med" len="med"/>
+                      <a:tailEnd type="none" w="med" len="med"/>
+                    </a:lnT>
+                    <a:lnB w="12700" cap="flat" cmpd="sng" algn="ctr">
+                      <a:solidFill>
+                        <a:srgbClr val="000000"/>
+                      </a:solidFill>
+                      <a:prstDash val="solid"/>
+                      <a:round/>
+                      <a:headEnd type="none" w="med" len="med"/>
+                      <a:tailEnd type="none" w="med" len="med"/>
+                    </a:lnB>
+                  </a:tcPr>
+                </a:tc>
+              </a:tr>
+              <a:tr h="0">
+                <a:tc>
+                  <a:txBody>
+                    <a:bodyPr/>
+                    <a:lstStyle/>
+                    <a:p>
+                      <a:pPr marL="0" marR="0">
+                        <a:lnSpc>
+                          <a:spcPct val="115000"/>
+                        </a:lnSpc>
+                        <a:spcBef>
+                          <a:spcPts val="0"/>
+                        </a:spcBef>
+                        <a:spcAft>
+                          <a:spcPts val="0"/>
+                        </a:spcAft>
+                      </a:pPr>
+                      <a:r>
+                        <a:rPr lang="en-US" sz="1500" dirty="0" err="1" smtClean="0">
+                          <a:latin typeface="Times New Roman"/>
+                          <a:ea typeface="MS Mincho"/>
+                          <a:cs typeface="Times New Roman"/>
+                        </a:rPr>
+                        <a:t>computeTax</a:t>
+                      </a:r>
+                      <a:endParaRPr lang="en-US" sz="1500" dirty="0">
+                        <a:latin typeface="Calibri"/>
+                        <a:ea typeface="MS Mincho"/>
+                        <a:cs typeface="Times New Roman"/>
+                      </a:endParaRPr>
+                    </a:p>
+                  </a:txBody>
+                  <a:tcPr marL="68580" marR="68580" marT="0" marB="0">
+                    <a:lnL w="12700" cap="flat" cmpd="sng" algn="ctr">
+                      <a:solidFill>
+                        <a:srgbClr val="000000"/>
+                      </a:solidFill>
+                      <a:prstDash val="solid"/>
+                      <a:round/>
+                      <a:headEnd type="none" w="med" len="med"/>
+                      <a:tailEnd type="none" w="med" len="med"/>
+                    </a:lnL>
+                    <a:lnR w="12700" cap="flat" cmpd="sng" algn="ctr">
+                      <a:solidFill>
+                        <a:srgbClr val="000000"/>
+                      </a:solidFill>
+                      <a:prstDash val="solid"/>
+                      <a:round/>
+                      <a:headEnd type="none" w="med" len="med"/>
+                      <a:tailEnd type="none" w="med" len="med"/>
+                    </a:lnR>
+                    <a:lnT w="12700" cap="flat" cmpd="sng" algn="ctr">
+                      <a:solidFill>
+                        <a:srgbClr val="000000"/>
+                      </a:solidFill>
+                      <a:prstDash val="solid"/>
+                      <a:round/>
+                      <a:headEnd type="none" w="med" len="med"/>
+                      <a:tailEnd type="none" w="med" len="med"/>
+                    </a:lnT>
+                    <a:lnB w="12700" cap="flat" cmpd="sng" algn="ctr">
+                      <a:solidFill>
+                        <a:srgbClr val="000000"/>
+                      </a:solidFill>
+                      <a:prstDash val="solid"/>
+                      <a:round/>
+                      <a:headEnd type="none" w="med" len="med"/>
+                      <a:tailEnd type="none" w="med" len="med"/>
+                    </a:lnB>
+                  </a:tcPr>
+                </a:tc>
+                <a:tc>
+                  <a:txBody>
+                    <a:bodyPr/>
+                    <a:lstStyle/>
+                    <a:p>
+                      <a:pPr marL="0" marR="0" algn="r">
+                        <a:lnSpc>
+                          <a:spcPct val="115000"/>
+                        </a:lnSpc>
+                        <a:spcBef>
+                          <a:spcPts val="0"/>
+                        </a:spcBef>
+                        <a:spcAft>
+                          <a:spcPts val="0"/>
+                        </a:spcAft>
+                      </a:pPr>
+                      <a:r>
+                        <a:rPr lang="en-US" sz="1500">
+                          <a:latin typeface="Times New Roman"/>
+                          <a:ea typeface="MS Mincho"/>
+                          <a:cs typeface="Times New Roman"/>
+                        </a:rPr>
+                        <a:t>99.80</a:t>
+                      </a:r>
+                      <a:endParaRPr lang="en-US" sz="1500">
+                        <a:latin typeface="Calibri"/>
+                        <a:ea typeface="MS Mincho"/>
+                        <a:cs typeface="Times New Roman"/>
+                      </a:endParaRPr>
+                    </a:p>
+                  </a:txBody>
+                  <a:tcPr marL="68580" marR="68580" marT="0" marB="0">
+                    <a:lnL w="12700" cap="flat" cmpd="sng" algn="ctr">
+                      <a:solidFill>
+                        <a:srgbClr val="000000"/>
+                      </a:solidFill>
+                      <a:prstDash val="solid"/>
+                      <a:round/>
+                      <a:headEnd type="none" w="med" len="med"/>
+                      <a:tailEnd type="none" w="med" len="med"/>
+                    </a:lnL>
+                    <a:lnR w="12700" cap="flat" cmpd="sng" algn="ctr">
+                      <a:solidFill>
+                        <a:srgbClr val="000000"/>
+                      </a:solidFill>
+                      <a:prstDash val="solid"/>
+                      <a:round/>
+                      <a:headEnd type="none" w="med" len="med"/>
+                      <a:tailEnd type="none" w="med" len="med"/>
+                    </a:lnR>
+                    <a:lnT w="12700" cap="flat" cmpd="sng" algn="ctr">
+                      <a:solidFill>
+                        <a:srgbClr val="000000"/>
+                      </a:solidFill>
+                      <a:prstDash val="solid"/>
+                      <a:round/>
+                      <a:headEnd type="none" w="med" len="med"/>
+                      <a:tailEnd type="none" w="med" len="med"/>
+                    </a:lnT>
+                    <a:lnB w="12700" cap="flat" cmpd="sng" algn="ctr">
+                      <a:solidFill>
+                        <a:srgbClr val="000000"/>
+                      </a:solidFill>
+                      <a:prstDash val="solid"/>
+                      <a:round/>
+                      <a:headEnd type="none" w="med" len="med"/>
+                      <a:tailEnd type="none" w="med" len="med"/>
+                    </a:lnB>
+                  </a:tcPr>
+                </a:tc>
+                <a:tc>
+                  <a:txBody>
+                    <a:bodyPr/>
+                    <a:lstStyle/>
+                    <a:p>
+                      <a:pPr marL="0" marR="0" algn="r">
+                        <a:lnSpc>
+                          <a:spcPct val="115000"/>
+                        </a:lnSpc>
+                        <a:spcBef>
+                          <a:spcPts val="0"/>
+                        </a:spcBef>
+                        <a:spcAft>
+                          <a:spcPts val="0"/>
+                        </a:spcAft>
+                      </a:pPr>
+                      <a:r>
+                        <a:rPr lang="en-US" sz="1500">
+                          <a:latin typeface="Times New Roman"/>
+                          <a:ea typeface="MS Mincho"/>
+                          <a:cs typeface="Times New Roman"/>
+                        </a:rPr>
+                        <a:t>100.0</a:t>
+                      </a:r>
+                      <a:endParaRPr lang="en-US" sz="1500">
+                        <a:latin typeface="Calibri"/>
+                        <a:ea typeface="MS Mincho"/>
+                        <a:cs typeface="Times New Roman"/>
+                      </a:endParaRPr>
+                    </a:p>
+                  </a:txBody>
+                  <a:tcPr marL="68580" marR="68580" marT="0" marB="0">
+                    <a:lnL w="12700" cap="flat" cmpd="sng" algn="ctr">
+                      <a:solidFill>
+                        <a:srgbClr val="000000"/>
+                      </a:solidFill>
+                      <a:prstDash val="solid"/>
+                      <a:round/>
+                      <a:headEnd type="none" w="med" len="med"/>
+                      <a:tailEnd type="none" w="med" len="med"/>
+                    </a:lnL>
+                    <a:lnR w="12700" cap="flat" cmpd="sng" algn="ctr">
+                      <a:solidFill>
+                        <a:srgbClr val="000000"/>
+                      </a:solidFill>
+                      <a:prstDash val="solid"/>
+                      <a:round/>
+                      <a:headEnd type="none" w="med" len="med"/>
+                      <a:tailEnd type="none" w="med" len="med"/>
+                    </a:lnR>
+                    <a:lnT w="12700" cap="flat" cmpd="sng" algn="ctr">
+                      <a:solidFill>
+                        <a:srgbClr val="000000"/>
+                      </a:solidFill>
+                      <a:prstDash val="solid"/>
+                      <a:round/>
+                      <a:headEnd type="none" w="med" len="med"/>
+                      <a:tailEnd type="none" w="med" len="med"/>
+                    </a:lnT>
+                    <a:lnB w="12700" cap="flat" cmpd="sng" algn="ctr">
+                      <a:solidFill>
+                        <a:srgbClr val="000000"/>
+                      </a:solidFill>
+                      <a:prstDash val="solid"/>
+                      <a:round/>
+                      <a:headEnd type="none" w="med" len="med"/>
+                      <a:tailEnd type="none" w="med" len="med"/>
+                    </a:lnB>
+                  </a:tcPr>
+                </a:tc>
+                <a:tc>
+                  <a:txBody>
+                    <a:bodyPr/>
+                    <a:lstStyle/>
+                    <a:p>
+                      <a:pPr marL="0" marR="0" algn="r">
+                        <a:lnSpc>
+                          <a:spcPct val="115000"/>
+                        </a:lnSpc>
+                        <a:spcBef>
+                          <a:spcPts val="0"/>
+                        </a:spcBef>
+                        <a:spcAft>
+                          <a:spcPts val="0"/>
+                        </a:spcAft>
+                      </a:pPr>
+                      <a:r>
+                        <a:rPr lang="en-US" sz="1500">
+                          <a:latin typeface="Times New Roman"/>
+                          <a:ea typeface="MS Mincho"/>
+                          <a:cs typeface="Times New Roman"/>
+                        </a:rPr>
+                        <a:t>99.98</a:t>
+                      </a:r>
+                      <a:endParaRPr lang="en-US" sz="1500">
+                        <a:latin typeface="Calibri"/>
+                        <a:ea typeface="MS Mincho"/>
+                        <a:cs typeface="Times New Roman"/>
+                      </a:endParaRPr>
+                    </a:p>
+                  </a:txBody>
+                  <a:tcPr marL="68580" marR="68580" marT="0" marB="0">
+                    <a:lnL w="12700" cap="flat" cmpd="sng" algn="ctr">
+                      <a:solidFill>
+                        <a:srgbClr val="000000"/>
+                      </a:solidFill>
+                      <a:prstDash val="solid"/>
+                      <a:round/>
+                      <a:headEnd type="none" w="med" len="med"/>
+                      <a:tailEnd type="none" w="med" len="med"/>
+                    </a:lnL>
+                    <a:lnR w="12700" cap="flat" cmpd="sng" algn="ctr">
+                      <a:solidFill>
+                        <a:srgbClr val="000000"/>
+                      </a:solidFill>
+                      <a:prstDash val="solid"/>
+                      <a:round/>
+                      <a:headEnd type="none" w="med" len="med"/>
+                      <a:tailEnd type="none" w="med" len="med"/>
+                    </a:lnR>
+                    <a:lnT w="12700" cap="flat" cmpd="sng" algn="ctr">
+                      <a:solidFill>
+                        <a:srgbClr val="000000"/>
+                      </a:solidFill>
+                      <a:prstDash val="solid"/>
+                      <a:round/>
+                      <a:headEnd type="none" w="med" len="med"/>
+                      <a:tailEnd type="none" w="med" len="med"/>
+                    </a:lnT>
+                    <a:lnB w="12700" cap="flat" cmpd="sng" algn="ctr">
+                      <a:solidFill>
+                        <a:srgbClr val="000000"/>
+                      </a:solidFill>
+                      <a:prstDash val="solid"/>
+                      <a:round/>
+                      <a:headEnd type="none" w="med" len="med"/>
+                      <a:tailEnd type="none" w="med" len="med"/>
+                    </a:lnB>
+                  </a:tcPr>
+                </a:tc>
+                <a:tc>
+                  <a:txBody>
+                    <a:bodyPr/>
+                    <a:lstStyle/>
+                    <a:p>
+                      <a:pPr marL="0" marR="0" algn="r">
+                        <a:lnSpc>
+                          <a:spcPct val="115000"/>
+                        </a:lnSpc>
+                        <a:spcBef>
+                          <a:spcPts val="0"/>
+                        </a:spcBef>
+                        <a:spcAft>
+                          <a:spcPts val="0"/>
+                        </a:spcAft>
+                      </a:pPr>
+                      <a:r>
+                        <a:rPr lang="en-US" sz="1500">
+                          <a:latin typeface="Times New Roman"/>
+                          <a:ea typeface="MS Mincho"/>
+                          <a:cs typeface="Times New Roman"/>
+                        </a:rPr>
+                        <a:t>100.0</a:t>
+                      </a:r>
+                      <a:endParaRPr lang="en-US" sz="1500">
+                        <a:latin typeface="Calibri"/>
+                        <a:ea typeface="MS Mincho"/>
+                        <a:cs typeface="Times New Roman"/>
+                      </a:endParaRPr>
+                    </a:p>
+                  </a:txBody>
+                  <a:tcPr marL="68580" marR="68580" marT="0" marB="0">
+                    <a:lnL w="12700" cap="flat" cmpd="sng" algn="ctr">
+                      <a:solidFill>
+                        <a:srgbClr val="000000"/>
+                      </a:solidFill>
+                      <a:prstDash val="solid"/>
+                      <a:round/>
+                      <a:headEnd type="none" w="med" len="med"/>
+                      <a:tailEnd type="none" w="med" len="med"/>
+                    </a:lnL>
+                    <a:lnR w="12700" cap="flat" cmpd="sng" algn="ctr">
+                      <a:solidFill>
+                        <a:srgbClr val="000000"/>
+                      </a:solidFill>
+                      <a:prstDash val="solid"/>
+                      <a:round/>
+                      <a:headEnd type="none" w="med" len="med"/>
+                      <a:tailEnd type="none" w="med" len="med"/>
+                    </a:lnR>
+                    <a:lnT w="12700" cap="flat" cmpd="sng" algn="ctr">
+                      <a:solidFill>
+                        <a:srgbClr val="000000"/>
+                      </a:solidFill>
+                      <a:prstDash val="solid"/>
+                      <a:round/>
+                      <a:headEnd type="none" w="med" len="med"/>
+                      <a:tailEnd type="none" w="med" len="med"/>
+                    </a:lnT>
+                    <a:lnB w="12700" cap="flat" cmpd="sng" algn="ctr">
+                      <a:solidFill>
+                        <a:srgbClr val="000000"/>
+                      </a:solidFill>
+                      <a:prstDash val="solid"/>
+                      <a:round/>
+                      <a:headEnd type="none" w="med" len="med"/>
+                      <a:tailEnd type="none" w="med" len="med"/>
+                    </a:lnB>
+                  </a:tcPr>
+                </a:tc>
+              </a:tr>
+              <a:tr h="0">
+                <a:tc>
+                  <a:txBody>
+                    <a:bodyPr/>
+                    <a:lstStyle/>
+                    <a:p>
+                      <a:pPr marL="0" marR="0">
+                        <a:lnSpc>
+                          <a:spcPct val="115000"/>
+                        </a:lnSpc>
+                        <a:spcBef>
+                          <a:spcPts val="0"/>
+                        </a:spcBef>
+                        <a:spcAft>
+                          <a:spcPts val="0"/>
+                        </a:spcAft>
+                      </a:pPr>
+                      <a:r>
+                        <a:rPr lang="en-US" sz="1500">
+                          <a:latin typeface="Times New Roman"/>
+                          <a:ea typeface="MS Mincho"/>
+                          <a:cs typeface="Times New Roman"/>
+                        </a:rPr>
+                        <a:t>printCalendar</a:t>
+                      </a:r>
+                      <a:endParaRPr lang="en-US" sz="1500">
+                        <a:latin typeface="Calibri"/>
+                        <a:ea typeface="MS Mincho"/>
+                        <a:cs typeface="Times New Roman"/>
+                      </a:endParaRPr>
+                    </a:p>
+                  </a:txBody>
+                  <a:tcPr marL="68580" marR="68580" marT="0" marB="0">
+                    <a:lnL w="12700" cap="flat" cmpd="sng" algn="ctr">
+                      <a:solidFill>
+                        <a:srgbClr val="000000"/>
+                      </a:solidFill>
+                      <a:prstDash val="solid"/>
+                      <a:round/>
+                      <a:headEnd type="none" w="med" len="med"/>
+                      <a:tailEnd type="none" w="med" len="med"/>
+                    </a:lnL>
+                    <a:lnR w="12700" cap="flat" cmpd="sng" algn="ctr">
+                      <a:solidFill>
+                        <a:srgbClr val="000000"/>
+                      </a:solidFill>
+                      <a:prstDash val="solid"/>
+                      <a:round/>
+                      <a:headEnd type="none" w="med" len="med"/>
+                      <a:tailEnd type="none" w="med" len="med"/>
+                    </a:lnR>
+                    <a:lnT w="12700" cap="flat" cmpd="sng" algn="ctr">
+                      <a:solidFill>
+                        <a:srgbClr val="000000"/>
+                      </a:solidFill>
+                      <a:prstDash val="solid"/>
+                      <a:round/>
+                      <a:headEnd type="none" w="med" len="med"/>
+                      <a:tailEnd type="none" w="med" len="med"/>
+                    </a:lnT>
+                    <a:lnB w="12700" cap="flat" cmpd="sng" algn="ctr">
+                      <a:solidFill>
+                        <a:srgbClr val="000000"/>
+                      </a:solidFill>
+                      <a:prstDash val="solid"/>
+                      <a:round/>
+                      <a:headEnd type="none" w="med" len="med"/>
+                      <a:tailEnd type="none" w="med" len="med"/>
+                    </a:lnB>
+                  </a:tcPr>
+                </a:tc>
+                <a:tc>
+                  <a:txBody>
+                    <a:bodyPr/>
+                    <a:lstStyle/>
+                    <a:p>
+                      <a:pPr marL="0" marR="0" algn="r">
+                        <a:lnSpc>
+                          <a:spcPct val="115000"/>
+                        </a:lnSpc>
+                        <a:spcBef>
+                          <a:spcPts val="0"/>
+                        </a:spcBef>
+                        <a:spcAft>
+                          <a:spcPts val="0"/>
+                        </a:spcAft>
+                      </a:pPr>
+                      <a:r>
+                        <a:rPr lang="en-US" sz="1500">
+                          <a:latin typeface="Times New Roman"/>
+                          <a:ea typeface="MS Mincho"/>
+                          <a:cs typeface="Times New Roman"/>
+                        </a:rPr>
+                        <a:t>99.10</a:t>
+                      </a:r>
+                      <a:endParaRPr lang="en-US" sz="1500">
+                        <a:latin typeface="Calibri"/>
+                        <a:ea typeface="MS Mincho"/>
+                        <a:cs typeface="Times New Roman"/>
+                      </a:endParaRPr>
+                    </a:p>
+                  </a:txBody>
+                  <a:tcPr marL="68580" marR="68580" marT="0" marB="0">
+                    <a:lnL w="12700" cap="flat" cmpd="sng" algn="ctr">
+                      <a:solidFill>
+                        <a:srgbClr val="000000"/>
+                      </a:solidFill>
+                      <a:prstDash val="solid"/>
+                      <a:round/>
+                      <a:headEnd type="none" w="med" len="med"/>
+                      <a:tailEnd type="none" w="med" len="med"/>
+                    </a:lnL>
+                    <a:lnR w="12700" cap="flat" cmpd="sng" algn="ctr">
+                      <a:solidFill>
+                        <a:srgbClr val="000000"/>
+                      </a:solidFill>
+                      <a:prstDash val="solid"/>
+                      <a:round/>
+                      <a:headEnd type="none" w="med" len="med"/>
+                      <a:tailEnd type="none" w="med" len="med"/>
+                    </a:lnR>
+                    <a:lnT w="12700" cap="flat" cmpd="sng" algn="ctr">
+                      <a:solidFill>
+                        <a:srgbClr val="000000"/>
+                      </a:solidFill>
+                      <a:prstDash val="solid"/>
+                      <a:round/>
+                      <a:headEnd type="none" w="med" len="med"/>
+                      <a:tailEnd type="none" w="med" len="med"/>
+                    </a:lnT>
+                    <a:lnB w="12700" cap="flat" cmpd="sng" algn="ctr">
+                      <a:solidFill>
+                        <a:srgbClr val="000000"/>
+                      </a:solidFill>
+                      <a:prstDash val="solid"/>
+                      <a:round/>
+                      <a:headEnd type="none" w="med" len="med"/>
+                      <a:tailEnd type="none" w="med" len="med"/>
+                    </a:lnB>
+                  </a:tcPr>
+                </a:tc>
+                <a:tc>
+                  <a:txBody>
+                    <a:bodyPr/>
+                    <a:lstStyle/>
+                    <a:p>
+                      <a:pPr marL="0" marR="0" algn="r">
+                        <a:lnSpc>
+                          <a:spcPct val="115000"/>
+                        </a:lnSpc>
+                        <a:spcBef>
+                          <a:spcPts val="0"/>
+                        </a:spcBef>
+                        <a:spcAft>
+                          <a:spcPts val="0"/>
+                        </a:spcAft>
+                      </a:pPr>
+                      <a:r>
+                        <a:rPr lang="en-US" sz="1500">
+                          <a:latin typeface="Times New Roman"/>
+                          <a:ea typeface="MS Mincho"/>
+                          <a:cs typeface="Times New Roman"/>
+                        </a:rPr>
+                        <a:t>100.0</a:t>
+                      </a:r>
+                      <a:endParaRPr lang="en-US" sz="1500">
+                        <a:latin typeface="Calibri"/>
+                        <a:ea typeface="MS Mincho"/>
+                        <a:cs typeface="Times New Roman"/>
+                      </a:endParaRPr>
+                    </a:p>
+                  </a:txBody>
+                  <a:tcPr marL="68580" marR="68580" marT="0" marB="0">
+                    <a:lnL w="12700" cap="flat" cmpd="sng" algn="ctr">
+                      <a:solidFill>
+                        <a:srgbClr val="000000"/>
+                      </a:solidFill>
+                      <a:prstDash val="solid"/>
+                      <a:round/>
+                      <a:headEnd type="none" w="med" len="med"/>
+                      <a:tailEnd type="none" w="med" len="med"/>
+                    </a:lnL>
+                    <a:lnR w="12700" cap="flat" cmpd="sng" algn="ctr">
+                      <a:solidFill>
+                        <a:srgbClr val="000000"/>
+                      </a:solidFill>
+                      <a:prstDash val="solid"/>
+                      <a:round/>
+                      <a:headEnd type="none" w="med" len="med"/>
+                      <a:tailEnd type="none" w="med" len="med"/>
+                    </a:lnR>
+                    <a:lnT w="12700" cap="flat" cmpd="sng" algn="ctr">
+                      <a:solidFill>
+                        <a:srgbClr val="000000"/>
+                      </a:solidFill>
+                      <a:prstDash val="solid"/>
+                      <a:round/>
+                      <a:headEnd type="none" w="med" len="med"/>
+                      <a:tailEnd type="none" w="med" len="med"/>
+                    </a:lnT>
+                    <a:lnB w="12700" cap="flat" cmpd="sng" algn="ctr">
+                      <a:solidFill>
+                        <a:srgbClr val="000000"/>
+                      </a:solidFill>
+                      <a:prstDash val="solid"/>
+                      <a:round/>
+                      <a:headEnd type="none" w="med" len="med"/>
+                      <a:tailEnd type="none" w="med" len="med"/>
+                    </a:lnB>
+                  </a:tcPr>
+                </a:tc>
+                <a:tc>
+                  <a:txBody>
+                    <a:bodyPr/>
+                    <a:lstStyle/>
+                    <a:p>
+                      <a:pPr marL="0" marR="0" algn="r">
+                        <a:lnSpc>
+                          <a:spcPct val="115000"/>
+                        </a:lnSpc>
+                        <a:spcBef>
+                          <a:spcPts val="0"/>
+                        </a:spcBef>
+                        <a:spcAft>
+                          <a:spcPts val="0"/>
+                        </a:spcAft>
+                      </a:pPr>
+                      <a:r>
+                        <a:rPr lang="en-US" sz="1500">
+                          <a:latin typeface="Times New Roman"/>
+                          <a:ea typeface="MS Mincho"/>
+                          <a:cs typeface="Times New Roman"/>
+                        </a:rPr>
+                        <a:t>99.72</a:t>
+                      </a:r>
+                      <a:endParaRPr lang="en-US" sz="1500">
+                        <a:latin typeface="Calibri"/>
+                        <a:ea typeface="MS Mincho"/>
+                        <a:cs typeface="Times New Roman"/>
+                      </a:endParaRPr>
+                    </a:p>
+                  </a:txBody>
+                  <a:tcPr marL="68580" marR="68580" marT="0" marB="0">
+                    <a:lnL w="12700" cap="flat" cmpd="sng" algn="ctr">
+                      <a:solidFill>
+                        <a:srgbClr val="000000"/>
+                      </a:solidFill>
+                      <a:prstDash val="solid"/>
+                      <a:round/>
+                      <a:headEnd type="none" w="med" len="med"/>
+                      <a:tailEnd type="none" w="med" len="med"/>
+                    </a:lnL>
+                    <a:lnR w="12700" cap="flat" cmpd="sng" algn="ctr">
+                      <a:solidFill>
+                        <a:srgbClr val="000000"/>
+                      </a:solidFill>
+                      <a:prstDash val="solid"/>
+                      <a:round/>
+                      <a:headEnd type="none" w="med" len="med"/>
+                      <a:tailEnd type="none" w="med" len="med"/>
+                    </a:lnR>
+                    <a:lnT w="12700" cap="flat" cmpd="sng" algn="ctr">
+                      <a:solidFill>
+                        <a:srgbClr val="000000"/>
+                      </a:solidFill>
+                      <a:prstDash val="solid"/>
+                      <a:round/>
+                      <a:headEnd type="none" w="med" len="med"/>
+                      <a:tailEnd type="none" w="med" len="med"/>
+                    </a:lnT>
+                    <a:lnB w="12700" cap="flat" cmpd="sng" algn="ctr">
+                      <a:solidFill>
+                        <a:srgbClr val="000000"/>
+                      </a:solidFill>
+                      <a:prstDash val="solid"/>
+                      <a:round/>
+                      <a:headEnd type="none" w="med" len="med"/>
+                      <a:tailEnd type="none" w="med" len="med"/>
+                    </a:lnB>
+                  </a:tcPr>
+                </a:tc>
+                <a:tc>
+                  <a:txBody>
+                    <a:bodyPr/>
+                    <a:lstStyle/>
+                    <a:p>
+                      <a:pPr marL="0" marR="0" algn="r">
+                        <a:lnSpc>
+                          <a:spcPct val="115000"/>
+                        </a:lnSpc>
+                        <a:spcBef>
+                          <a:spcPts val="0"/>
+                        </a:spcBef>
+                        <a:spcAft>
+                          <a:spcPts val="0"/>
+                        </a:spcAft>
+                      </a:pPr>
+                      <a:r>
+                        <a:rPr lang="en-US" sz="1500">
+                          <a:latin typeface="Times New Roman"/>
+                          <a:ea typeface="MS Mincho"/>
+                          <a:cs typeface="Times New Roman"/>
+                        </a:rPr>
+                        <a:t>100.0</a:t>
+                      </a:r>
+                      <a:endParaRPr lang="en-US" sz="1500">
+                        <a:latin typeface="Calibri"/>
+                        <a:ea typeface="MS Mincho"/>
+                        <a:cs typeface="Times New Roman"/>
+                      </a:endParaRPr>
+                    </a:p>
+                  </a:txBody>
+                  <a:tcPr marL="68580" marR="68580" marT="0" marB="0">
+                    <a:lnL w="12700" cap="flat" cmpd="sng" algn="ctr">
+                      <a:solidFill>
+                        <a:srgbClr val="000000"/>
+                      </a:solidFill>
+                      <a:prstDash val="solid"/>
+                      <a:round/>
+                      <a:headEnd type="none" w="med" len="med"/>
+                      <a:tailEnd type="none" w="med" len="med"/>
+                    </a:lnL>
+                    <a:lnR w="12700" cap="flat" cmpd="sng" algn="ctr">
+                      <a:solidFill>
+                        <a:srgbClr val="000000"/>
+                      </a:solidFill>
+                      <a:prstDash val="solid"/>
+                      <a:round/>
+                      <a:headEnd type="none" w="med" len="med"/>
+                      <a:tailEnd type="none" w="med" len="med"/>
+                    </a:lnR>
+                    <a:lnT w="12700" cap="flat" cmpd="sng" algn="ctr">
+                      <a:solidFill>
+                        <a:srgbClr val="000000"/>
+                      </a:solidFill>
+                      <a:prstDash val="solid"/>
+                      <a:round/>
+                      <a:headEnd type="none" w="med" len="med"/>
+                      <a:tailEnd type="none" w="med" len="med"/>
+                    </a:lnT>
+                    <a:lnB w="12700" cap="flat" cmpd="sng" algn="ctr">
+                      <a:solidFill>
+                        <a:srgbClr val="000000"/>
+                      </a:solidFill>
+                      <a:prstDash val="solid"/>
+                      <a:round/>
+                      <a:headEnd type="none" w="med" len="med"/>
+                      <a:tailEnd type="none" w="med" len="med"/>
+                    </a:lnB>
+                  </a:tcPr>
+                </a:tc>
+              </a:tr>
+              <a:tr h="0">
+                <a:tc>
+                  <a:txBody>
+                    <a:bodyPr/>
+                    <a:lstStyle/>
+                    <a:p>
+                      <a:pPr marL="0" marR="0">
+                        <a:lnSpc>
+                          <a:spcPct val="115000"/>
+                        </a:lnSpc>
+                        <a:spcBef>
+                          <a:spcPts val="0"/>
+                        </a:spcBef>
+                        <a:spcAft>
+                          <a:spcPts val="0"/>
+                        </a:spcAft>
+                      </a:pPr>
+                      <a:r>
+                        <a:rPr lang="en-US" sz="1500">
+                          <a:latin typeface="Times New Roman"/>
+                          <a:ea typeface="MS Mincho"/>
+                          <a:cs typeface="Times New Roman"/>
+                        </a:rPr>
+                        <a:t>line</a:t>
+                      </a:r>
+                      <a:endParaRPr lang="en-US" sz="1500">
+                        <a:latin typeface="Calibri"/>
+                        <a:ea typeface="MS Mincho"/>
+                        <a:cs typeface="Times New Roman"/>
+                      </a:endParaRPr>
+                    </a:p>
+                  </a:txBody>
+                  <a:tcPr marL="68580" marR="68580" marT="0" marB="0">
+                    <a:lnL w="12700" cap="flat" cmpd="sng" algn="ctr">
+                      <a:solidFill>
+                        <a:srgbClr val="000000"/>
+                      </a:solidFill>
+                      <a:prstDash val="solid"/>
+                      <a:round/>
+                      <a:headEnd type="none" w="med" len="med"/>
+                      <a:tailEnd type="none" w="med" len="med"/>
+                    </a:lnL>
+                    <a:lnR w="12700" cap="flat" cmpd="sng" algn="ctr">
+                      <a:solidFill>
+                        <a:srgbClr val="000000"/>
+                      </a:solidFill>
+                      <a:prstDash val="solid"/>
+                      <a:round/>
+                      <a:headEnd type="none" w="med" len="med"/>
+                      <a:tailEnd type="none" w="med" len="med"/>
+                    </a:lnR>
+                    <a:lnT w="12700" cap="flat" cmpd="sng" algn="ctr">
+                      <a:solidFill>
+                        <a:srgbClr val="000000"/>
+                      </a:solidFill>
+                      <a:prstDash val="solid"/>
+                      <a:round/>
+                      <a:headEnd type="none" w="med" len="med"/>
+                      <a:tailEnd type="none" w="med" len="med"/>
+                    </a:lnT>
+                    <a:lnB w="12700" cap="flat" cmpd="sng" algn="ctr">
+                      <a:solidFill>
+                        <a:srgbClr val="000000"/>
+                      </a:solidFill>
+                      <a:prstDash val="solid"/>
+                      <a:round/>
+                      <a:headEnd type="none" w="med" len="med"/>
+                      <a:tailEnd type="none" w="med" len="med"/>
+                    </a:lnB>
+                  </a:tcPr>
+                </a:tc>
+                <a:tc>
+                  <a:txBody>
+                    <a:bodyPr/>
+                    <a:lstStyle/>
+                    <a:p>
+                      <a:pPr marL="0" marR="0" algn="r">
+                        <a:lnSpc>
+                          <a:spcPct val="115000"/>
+                        </a:lnSpc>
+                        <a:spcBef>
+                          <a:spcPts val="0"/>
+                        </a:spcBef>
+                        <a:spcAft>
+                          <a:spcPts val="0"/>
+                        </a:spcAft>
+                      </a:pPr>
+                      <a:r>
+                        <a:rPr lang="en-US" sz="1500">
+                          <a:latin typeface="Times New Roman"/>
+                          <a:ea typeface="MS Mincho"/>
+                          <a:cs typeface="Times New Roman"/>
+                        </a:rPr>
+                        <a:t>99.20</a:t>
+                      </a:r>
+                      <a:endParaRPr lang="en-US" sz="1500">
+                        <a:latin typeface="Calibri"/>
+                        <a:ea typeface="MS Mincho"/>
+                        <a:cs typeface="Times New Roman"/>
+                      </a:endParaRPr>
+                    </a:p>
+                  </a:txBody>
+                  <a:tcPr marL="68580" marR="68580" marT="0" marB="0">
+                    <a:lnL w="12700" cap="flat" cmpd="sng" algn="ctr">
+                      <a:solidFill>
+                        <a:srgbClr val="000000"/>
+                      </a:solidFill>
+                      <a:prstDash val="solid"/>
+                      <a:round/>
+                      <a:headEnd type="none" w="med" len="med"/>
+                      <a:tailEnd type="none" w="med" len="med"/>
+                    </a:lnL>
+                    <a:lnR w="12700" cap="flat" cmpd="sng" algn="ctr">
+                      <a:solidFill>
+                        <a:srgbClr val="000000"/>
+                      </a:solidFill>
+                      <a:prstDash val="solid"/>
+                      <a:round/>
+                      <a:headEnd type="none" w="med" len="med"/>
+                      <a:tailEnd type="none" w="med" len="med"/>
+                    </a:lnR>
+                    <a:lnT w="12700" cap="flat" cmpd="sng" algn="ctr">
+                      <a:solidFill>
+                        <a:srgbClr val="000000"/>
+                      </a:solidFill>
+                      <a:prstDash val="solid"/>
+                      <a:round/>
+                      <a:headEnd type="none" w="med" len="med"/>
+                      <a:tailEnd type="none" w="med" len="med"/>
+                    </a:lnT>
+                    <a:lnB w="12700" cap="flat" cmpd="sng" algn="ctr">
+                      <a:solidFill>
+                        <a:srgbClr val="000000"/>
+                      </a:solidFill>
+                      <a:prstDash val="solid"/>
+                      <a:round/>
+                      <a:headEnd type="none" w="med" len="med"/>
+                      <a:tailEnd type="none" w="med" len="med"/>
+                    </a:lnB>
+                  </a:tcPr>
+                </a:tc>
+                <a:tc>
+                  <a:txBody>
+                    <a:bodyPr/>
+                    <a:lstStyle/>
+                    <a:p>
+                      <a:pPr marL="0" marR="0" algn="r">
+                        <a:lnSpc>
+                          <a:spcPct val="115000"/>
+                        </a:lnSpc>
+                        <a:spcBef>
+                          <a:spcPts val="0"/>
+                        </a:spcBef>
+                        <a:spcAft>
+                          <a:spcPts val="0"/>
+                        </a:spcAft>
+                      </a:pPr>
+                      <a:r>
+                        <a:rPr lang="en-US" sz="1500">
+                          <a:latin typeface="Times New Roman"/>
+                          <a:ea typeface="MS Mincho"/>
+                          <a:cs typeface="Times New Roman"/>
+                        </a:rPr>
+                        <a:t>100.0</a:t>
+                      </a:r>
+                      <a:endParaRPr lang="en-US" sz="1500">
+                        <a:latin typeface="Calibri"/>
+                        <a:ea typeface="MS Mincho"/>
+                        <a:cs typeface="Times New Roman"/>
+                      </a:endParaRPr>
+                    </a:p>
+                  </a:txBody>
+                  <a:tcPr marL="68580" marR="68580" marT="0" marB="0">
+                    <a:lnL w="12700" cap="flat" cmpd="sng" algn="ctr">
+                      <a:solidFill>
+                        <a:srgbClr val="000000"/>
+                      </a:solidFill>
+                      <a:prstDash val="solid"/>
+                      <a:round/>
+                      <a:headEnd type="none" w="med" len="med"/>
+                      <a:tailEnd type="none" w="med" len="med"/>
+                    </a:lnL>
+                    <a:lnR w="12700" cap="flat" cmpd="sng" algn="ctr">
+                      <a:solidFill>
+                        <a:srgbClr val="000000"/>
+                      </a:solidFill>
+                      <a:prstDash val="solid"/>
+                      <a:round/>
+                      <a:headEnd type="none" w="med" len="med"/>
+                      <a:tailEnd type="none" w="med" len="med"/>
+                    </a:lnR>
+                    <a:lnT w="12700" cap="flat" cmpd="sng" algn="ctr">
+                      <a:solidFill>
+                        <a:srgbClr val="000000"/>
+                      </a:solidFill>
+                      <a:prstDash val="solid"/>
+                      <a:round/>
+                      <a:headEnd type="none" w="med" len="med"/>
+                      <a:tailEnd type="none" w="med" len="med"/>
+                    </a:lnT>
+                    <a:lnB w="12700" cap="flat" cmpd="sng" algn="ctr">
+                      <a:solidFill>
+                        <a:srgbClr val="000000"/>
+                      </a:solidFill>
+                      <a:prstDash val="solid"/>
+                      <a:round/>
+                      <a:headEnd type="none" w="med" len="med"/>
+                      <a:tailEnd type="none" w="med" len="med"/>
+                    </a:lnB>
+                  </a:tcPr>
+                </a:tc>
+                <a:tc>
+                  <a:txBody>
+                    <a:bodyPr/>
+                    <a:lstStyle/>
+                    <a:p>
+                      <a:pPr marL="0" marR="0" algn="r">
+                        <a:lnSpc>
+                          <a:spcPct val="115000"/>
+                        </a:lnSpc>
+                        <a:spcBef>
+                          <a:spcPts val="0"/>
+                        </a:spcBef>
+                        <a:spcAft>
+                          <a:spcPts val="0"/>
+                        </a:spcAft>
+                      </a:pPr>
+                      <a:r>
+                        <a:rPr lang="en-US" sz="1500">
+                          <a:latin typeface="Times New Roman"/>
+                          <a:ea typeface="MS Mincho"/>
+                          <a:cs typeface="Times New Roman"/>
+                        </a:rPr>
+                        <a:t>99.86</a:t>
+                      </a:r>
+                      <a:endParaRPr lang="en-US" sz="1500">
+                        <a:latin typeface="Calibri"/>
+                        <a:ea typeface="MS Mincho"/>
+                        <a:cs typeface="Times New Roman"/>
+                      </a:endParaRPr>
+                    </a:p>
+                  </a:txBody>
+                  <a:tcPr marL="68580" marR="68580" marT="0" marB="0">
+                    <a:lnL w="12700" cap="flat" cmpd="sng" algn="ctr">
+                      <a:solidFill>
+                        <a:srgbClr val="000000"/>
+                      </a:solidFill>
+                      <a:prstDash val="solid"/>
+                      <a:round/>
+                      <a:headEnd type="none" w="med" len="med"/>
+                      <a:tailEnd type="none" w="med" len="med"/>
+                    </a:lnL>
+                    <a:lnR w="12700" cap="flat" cmpd="sng" algn="ctr">
+                      <a:solidFill>
+                        <a:srgbClr val="000000"/>
+                      </a:solidFill>
+                      <a:prstDash val="solid"/>
+                      <a:round/>
+                      <a:headEnd type="none" w="med" len="med"/>
+                      <a:tailEnd type="none" w="med" len="med"/>
+                    </a:lnR>
+                    <a:lnT w="12700" cap="flat" cmpd="sng" algn="ctr">
+                      <a:solidFill>
+                        <a:srgbClr val="000000"/>
+                      </a:solidFill>
+                      <a:prstDash val="solid"/>
+                      <a:round/>
+                      <a:headEnd type="none" w="med" len="med"/>
+                      <a:tailEnd type="none" w="med" len="med"/>
+                    </a:lnT>
+                    <a:lnB w="12700" cap="flat" cmpd="sng" algn="ctr">
+                      <a:solidFill>
+                        <a:srgbClr val="000000"/>
+                      </a:solidFill>
+                      <a:prstDash val="solid"/>
+                      <a:round/>
+                      <a:headEnd type="none" w="med" len="med"/>
+                      <a:tailEnd type="none" w="med" len="med"/>
+                    </a:lnB>
+                  </a:tcPr>
+                </a:tc>
+                <a:tc>
+                  <a:txBody>
+                    <a:bodyPr/>
+                    <a:lstStyle/>
+                    <a:p>
+                      <a:pPr marL="0" marR="0" algn="r">
+                        <a:lnSpc>
+                          <a:spcPct val="115000"/>
+                        </a:lnSpc>
+                        <a:spcBef>
+                          <a:spcPts val="0"/>
+                        </a:spcBef>
+                        <a:spcAft>
+                          <a:spcPts val="0"/>
+                        </a:spcAft>
+                      </a:pPr>
+                      <a:r>
+                        <a:rPr lang="en-US" sz="1500" dirty="0">
+                          <a:latin typeface="Times New Roman"/>
+                          <a:ea typeface="MS Mincho"/>
+                          <a:cs typeface="Times New Roman"/>
+                        </a:rPr>
+                        <a:t>100.0</a:t>
+                      </a:r>
+                      <a:endParaRPr lang="en-US" sz="1500" dirty="0">
+                        <a:latin typeface="Calibri"/>
+                        <a:ea typeface="MS Mincho"/>
+                        <a:cs typeface="Times New Roman"/>
+                      </a:endParaRPr>
+                    </a:p>
+                  </a:txBody>
+                  <a:tcPr marL="68580" marR="68580" marT="0" marB="0">
+                    <a:lnL w="12700" cap="flat" cmpd="sng" algn="ctr">
+                      <a:solidFill>
+                        <a:srgbClr val="000000"/>
+                      </a:solidFill>
+                      <a:prstDash val="solid"/>
+                      <a:round/>
+                      <a:headEnd type="none" w="med" len="med"/>
+                      <a:tailEnd type="none" w="med" len="med"/>
+                    </a:lnL>
+                    <a:lnR w="12700" cap="flat" cmpd="sng" algn="ctr">
+                      <a:solidFill>
+                        <a:srgbClr val="000000"/>
+                      </a:solidFill>
+                      <a:prstDash val="solid"/>
+                      <a:round/>
+                      <a:headEnd type="none" w="med" len="med"/>
+                      <a:tailEnd type="none" w="med" len="med"/>
+                    </a:lnR>
+                    <a:lnT w="12700" cap="flat" cmpd="sng" algn="ctr">
+                      <a:solidFill>
+                        <a:srgbClr val="000000"/>
+                      </a:solidFill>
+                      <a:prstDash val="solid"/>
+                      <a:round/>
+                      <a:headEnd type="none" w="med" len="med"/>
+                      <a:tailEnd type="none" w="med" len="med"/>
+                    </a:lnT>
+                    <a:lnB w="12700" cap="flat" cmpd="sng" algn="ctr">
+                      <a:solidFill>
+                        <a:srgbClr val="000000"/>
+                      </a:solidFill>
+                      <a:prstDash val="solid"/>
+                      <a:round/>
+                      <a:headEnd type="none" w="med" len="med"/>
+                      <a:tailEnd type="none" w="med" len="med"/>
+                    </a:lnB>
+                  </a:tcPr>
+                </a:tc>
+              </a:tr>
+            </a:tbl>
+          </a:graphicData>
+        </a:graphic>
+      </p:graphicFrame>
+    </p:spTree>
+    <p:extLst>
+      <p:ext uri="{BB962C8B-B14F-4D97-AF65-F5344CB8AC3E}">
+        <p14:creationId xmlns="" xmlns:p14="http://schemas.microsoft.com/office/powerpoint/2010/main" val="2279565587"/>
+      </p:ext>
+    </p:extLst>
+  </p:cSld>
+  <p:clrMapOvr>
+    <a:masterClrMapping/>
+  </p:clrMapOvr>
+  <p:timing>
+    <p:tnLst>
+      <p:par>
+        <p:cTn id="1" dur="indefinite" restart="never" nodeType="tmRoot"/>
+      </p:par>
+    </p:tnLst>
+  </p:timing>
 </p:sld>
 </file>
 
@@ -19454,6 +23690,214 @@
       </p:par>
     </p:tnLst>
   </p:timing>
+</p:sld>
+</file>
+
+<file path=ppt/slides/slide20.xml><?xml version="1.0" encoding="utf-8"?>
+<p:sld xmlns:a="http://schemas.openxmlformats.org/drawingml/2006/main" xmlns:r="http://schemas.openxmlformats.org/officeDocument/2006/relationships" xmlns:p="http://schemas.openxmlformats.org/presentationml/2006/main">
+  <p:cSld>
+    <p:spTree>
+      <p:nvGrpSpPr>
+        <p:cNvPr id="1" name=""/>
+        <p:cNvGrpSpPr/>
+        <p:nvPr/>
+      </p:nvGrpSpPr>
+      <p:grpSpPr>
+        <a:xfrm>
+          <a:off x="0" y="0"/>
+          <a:ext cx="0" cy="0"/>
+          <a:chOff x="0" y="0"/>
+          <a:chExt cx="0" cy="0"/>
+        </a:xfrm>
+      </p:grpSpPr>
+      <p:sp>
+        <p:nvSpPr>
+          <p:cNvPr id="2" name="Title 1"/>
+          <p:cNvSpPr>
+            <a:spLocks noGrp="1"/>
+          </p:cNvSpPr>
+          <p:nvPr>
+            <p:ph type="title"/>
+          </p:nvPr>
+        </p:nvSpPr>
+        <p:spPr>
+          <a:xfrm>
+            <a:off x="-2912" y="0"/>
+            <a:ext cx="9146912" cy="692696"/>
+          </a:xfrm>
+          <a:solidFill>
+            <a:schemeClr val="bg1">
+              <a:lumMod val="75000"/>
+            </a:schemeClr>
+          </a:solidFill>
+        </p:spPr>
+        <p:txBody>
+          <a:bodyPr>
+            <a:normAutofit fontScale="90000"/>
+          </a:bodyPr>
+          <a:lstStyle/>
+          <a:p>
+            <a:pPr algn="l"/>
+            <a:r>
+              <a:rPr lang="en-US" dirty="0" smtClean="0">
+                <a:solidFill>
+                  <a:schemeClr val="bg1"/>
+                </a:solidFill>
+              </a:rPr>
+              <a:t> reference</a:t>
+            </a:r>
+            <a:endParaRPr lang="en-US" dirty="0">
+              <a:solidFill>
+                <a:schemeClr val="bg1"/>
+              </a:solidFill>
+            </a:endParaRPr>
+          </a:p>
+        </p:txBody>
+      </p:sp>
+      <p:sp>
+        <p:nvSpPr>
+          <p:cNvPr id="3" name="Content Placeholder 2"/>
+          <p:cNvSpPr>
+            <a:spLocks noGrp="1"/>
+          </p:cNvSpPr>
+          <p:nvPr>
+            <p:ph idx="1"/>
+          </p:nvPr>
+        </p:nvSpPr>
+        <p:spPr>
+          <a:xfrm>
+            <a:off x="385025" y="836712"/>
+            <a:ext cx="8424936" cy="5755946"/>
+          </a:xfrm>
+        </p:spPr>
+        <p:txBody>
+          <a:bodyPr>
+            <a:noAutofit/>
+          </a:bodyPr>
+          <a:lstStyle/>
+          <a:p>
+            <a:pPr marL="514350" lvl="0" indent="-514350">
+              <a:buFont typeface="Arial" panose="020B0604020202020204" pitchFamily="34" charset="0"/>
+              <a:buAutoNum type="arabicPeriod"/>
+            </a:pPr>
+            <a:r>
+              <a:rPr lang="en-US" sz="2000" dirty="0" smtClean="0"/>
+              <a:t>C. Mao: Generating Test Data for Software Structural Testing Based on Particle Swarm Optimization. Arabian Journal for Science and Engineering, </a:t>
+            </a:r>
+            <a:r>
+              <a:rPr lang="en-US" sz="2000" dirty="0" err="1" smtClean="0"/>
+              <a:t>vol</a:t>
+            </a:r>
+            <a:r>
+              <a:rPr lang="en-US" sz="2000" dirty="0" smtClean="0"/>
+              <a:t> 39, issue 6, pp 4593–4607 (June 2014).</a:t>
+            </a:r>
+          </a:p>
+          <a:p>
+            <a:pPr marL="514350" indent="-514350">
+              <a:buFont typeface="Arial" panose="020B0604020202020204" pitchFamily="34" charset="0"/>
+              <a:buAutoNum type="arabicPeriod"/>
+            </a:pPr>
+            <a:r>
+              <a:rPr lang="en-US" sz="2000" dirty="0" smtClean="0"/>
+              <a:t>B. </a:t>
+            </a:r>
+            <a:r>
+              <a:rPr lang="en-US" sz="2000" dirty="0" err="1" smtClean="0"/>
+              <a:t>Korel</a:t>
+            </a:r>
+            <a:r>
+              <a:rPr lang="en-US" sz="2000" dirty="0" smtClean="0"/>
+              <a:t>. Automated software test data generation. IEEE Transactions on Software Engineering, vol. 16, 870-879 (1990).</a:t>
+            </a:r>
+          </a:p>
+          <a:p>
+            <a:pPr marL="514350" lvl="0" indent="-514350">
+              <a:buFont typeface="Arial" panose="020B0604020202020204" pitchFamily="34" charset="0"/>
+              <a:buAutoNum type="arabicPeriod"/>
+            </a:pPr>
+            <a:endParaRPr lang="en-US" sz="2000" dirty="0" smtClean="0"/>
+          </a:p>
+          <a:p>
+            <a:pPr marL="514350" indent="-514350">
+              <a:buAutoNum type="arabicPeriod"/>
+            </a:pPr>
+            <a:endParaRPr lang="en-US" sz="1900" dirty="0" smtClean="0"/>
+          </a:p>
+        </p:txBody>
+      </p:sp>
+    </p:spTree>
+    <p:extLst>
+      <p:ext uri="{BB962C8B-B14F-4D97-AF65-F5344CB8AC3E}">
+        <p14:creationId xmlns="" xmlns:p14="http://schemas.microsoft.com/office/powerpoint/2010/main" val="1133312594"/>
+      </p:ext>
+    </p:extLst>
+  </p:cSld>
+  <p:clrMapOvr>
+    <a:masterClrMapping/>
+  </p:clrMapOvr>
+</p:sld>
+</file>
+
+<file path=ppt/slides/slide21.xml><?xml version="1.0" encoding="utf-8"?>
+<p:sld xmlns:a="http://schemas.openxmlformats.org/drawingml/2006/main" xmlns:r="http://schemas.openxmlformats.org/officeDocument/2006/relationships" xmlns:p="http://schemas.openxmlformats.org/presentationml/2006/main">
+  <p:cSld>
+    <p:spTree>
+      <p:nvGrpSpPr>
+        <p:cNvPr id="1" name=""/>
+        <p:cNvGrpSpPr/>
+        <p:nvPr/>
+      </p:nvGrpSpPr>
+      <p:grpSpPr>
+        <a:xfrm>
+          <a:off x="0" y="0"/>
+          <a:ext cx="0" cy="0"/>
+          <a:chOff x="0" y="0"/>
+          <a:chExt cx="0" cy="0"/>
+        </a:xfrm>
+      </p:grpSpPr>
+      <p:pic>
+        <p:nvPicPr>
+          <p:cNvPr id="10242" name="Picture 2"/>
+          <p:cNvPicPr>
+            <a:picLocks noChangeAspect="1" noChangeArrowheads="1"/>
+          </p:cNvPicPr>
+          <p:nvPr/>
+        </p:nvPicPr>
+        <p:blipFill>
+          <a:blip r:embed="rId2" cstate="print"/>
+          <a:srcRect/>
+          <a:stretch>
+            <a:fillRect/>
+          </a:stretch>
+        </p:blipFill>
+        <p:spPr bwMode="auto">
+          <a:xfrm>
+            <a:off x="1043608" y="1124744"/>
+            <a:ext cx="7019925" cy="3990975"/>
+          </a:xfrm>
+          <a:prstGeom prst="rect">
+            <a:avLst/>
+          </a:prstGeom>
+          <a:noFill/>
+          <a:ln w="9525">
+            <a:noFill/>
+            <a:miter lim="800000"/>
+            <a:headEnd/>
+            <a:tailEnd/>
+          </a:ln>
+        </p:spPr>
+      </p:pic>
+    </p:spTree>
+    <p:extLst>
+      <p:ext uri="{BB962C8B-B14F-4D97-AF65-F5344CB8AC3E}">
+        <p14:creationId xmlns="" xmlns:p14="http://schemas.microsoft.com/office/powerpoint/2010/main" val="1133312594"/>
+      </p:ext>
+    </p:extLst>
+  </p:cSld>
+  <p:clrMapOvr>
+    <a:masterClrMapping/>
+  </p:clrMapOvr>
 </p:sld>
 </file>
 
@@ -20419,19 +24863,7 @@
             </a:r>
             <a:r>
               <a:rPr lang="en-US" sz="2800" dirty="0" smtClean="0"/>
-              <a:t> formula </a:t>
-            </a:r>
-            <a:r>
-              <a:rPr lang="en-US" sz="2800" dirty="0" smtClean="0"/>
-              <a:t>[2] </a:t>
-            </a:r>
-            <a:r>
-              <a:rPr lang="en-US" sz="2800" dirty="0" smtClean="0"/>
-              <a:t>and </a:t>
-            </a:r>
-            <a:r>
-              <a:rPr lang="en-US" sz="2800" dirty="0" smtClean="0"/>
-              <a:t>the branch weights</a:t>
+              <a:t> formula [2] and the branch weights</a:t>
             </a:r>
             <a:endParaRPr lang="en-US" sz="2500" dirty="0" smtClean="0"/>
           </a:p>

--- a/CFT4CUnitSrc/src/report/PPSO_Presentation.pptx
+++ b/CFT4CUnitSrc/src/report/PPSO_Presentation.pptx
@@ -213,7 +213,7 @@
             <a:fld id="{5F13D7CC-1040-492F-8106-51A9FB2C754C}" type="datetimeFigureOut">
               <a:rPr lang="en-US" smtClean="0"/>
               <a:pPr/>
-              <a:t>3/5/2017</a:t>
+              <a:t>3/6/2017</a:t>
             </a:fld>
             <a:endParaRPr lang="en-US"/>
           </a:p>
@@ -289,7 +289,7 @@
     </p:spTree>
     <p:extLst>
       <p:ext uri="{BB962C8B-B14F-4D97-AF65-F5344CB8AC3E}">
-        <p14:creationId xmlns="" xmlns:p14="http://schemas.microsoft.com/office/powerpoint/2010/main" val="3656892265"/>
+        <p14:creationId xmlns:p14="http://schemas.microsoft.com/office/powerpoint/2010/main" val="3656892265"/>
       </p:ext>
     </p:extLst>
   </p:cSld>
@@ -479,7 +479,7 @@
             <a:fld id="{2A145FE2-AB7C-46BC-8F86-612F87CDD637}" type="datetimeFigureOut">
               <a:rPr lang="en-US" smtClean="0"/>
               <a:pPr/>
-              <a:t>3/5/2017</a:t>
+              <a:t>3/6/2017</a:t>
             </a:fld>
             <a:endParaRPr lang="en-US"/>
           </a:p>
@@ -531,7 +531,7 @@
     </p:spTree>
     <p:extLst>
       <p:ext uri="{BB962C8B-B14F-4D97-AF65-F5344CB8AC3E}">
-        <p14:creationId xmlns="" xmlns:p14="http://schemas.microsoft.com/office/powerpoint/2010/main" val="1811901625"/>
+        <p14:creationId xmlns:p14="http://schemas.microsoft.com/office/powerpoint/2010/main" val="1811901625"/>
       </p:ext>
     </p:extLst>
   </p:cSld>
@@ -651,7 +651,7 @@
             <a:fld id="{2A145FE2-AB7C-46BC-8F86-612F87CDD637}" type="datetimeFigureOut">
               <a:rPr lang="en-US" smtClean="0"/>
               <a:pPr/>
-              <a:t>3/5/2017</a:t>
+              <a:t>3/6/2017</a:t>
             </a:fld>
             <a:endParaRPr lang="en-US"/>
           </a:p>
@@ -703,7 +703,7 @@
     </p:spTree>
     <p:extLst>
       <p:ext uri="{BB962C8B-B14F-4D97-AF65-F5344CB8AC3E}">
-        <p14:creationId xmlns="" xmlns:p14="http://schemas.microsoft.com/office/powerpoint/2010/main" val="791576242"/>
+        <p14:creationId xmlns:p14="http://schemas.microsoft.com/office/powerpoint/2010/main" val="791576242"/>
       </p:ext>
     </p:extLst>
   </p:cSld>
@@ -833,7 +833,7 @@
             <a:fld id="{2A145FE2-AB7C-46BC-8F86-612F87CDD637}" type="datetimeFigureOut">
               <a:rPr lang="en-US" smtClean="0"/>
               <a:pPr/>
-              <a:t>3/5/2017</a:t>
+              <a:t>3/6/2017</a:t>
             </a:fld>
             <a:endParaRPr lang="en-US"/>
           </a:p>
@@ -885,7 +885,7 @@
     </p:spTree>
     <p:extLst>
       <p:ext uri="{BB962C8B-B14F-4D97-AF65-F5344CB8AC3E}">
-        <p14:creationId xmlns="" xmlns:p14="http://schemas.microsoft.com/office/powerpoint/2010/main" val="2934662006"/>
+        <p14:creationId xmlns:p14="http://schemas.microsoft.com/office/powerpoint/2010/main" val="2934662006"/>
       </p:ext>
     </p:extLst>
   </p:cSld>
@@ -1005,7 +1005,7 @@
             <a:fld id="{2A145FE2-AB7C-46BC-8F86-612F87CDD637}" type="datetimeFigureOut">
               <a:rPr lang="en-US" smtClean="0"/>
               <a:pPr/>
-              <a:t>3/5/2017</a:t>
+              <a:t>3/6/2017</a:t>
             </a:fld>
             <a:endParaRPr lang="en-US"/>
           </a:p>
@@ -1057,7 +1057,7 @@
     </p:spTree>
     <p:extLst>
       <p:ext uri="{BB962C8B-B14F-4D97-AF65-F5344CB8AC3E}">
-        <p14:creationId xmlns="" xmlns:p14="http://schemas.microsoft.com/office/powerpoint/2010/main" val="855239803"/>
+        <p14:creationId xmlns:p14="http://schemas.microsoft.com/office/powerpoint/2010/main" val="855239803"/>
       </p:ext>
     </p:extLst>
   </p:cSld>
@@ -1253,7 +1253,7 @@
             <a:fld id="{2A145FE2-AB7C-46BC-8F86-612F87CDD637}" type="datetimeFigureOut">
               <a:rPr lang="en-US" smtClean="0"/>
               <a:pPr/>
-              <a:t>3/5/2017</a:t>
+              <a:t>3/6/2017</a:t>
             </a:fld>
             <a:endParaRPr lang="en-US"/>
           </a:p>
@@ -1305,7 +1305,7 @@
     </p:spTree>
     <p:extLst>
       <p:ext uri="{BB962C8B-B14F-4D97-AF65-F5344CB8AC3E}">
-        <p14:creationId xmlns="" xmlns:p14="http://schemas.microsoft.com/office/powerpoint/2010/main" val="635452818"/>
+        <p14:creationId xmlns:p14="http://schemas.microsoft.com/office/powerpoint/2010/main" val="635452818"/>
       </p:ext>
     </p:extLst>
   </p:cSld>
@@ -1543,7 +1543,7 @@
             <a:fld id="{2A145FE2-AB7C-46BC-8F86-612F87CDD637}" type="datetimeFigureOut">
               <a:rPr lang="en-US" smtClean="0"/>
               <a:pPr/>
-              <a:t>3/5/2017</a:t>
+              <a:t>3/6/2017</a:t>
             </a:fld>
             <a:endParaRPr lang="en-US"/>
           </a:p>
@@ -1595,7 +1595,7 @@
     </p:spTree>
     <p:extLst>
       <p:ext uri="{BB962C8B-B14F-4D97-AF65-F5344CB8AC3E}">
-        <p14:creationId xmlns="" xmlns:p14="http://schemas.microsoft.com/office/powerpoint/2010/main" val="3716967958"/>
+        <p14:creationId xmlns:p14="http://schemas.microsoft.com/office/powerpoint/2010/main" val="3716967958"/>
       </p:ext>
     </p:extLst>
   </p:cSld>
@@ -1967,7 +1967,7 @@
             <a:fld id="{2A145FE2-AB7C-46BC-8F86-612F87CDD637}" type="datetimeFigureOut">
               <a:rPr lang="en-US" smtClean="0"/>
               <a:pPr/>
-              <a:t>3/5/2017</a:t>
+              <a:t>3/6/2017</a:t>
             </a:fld>
             <a:endParaRPr lang="en-US"/>
           </a:p>
@@ -2019,7 +2019,7 @@
     </p:spTree>
     <p:extLst>
       <p:ext uri="{BB962C8B-B14F-4D97-AF65-F5344CB8AC3E}">
-        <p14:creationId xmlns="" xmlns:p14="http://schemas.microsoft.com/office/powerpoint/2010/main" val="3991833718"/>
+        <p14:creationId xmlns:p14="http://schemas.microsoft.com/office/powerpoint/2010/main" val="3991833718"/>
       </p:ext>
     </p:extLst>
   </p:cSld>
@@ -2087,7 +2087,7 @@
             <a:fld id="{2A145FE2-AB7C-46BC-8F86-612F87CDD637}" type="datetimeFigureOut">
               <a:rPr lang="en-US" smtClean="0"/>
               <a:pPr/>
-              <a:t>3/5/2017</a:t>
+              <a:t>3/6/2017</a:t>
             </a:fld>
             <a:endParaRPr lang="en-US"/>
           </a:p>
@@ -2139,7 +2139,7 @@
     </p:spTree>
     <p:extLst>
       <p:ext uri="{BB962C8B-B14F-4D97-AF65-F5344CB8AC3E}">
-        <p14:creationId xmlns="" xmlns:p14="http://schemas.microsoft.com/office/powerpoint/2010/main" val="1837035765"/>
+        <p14:creationId xmlns:p14="http://schemas.microsoft.com/office/powerpoint/2010/main" val="1837035765"/>
       </p:ext>
     </p:extLst>
   </p:cSld>
@@ -2184,7 +2184,7 @@
             <a:fld id="{2A145FE2-AB7C-46BC-8F86-612F87CDD637}" type="datetimeFigureOut">
               <a:rPr lang="en-US" smtClean="0"/>
               <a:pPr/>
-              <a:t>3/5/2017</a:t>
+              <a:t>3/6/2017</a:t>
             </a:fld>
             <a:endParaRPr lang="en-US"/>
           </a:p>
@@ -2236,7 +2236,7 @@
     </p:spTree>
     <p:extLst>
       <p:ext uri="{BB962C8B-B14F-4D97-AF65-F5344CB8AC3E}">
-        <p14:creationId xmlns="" xmlns:p14="http://schemas.microsoft.com/office/powerpoint/2010/main" val="3419707464"/>
+        <p14:creationId xmlns:p14="http://schemas.microsoft.com/office/powerpoint/2010/main" val="3419707464"/>
       </p:ext>
     </p:extLst>
   </p:cSld>
@@ -2463,7 +2463,7 @@
             <a:fld id="{2A145FE2-AB7C-46BC-8F86-612F87CDD637}" type="datetimeFigureOut">
               <a:rPr lang="en-US" smtClean="0"/>
               <a:pPr/>
-              <a:t>3/5/2017</a:t>
+              <a:t>3/6/2017</a:t>
             </a:fld>
             <a:endParaRPr lang="en-US"/>
           </a:p>
@@ -2515,7 +2515,7 @@
     </p:spTree>
     <p:extLst>
       <p:ext uri="{BB962C8B-B14F-4D97-AF65-F5344CB8AC3E}">
-        <p14:creationId xmlns="" xmlns:p14="http://schemas.microsoft.com/office/powerpoint/2010/main" val="932762734"/>
+        <p14:creationId xmlns:p14="http://schemas.microsoft.com/office/powerpoint/2010/main" val="932762734"/>
       </p:ext>
     </p:extLst>
   </p:cSld>
@@ -2718,7 +2718,7 @@
             <a:fld id="{2A145FE2-AB7C-46BC-8F86-612F87CDD637}" type="datetimeFigureOut">
               <a:rPr lang="en-US" smtClean="0"/>
               <a:pPr/>
-              <a:t>3/5/2017</a:t>
+              <a:t>3/6/2017</a:t>
             </a:fld>
             <a:endParaRPr lang="en-US"/>
           </a:p>
@@ -2770,7 +2770,7 @@
     </p:spTree>
     <p:extLst>
       <p:ext uri="{BB962C8B-B14F-4D97-AF65-F5344CB8AC3E}">
-        <p14:creationId xmlns="" xmlns:p14="http://schemas.microsoft.com/office/powerpoint/2010/main" val="2367942364"/>
+        <p14:creationId xmlns:p14="http://schemas.microsoft.com/office/powerpoint/2010/main" val="2367942364"/>
       </p:ext>
     </p:extLst>
   </p:cSld>
@@ -2938,7 +2938,7 @@
             <a:fld id="{2A145FE2-AB7C-46BC-8F86-612F87CDD637}" type="datetimeFigureOut">
               <a:rPr lang="en-US" smtClean="0"/>
               <a:pPr/>
-              <a:t>3/5/2017</a:t>
+              <a:t>3/6/2017</a:t>
             </a:fld>
             <a:endParaRPr lang="en-US"/>
           </a:p>
@@ -3026,7 +3026,7 @@
     </p:spTree>
     <p:extLst>
       <p:ext uri="{BB962C8B-B14F-4D97-AF65-F5344CB8AC3E}">
-        <p14:creationId xmlns="" xmlns:p14="http://schemas.microsoft.com/office/powerpoint/2010/main" val="1100484609"/>
+        <p14:creationId xmlns:p14="http://schemas.microsoft.com/office/powerpoint/2010/main" val="1100484609"/>
       </p:ext>
     </p:extLst>
   </p:cSld>
@@ -3435,7 +3435,7 @@
           <a:blip r:embed="rId2" cstate="print">
             <a:extLst>
               <a:ext uri="{28A0092B-C50C-407E-A947-70E740481C1C}">
-                <a14:useLocalDpi xmlns="" xmlns:a14="http://schemas.microsoft.com/office/drawing/2010/main" val="0"/>
+                <a14:useLocalDpi xmlns:a14="http://schemas.microsoft.com/office/drawing/2010/main" val="0"/>
               </a:ext>
             </a:extLst>
           </a:blip>
@@ -3458,14 +3458,14 @@
           </a:ln>
           <a:extLst>
             <a:ext uri="{909E8E84-426E-40DD-AFC4-6F175D3DCCD1}">
-              <a14:hiddenFill xmlns="" xmlns:a14="http://schemas.microsoft.com/office/drawing/2010/main">
+              <a14:hiddenFill xmlns:a14="http://schemas.microsoft.com/office/drawing/2010/main">
                 <a:solidFill>
                   <a:schemeClr val="accent1"/>
                 </a:solidFill>
               </a14:hiddenFill>
             </a:ext>
             <a:ext uri="{91240B29-F687-4F45-9708-019B960494DF}">
-              <a14:hiddenLine xmlns="" xmlns:a14="http://schemas.microsoft.com/office/drawing/2010/main" w="9525">
+              <a14:hiddenLine xmlns:a14="http://schemas.microsoft.com/office/drawing/2010/main" w="9525">
                 <a:solidFill>
                   <a:schemeClr val="tx1"/>
                 </a:solidFill>
@@ -3480,7 +3480,7 @@
     </p:spTree>
     <p:extLst>
       <p:ext uri="{BB962C8B-B14F-4D97-AF65-F5344CB8AC3E}">
-        <p14:creationId xmlns="" xmlns:p14="http://schemas.microsoft.com/office/powerpoint/2010/main" val="44671813"/>
+        <p14:creationId xmlns:p14="http://schemas.microsoft.com/office/powerpoint/2010/main" val="44671813"/>
       </p:ext>
     </p:extLst>
   </p:cSld>
@@ -4882,7 +4882,7 @@
     </p:spTree>
     <p:extLst>
       <p:ext uri="{BB962C8B-B14F-4D97-AF65-F5344CB8AC3E}">
-        <p14:creationId xmlns="" xmlns:p14="http://schemas.microsoft.com/office/powerpoint/2010/main" val="3736083669"/>
+        <p14:creationId xmlns:p14="http://schemas.microsoft.com/office/powerpoint/2010/main" val="3736083669"/>
       </p:ext>
     </p:extLst>
   </p:cSld>
@@ -6958,7 +6958,7 @@
     </p:spTree>
     <p:extLst>
       <p:ext uri="{BB962C8B-B14F-4D97-AF65-F5344CB8AC3E}">
-        <p14:creationId xmlns="" xmlns:p14="http://schemas.microsoft.com/office/powerpoint/2010/main" val="3736083669"/>
+        <p14:creationId xmlns:p14="http://schemas.microsoft.com/office/powerpoint/2010/main" val="3736083669"/>
       </p:ext>
     </p:extLst>
   </p:cSld>
@@ -7645,7 +7645,7 @@
                         </a:spcAft>
                       </a:pPr>
                       <a:r>
-                        <a:rPr lang="en-US" sz="1500">
+                        <a:rPr lang="en-US" sz="1500" dirty="0">
                           <a:latin typeface="Times New Roman"/>
                           <a:ea typeface="MS Mincho"/>
                           <a:cs typeface="Times New Roman"/>
@@ -7653,14 +7653,14 @@
                         <a:t>¬</a:t>
                       </a:r>
                       <a:r>
-                        <a:rPr lang="en-US" sz="1500" i="1">
+                        <a:rPr lang="en-US" sz="1500" i="1" dirty="0">
                           <a:latin typeface="Times New Roman"/>
                           <a:ea typeface="MS Mincho"/>
                           <a:cs typeface="Times New Roman"/>
                         </a:rPr>
                         <a:t>a</a:t>
                       </a:r>
-                      <a:endParaRPr lang="en-US" sz="1500">
+                      <a:endParaRPr lang="en-US" sz="1500" dirty="0">
                         <a:latin typeface="Calibri"/>
                         <a:ea typeface="MS Mincho"/>
                         <a:cs typeface="Times New Roman"/>
@@ -10586,10 +10586,43 @@
           </a:graphicData>
         </a:graphic>
       </p:graphicFrame>
+      <p:sp>
+        <p:nvSpPr>
+          <p:cNvPr id="3" name="TextBox 2"/>
+          <p:cNvSpPr txBox="1"/>
+          <p:nvPr/>
+        </p:nvSpPr>
+        <p:spPr>
+          <a:xfrm>
+            <a:off x="533400" y="838200"/>
+            <a:ext cx="1981200" cy="400110"/>
+          </a:xfrm>
+          <a:prstGeom prst="rect">
+            <a:avLst/>
+          </a:prstGeom>
+          <a:noFill/>
+        </p:spPr>
+        <p:txBody>
+          <a:bodyPr wrap="square" rtlCol="0">
+            <a:spAutoFit/>
+          </a:bodyPr>
+          <a:lstStyle/>
+          <a:p>
+            <a:r>
+              <a:rPr lang="en-US" sz="2000" dirty="0" err="1"/>
+              <a:t>Korel</a:t>
+            </a:r>
+            <a:r>
+              <a:rPr lang="en-US" sz="2000" dirty="0"/>
+              <a:t> formula [2]</a:t>
+            </a:r>
+          </a:p>
+        </p:txBody>
+      </p:sp>
     </p:spTree>
     <p:extLst>
       <p:ext uri="{BB962C8B-B14F-4D97-AF65-F5344CB8AC3E}">
-        <p14:creationId xmlns="" xmlns:p14="http://schemas.microsoft.com/office/powerpoint/2010/main" val="3736083669"/>
+        <p14:creationId xmlns:p14="http://schemas.microsoft.com/office/powerpoint/2010/main" val="3736083669"/>
       </p:ext>
     </p:extLst>
   </p:cSld>
@@ -12332,7 +12365,7 @@
     </p:spTree>
     <p:extLst>
       <p:ext uri="{BB962C8B-B14F-4D97-AF65-F5344CB8AC3E}">
-        <p14:creationId xmlns="" xmlns:p14="http://schemas.microsoft.com/office/powerpoint/2010/main" val="3736083669"/>
+        <p14:creationId xmlns:p14="http://schemas.microsoft.com/office/powerpoint/2010/main" val="3736083669"/>
       </p:ext>
     </p:extLst>
   </p:cSld>
@@ -18355,7 +18388,7 @@
     </p:spTree>
     <p:extLst>
       <p:ext uri="{BB962C8B-B14F-4D97-AF65-F5344CB8AC3E}">
-        <p14:creationId xmlns="" xmlns:p14="http://schemas.microsoft.com/office/powerpoint/2010/main" val="3736083669"/>
+        <p14:creationId xmlns:p14="http://schemas.microsoft.com/office/powerpoint/2010/main" val="3736083669"/>
       </p:ext>
     </p:extLst>
   </p:cSld>
@@ -19089,7 +19122,7 @@
     </p:spTree>
     <p:extLst>
       <p:ext uri="{BB962C8B-B14F-4D97-AF65-F5344CB8AC3E}">
-        <p14:creationId xmlns="" xmlns:p14="http://schemas.microsoft.com/office/powerpoint/2010/main" val="3736083669"/>
+        <p14:creationId xmlns:p14="http://schemas.microsoft.com/office/powerpoint/2010/main" val="3736083669"/>
       </p:ext>
     </p:extLst>
   </p:cSld>
@@ -19232,7 +19265,7 @@
     </p:spTree>
     <p:extLst>
       <p:ext uri="{BB962C8B-B14F-4D97-AF65-F5344CB8AC3E}">
-        <p14:creationId xmlns="" xmlns:p14="http://schemas.microsoft.com/office/powerpoint/2010/main" val="2279565587"/>
+        <p14:creationId xmlns:p14="http://schemas.microsoft.com/office/powerpoint/2010/main" val="2279565587"/>
       </p:ext>
     </p:extLst>
   </p:cSld>
@@ -19365,7 +19398,7 @@
     </p:spTree>
     <p:extLst>
       <p:ext uri="{BB962C8B-B14F-4D97-AF65-F5344CB8AC3E}">
-        <p14:creationId xmlns="" xmlns:p14="http://schemas.microsoft.com/office/powerpoint/2010/main" val="2279565587"/>
+        <p14:creationId xmlns:p14="http://schemas.microsoft.com/office/powerpoint/2010/main" val="2279565587"/>
       </p:ext>
     </p:extLst>
   </p:cSld>
@@ -19470,19 +19503,7 @@
             </a:pPr>
             <a:r>
               <a:rPr lang="en-US" u="sng" dirty="0" smtClean="0"/>
-              <a:t>Coverage</a:t>
-            </a:r>
-            <a:r>
-              <a:rPr lang="en-US" u="sng" dirty="0" smtClean="0"/>
-              <a:t> </a:t>
-            </a:r>
-            <a:r>
-              <a:rPr lang="en-US" u="sng" dirty="0" smtClean="0"/>
-              <a:t>ability</a:t>
-            </a:r>
-            <a:r>
-              <a:rPr lang="en-US" u="sng" dirty="0" smtClean="0"/>
-              <a:t>:</a:t>
+              <a:t>Coverage ability:</a:t>
             </a:r>
           </a:p>
           <a:p>
@@ -19491,17 +19512,8 @@
             </a:pPr>
             <a:r>
               <a:rPr lang="en-US" dirty="0" smtClean="0"/>
-              <a:t>Success rate (SR): the probability of all </a:t>
+              <a:t>Success rate (SR): the probability of all branches which can be covered by the generated test data. </a:t>
             </a:r>
-            <a:r>
-              <a:rPr lang="en-US" dirty="0" smtClean="0"/>
-              <a:t>branches which can </a:t>
-            </a:r>
-            <a:r>
-              <a:rPr lang="en-US" dirty="0" smtClean="0"/>
-              <a:t>be covered by the generated test data. </a:t>
-            </a:r>
-            <a:endParaRPr lang="en-US" dirty="0" smtClean="0"/>
           </a:p>
           <a:p>
             <a:pPr marL="514350" indent="-514350">
@@ -19523,7 +19535,6 @@
               <a:rPr lang="en-US" dirty="0" smtClean="0"/>
               <a:t>Average coverage (AC): the average of the branch coverage achieved by all test inputs in 1,000 runs. </a:t>
             </a:r>
-            <a:endParaRPr lang="en-US" dirty="0" smtClean="0"/>
           </a:p>
           <a:p>
             <a:pPr marL="514350" indent="-514350">
@@ -19692,7 +19703,7 @@
     </p:spTree>
     <p:extLst>
       <p:ext uri="{BB962C8B-B14F-4D97-AF65-F5344CB8AC3E}">
-        <p14:creationId xmlns="" xmlns:p14="http://schemas.microsoft.com/office/powerpoint/2010/main" val="2279565587"/>
+        <p14:creationId xmlns:p14="http://schemas.microsoft.com/office/powerpoint/2010/main" val="2279565587"/>
       </p:ext>
     </p:extLst>
   </p:cSld>
@@ -23533,7 +23544,7 @@
     </p:spTree>
     <p:extLst>
       <p:ext uri="{BB962C8B-B14F-4D97-AF65-F5344CB8AC3E}">
-        <p14:creationId xmlns="" xmlns:p14="http://schemas.microsoft.com/office/powerpoint/2010/main" val="2279565587"/>
+        <p14:creationId xmlns:p14="http://schemas.microsoft.com/office/powerpoint/2010/main" val="2279565587"/>
       </p:ext>
     </p:extLst>
   </p:cSld>
@@ -23676,7 +23687,7 @@
     </p:spTree>
     <p:extLst>
       <p:ext uri="{BB962C8B-B14F-4D97-AF65-F5344CB8AC3E}">
-        <p14:creationId xmlns="" xmlns:p14="http://schemas.microsoft.com/office/powerpoint/2010/main" val="2279565587"/>
+        <p14:creationId xmlns:p14="http://schemas.microsoft.com/office/powerpoint/2010/main" val="2279565587"/>
       </p:ext>
     </p:extLst>
   </p:cSld>
@@ -23829,7 +23840,7 @@
     </p:spTree>
     <p:extLst>
       <p:ext uri="{BB962C8B-B14F-4D97-AF65-F5344CB8AC3E}">
-        <p14:creationId xmlns="" xmlns:p14="http://schemas.microsoft.com/office/powerpoint/2010/main" val="1133312594"/>
+        <p14:creationId xmlns:p14="http://schemas.microsoft.com/office/powerpoint/2010/main" val="1133312594"/>
       </p:ext>
     </p:extLst>
   </p:cSld>
@@ -23891,7 +23902,7 @@
     </p:spTree>
     <p:extLst>
       <p:ext uri="{BB962C8B-B14F-4D97-AF65-F5344CB8AC3E}">
-        <p14:creationId xmlns="" xmlns:p14="http://schemas.microsoft.com/office/powerpoint/2010/main" val="1133312594"/>
+        <p14:creationId xmlns:p14="http://schemas.microsoft.com/office/powerpoint/2010/main" val="1133312594"/>
       </p:ext>
     </p:extLst>
   </p:cSld>
@@ -24079,7 +24090,7 @@
     </p:spTree>
     <p:extLst>
       <p:ext uri="{BB962C8B-B14F-4D97-AF65-F5344CB8AC3E}">
-        <p14:creationId xmlns="" xmlns:p14="http://schemas.microsoft.com/office/powerpoint/2010/main" val="3736083669"/>
+        <p14:creationId xmlns:p14="http://schemas.microsoft.com/office/powerpoint/2010/main" val="3736083669"/>
       </p:ext>
     </p:extLst>
   </p:cSld>
@@ -24742,7 +24753,7 @@
     </p:spTree>
     <p:extLst>
       <p:ext uri="{BB962C8B-B14F-4D97-AF65-F5344CB8AC3E}">
-        <p14:creationId xmlns="" xmlns:p14="http://schemas.microsoft.com/office/powerpoint/2010/main" val="3736083669"/>
+        <p14:creationId xmlns:p14="http://schemas.microsoft.com/office/powerpoint/2010/main" val="3736083669"/>
       </p:ext>
     </p:extLst>
   </p:cSld>
@@ -24872,7 +24883,7 @@
     </p:spTree>
     <p:extLst>
       <p:ext uri="{BB962C8B-B14F-4D97-AF65-F5344CB8AC3E}">
-        <p14:creationId xmlns="" xmlns:p14="http://schemas.microsoft.com/office/powerpoint/2010/main" val="3736083669"/>
+        <p14:creationId xmlns:p14="http://schemas.microsoft.com/office/powerpoint/2010/main" val="3736083669"/>
       </p:ext>
     </p:extLst>
   </p:cSld>
@@ -25015,7 +25026,7 @@
     </p:spTree>
     <p:extLst>
       <p:ext uri="{BB962C8B-B14F-4D97-AF65-F5344CB8AC3E}">
-        <p14:creationId xmlns="" xmlns:p14="http://schemas.microsoft.com/office/powerpoint/2010/main" val="2279565587"/>
+        <p14:creationId xmlns:p14="http://schemas.microsoft.com/office/powerpoint/2010/main" val="2279565587"/>
       </p:ext>
     </p:extLst>
   </p:cSld>
@@ -25118,7 +25129,7 @@
     </p:spTree>
     <p:extLst>
       <p:ext uri="{BB962C8B-B14F-4D97-AF65-F5344CB8AC3E}">
-        <p14:creationId xmlns="" xmlns:p14="http://schemas.microsoft.com/office/powerpoint/2010/main" val="3736083669"/>
+        <p14:creationId xmlns:p14="http://schemas.microsoft.com/office/powerpoint/2010/main" val="3736083669"/>
       </p:ext>
     </p:extLst>
   </p:cSld>
@@ -26470,7 +26481,7 @@
     </p:spTree>
     <p:extLst>
       <p:ext uri="{BB962C8B-B14F-4D97-AF65-F5344CB8AC3E}">
-        <p14:creationId xmlns="" xmlns:p14="http://schemas.microsoft.com/office/powerpoint/2010/main" val="3736083669"/>
+        <p14:creationId xmlns:p14="http://schemas.microsoft.com/office/powerpoint/2010/main" val="3736083669"/>
       </p:ext>
     </p:extLst>
   </p:cSld>
@@ -26581,7 +26592,7 @@
     </p:spTree>
     <p:extLst>
       <p:ext uri="{BB962C8B-B14F-4D97-AF65-F5344CB8AC3E}">
-        <p14:creationId xmlns="" xmlns:p14="http://schemas.microsoft.com/office/powerpoint/2010/main" val="3736083669"/>
+        <p14:creationId xmlns:p14="http://schemas.microsoft.com/office/powerpoint/2010/main" val="3736083669"/>
       </p:ext>
     </p:extLst>
   </p:cSld>

--- a/CFT4CUnitSrc/src/report/PPSO_Presentation.pptx
+++ b/CFT4CUnitSrc/src/report/PPSO_Presentation.pptx
@@ -289,7 +289,7 @@
     </p:spTree>
     <p:extLst>
       <p:ext uri="{BB962C8B-B14F-4D97-AF65-F5344CB8AC3E}">
-        <p14:creationId xmlns:p14="http://schemas.microsoft.com/office/powerpoint/2010/main" val="3656892265"/>
+        <p14:creationId xmlns:p14="http://schemas.microsoft.com/office/powerpoint/2010/main" xmlns="" val="3656892265"/>
       </p:ext>
     </p:extLst>
   </p:cSld>
@@ -531,7 +531,7 @@
     </p:spTree>
     <p:extLst>
       <p:ext uri="{BB962C8B-B14F-4D97-AF65-F5344CB8AC3E}">
-        <p14:creationId xmlns:p14="http://schemas.microsoft.com/office/powerpoint/2010/main" val="1811901625"/>
+        <p14:creationId xmlns:p14="http://schemas.microsoft.com/office/powerpoint/2010/main" xmlns="" val="1811901625"/>
       </p:ext>
     </p:extLst>
   </p:cSld>
@@ -703,7 +703,7 @@
     </p:spTree>
     <p:extLst>
       <p:ext uri="{BB962C8B-B14F-4D97-AF65-F5344CB8AC3E}">
-        <p14:creationId xmlns:p14="http://schemas.microsoft.com/office/powerpoint/2010/main" val="791576242"/>
+        <p14:creationId xmlns:p14="http://schemas.microsoft.com/office/powerpoint/2010/main" xmlns="" val="791576242"/>
       </p:ext>
     </p:extLst>
   </p:cSld>
@@ -885,7 +885,7 @@
     </p:spTree>
     <p:extLst>
       <p:ext uri="{BB962C8B-B14F-4D97-AF65-F5344CB8AC3E}">
-        <p14:creationId xmlns:p14="http://schemas.microsoft.com/office/powerpoint/2010/main" val="2934662006"/>
+        <p14:creationId xmlns:p14="http://schemas.microsoft.com/office/powerpoint/2010/main" xmlns="" val="2934662006"/>
       </p:ext>
     </p:extLst>
   </p:cSld>
@@ -1057,7 +1057,7 @@
     </p:spTree>
     <p:extLst>
       <p:ext uri="{BB962C8B-B14F-4D97-AF65-F5344CB8AC3E}">
-        <p14:creationId xmlns:p14="http://schemas.microsoft.com/office/powerpoint/2010/main" val="855239803"/>
+        <p14:creationId xmlns:p14="http://schemas.microsoft.com/office/powerpoint/2010/main" xmlns="" val="855239803"/>
       </p:ext>
     </p:extLst>
   </p:cSld>
@@ -1305,7 +1305,7 @@
     </p:spTree>
     <p:extLst>
       <p:ext uri="{BB962C8B-B14F-4D97-AF65-F5344CB8AC3E}">
-        <p14:creationId xmlns:p14="http://schemas.microsoft.com/office/powerpoint/2010/main" val="635452818"/>
+        <p14:creationId xmlns:p14="http://schemas.microsoft.com/office/powerpoint/2010/main" xmlns="" val="635452818"/>
       </p:ext>
     </p:extLst>
   </p:cSld>
@@ -1595,7 +1595,7 @@
     </p:spTree>
     <p:extLst>
       <p:ext uri="{BB962C8B-B14F-4D97-AF65-F5344CB8AC3E}">
-        <p14:creationId xmlns:p14="http://schemas.microsoft.com/office/powerpoint/2010/main" val="3716967958"/>
+        <p14:creationId xmlns:p14="http://schemas.microsoft.com/office/powerpoint/2010/main" xmlns="" val="3716967958"/>
       </p:ext>
     </p:extLst>
   </p:cSld>
@@ -2019,7 +2019,7 @@
     </p:spTree>
     <p:extLst>
       <p:ext uri="{BB962C8B-B14F-4D97-AF65-F5344CB8AC3E}">
-        <p14:creationId xmlns:p14="http://schemas.microsoft.com/office/powerpoint/2010/main" val="3991833718"/>
+        <p14:creationId xmlns:p14="http://schemas.microsoft.com/office/powerpoint/2010/main" xmlns="" val="3991833718"/>
       </p:ext>
     </p:extLst>
   </p:cSld>
@@ -2139,7 +2139,7 @@
     </p:spTree>
     <p:extLst>
       <p:ext uri="{BB962C8B-B14F-4D97-AF65-F5344CB8AC3E}">
-        <p14:creationId xmlns:p14="http://schemas.microsoft.com/office/powerpoint/2010/main" val="1837035765"/>
+        <p14:creationId xmlns:p14="http://schemas.microsoft.com/office/powerpoint/2010/main" xmlns="" val="1837035765"/>
       </p:ext>
     </p:extLst>
   </p:cSld>
@@ -2236,7 +2236,7 @@
     </p:spTree>
     <p:extLst>
       <p:ext uri="{BB962C8B-B14F-4D97-AF65-F5344CB8AC3E}">
-        <p14:creationId xmlns:p14="http://schemas.microsoft.com/office/powerpoint/2010/main" val="3419707464"/>
+        <p14:creationId xmlns:p14="http://schemas.microsoft.com/office/powerpoint/2010/main" xmlns="" val="3419707464"/>
       </p:ext>
     </p:extLst>
   </p:cSld>
@@ -2515,7 +2515,7 @@
     </p:spTree>
     <p:extLst>
       <p:ext uri="{BB962C8B-B14F-4D97-AF65-F5344CB8AC3E}">
-        <p14:creationId xmlns:p14="http://schemas.microsoft.com/office/powerpoint/2010/main" val="932762734"/>
+        <p14:creationId xmlns:p14="http://schemas.microsoft.com/office/powerpoint/2010/main" xmlns="" val="932762734"/>
       </p:ext>
     </p:extLst>
   </p:cSld>
@@ -2770,7 +2770,7 @@
     </p:spTree>
     <p:extLst>
       <p:ext uri="{BB962C8B-B14F-4D97-AF65-F5344CB8AC3E}">
-        <p14:creationId xmlns:p14="http://schemas.microsoft.com/office/powerpoint/2010/main" val="2367942364"/>
+        <p14:creationId xmlns:p14="http://schemas.microsoft.com/office/powerpoint/2010/main" xmlns="" val="2367942364"/>
       </p:ext>
     </p:extLst>
   </p:cSld>
@@ -3026,7 +3026,7 @@
     </p:spTree>
     <p:extLst>
       <p:ext uri="{BB962C8B-B14F-4D97-AF65-F5344CB8AC3E}">
-        <p14:creationId xmlns:p14="http://schemas.microsoft.com/office/powerpoint/2010/main" val="1100484609"/>
+        <p14:creationId xmlns:p14="http://schemas.microsoft.com/office/powerpoint/2010/main" xmlns="" val="1100484609"/>
       </p:ext>
     </p:extLst>
   </p:cSld>
@@ -3435,7 +3435,7 @@
           <a:blip r:embed="rId2" cstate="print">
             <a:extLst>
               <a:ext uri="{28A0092B-C50C-407E-A947-70E740481C1C}">
-                <a14:useLocalDpi xmlns:a14="http://schemas.microsoft.com/office/drawing/2010/main" val="0"/>
+                <a14:useLocalDpi xmlns:a14="http://schemas.microsoft.com/office/drawing/2010/main" xmlns="" val="0"/>
               </a:ext>
             </a:extLst>
           </a:blip>
@@ -3458,14 +3458,14 @@
           </a:ln>
           <a:extLst>
             <a:ext uri="{909E8E84-426E-40DD-AFC4-6F175D3DCCD1}">
-              <a14:hiddenFill xmlns:a14="http://schemas.microsoft.com/office/drawing/2010/main">
+              <a14:hiddenFill xmlns:a14="http://schemas.microsoft.com/office/drawing/2010/main" xmlns="">
                 <a:solidFill>
                   <a:schemeClr val="accent1"/>
                 </a:solidFill>
               </a14:hiddenFill>
             </a:ext>
             <a:ext uri="{91240B29-F687-4F45-9708-019B960494DF}">
-              <a14:hiddenLine xmlns:a14="http://schemas.microsoft.com/office/drawing/2010/main" w="9525">
+              <a14:hiddenLine xmlns:a14="http://schemas.microsoft.com/office/drawing/2010/main" xmlns="" w="9525">
                 <a:solidFill>
                   <a:schemeClr val="tx1"/>
                 </a:solidFill>
@@ -3480,7 +3480,7 @@
     </p:spTree>
     <p:extLst>
       <p:ext uri="{BB962C8B-B14F-4D97-AF65-F5344CB8AC3E}">
-        <p14:creationId xmlns:p14="http://schemas.microsoft.com/office/powerpoint/2010/main" val="44671813"/>
+        <p14:creationId xmlns:p14="http://schemas.microsoft.com/office/powerpoint/2010/main" xmlns="" val="44671813"/>
       </p:ext>
     </p:extLst>
   </p:cSld>
@@ -3567,7 +3567,7 @@
           <p:nvPr/>
         </p:nvGraphicFramePr>
         <p:xfrm>
-          <a:off x="1066800" y="1219206"/>
+          <a:off x="1066800" y="1371600"/>
           <a:ext cx="6934200" cy="4571996"/>
         </p:xfrm>
         <a:graphic>
@@ -3688,7 +3688,7 @@
                         </a:spcAft>
                       </a:pPr>
                       <a:r>
-                        <a:rPr lang="en-US" sz="1500" b="1">
+                        <a:rPr lang="en-US" sz="1500" b="1" dirty="0">
                           <a:solidFill>
                             <a:srgbClr val="000000"/>
                           </a:solidFill>
@@ -3699,7 +3699,7 @@
                         <a:t>Input</a:t>
                       </a:r>
                       <a:r>
-                        <a:rPr lang="en-US" sz="1500">
+                        <a:rPr lang="en-US" sz="1500" dirty="0">
                           <a:solidFill>
                             <a:srgbClr val="000000"/>
                           </a:solidFill>
@@ -3710,7 +3710,7 @@
                         <a:t> : </a:t>
                       </a:r>
                       <a:r>
-                        <a:rPr lang="en-US" sz="1500" i="1">
+                        <a:rPr lang="en-US" sz="1500" i="1" dirty="0">
                           <a:solidFill>
                             <a:srgbClr val="000000"/>
                           </a:solidFill>
@@ -3721,7 +3721,7 @@
                         <a:t>v</a:t>
                       </a:r>
                       <a:r>
-                        <a:rPr lang="en-US" sz="1500">
+                        <a:rPr lang="en-US" sz="1500" dirty="0">
                           <a:solidFill>
                             <a:srgbClr val="000000"/>
                           </a:solidFill>
@@ -3729,8 +3729,27 @@
                           <a:ea typeface="MS Mincho"/>
                           <a:cs typeface="Times New Roman"/>
                         </a:rPr>
-                        <a:t>: the initial vertex of the CFG</a:t>
-                      </a:r>
+                        <a:t>: the initial vertex of the </a:t>
+                      </a:r>
+                      <a:r>
+                        <a:rPr lang="en-US" sz="1500" dirty="0" err="1">
+                          <a:solidFill>
+                            <a:srgbClr val="000000"/>
+                          </a:solidFill>
+                          <a:latin typeface="Times New Roman"/>
+                          <a:ea typeface="MS Mincho"/>
+                          <a:cs typeface="Times New Roman"/>
+                        </a:rPr>
+                        <a:t>CFG</a:t>
+                      </a:r>
+                      <a:endParaRPr lang="en-US" sz="1500" dirty="0">
+                        <a:solidFill>
+                          <a:srgbClr val="000000"/>
+                        </a:solidFill>
+                        <a:latin typeface="Times New Roman"/>
+                        <a:ea typeface="MS Mincho"/>
+                        <a:cs typeface="Times New Roman"/>
+                      </a:endParaRPr>
                     </a:p>
                     <a:p>
                       <a:pPr marL="0" marR="0" algn="just">
@@ -3742,7 +3761,7 @@
                         </a:spcAft>
                       </a:pPr>
                       <a:r>
-                        <a:rPr lang="en-US" sz="1500">
+                        <a:rPr lang="en-US" sz="1500" dirty="0">
                           <a:solidFill>
                             <a:srgbClr val="000000"/>
                           </a:solidFill>
@@ -3753,7 +3772,7 @@
                         <a:t>            </a:t>
                       </a:r>
                       <a:r>
-                        <a:rPr lang="en-US" sz="1500" i="1">
+                        <a:rPr lang="en-US" sz="1500" i="1" dirty="0">
                           <a:solidFill>
                             <a:srgbClr val="000000"/>
                           </a:solidFill>
@@ -3764,7 +3783,7 @@
                         <a:t>depth</a:t>
                       </a:r>
                       <a:r>
-                        <a:rPr lang="en-US" sz="1500">
+                        <a:rPr lang="en-US" sz="1500" dirty="0">
                           <a:solidFill>
                             <a:srgbClr val="000000"/>
                           </a:solidFill>
@@ -3785,7 +3804,7 @@
                         </a:spcAft>
                       </a:pPr>
                       <a:r>
-                        <a:rPr lang="en-US" sz="1500">
+                        <a:rPr lang="en-US" sz="1500" dirty="0">
                           <a:solidFill>
                             <a:srgbClr val="000000"/>
                           </a:solidFill>
@@ -3796,7 +3815,7 @@
                         <a:t>            </a:t>
                       </a:r>
                       <a:r>
-                        <a:rPr lang="en-US" sz="1500" i="1">
+                        <a:rPr lang="en-US" sz="1500" i="1" dirty="0">
                           <a:solidFill>
                             <a:srgbClr val="000000"/>
                           </a:solidFill>
@@ -3807,7 +3826,7 @@
                         <a:t>path</a:t>
                       </a:r>
                       <a:r>
-                        <a:rPr lang="en-US" sz="1500">
+                        <a:rPr lang="en-US" sz="1500" dirty="0">
                           <a:solidFill>
                             <a:srgbClr val="000000"/>
                           </a:solidFill>
@@ -4879,10 +4898,60 @@
           </a:graphicData>
         </a:graphic>
       </p:graphicFrame>
+      <p:sp>
+        <p:nvSpPr>
+          <p:cNvPr id="5" name="TextBox 4"/>
+          <p:cNvSpPr txBox="1"/>
+          <p:nvPr/>
+        </p:nvSpPr>
+        <p:spPr>
+          <a:xfrm>
+            <a:off x="381000" y="896035"/>
+            <a:ext cx="6553200" cy="323165"/>
+          </a:xfrm>
+          <a:prstGeom prst="rect">
+            <a:avLst/>
+          </a:prstGeom>
+          <a:noFill/>
+        </p:spPr>
+        <p:txBody>
+          <a:bodyPr wrap="square" rtlCol="0">
+            <a:spAutoFit/>
+          </a:bodyPr>
+          <a:lstStyle/>
+          <a:p>
+            <a:r>
+              <a:rPr lang="en-US" sz="1500" dirty="0" smtClean="0">
+                <a:latin typeface="Times New Roman" pitchFamily="18" charset="0"/>
+                <a:cs typeface="Times New Roman" pitchFamily="18" charset="0"/>
+              </a:rPr>
+              <a:t>Step 2: </a:t>
+            </a:r>
+            <a:r>
+              <a:rPr lang="en-US" sz="1500" dirty="0" smtClean="0">
+                <a:latin typeface="Times New Roman" panose="02020603050405020304" pitchFamily="18" charset="0"/>
+                <a:cs typeface="Times New Roman" panose="02020603050405020304" pitchFamily="18" charset="0"/>
+              </a:rPr>
+              <a:t>Generate all test paths from the </a:t>
+            </a:r>
+            <a:r>
+              <a:rPr lang="en-US" sz="1500" dirty="0" err="1" smtClean="0">
+                <a:latin typeface="Times New Roman" panose="02020603050405020304" pitchFamily="18" charset="0"/>
+                <a:cs typeface="Times New Roman" panose="02020603050405020304" pitchFamily="18" charset="0"/>
+              </a:rPr>
+              <a:t>CFG</a:t>
+            </a:r>
+            <a:endParaRPr lang="en-US" sz="1500" dirty="0">
+              <a:latin typeface="Times New Roman" panose="02020603050405020304" pitchFamily="18" charset="0"/>
+              <a:cs typeface="Times New Roman" panose="02020603050405020304" pitchFamily="18" charset="0"/>
+            </a:endParaRPr>
+          </a:p>
+        </p:txBody>
+      </p:sp>
     </p:spTree>
     <p:extLst>
       <p:ext uri="{BB962C8B-B14F-4D97-AF65-F5344CB8AC3E}">
-        <p14:creationId xmlns:p14="http://schemas.microsoft.com/office/powerpoint/2010/main" val="3736083669"/>
+        <p14:creationId xmlns:p14="http://schemas.microsoft.com/office/powerpoint/2010/main" xmlns="" val="3736083669"/>
       </p:ext>
     </p:extLst>
   </p:cSld>
@@ -6958,7 +7027,7 @@
     </p:spTree>
     <p:extLst>
       <p:ext uri="{BB962C8B-B14F-4D97-AF65-F5344CB8AC3E}">
-        <p14:creationId xmlns:p14="http://schemas.microsoft.com/office/powerpoint/2010/main" val="3736083669"/>
+        <p14:creationId xmlns:p14="http://schemas.microsoft.com/office/powerpoint/2010/main" xmlns="" val="3736083669"/>
       </p:ext>
     </p:extLst>
   </p:cSld>
@@ -10622,7 +10691,7 @@
     </p:spTree>
     <p:extLst>
       <p:ext uri="{BB962C8B-B14F-4D97-AF65-F5344CB8AC3E}">
-        <p14:creationId xmlns:p14="http://schemas.microsoft.com/office/powerpoint/2010/main" val="3736083669"/>
+        <p14:creationId xmlns:p14="http://schemas.microsoft.com/office/powerpoint/2010/main" xmlns="" val="3736083669"/>
       </p:ext>
     </p:extLst>
   </p:cSld>
@@ -10709,7 +10778,7 @@
           <p:nvPr/>
         </p:nvGraphicFramePr>
         <p:xfrm>
-          <a:off x="1295400" y="990600"/>
+          <a:off x="1295400" y="1371600"/>
           <a:ext cx="6705600" cy="4469130"/>
         </p:xfrm>
         <a:graphic>
@@ -11061,7 +11130,7 @@
                         </a:spcAft>
                       </a:pPr>
                       <a:r>
-                        <a:rPr lang="en-US" sz="1500">
+                        <a:rPr lang="en-US" sz="1500" dirty="0">
                           <a:latin typeface="Times New Roman"/>
                           <a:ea typeface="MS Mincho"/>
                           <a:cs typeface="Times New Roman"/>
@@ -11069,7 +11138,7 @@
                         <a:t>3:            if abs(</a:t>
                       </a:r>
                       <a:r>
-                        <a:rPr lang="en-US" sz="1500" i="1">
+                        <a:rPr lang="en-US" sz="1500" i="1" dirty="0">
                           <a:latin typeface="Times New Roman"/>
                           <a:ea typeface="MS Mincho"/>
                           <a:cs typeface="Times New Roman"/>
@@ -11077,7 +11146,7 @@
                         <a:t>a</a:t>
                       </a:r>
                       <a:r>
-                        <a:rPr lang="en-US" sz="1500">
+                        <a:rPr lang="en-US" sz="1500" dirty="0">
                           <a:latin typeface="Times New Roman"/>
                           <a:ea typeface="MS Mincho"/>
                           <a:cs typeface="Times New Roman"/>
@@ -11085,7 +11154,7 @@
                         <a:t> − </a:t>
                       </a:r>
                       <a:r>
-                        <a:rPr lang="en-US" sz="1500" i="1">
+                        <a:rPr lang="en-US" sz="1500" i="1" dirty="0">
                           <a:latin typeface="Times New Roman"/>
                           <a:ea typeface="MS Mincho"/>
                           <a:cs typeface="Times New Roman"/>
@@ -11093,15 +11162,31 @@
                         <a:t>b</a:t>
                       </a:r>
                       <a:r>
-                        <a:rPr lang="en-US" sz="1500">
-                          <a:latin typeface="Times New Roman"/>
-                          <a:ea typeface="MS Mincho"/>
-                          <a:cs typeface="Times New Roman"/>
-                        </a:rPr>
-                        <a:t>) = 0 then retrun 0 else return abs(</a:t>
-                      </a:r>
-                      <a:r>
-                        <a:rPr lang="en-US" sz="1500" i="1">
+                        <a:rPr lang="en-US" sz="1500" dirty="0">
+                          <a:latin typeface="Times New Roman"/>
+                          <a:ea typeface="MS Mincho"/>
+                          <a:cs typeface="Times New Roman"/>
+                        </a:rPr>
+                        <a:t>) = 0 then </a:t>
+                      </a:r>
+                      <a:r>
+                        <a:rPr lang="en-US" sz="1500" dirty="0" err="1">
+                          <a:latin typeface="Times New Roman"/>
+                          <a:ea typeface="MS Mincho"/>
+                          <a:cs typeface="Times New Roman"/>
+                        </a:rPr>
+                        <a:t>retrun</a:t>
+                      </a:r>
+                      <a:r>
+                        <a:rPr lang="en-US" sz="1500" dirty="0">
+                          <a:latin typeface="Times New Roman"/>
+                          <a:ea typeface="MS Mincho"/>
+                          <a:cs typeface="Times New Roman"/>
+                        </a:rPr>
+                        <a:t> 0 else return abs(</a:t>
+                      </a:r>
+                      <a:r>
+                        <a:rPr lang="en-US" sz="1500" i="1" dirty="0">
                           <a:latin typeface="Times New Roman"/>
                           <a:ea typeface="MS Mincho"/>
                           <a:cs typeface="Times New Roman"/>
@@ -11109,7 +11194,7 @@
                         <a:t>a</a:t>
                       </a:r>
                       <a:r>
-                        <a:rPr lang="en-US" sz="1500">
+                        <a:rPr lang="en-US" sz="1500" dirty="0">
                           <a:latin typeface="Times New Roman"/>
                           <a:ea typeface="MS Mincho"/>
                           <a:cs typeface="Times New Roman"/>
@@ -11117,7 +11202,7 @@
                         <a:t> − </a:t>
                       </a:r>
                       <a:r>
-                        <a:rPr lang="en-US" sz="1500" i="1">
+                        <a:rPr lang="en-US" sz="1500" i="1" dirty="0">
                           <a:latin typeface="Times New Roman"/>
                           <a:ea typeface="MS Mincho"/>
                           <a:cs typeface="Times New Roman"/>
@@ -11125,7 +11210,7 @@
                         <a:t>b</a:t>
                       </a:r>
                       <a:r>
-                        <a:rPr lang="en-US" sz="1500">
+                        <a:rPr lang="en-US" sz="1500" dirty="0">
                           <a:latin typeface="Times New Roman"/>
                           <a:ea typeface="MS Mincho"/>
                           <a:cs typeface="Times New Roman"/>
@@ -11133,7 +11218,7 @@
                         <a:t>) + </a:t>
                       </a:r>
                       <a:r>
-                        <a:rPr lang="en-US" sz="1500" i="1">
+                        <a:rPr lang="en-US" sz="1500" i="1" dirty="0">
                           <a:latin typeface="Times New Roman"/>
                           <a:ea typeface="MS Mincho"/>
                           <a:cs typeface="Times New Roman"/>
@@ -11141,12 +11226,76 @@
                         <a:t>k</a:t>
                       </a:r>
                       <a:r>
-                        <a:rPr lang="en-US" sz="1500">
+                        <a:rPr lang="en-US" sz="1500" dirty="0">
                           <a:latin typeface="Times New Roman"/>
                           <a:ea typeface="MS Mincho"/>
                           <a:cs typeface="Times New Roman"/>
                         </a:rPr>
                         <a:t>)</a:t>
+                      </a:r>
+                      <a:endParaRPr lang="en-US" sz="1500" dirty="0">
+                        <a:latin typeface="Calibri"/>
+                        <a:ea typeface="MS Mincho"/>
+                        <a:cs typeface="Times New Roman"/>
+                      </a:endParaRPr>
+                    </a:p>
+                  </a:txBody>
+                  <a:tcPr marL="44450" marR="44450" marT="0" marB="0">
+                    <a:lnL>
+                      <a:noFill/>
+                    </a:lnL>
+                    <a:lnR>
+                      <a:noFill/>
+                    </a:lnR>
+                    <a:lnT>
+                      <a:noFill/>
+                    </a:lnT>
+                    <a:lnB>
+                      <a:noFill/>
+                    </a:lnB>
+                  </a:tcPr>
+                </a:tc>
+              </a:tr>
+              <a:tr h="0">
+                <a:tc>
+                  <a:txBody>
+                    <a:bodyPr/>
+                    <a:lstStyle/>
+                    <a:p>
+                      <a:pPr marL="0" marR="0">
+                        <a:lnSpc>
+                          <a:spcPct val="115000"/>
+                        </a:lnSpc>
+                        <a:spcBef>
+                          <a:spcPts val="0"/>
+                        </a:spcBef>
+                        <a:spcAft>
+                          <a:spcPts val="0"/>
+                        </a:spcAft>
+                      </a:pPr>
+                      <a:r>
+                        <a:rPr lang="en-US" sz="1500">
+                          <a:latin typeface="Times New Roman"/>
+                          <a:ea typeface="MS Mincho"/>
+                          <a:cs typeface="Times New Roman"/>
+                        </a:rPr>
+                        <a:t>4:       </a:t>
+                      </a:r>
+                      <a:r>
+                        <a:rPr lang="en-US" sz="1500" b="1">
+                          <a:latin typeface="Times New Roman"/>
+                          <a:ea typeface="MS Mincho"/>
+                          <a:cs typeface="Times New Roman"/>
+                        </a:rPr>
+                        <a:t>case</a:t>
+                      </a:r>
+                      <a:r>
+                        <a:rPr lang="en-US" sz="1500">
+                          <a:latin typeface="Times New Roman"/>
+                          <a:ea typeface="MS Mincho"/>
+                          <a:cs typeface="Times New Roman"/>
+                        </a:rPr>
+                        <a:t> “≠”:</a:t>
                       </a:r>
                       <a:endParaRPr lang="en-US" sz="1500">
                         <a:latin typeface="Calibri"/>
@@ -11190,27 +11339,88 @@
                       </a:pPr>
                       <a:r>
                         <a:rPr lang="en-US" sz="1500">
-                          <a:latin typeface="Times New Roman"/>
-                          <a:ea typeface="MS Mincho"/>
-                          <a:cs typeface="Times New Roman"/>
-                        </a:rPr>
-                        <a:t>4:       </a:t>
-                      </a:r>
-                      <a:r>
-                        <a:rPr lang="en-US" sz="1500" b="1">
-                          <a:latin typeface="Times New Roman"/>
-                          <a:ea typeface="MS Mincho"/>
-                          <a:cs typeface="Times New Roman"/>
-                        </a:rPr>
-                        <a:t>case</a:t>
-                      </a:r>
-                      <a:r>
-                        <a:rPr lang="en-US" sz="1500">
-                          <a:latin typeface="Times New Roman"/>
-                          <a:ea typeface="MS Mincho"/>
-                          <a:cs typeface="Times New Roman"/>
-                        </a:rPr>
-                        <a:t> “≠”:</a:t>
+                          <a:solidFill>
+                            <a:srgbClr val="131413"/>
+                          </a:solidFill>
+                          <a:latin typeface="Times New Roman"/>
+                          <a:ea typeface="MS Mincho"/>
+                          <a:cs typeface="Times New Roman"/>
+                        </a:rPr>
+                        <a:t>5:            if abs</a:t>
+                      </a:r>
+                      <a:r>
+                        <a:rPr lang="en-US" sz="1500" i="1">
+                          <a:solidFill>
+                            <a:srgbClr val="131413"/>
+                          </a:solidFill>
+                          <a:latin typeface="Times New Roman"/>
+                          <a:ea typeface="MS Mincho"/>
+                          <a:cs typeface="Times New Roman"/>
+                        </a:rPr>
+                        <a:t>(a </a:t>
+                      </a:r>
+                      <a:r>
+                        <a:rPr lang="en-US" sz="1500">
+                          <a:solidFill>
+                            <a:srgbClr val="131413"/>
+                          </a:solidFill>
+                          <a:latin typeface="Times New Roman"/>
+                          <a:ea typeface="MTSYN"/>
+                          <a:cs typeface="Times New Roman"/>
+                        </a:rPr>
+                        <a:t>− </a:t>
+                      </a:r>
+                      <a:r>
+                        <a:rPr lang="en-US" sz="1500" i="1">
+                          <a:solidFill>
+                            <a:srgbClr val="131413"/>
+                          </a:solidFill>
+                          <a:latin typeface="Times New Roman"/>
+                          <a:ea typeface="MS Mincho"/>
+                          <a:cs typeface="Times New Roman"/>
+                        </a:rPr>
+                        <a:t>b) </a:t>
+                      </a:r>
+                      <a:r>
+                        <a:rPr lang="en-US" sz="1500">
+                          <a:latin typeface="Times New Roman"/>
+                          <a:ea typeface="MS Mincho"/>
+                          <a:cs typeface="Times New Roman"/>
+                        </a:rPr>
+                        <a:t>≠</a:t>
+                      </a:r>
+                      <a:r>
+                        <a:rPr lang="en-US" sz="1500">
+                          <a:solidFill>
+                            <a:srgbClr val="131413"/>
+                          </a:solidFill>
+                          <a:latin typeface="Times New Roman"/>
+                          <a:ea typeface="MTSYN"/>
+                          <a:cs typeface="Times New Roman"/>
+                        </a:rPr>
+                        <a:t> </a:t>
+                      </a:r>
+                      <a:r>
+                        <a:rPr lang="en-US" sz="1500">
+                          <a:solidFill>
+                            <a:srgbClr val="131413"/>
+                          </a:solidFill>
+                          <a:latin typeface="Times New Roman"/>
+                          <a:ea typeface="MS Mincho"/>
+                          <a:cs typeface="Times New Roman"/>
+                        </a:rPr>
+                        <a:t>0 then return 0 else return </a:t>
+                      </a:r>
+                      <a:r>
+                        <a:rPr lang="en-US" sz="1500" i="1">
+                          <a:solidFill>
+                            <a:srgbClr val="131413"/>
+                          </a:solidFill>
+                          <a:latin typeface="Times New Roman"/>
+                          <a:ea typeface="MS Mincho"/>
+                          <a:cs typeface="Times New Roman"/>
+                        </a:rPr>
+                        <a:t>k</a:t>
                       </a:r>
                       <a:endParaRPr lang="en-US" sz="1500">
                         <a:latin typeface="Calibri"/>
@@ -11254,88 +11464,27 @@
                       </a:pPr>
                       <a:r>
                         <a:rPr lang="en-US" sz="1500">
-                          <a:solidFill>
-                            <a:srgbClr val="131413"/>
-                          </a:solidFill>
-                          <a:latin typeface="Times New Roman"/>
-                          <a:ea typeface="MS Mincho"/>
-                          <a:cs typeface="Times New Roman"/>
-                        </a:rPr>
-                        <a:t>5:            if abs</a:t>
-                      </a:r>
-                      <a:r>
-                        <a:rPr lang="en-US" sz="1500" i="1">
-                          <a:solidFill>
-                            <a:srgbClr val="131413"/>
-                          </a:solidFill>
-                          <a:latin typeface="Times New Roman"/>
-                          <a:ea typeface="MS Mincho"/>
-                          <a:cs typeface="Times New Roman"/>
-                        </a:rPr>
-                        <a:t>(a </a:t>
-                      </a:r>
-                      <a:r>
-                        <a:rPr lang="en-US" sz="1500">
-                          <a:solidFill>
-                            <a:srgbClr val="131413"/>
-                          </a:solidFill>
-                          <a:latin typeface="Times New Roman"/>
-                          <a:ea typeface="MTSYN"/>
-                          <a:cs typeface="Times New Roman"/>
-                        </a:rPr>
-                        <a:t>− </a:t>
-                      </a:r>
-                      <a:r>
-                        <a:rPr lang="en-US" sz="1500" i="1">
-                          <a:solidFill>
-                            <a:srgbClr val="131413"/>
-                          </a:solidFill>
-                          <a:latin typeface="Times New Roman"/>
-                          <a:ea typeface="MS Mincho"/>
-                          <a:cs typeface="Times New Roman"/>
-                        </a:rPr>
-                        <a:t>b) </a:t>
-                      </a:r>
-                      <a:r>
-                        <a:rPr lang="en-US" sz="1500">
-                          <a:latin typeface="Times New Roman"/>
-                          <a:ea typeface="MS Mincho"/>
-                          <a:cs typeface="Times New Roman"/>
-                        </a:rPr>
-                        <a:t>≠</a:t>
-                      </a:r>
-                      <a:r>
-                        <a:rPr lang="en-US" sz="1500">
-                          <a:solidFill>
-                            <a:srgbClr val="131413"/>
-                          </a:solidFill>
-                          <a:latin typeface="Times New Roman"/>
-                          <a:ea typeface="MTSYN"/>
-                          <a:cs typeface="Times New Roman"/>
-                        </a:rPr>
-                        <a:t> </a:t>
-                      </a:r>
-                      <a:r>
-                        <a:rPr lang="en-US" sz="1500">
-                          <a:solidFill>
-                            <a:srgbClr val="131413"/>
-                          </a:solidFill>
-                          <a:latin typeface="Times New Roman"/>
-                          <a:ea typeface="MS Mincho"/>
-                          <a:cs typeface="Times New Roman"/>
-                        </a:rPr>
-                        <a:t>0 then return 0 else return </a:t>
-                      </a:r>
-                      <a:r>
-                        <a:rPr lang="en-US" sz="1500" i="1">
-                          <a:solidFill>
-                            <a:srgbClr val="131413"/>
-                          </a:solidFill>
-                          <a:latin typeface="Times New Roman"/>
-                          <a:ea typeface="MS Mincho"/>
-                          <a:cs typeface="Times New Roman"/>
-                        </a:rPr>
-                        <a:t>k</a:t>
+                          <a:latin typeface="Times New Roman"/>
+                          <a:ea typeface="MS Mincho"/>
+                          <a:cs typeface="Times New Roman"/>
+                        </a:rPr>
+                        <a:t>6:       </a:t>
+                      </a:r>
+                      <a:r>
+                        <a:rPr lang="en-US" sz="1500" b="1">
+                          <a:latin typeface="Times New Roman"/>
+                          <a:ea typeface="MS Mincho"/>
+                          <a:cs typeface="Times New Roman"/>
+                        </a:rPr>
+                        <a:t>case</a:t>
+                      </a:r>
+                      <a:r>
+                        <a:rPr lang="en-US" sz="1500">
+                          <a:latin typeface="Times New Roman"/>
+                          <a:ea typeface="MS Mincho"/>
+                          <a:cs typeface="Times New Roman"/>
+                        </a:rPr>
+                        <a:t> “&lt;”:</a:t>
                       </a:r>
                       <a:endParaRPr lang="en-US" sz="1500">
                         <a:latin typeface="Calibri"/>
@@ -11383,23 +11532,128 @@
                           <a:ea typeface="MS Mincho"/>
                           <a:cs typeface="Times New Roman"/>
                         </a:rPr>
-                        <a:t>6:       </a:t>
-                      </a:r>
-                      <a:r>
-                        <a:rPr lang="en-US" sz="1500" b="1">
-                          <a:latin typeface="Times New Roman"/>
-                          <a:ea typeface="MS Mincho"/>
-                          <a:cs typeface="Times New Roman"/>
-                        </a:rPr>
-                        <a:t>case</a:t>
-                      </a:r>
-                      <a:r>
-                        <a:rPr lang="en-US" sz="1500">
-                          <a:latin typeface="Times New Roman"/>
-                          <a:ea typeface="MS Mincho"/>
-                          <a:cs typeface="Times New Roman"/>
-                        </a:rPr>
-                        <a:t> “&lt;”:</a:t>
+                        <a:t>7:             </a:t>
+                      </a:r>
+                      <a:r>
+                        <a:rPr lang="en-US" sz="1500">
+                          <a:solidFill>
+                            <a:srgbClr val="131413"/>
+                          </a:solidFill>
+                          <a:latin typeface="Times New Roman"/>
+                          <a:ea typeface="MS Mincho"/>
+                          <a:cs typeface="Times New Roman"/>
+                        </a:rPr>
+                        <a:t>if </a:t>
+                      </a:r>
+                      <a:r>
+                        <a:rPr lang="en-US" sz="1500" i="1">
+                          <a:solidFill>
+                            <a:srgbClr val="131413"/>
+                          </a:solidFill>
+                          <a:latin typeface="Times New Roman"/>
+                          <a:ea typeface="MS Mincho"/>
+                          <a:cs typeface="Times New Roman"/>
+                        </a:rPr>
+                        <a:t>a </a:t>
+                      </a:r>
+                      <a:r>
+                        <a:rPr lang="en-US" sz="1500">
+                          <a:solidFill>
+                            <a:srgbClr val="131413"/>
+                          </a:solidFill>
+                          <a:latin typeface="Times New Roman"/>
+                          <a:ea typeface="MTSYN"/>
+                          <a:cs typeface="Times New Roman"/>
+                        </a:rPr>
+                        <a:t>− </a:t>
+                      </a:r>
+                      <a:r>
+                        <a:rPr lang="en-US" sz="1500" i="1">
+                          <a:solidFill>
+                            <a:srgbClr val="131413"/>
+                          </a:solidFill>
+                          <a:latin typeface="Times New Roman"/>
+                          <a:ea typeface="MS Mincho"/>
+                          <a:cs typeface="Times New Roman"/>
+                        </a:rPr>
+                        <a:t>b &lt; </a:t>
+                      </a:r>
+                      <a:r>
+                        <a:rPr lang="en-US" sz="1500">
+                          <a:solidFill>
+                            <a:srgbClr val="131413"/>
+                          </a:solidFill>
+                          <a:latin typeface="Times New Roman"/>
+                          <a:ea typeface="MS Mincho"/>
+                          <a:cs typeface="Times New Roman"/>
+                        </a:rPr>
+                        <a:t>0 then return 0 else return (abs</a:t>
+                      </a:r>
+                      <a:r>
+                        <a:rPr lang="en-US" sz="1500" i="1">
+                          <a:solidFill>
+                            <a:srgbClr val="131413"/>
+                          </a:solidFill>
+                          <a:latin typeface="Times New Roman"/>
+                          <a:ea typeface="MS Mincho"/>
+                          <a:cs typeface="Times New Roman"/>
+                        </a:rPr>
+                        <a:t>(a </a:t>
+                      </a:r>
+                      <a:r>
+                        <a:rPr lang="en-US" sz="1500">
+                          <a:solidFill>
+                            <a:srgbClr val="131413"/>
+                          </a:solidFill>
+                          <a:latin typeface="Times New Roman"/>
+                          <a:ea typeface="MTSYN"/>
+                          <a:cs typeface="Times New Roman"/>
+                        </a:rPr>
+                        <a:t>− </a:t>
+                      </a:r>
+                      <a:r>
+                        <a:rPr lang="en-US" sz="1500" i="1">
+                          <a:solidFill>
+                            <a:srgbClr val="131413"/>
+                          </a:solidFill>
+                          <a:latin typeface="Times New Roman"/>
+                          <a:ea typeface="MS Mincho"/>
+                          <a:cs typeface="Times New Roman"/>
+                        </a:rPr>
+                        <a:t>b) </a:t>
+                      </a:r>
+                      <a:r>
+                        <a:rPr lang="en-US" sz="1500">
+                          <a:solidFill>
+                            <a:srgbClr val="131413"/>
+                          </a:solidFill>
+                          <a:latin typeface="Times New Roman"/>
+                          <a:ea typeface="MTSYN"/>
+                          <a:cs typeface="Times New Roman"/>
+                        </a:rPr>
+                        <a:t>+ </a:t>
+                      </a:r>
+                      <a:r>
+                        <a:rPr lang="en-US" sz="1500" i="1">
+                          <a:solidFill>
+                            <a:srgbClr val="131413"/>
+                          </a:solidFill>
+                          <a:latin typeface="Times New Roman"/>
+                          <a:ea typeface="MS Mincho"/>
+                          <a:cs typeface="Times New Roman"/>
+                        </a:rPr>
+                        <a:t>k</a:t>
+                      </a:r>
+                      <a:r>
+                        <a:rPr lang="en-US" sz="1500">
+                          <a:solidFill>
+                            <a:srgbClr val="131413"/>
+                          </a:solidFill>
+                          <a:latin typeface="Times New Roman"/>
+                          <a:ea typeface="MS Mincho"/>
+                          <a:cs typeface="Times New Roman"/>
+                        </a:rPr>
+                        <a:t>)</a:t>
                       </a:r>
                       <a:endParaRPr lang="en-US" sz="1500">
                         <a:latin typeface="Calibri"/>
@@ -11447,128 +11701,23 @@
                           <a:ea typeface="MS Mincho"/>
                           <a:cs typeface="Times New Roman"/>
                         </a:rPr>
-                        <a:t>7:             </a:t>
-                      </a:r>
-                      <a:r>
-                        <a:rPr lang="en-US" sz="1500">
-                          <a:solidFill>
-                            <a:srgbClr val="131413"/>
-                          </a:solidFill>
-                          <a:latin typeface="Times New Roman"/>
-                          <a:ea typeface="MS Mincho"/>
-                          <a:cs typeface="Times New Roman"/>
-                        </a:rPr>
-                        <a:t>if </a:t>
-                      </a:r>
-                      <a:r>
-                        <a:rPr lang="en-US" sz="1500" i="1">
-                          <a:solidFill>
-                            <a:srgbClr val="131413"/>
-                          </a:solidFill>
-                          <a:latin typeface="Times New Roman"/>
-                          <a:ea typeface="MS Mincho"/>
-                          <a:cs typeface="Times New Roman"/>
-                        </a:rPr>
-                        <a:t>a </a:t>
-                      </a:r>
-                      <a:r>
-                        <a:rPr lang="en-US" sz="1500">
-                          <a:solidFill>
-                            <a:srgbClr val="131413"/>
-                          </a:solidFill>
-                          <a:latin typeface="Times New Roman"/>
-                          <a:ea typeface="MTSYN"/>
-                          <a:cs typeface="Times New Roman"/>
-                        </a:rPr>
-                        <a:t>− </a:t>
-                      </a:r>
-                      <a:r>
-                        <a:rPr lang="en-US" sz="1500" i="1">
-                          <a:solidFill>
-                            <a:srgbClr val="131413"/>
-                          </a:solidFill>
-                          <a:latin typeface="Times New Roman"/>
-                          <a:ea typeface="MS Mincho"/>
-                          <a:cs typeface="Times New Roman"/>
-                        </a:rPr>
-                        <a:t>b &lt; </a:t>
-                      </a:r>
-                      <a:r>
-                        <a:rPr lang="en-US" sz="1500">
-                          <a:solidFill>
-                            <a:srgbClr val="131413"/>
-                          </a:solidFill>
-                          <a:latin typeface="Times New Roman"/>
-                          <a:ea typeface="MS Mincho"/>
-                          <a:cs typeface="Times New Roman"/>
-                        </a:rPr>
-                        <a:t>0 then return 0 else return (abs</a:t>
-                      </a:r>
-                      <a:r>
-                        <a:rPr lang="en-US" sz="1500" i="1">
-                          <a:solidFill>
-                            <a:srgbClr val="131413"/>
-                          </a:solidFill>
-                          <a:latin typeface="Times New Roman"/>
-                          <a:ea typeface="MS Mincho"/>
-                          <a:cs typeface="Times New Roman"/>
-                        </a:rPr>
-                        <a:t>(a </a:t>
-                      </a:r>
-                      <a:r>
-                        <a:rPr lang="en-US" sz="1500">
-                          <a:solidFill>
-                            <a:srgbClr val="131413"/>
-                          </a:solidFill>
-                          <a:latin typeface="Times New Roman"/>
-                          <a:ea typeface="MTSYN"/>
-                          <a:cs typeface="Times New Roman"/>
-                        </a:rPr>
-                        <a:t>− </a:t>
-                      </a:r>
-                      <a:r>
-                        <a:rPr lang="en-US" sz="1500" i="1">
-                          <a:solidFill>
-                            <a:srgbClr val="131413"/>
-                          </a:solidFill>
-                          <a:latin typeface="Times New Roman"/>
-                          <a:ea typeface="MS Mincho"/>
-                          <a:cs typeface="Times New Roman"/>
-                        </a:rPr>
-                        <a:t>b) </a:t>
-                      </a:r>
-                      <a:r>
-                        <a:rPr lang="en-US" sz="1500">
-                          <a:solidFill>
-                            <a:srgbClr val="131413"/>
-                          </a:solidFill>
-                          <a:latin typeface="Times New Roman"/>
-                          <a:ea typeface="MTSYN"/>
-                          <a:cs typeface="Times New Roman"/>
-                        </a:rPr>
-                        <a:t>+ </a:t>
-                      </a:r>
-                      <a:r>
-                        <a:rPr lang="en-US" sz="1500" i="1">
-                          <a:solidFill>
-                            <a:srgbClr val="131413"/>
-                          </a:solidFill>
-                          <a:latin typeface="Times New Roman"/>
-                          <a:ea typeface="MS Mincho"/>
-                          <a:cs typeface="Times New Roman"/>
-                        </a:rPr>
-                        <a:t>k</a:t>
-                      </a:r>
-                      <a:r>
-                        <a:rPr lang="en-US" sz="1500">
-                          <a:solidFill>
-                            <a:srgbClr val="131413"/>
-                          </a:solidFill>
-                          <a:latin typeface="Times New Roman"/>
-                          <a:ea typeface="MS Mincho"/>
-                          <a:cs typeface="Times New Roman"/>
-                        </a:rPr>
-                        <a:t>)</a:t>
+                        <a:t>8:       </a:t>
+                      </a:r>
+                      <a:r>
+                        <a:rPr lang="en-US" sz="1500" b="1">
+                          <a:latin typeface="Times New Roman"/>
+                          <a:ea typeface="MS Mincho"/>
+                          <a:cs typeface="Times New Roman"/>
+                        </a:rPr>
+                        <a:t>case</a:t>
+                      </a:r>
+                      <a:r>
+                        <a:rPr lang="en-US" sz="1500">
+                          <a:latin typeface="Times New Roman"/>
+                          <a:ea typeface="MS Mincho"/>
+                          <a:cs typeface="Times New Roman"/>
+                        </a:rPr>
+                        <a:t> “≤”:</a:t>
                       </a:r>
                       <a:endParaRPr lang="en-US" sz="1500">
                         <a:latin typeface="Calibri"/>
@@ -11612,27 +11761,135 @@
                       </a:pPr>
                       <a:r>
                         <a:rPr lang="en-US" sz="1500">
-                          <a:latin typeface="Times New Roman"/>
-                          <a:ea typeface="MS Mincho"/>
-                          <a:cs typeface="Times New Roman"/>
-                        </a:rPr>
-                        <a:t>8:       </a:t>
-                      </a:r>
-                      <a:r>
-                        <a:rPr lang="en-US" sz="1500" b="1">
-                          <a:latin typeface="Times New Roman"/>
-                          <a:ea typeface="MS Mincho"/>
-                          <a:cs typeface="Times New Roman"/>
-                        </a:rPr>
-                        <a:t>case</a:t>
-                      </a:r>
-                      <a:r>
-                        <a:rPr lang="en-US" sz="1500">
-                          <a:latin typeface="Times New Roman"/>
-                          <a:ea typeface="MS Mincho"/>
-                          <a:cs typeface="Times New Roman"/>
-                        </a:rPr>
-                        <a:t> “≤”:</a:t>
+                          <a:solidFill>
+                            <a:srgbClr val="131413"/>
+                          </a:solidFill>
+                          <a:latin typeface="Times New Roman"/>
+                          <a:ea typeface="MS Mincho"/>
+                          <a:cs typeface="Times New Roman"/>
+                        </a:rPr>
+                        <a:t>9:             if </a:t>
+                      </a:r>
+                      <a:r>
+                        <a:rPr lang="en-US" sz="1500" i="1">
+                          <a:solidFill>
+                            <a:srgbClr val="131413"/>
+                          </a:solidFill>
+                          <a:latin typeface="Times New Roman"/>
+                          <a:ea typeface="MS Mincho"/>
+                          <a:cs typeface="Times New Roman"/>
+                        </a:rPr>
+                        <a:t>a </a:t>
+                      </a:r>
+                      <a:r>
+                        <a:rPr lang="en-US" sz="1500">
+                          <a:solidFill>
+                            <a:srgbClr val="131413"/>
+                          </a:solidFill>
+                          <a:latin typeface="Times New Roman"/>
+                          <a:ea typeface="MTSYN"/>
+                          <a:cs typeface="Times New Roman"/>
+                        </a:rPr>
+                        <a:t>− </a:t>
+                      </a:r>
+                      <a:r>
+                        <a:rPr lang="en-US" sz="1500" i="1">
+                          <a:solidFill>
+                            <a:srgbClr val="131413"/>
+                          </a:solidFill>
+                          <a:latin typeface="Times New Roman"/>
+                          <a:ea typeface="MS Mincho"/>
+                          <a:cs typeface="Times New Roman"/>
+                        </a:rPr>
+                        <a:t>b </a:t>
+                      </a:r>
+                      <a:r>
+                        <a:rPr lang="en-US" sz="1500">
+                          <a:solidFill>
+                            <a:srgbClr val="131413"/>
+                          </a:solidFill>
+                          <a:latin typeface="Times New Roman"/>
+                          <a:ea typeface="MTSYN"/>
+                          <a:cs typeface="Times New Roman"/>
+                        </a:rPr>
+                        <a:t>≤ </a:t>
+                      </a:r>
+                      <a:r>
+                        <a:rPr lang="en-US" sz="1500">
+                          <a:solidFill>
+                            <a:srgbClr val="131413"/>
+                          </a:solidFill>
+                          <a:latin typeface="Times New Roman"/>
+                          <a:ea typeface="MS Mincho"/>
+                          <a:cs typeface="Times New Roman"/>
+                        </a:rPr>
+                        <a:t>0 then return 0 else return (abs</a:t>
+                      </a:r>
+                      <a:r>
+                        <a:rPr lang="en-US" sz="1500" i="1">
+                          <a:solidFill>
+                            <a:srgbClr val="131413"/>
+                          </a:solidFill>
+                          <a:latin typeface="Times New Roman"/>
+                          <a:ea typeface="MS Mincho"/>
+                          <a:cs typeface="Times New Roman"/>
+                        </a:rPr>
+                        <a:t>(a </a:t>
+                      </a:r>
+                      <a:r>
+                        <a:rPr lang="en-US" sz="1500">
+                          <a:solidFill>
+                            <a:srgbClr val="131413"/>
+                          </a:solidFill>
+                          <a:latin typeface="Times New Roman"/>
+                          <a:ea typeface="MTSYN"/>
+                          <a:cs typeface="Times New Roman"/>
+                        </a:rPr>
+                        <a:t>− </a:t>
+                      </a:r>
+                      <a:r>
+                        <a:rPr lang="en-US" sz="1500" i="1">
+                          <a:solidFill>
+                            <a:srgbClr val="131413"/>
+                          </a:solidFill>
+                          <a:latin typeface="Times New Roman"/>
+                          <a:ea typeface="MS Mincho"/>
+                          <a:cs typeface="Times New Roman"/>
+                        </a:rPr>
+                        <a:t>b) </a:t>
+                      </a:r>
+                      <a:r>
+                        <a:rPr lang="en-US" sz="1500">
+                          <a:solidFill>
+                            <a:srgbClr val="131413"/>
+                          </a:solidFill>
+                          <a:latin typeface="Times New Roman"/>
+                          <a:ea typeface="MTSYN"/>
+                          <a:cs typeface="Times New Roman"/>
+                        </a:rPr>
+                        <a:t>+ </a:t>
+                      </a:r>
+                      <a:r>
+                        <a:rPr lang="en-US" sz="1500" i="1">
+                          <a:solidFill>
+                            <a:srgbClr val="131413"/>
+                          </a:solidFill>
+                          <a:latin typeface="Times New Roman"/>
+                          <a:ea typeface="MS Mincho"/>
+                          <a:cs typeface="Times New Roman"/>
+                        </a:rPr>
+                        <a:t>k</a:t>
+                      </a:r>
+                      <a:r>
+                        <a:rPr lang="en-US" sz="1500">
+                          <a:solidFill>
+                            <a:srgbClr val="131413"/>
+                          </a:solidFill>
+                          <a:latin typeface="Times New Roman"/>
+                          <a:ea typeface="MS Mincho"/>
+                          <a:cs typeface="Times New Roman"/>
+                        </a:rPr>
+                        <a:t>)</a:t>
                       </a:r>
                       <a:endParaRPr lang="en-US" sz="1500">
                         <a:latin typeface="Calibri"/>
@@ -11676,135 +11933,27 @@
                       </a:pPr>
                       <a:r>
                         <a:rPr lang="en-US" sz="1500">
-                          <a:solidFill>
-                            <a:srgbClr val="131413"/>
-                          </a:solidFill>
-                          <a:latin typeface="Times New Roman"/>
-                          <a:ea typeface="MS Mincho"/>
-                          <a:cs typeface="Times New Roman"/>
-                        </a:rPr>
-                        <a:t>9:             if </a:t>
-                      </a:r>
-                      <a:r>
-                        <a:rPr lang="en-US" sz="1500" i="1">
-                          <a:solidFill>
-                            <a:srgbClr val="131413"/>
-                          </a:solidFill>
-                          <a:latin typeface="Times New Roman"/>
-                          <a:ea typeface="MS Mincho"/>
-                          <a:cs typeface="Times New Roman"/>
-                        </a:rPr>
-                        <a:t>a </a:t>
-                      </a:r>
-                      <a:r>
-                        <a:rPr lang="en-US" sz="1500">
-                          <a:solidFill>
-                            <a:srgbClr val="131413"/>
-                          </a:solidFill>
-                          <a:latin typeface="Times New Roman"/>
-                          <a:ea typeface="MTSYN"/>
-                          <a:cs typeface="Times New Roman"/>
-                        </a:rPr>
-                        <a:t>− </a:t>
-                      </a:r>
-                      <a:r>
-                        <a:rPr lang="en-US" sz="1500" i="1">
-                          <a:solidFill>
-                            <a:srgbClr val="131413"/>
-                          </a:solidFill>
-                          <a:latin typeface="Times New Roman"/>
-                          <a:ea typeface="MS Mincho"/>
-                          <a:cs typeface="Times New Roman"/>
-                        </a:rPr>
-                        <a:t>b </a:t>
-                      </a:r>
-                      <a:r>
-                        <a:rPr lang="en-US" sz="1500">
-                          <a:solidFill>
-                            <a:srgbClr val="131413"/>
-                          </a:solidFill>
-                          <a:latin typeface="Times New Roman"/>
-                          <a:ea typeface="MTSYN"/>
-                          <a:cs typeface="Times New Roman"/>
-                        </a:rPr>
-                        <a:t>≤ </a:t>
-                      </a:r>
-                      <a:r>
-                        <a:rPr lang="en-US" sz="1500">
-                          <a:solidFill>
-                            <a:srgbClr val="131413"/>
-                          </a:solidFill>
-                          <a:latin typeface="Times New Roman"/>
-                          <a:ea typeface="MS Mincho"/>
-                          <a:cs typeface="Times New Roman"/>
-                        </a:rPr>
-                        <a:t>0 then return 0 else return (abs</a:t>
-                      </a:r>
-                      <a:r>
-                        <a:rPr lang="en-US" sz="1500" i="1">
-                          <a:solidFill>
-                            <a:srgbClr val="131413"/>
-                          </a:solidFill>
-                          <a:latin typeface="Times New Roman"/>
-                          <a:ea typeface="MS Mincho"/>
-                          <a:cs typeface="Times New Roman"/>
-                        </a:rPr>
-                        <a:t>(a </a:t>
-                      </a:r>
-                      <a:r>
-                        <a:rPr lang="en-US" sz="1500">
-                          <a:solidFill>
-                            <a:srgbClr val="131413"/>
-                          </a:solidFill>
-                          <a:latin typeface="Times New Roman"/>
-                          <a:ea typeface="MTSYN"/>
-                          <a:cs typeface="Times New Roman"/>
-                        </a:rPr>
-                        <a:t>− </a:t>
-                      </a:r>
-                      <a:r>
-                        <a:rPr lang="en-US" sz="1500" i="1">
-                          <a:solidFill>
-                            <a:srgbClr val="131413"/>
-                          </a:solidFill>
-                          <a:latin typeface="Times New Roman"/>
-                          <a:ea typeface="MS Mincho"/>
-                          <a:cs typeface="Times New Roman"/>
-                        </a:rPr>
-                        <a:t>b) </a:t>
-                      </a:r>
-                      <a:r>
-                        <a:rPr lang="en-US" sz="1500">
-                          <a:solidFill>
-                            <a:srgbClr val="131413"/>
-                          </a:solidFill>
-                          <a:latin typeface="Times New Roman"/>
-                          <a:ea typeface="MTSYN"/>
-                          <a:cs typeface="Times New Roman"/>
-                        </a:rPr>
-                        <a:t>+ </a:t>
-                      </a:r>
-                      <a:r>
-                        <a:rPr lang="en-US" sz="1500" i="1">
-                          <a:solidFill>
-                            <a:srgbClr val="131413"/>
-                          </a:solidFill>
-                          <a:latin typeface="Times New Roman"/>
-                          <a:ea typeface="MS Mincho"/>
-                          <a:cs typeface="Times New Roman"/>
-                        </a:rPr>
-                        <a:t>k</a:t>
-                      </a:r>
-                      <a:r>
-                        <a:rPr lang="en-US" sz="1500">
-                          <a:solidFill>
-                            <a:srgbClr val="131413"/>
-                          </a:solidFill>
-                          <a:latin typeface="Times New Roman"/>
-                          <a:ea typeface="MS Mincho"/>
-                          <a:cs typeface="Times New Roman"/>
-                        </a:rPr>
-                        <a:t>)</a:t>
+                          <a:latin typeface="Times New Roman"/>
+                          <a:ea typeface="MS Mincho"/>
+                          <a:cs typeface="Times New Roman"/>
+                        </a:rPr>
+                        <a:t>10:     </a:t>
+                      </a:r>
+                      <a:r>
+                        <a:rPr lang="en-US" sz="1500" b="1">
+                          <a:latin typeface="Times New Roman"/>
+                          <a:ea typeface="MS Mincho"/>
+                          <a:cs typeface="Times New Roman"/>
+                        </a:rPr>
+                        <a:t>case</a:t>
+                      </a:r>
+                      <a:r>
+                        <a:rPr lang="en-US" sz="1500">
+                          <a:latin typeface="Times New Roman"/>
+                          <a:ea typeface="MS Mincho"/>
+                          <a:cs typeface="Times New Roman"/>
+                        </a:rPr>
+                        <a:t> “&gt;”:</a:t>
                       </a:r>
                       <a:endParaRPr lang="en-US" sz="1500">
                         <a:latin typeface="Calibri"/>
@@ -11848,27 +11997,124 @@
                       </a:pPr>
                       <a:r>
                         <a:rPr lang="en-US" sz="1500">
-                          <a:latin typeface="Times New Roman"/>
-                          <a:ea typeface="MS Mincho"/>
-                          <a:cs typeface="Times New Roman"/>
-                        </a:rPr>
-                        <a:t>10:     </a:t>
-                      </a:r>
-                      <a:r>
-                        <a:rPr lang="en-US" sz="1500" b="1">
-                          <a:latin typeface="Times New Roman"/>
-                          <a:ea typeface="MS Mincho"/>
-                          <a:cs typeface="Times New Roman"/>
-                        </a:rPr>
-                        <a:t>case</a:t>
-                      </a:r>
-                      <a:r>
-                        <a:rPr lang="en-US" sz="1500">
-                          <a:latin typeface="Times New Roman"/>
-                          <a:ea typeface="MS Mincho"/>
-                          <a:cs typeface="Times New Roman"/>
-                        </a:rPr>
-                        <a:t> “&gt;”:</a:t>
+                          <a:solidFill>
+                            <a:srgbClr val="131413"/>
+                          </a:solidFill>
+                          <a:latin typeface="Times New Roman"/>
+                          <a:ea typeface="MS Mincho"/>
+                          <a:cs typeface="Times New Roman"/>
+                        </a:rPr>
+                        <a:t>11:           if </a:t>
+                      </a:r>
+                      <a:r>
+                        <a:rPr lang="en-US" sz="1500" i="1">
+                          <a:solidFill>
+                            <a:srgbClr val="131413"/>
+                          </a:solidFill>
+                          <a:latin typeface="Times New Roman"/>
+                          <a:ea typeface="MS Mincho"/>
+                          <a:cs typeface="Times New Roman"/>
+                        </a:rPr>
+                        <a:t>b </a:t>
+                      </a:r>
+                      <a:r>
+                        <a:rPr lang="en-US" sz="1500">
+                          <a:solidFill>
+                            <a:srgbClr val="131413"/>
+                          </a:solidFill>
+                          <a:latin typeface="Times New Roman"/>
+                          <a:ea typeface="MTSYN"/>
+                          <a:cs typeface="Times New Roman"/>
+                        </a:rPr>
+                        <a:t>− </a:t>
+                      </a:r>
+                      <a:r>
+                        <a:rPr lang="en-US" sz="1500" i="1">
+                          <a:solidFill>
+                            <a:srgbClr val="131413"/>
+                          </a:solidFill>
+                          <a:latin typeface="Times New Roman"/>
+                          <a:ea typeface="MS Mincho"/>
+                          <a:cs typeface="Times New Roman"/>
+                        </a:rPr>
+                        <a:t>a &gt; </a:t>
+                      </a:r>
+                      <a:r>
+                        <a:rPr lang="en-US" sz="1500">
+                          <a:solidFill>
+                            <a:srgbClr val="131413"/>
+                          </a:solidFill>
+                          <a:latin typeface="Times New Roman"/>
+                          <a:ea typeface="MS Mincho"/>
+                          <a:cs typeface="Times New Roman"/>
+                        </a:rPr>
+                        <a:t>0 then return 0 else return (abs</a:t>
+                      </a:r>
+                      <a:r>
+                        <a:rPr lang="en-US" sz="1500" i="1">
+                          <a:solidFill>
+                            <a:srgbClr val="131413"/>
+                          </a:solidFill>
+                          <a:latin typeface="Times New Roman"/>
+                          <a:ea typeface="MS Mincho"/>
+                          <a:cs typeface="Times New Roman"/>
+                        </a:rPr>
+                        <a:t>(b </a:t>
+                      </a:r>
+                      <a:r>
+                        <a:rPr lang="en-US" sz="1500">
+                          <a:solidFill>
+                            <a:srgbClr val="131413"/>
+                          </a:solidFill>
+                          <a:latin typeface="Times New Roman"/>
+                          <a:ea typeface="MTSYN"/>
+                          <a:cs typeface="Times New Roman"/>
+                        </a:rPr>
+                        <a:t>− </a:t>
+                      </a:r>
+                      <a:r>
+                        <a:rPr lang="en-US" sz="1500" i="1">
+                          <a:solidFill>
+                            <a:srgbClr val="131413"/>
+                          </a:solidFill>
+                          <a:latin typeface="Times New Roman"/>
+                          <a:ea typeface="MS Mincho"/>
+                          <a:cs typeface="Times New Roman"/>
+                        </a:rPr>
+                        <a:t>a) </a:t>
+                      </a:r>
+                      <a:r>
+                        <a:rPr lang="en-US" sz="1500">
+                          <a:solidFill>
+                            <a:srgbClr val="131413"/>
+                          </a:solidFill>
+                          <a:latin typeface="Times New Roman"/>
+                          <a:ea typeface="MTSYN"/>
+                          <a:cs typeface="Times New Roman"/>
+                        </a:rPr>
+                        <a:t>+ </a:t>
+                      </a:r>
+                      <a:r>
+                        <a:rPr lang="en-US" sz="1500" i="1">
+                          <a:solidFill>
+                            <a:srgbClr val="131413"/>
+                          </a:solidFill>
+                          <a:latin typeface="Times New Roman"/>
+                          <a:ea typeface="MS Mincho"/>
+                          <a:cs typeface="Times New Roman"/>
+                        </a:rPr>
+                        <a:t>k</a:t>
+                      </a:r>
+                      <a:r>
+                        <a:rPr lang="en-US" sz="1500">
+                          <a:solidFill>
+                            <a:srgbClr val="131413"/>
+                          </a:solidFill>
+                          <a:latin typeface="Times New Roman"/>
+                          <a:ea typeface="MS Mincho"/>
+                          <a:cs typeface="Times New Roman"/>
+                        </a:rPr>
+                        <a:t>)</a:t>
                       </a:r>
                       <a:endParaRPr lang="en-US" sz="1500">
                         <a:latin typeface="Calibri"/>
@@ -11912,124 +12158,27 @@
                       </a:pPr>
                       <a:r>
                         <a:rPr lang="en-US" sz="1500">
-                          <a:solidFill>
-                            <a:srgbClr val="131413"/>
-                          </a:solidFill>
-                          <a:latin typeface="Times New Roman"/>
-                          <a:ea typeface="MS Mincho"/>
-                          <a:cs typeface="Times New Roman"/>
-                        </a:rPr>
-                        <a:t>11:           if </a:t>
-                      </a:r>
-                      <a:r>
-                        <a:rPr lang="en-US" sz="1500" i="1">
-                          <a:solidFill>
-                            <a:srgbClr val="131413"/>
-                          </a:solidFill>
-                          <a:latin typeface="Times New Roman"/>
-                          <a:ea typeface="MS Mincho"/>
-                          <a:cs typeface="Times New Roman"/>
-                        </a:rPr>
-                        <a:t>b </a:t>
-                      </a:r>
-                      <a:r>
-                        <a:rPr lang="en-US" sz="1500">
-                          <a:solidFill>
-                            <a:srgbClr val="131413"/>
-                          </a:solidFill>
-                          <a:latin typeface="Times New Roman"/>
-                          <a:ea typeface="MTSYN"/>
-                          <a:cs typeface="Times New Roman"/>
-                        </a:rPr>
-                        <a:t>− </a:t>
-                      </a:r>
-                      <a:r>
-                        <a:rPr lang="en-US" sz="1500" i="1">
-                          <a:solidFill>
-                            <a:srgbClr val="131413"/>
-                          </a:solidFill>
-                          <a:latin typeface="Times New Roman"/>
-                          <a:ea typeface="MS Mincho"/>
-                          <a:cs typeface="Times New Roman"/>
-                        </a:rPr>
-                        <a:t>a &gt; </a:t>
-                      </a:r>
-                      <a:r>
-                        <a:rPr lang="en-US" sz="1500">
-                          <a:solidFill>
-                            <a:srgbClr val="131413"/>
-                          </a:solidFill>
-                          <a:latin typeface="Times New Roman"/>
-                          <a:ea typeface="MS Mincho"/>
-                          <a:cs typeface="Times New Roman"/>
-                        </a:rPr>
-                        <a:t>0 then return 0 else return (abs</a:t>
-                      </a:r>
-                      <a:r>
-                        <a:rPr lang="en-US" sz="1500" i="1">
-                          <a:solidFill>
-                            <a:srgbClr val="131413"/>
-                          </a:solidFill>
-                          <a:latin typeface="Times New Roman"/>
-                          <a:ea typeface="MS Mincho"/>
-                          <a:cs typeface="Times New Roman"/>
-                        </a:rPr>
-                        <a:t>(b </a:t>
-                      </a:r>
-                      <a:r>
-                        <a:rPr lang="en-US" sz="1500">
-                          <a:solidFill>
-                            <a:srgbClr val="131413"/>
-                          </a:solidFill>
-                          <a:latin typeface="Times New Roman"/>
-                          <a:ea typeface="MTSYN"/>
-                          <a:cs typeface="Times New Roman"/>
-                        </a:rPr>
-                        <a:t>− </a:t>
-                      </a:r>
-                      <a:r>
-                        <a:rPr lang="en-US" sz="1500" i="1">
-                          <a:solidFill>
-                            <a:srgbClr val="131413"/>
-                          </a:solidFill>
-                          <a:latin typeface="Times New Roman"/>
-                          <a:ea typeface="MS Mincho"/>
-                          <a:cs typeface="Times New Roman"/>
-                        </a:rPr>
-                        <a:t>a) </a:t>
-                      </a:r>
-                      <a:r>
-                        <a:rPr lang="en-US" sz="1500">
-                          <a:solidFill>
-                            <a:srgbClr val="131413"/>
-                          </a:solidFill>
-                          <a:latin typeface="Times New Roman"/>
-                          <a:ea typeface="MTSYN"/>
-                          <a:cs typeface="Times New Roman"/>
-                        </a:rPr>
-                        <a:t>+ </a:t>
-                      </a:r>
-                      <a:r>
-                        <a:rPr lang="en-US" sz="1500" i="1">
-                          <a:solidFill>
-                            <a:srgbClr val="131413"/>
-                          </a:solidFill>
-                          <a:latin typeface="Times New Roman"/>
-                          <a:ea typeface="MS Mincho"/>
-                          <a:cs typeface="Times New Roman"/>
-                        </a:rPr>
-                        <a:t>k</a:t>
-                      </a:r>
-                      <a:r>
-                        <a:rPr lang="en-US" sz="1500">
-                          <a:solidFill>
-                            <a:srgbClr val="131413"/>
-                          </a:solidFill>
-                          <a:latin typeface="Times New Roman"/>
-                          <a:ea typeface="MS Mincho"/>
-                          <a:cs typeface="Times New Roman"/>
-                        </a:rPr>
-                        <a:t>)</a:t>
+                          <a:latin typeface="Times New Roman"/>
+                          <a:ea typeface="MS Mincho"/>
+                          <a:cs typeface="Times New Roman"/>
+                        </a:rPr>
+                        <a:t>12:     </a:t>
+                      </a:r>
+                      <a:r>
+                        <a:rPr lang="en-US" sz="1500" b="1">
+                          <a:latin typeface="Times New Roman"/>
+                          <a:ea typeface="MS Mincho"/>
+                          <a:cs typeface="Times New Roman"/>
+                        </a:rPr>
+                        <a:t>case</a:t>
+                      </a:r>
+                      <a:r>
+                        <a:rPr lang="en-US" sz="1500">
+                          <a:latin typeface="Times New Roman"/>
+                          <a:ea typeface="MS Mincho"/>
+                          <a:cs typeface="Times New Roman"/>
+                        </a:rPr>
+                        <a:t> “≥”:</a:t>
                       </a:r>
                       <a:endParaRPr lang="en-US" sz="1500">
                         <a:latin typeface="Calibri"/>
@@ -12073,27 +12222,135 @@
                       </a:pPr>
                       <a:r>
                         <a:rPr lang="en-US" sz="1500">
-                          <a:latin typeface="Times New Roman"/>
-                          <a:ea typeface="MS Mincho"/>
-                          <a:cs typeface="Times New Roman"/>
-                        </a:rPr>
-                        <a:t>12:     </a:t>
-                      </a:r>
-                      <a:r>
-                        <a:rPr lang="en-US" sz="1500" b="1">
-                          <a:latin typeface="Times New Roman"/>
-                          <a:ea typeface="MS Mincho"/>
-                          <a:cs typeface="Times New Roman"/>
-                        </a:rPr>
-                        <a:t>case</a:t>
-                      </a:r>
-                      <a:r>
-                        <a:rPr lang="en-US" sz="1500">
-                          <a:latin typeface="Times New Roman"/>
-                          <a:ea typeface="MS Mincho"/>
-                          <a:cs typeface="Times New Roman"/>
-                        </a:rPr>
-                        <a:t> “≥”:</a:t>
+                          <a:solidFill>
+                            <a:srgbClr val="131413"/>
+                          </a:solidFill>
+                          <a:latin typeface="Times New Roman"/>
+                          <a:ea typeface="MS Mincho"/>
+                          <a:cs typeface="Times New Roman"/>
+                        </a:rPr>
+                        <a:t>13            if </a:t>
+                      </a:r>
+                      <a:r>
+                        <a:rPr lang="en-US" sz="1500" i="1">
+                          <a:solidFill>
+                            <a:srgbClr val="131413"/>
+                          </a:solidFill>
+                          <a:latin typeface="Times New Roman"/>
+                          <a:ea typeface="MS Mincho"/>
+                          <a:cs typeface="Times New Roman"/>
+                        </a:rPr>
+                        <a:t>b </a:t>
+                      </a:r>
+                      <a:r>
+                        <a:rPr lang="en-US" sz="1500">
+                          <a:solidFill>
+                            <a:srgbClr val="131413"/>
+                          </a:solidFill>
+                          <a:latin typeface="Times New Roman"/>
+                          <a:ea typeface="MTSYN"/>
+                          <a:cs typeface="Times New Roman"/>
+                        </a:rPr>
+                        <a:t>− </a:t>
+                      </a:r>
+                      <a:r>
+                        <a:rPr lang="en-US" sz="1500" i="1">
+                          <a:solidFill>
+                            <a:srgbClr val="131413"/>
+                          </a:solidFill>
+                          <a:latin typeface="Times New Roman"/>
+                          <a:ea typeface="MS Mincho"/>
+                          <a:cs typeface="Times New Roman"/>
+                        </a:rPr>
+                        <a:t>a </a:t>
+                      </a:r>
+                      <a:r>
+                        <a:rPr lang="en-US" sz="1500">
+                          <a:solidFill>
+                            <a:srgbClr val="131413"/>
+                          </a:solidFill>
+                          <a:latin typeface="Times New Roman"/>
+                          <a:ea typeface="MTSYN"/>
+                          <a:cs typeface="Times New Roman"/>
+                        </a:rPr>
+                        <a:t>≥ </a:t>
+                      </a:r>
+                      <a:r>
+                        <a:rPr lang="en-US" sz="1500">
+                          <a:solidFill>
+                            <a:srgbClr val="131413"/>
+                          </a:solidFill>
+                          <a:latin typeface="Times New Roman"/>
+                          <a:ea typeface="MS Mincho"/>
+                          <a:cs typeface="Times New Roman"/>
+                        </a:rPr>
+                        <a:t>0 then return 0 else return (abs</a:t>
+                      </a:r>
+                      <a:r>
+                        <a:rPr lang="en-US" sz="1500" i="1">
+                          <a:solidFill>
+                            <a:srgbClr val="131413"/>
+                          </a:solidFill>
+                          <a:latin typeface="Times New Roman"/>
+                          <a:ea typeface="MS Mincho"/>
+                          <a:cs typeface="Times New Roman"/>
+                        </a:rPr>
+                        <a:t>(b </a:t>
+                      </a:r>
+                      <a:r>
+                        <a:rPr lang="en-US" sz="1500">
+                          <a:solidFill>
+                            <a:srgbClr val="131413"/>
+                          </a:solidFill>
+                          <a:latin typeface="Times New Roman"/>
+                          <a:ea typeface="MTSYN"/>
+                          <a:cs typeface="Times New Roman"/>
+                        </a:rPr>
+                        <a:t>− </a:t>
+                      </a:r>
+                      <a:r>
+                        <a:rPr lang="en-US" sz="1500" i="1">
+                          <a:solidFill>
+                            <a:srgbClr val="131413"/>
+                          </a:solidFill>
+                          <a:latin typeface="Times New Roman"/>
+                          <a:ea typeface="MS Mincho"/>
+                          <a:cs typeface="Times New Roman"/>
+                        </a:rPr>
+                        <a:t>a) </a:t>
+                      </a:r>
+                      <a:r>
+                        <a:rPr lang="en-US" sz="1500">
+                          <a:solidFill>
+                            <a:srgbClr val="131413"/>
+                          </a:solidFill>
+                          <a:latin typeface="Times New Roman"/>
+                          <a:ea typeface="MTSYN"/>
+                          <a:cs typeface="Times New Roman"/>
+                        </a:rPr>
+                        <a:t>+ </a:t>
+                      </a:r>
+                      <a:r>
+                        <a:rPr lang="en-US" sz="1500" i="1">
+                          <a:solidFill>
+                            <a:srgbClr val="131413"/>
+                          </a:solidFill>
+                          <a:latin typeface="Times New Roman"/>
+                          <a:ea typeface="MS Mincho"/>
+                          <a:cs typeface="Times New Roman"/>
+                        </a:rPr>
+                        <a:t>k</a:t>
+                      </a:r>
+                      <a:r>
+                        <a:rPr lang="en-US" sz="1500">
+                          <a:solidFill>
+                            <a:srgbClr val="131413"/>
+                          </a:solidFill>
+                          <a:latin typeface="Times New Roman"/>
+                          <a:ea typeface="MS Mincho"/>
+                          <a:cs typeface="Times New Roman"/>
+                        </a:rPr>
+                        <a:t>)</a:t>
                       </a:r>
                       <a:endParaRPr lang="en-US" sz="1500">
                         <a:latin typeface="Calibri"/>
@@ -12136,178 +12393,6 @@
                         </a:spcAft>
                       </a:pPr>
                       <a:r>
-                        <a:rPr lang="en-US" sz="1500">
-                          <a:solidFill>
-                            <a:srgbClr val="131413"/>
-                          </a:solidFill>
-                          <a:latin typeface="Times New Roman"/>
-                          <a:ea typeface="MS Mincho"/>
-                          <a:cs typeface="Times New Roman"/>
-                        </a:rPr>
-                        <a:t>13            if </a:t>
-                      </a:r>
-                      <a:r>
-                        <a:rPr lang="en-US" sz="1500" i="1">
-                          <a:solidFill>
-                            <a:srgbClr val="131413"/>
-                          </a:solidFill>
-                          <a:latin typeface="Times New Roman"/>
-                          <a:ea typeface="MS Mincho"/>
-                          <a:cs typeface="Times New Roman"/>
-                        </a:rPr>
-                        <a:t>b </a:t>
-                      </a:r>
-                      <a:r>
-                        <a:rPr lang="en-US" sz="1500">
-                          <a:solidFill>
-                            <a:srgbClr val="131413"/>
-                          </a:solidFill>
-                          <a:latin typeface="Times New Roman"/>
-                          <a:ea typeface="MTSYN"/>
-                          <a:cs typeface="Times New Roman"/>
-                        </a:rPr>
-                        <a:t>− </a:t>
-                      </a:r>
-                      <a:r>
-                        <a:rPr lang="en-US" sz="1500" i="1">
-                          <a:solidFill>
-                            <a:srgbClr val="131413"/>
-                          </a:solidFill>
-                          <a:latin typeface="Times New Roman"/>
-                          <a:ea typeface="MS Mincho"/>
-                          <a:cs typeface="Times New Roman"/>
-                        </a:rPr>
-                        <a:t>a </a:t>
-                      </a:r>
-                      <a:r>
-                        <a:rPr lang="en-US" sz="1500">
-                          <a:solidFill>
-                            <a:srgbClr val="131413"/>
-                          </a:solidFill>
-                          <a:latin typeface="Times New Roman"/>
-                          <a:ea typeface="MTSYN"/>
-                          <a:cs typeface="Times New Roman"/>
-                        </a:rPr>
-                        <a:t>≥ </a:t>
-                      </a:r>
-                      <a:r>
-                        <a:rPr lang="en-US" sz="1500">
-                          <a:solidFill>
-                            <a:srgbClr val="131413"/>
-                          </a:solidFill>
-                          <a:latin typeface="Times New Roman"/>
-                          <a:ea typeface="MS Mincho"/>
-                          <a:cs typeface="Times New Roman"/>
-                        </a:rPr>
-                        <a:t>0 then return 0 else return (abs</a:t>
-                      </a:r>
-                      <a:r>
-                        <a:rPr lang="en-US" sz="1500" i="1">
-                          <a:solidFill>
-                            <a:srgbClr val="131413"/>
-                          </a:solidFill>
-                          <a:latin typeface="Times New Roman"/>
-                          <a:ea typeface="MS Mincho"/>
-                          <a:cs typeface="Times New Roman"/>
-                        </a:rPr>
-                        <a:t>(b </a:t>
-                      </a:r>
-                      <a:r>
-                        <a:rPr lang="en-US" sz="1500">
-                          <a:solidFill>
-                            <a:srgbClr val="131413"/>
-                          </a:solidFill>
-                          <a:latin typeface="Times New Roman"/>
-                          <a:ea typeface="MTSYN"/>
-                          <a:cs typeface="Times New Roman"/>
-                        </a:rPr>
-                        <a:t>− </a:t>
-                      </a:r>
-                      <a:r>
-                        <a:rPr lang="en-US" sz="1500" i="1">
-                          <a:solidFill>
-                            <a:srgbClr val="131413"/>
-                          </a:solidFill>
-                          <a:latin typeface="Times New Roman"/>
-                          <a:ea typeface="MS Mincho"/>
-                          <a:cs typeface="Times New Roman"/>
-                        </a:rPr>
-                        <a:t>a) </a:t>
-                      </a:r>
-                      <a:r>
-                        <a:rPr lang="en-US" sz="1500">
-                          <a:solidFill>
-                            <a:srgbClr val="131413"/>
-                          </a:solidFill>
-                          <a:latin typeface="Times New Roman"/>
-                          <a:ea typeface="MTSYN"/>
-                          <a:cs typeface="Times New Roman"/>
-                        </a:rPr>
-                        <a:t>+ </a:t>
-                      </a:r>
-                      <a:r>
-                        <a:rPr lang="en-US" sz="1500" i="1">
-                          <a:solidFill>
-                            <a:srgbClr val="131413"/>
-                          </a:solidFill>
-                          <a:latin typeface="Times New Roman"/>
-                          <a:ea typeface="MS Mincho"/>
-                          <a:cs typeface="Times New Roman"/>
-                        </a:rPr>
-                        <a:t>k</a:t>
-                      </a:r>
-                      <a:r>
-                        <a:rPr lang="en-US" sz="1500">
-                          <a:solidFill>
-                            <a:srgbClr val="131413"/>
-                          </a:solidFill>
-                          <a:latin typeface="Times New Roman"/>
-                          <a:ea typeface="MS Mincho"/>
-                          <a:cs typeface="Times New Roman"/>
-                        </a:rPr>
-                        <a:t>)</a:t>
-                      </a:r>
-                      <a:endParaRPr lang="en-US" sz="1500">
-                        <a:latin typeface="Calibri"/>
-                        <a:ea typeface="MS Mincho"/>
-                        <a:cs typeface="Times New Roman"/>
-                      </a:endParaRPr>
-                    </a:p>
-                  </a:txBody>
-                  <a:tcPr marL="44450" marR="44450" marT="0" marB="0">
-                    <a:lnL>
-                      <a:noFill/>
-                    </a:lnL>
-                    <a:lnR>
-                      <a:noFill/>
-                    </a:lnR>
-                    <a:lnT>
-                      <a:noFill/>
-                    </a:lnT>
-                    <a:lnB>
-                      <a:noFill/>
-                    </a:lnB>
-                  </a:tcPr>
-                </a:tc>
-              </a:tr>
-              <a:tr h="0">
-                <a:tc>
-                  <a:txBody>
-                    <a:bodyPr/>
-                    <a:lstStyle/>
-                    <a:p>
-                      <a:pPr marL="0" marR="0">
-                        <a:lnSpc>
-                          <a:spcPct val="115000"/>
-                        </a:lnSpc>
-                        <a:spcBef>
-                          <a:spcPts val="0"/>
-                        </a:spcBef>
-                        <a:spcAft>
-                          <a:spcPts val="0"/>
-                        </a:spcAft>
-                      </a:pPr>
-                      <a:r>
                         <a:rPr lang="en-US" sz="1500" dirty="0">
                           <a:solidFill>
                             <a:srgbClr val="131413"/>
@@ -12362,10 +12447,95 @@
           </a:graphicData>
         </a:graphic>
       </p:graphicFrame>
+      <p:sp>
+        <p:nvSpPr>
+          <p:cNvPr id="6" name="TextBox 5"/>
+          <p:cNvSpPr txBox="1"/>
+          <p:nvPr/>
+        </p:nvSpPr>
+        <p:spPr>
+          <a:xfrm>
+            <a:off x="381000" y="896035"/>
+            <a:ext cx="6553200" cy="323165"/>
+          </a:xfrm>
+          <a:prstGeom prst="rect">
+            <a:avLst/>
+          </a:prstGeom>
+          <a:noFill/>
+        </p:spPr>
+        <p:txBody>
+          <a:bodyPr wrap="square" rtlCol="0">
+            <a:spAutoFit/>
+          </a:bodyPr>
+          <a:lstStyle/>
+          <a:p>
+            <a:r>
+              <a:rPr lang="en-US" sz="1500" dirty="0" smtClean="0">
+                <a:latin typeface="Times New Roman" pitchFamily="18" charset="0"/>
+                <a:cs typeface="Times New Roman" pitchFamily="18" charset="0"/>
+              </a:rPr>
+              <a:t>Step 3: </a:t>
+            </a:r>
+            <a:r>
+              <a:rPr lang="en-US" sz="1500" dirty="0" smtClean="0">
+                <a:latin typeface="Times New Roman" panose="02020603050405020304" pitchFamily="18" charset="0"/>
+                <a:cs typeface="Times New Roman" panose="02020603050405020304" pitchFamily="18" charset="0"/>
+              </a:rPr>
+              <a:t>Base on </a:t>
+            </a:r>
+            <a:r>
+              <a:rPr lang="en-US" sz="1500" dirty="0" err="1" smtClean="0">
+                <a:latin typeface="Times New Roman" panose="02020603050405020304" pitchFamily="18" charset="0"/>
+                <a:cs typeface="Times New Roman" panose="02020603050405020304" pitchFamily="18" charset="0"/>
+              </a:rPr>
+              <a:t>Korel</a:t>
+            </a:r>
+            <a:r>
+              <a:rPr lang="en-US" sz="1500" dirty="0" smtClean="0">
+                <a:latin typeface="Times New Roman" panose="02020603050405020304" pitchFamily="18" charset="0"/>
+                <a:cs typeface="Times New Roman" panose="02020603050405020304" pitchFamily="18" charset="0"/>
+              </a:rPr>
+              <a:t> formula, generate fitness function </a:t>
+            </a:r>
+            <a:r>
+              <a:rPr lang="en-US" sz="1500" i="1" dirty="0" err="1" smtClean="0">
+                <a:latin typeface="Times New Roman" panose="02020603050405020304" pitchFamily="18" charset="0"/>
+                <a:cs typeface="Times New Roman" panose="02020603050405020304" pitchFamily="18" charset="0"/>
+              </a:rPr>
+              <a:t>f</a:t>
+            </a:r>
+            <a:r>
+              <a:rPr lang="en-US" sz="1500" i="1" baseline="-25000" dirty="0" err="1" smtClean="0">
+                <a:latin typeface="Times New Roman" panose="02020603050405020304" pitchFamily="18" charset="0"/>
+                <a:cs typeface="Times New Roman" panose="02020603050405020304" pitchFamily="18" charset="0"/>
+              </a:rPr>
+              <a:t>i</a:t>
+            </a:r>
+            <a:r>
+              <a:rPr lang="en-US" sz="1500" i="1" dirty="0" smtClean="0">
+                <a:latin typeface="Times New Roman" panose="02020603050405020304" pitchFamily="18" charset="0"/>
+                <a:cs typeface="Times New Roman" panose="02020603050405020304" pitchFamily="18" charset="0"/>
+              </a:rPr>
+              <a:t> </a:t>
+            </a:r>
+            <a:r>
+              <a:rPr lang="en-US" sz="1500" dirty="0" smtClean="0">
+                <a:latin typeface="Times New Roman" panose="02020603050405020304" pitchFamily="18" charset="0"/>
+                <a:cs typeface="Times New Roman" panose="02020603050405020304" pitchFamily="18" charset="0"/>
+              </a:rPr>
+              <a:t>for each decision node</a:t>
+            </a:r>
+            <a:endParaRPr lang="en-US" sz="1500" dirty="0">
+              <a:latin typeface="Times New Roman" panose="02020603050405020304" pitchFamily="18" charset="0"/>
+              <a:cs typeface="Times New Roman" panose="02020603050405020304" pitchFamily="18" charset="0"/>
+            </a:endParaRPr>
+          </a:p>
+        </p:txBody>
+      </p:sp>
     </p:spTree>
     <p:extLst>
       <p:ext uri="{BB962C8B-B14F-4D97-AF65-F5344CB8AC3E}">
-        <p14:creationId xmlns:p14="http://schemas.microsoft.com/office/powerpoint/2010/main" val="3736083669"/>
+        <p14:creationId xmlns:p14="http://schemas.microsoft.com/office/powerpoint/2010/main" xmlns="" val="3736083669"/>
       </p:ext>
     </p:extLst>
   </p:cSld>
@@ -18388,7 +18558,7 @@
     </p:spTree>
     <p:extLst>
       <p:ext uri="{BB962C8B-B14F-4D97-AF65-F5344CB8AC3E}">
-        <p14:creationId xmlns:p14="http://schemas.microsoft.com/office/powerpoint/2010/main" val="3736083669"/>
+        <p14:creationId xmlns:p14="http://schemas.microsoft.com/office/powerpoint/2010/main" xmlns="" val="3736083669"/>
       </p:ext>
     </p:extLst>
   </p:cSld>
@@ -19122,7 +19292,7 @@
     </p:spTree>
     <p:extLst>
       <p:ext uri="{BB962C8B-B14F-4D97-AF65-F5344CB8AC3E}">
-        <p14:creationId xmlns:p14="http://schemas.microsoft.com/office/powerpoint/2010/main" val="3736083669"/>
+        <p14:creationId xmlns:p14="http://schemas.microsoft.com/office/powerpoint/2010/main" xmlns="" val="3736083669"/>
       </p:ext>
     </p:extLst>
   </p:cSld>
@@ -19265,7 +19435,7 @@
     </p:spTree>
     <p:extLst>
       <p:ext uri="{BB962C8B-B14F-4D97-AF65-F5344CB8AC3E}">
-        <p14:creationId xmlns:p14="http://schemas.microsoft.com/office/powerpoint/2010/main" val="2279565587"/>
+        <p14:creationId xmlns:p14="http://schemas.microsoft.com/office/powerpoint/2010/main" xmlns="" val="2279565587"/>
       </p:ext>
     </p:extLst>
   </p:cSld>
@@ -19398,7 +19568,7 @@
     </p:spTree>
     <p:extLst>
       <p:ext uri="{BB962C8B-B14F-4D97-AF65-F5344CB8AC3E}">
-        <p14:creationId xmlns:p14="http://schemas.microsoft.com/office/powerpoint/2010/main" val="2279565587"/>
+        <p14:creationId xmlns:p14="http://schemas.microsoft.com/office/powerpoint/2010/main" xmlns="" val="2279565587"/>
       </p:ext>
     </p:extLst>
   </p:cSld>
@@ -19703,7 +19873,7 @@
     </p:spTree>
     <p:extLst>
       <p:ext uri="{BB962C8B-B14F-4D97-AF65-F5344CB8AC3E}">
-        <p14:creationId xmlns:p14="http://schemas.microsoft.com/office/powerpoint/2010/main" val="2279565587"/>
+        <p14:creationId xmlns:p14="http://schemas.microsoft.com/office/powerpoint/2010/main" xmlns="" val="2279565587"/>
       </p:ext>
     </p:extLst>
   </p:cSld>
@@ -23544,7 +23714,7 @@
     </p:spTree>
     <p:extLst>
       <p:ext uri="{BB962C8B-B14F-4D97-AF65-F5344CB8AC3E}">
-        <p14:creationId xmlns:p14="http://schemas.microsoft.com/office/powerpoint/2010/main" val="2279565587"/>
+        <p14:creationId xmlns:p14="http://schemas.microsoft.com/office/powerpoint/2010/main" xmlns="" val="2279565587"/>
       </p:ext>
     </p:extLst>
   </p:cSld>
@@ -23687,7 +23857,7 @@
     </p:spTree>
     <p:extLst>
       <p:ext uri="{BB962C8B-B14F-4D97-AF65-F5344CB8AC3E}">
-        <p14:creationId xmlns:p14="http://schemas.microsoft.com/office/powerpoint/2010/main" val="2279565587"/>
+        <p14:creationId xmlns:p14="http://schemas.microsoft.com/office/powerpoint/2010/main" xmlns="" val="2279565587"/>
       </p:ext>
     </p:extLst>
   </p:cSld>
@@ -23840,7 +24010,7 @@
     </p:spTree>
     <p:extLst>
       <p:ext uri="{BB962C8B-B14F-4D97-AF65-F5344CB8AC3E}">
-        <p14:creationId xmlns:p14="http://schemas.microsoft.com/office/powerpoint/2010/main" val="1133312594"/>
+        <p14:creationId xmlns:p14="http://schemas.microsoft.com/office/powerpoint/2010/main" xmlns="" val="1133312594"/>
       </p:ext>
     </p:extLst>
   </p:cSld>
@@ -23902,7 +24072,7 @@
     </p:spTree>
     <p:extLst>
       <p:ext uri="{BB962C8B-B14F-4D97-AF65-F5344CB8AC3E}">
-        <p14:creationId xmlns:p14="http://schemas.microsoft.com/office/powerpoint/2010/main" val="1133312594"/>
+        <p14:creationId xmlns:p14="http://schemas.microsoft.com/office/powerpoint/2010/main" xmlns="" val="1133312594"/>
       </p:ext>
     </p:extLst>
   </p:cSld>
@@ -24090,7 +24260,7 @@
     </p:spTree>
     <p:extLst>
       <p:ext uri="{BB962C8B-B14F-4D97-AF65-F5344CB8AC3E}">
-        <p14:creationId xmlns:p14="http://schemas.microsoft.com/office/powerpoint/2010/main" val="3736083669"/>
+        <p14:creationId xmlns:p14="http://schemas.microsoft.com/office/powerpoint/2010/main" xmlns="" val="3736083669"/>
       </p:ext>
     </p:extLst>
   </p:cSld>
@@ -24753,7 +24923,7 @@
     </p:spTree>
     <p:extLst>
       <p:ext uri="{BB962C8B-B14F-4D97-AF65-F5344CB8AC3E}">
-        <p14:creationId xmlns:p14="http://schemas.microsoft.com/office/powerpoint/2010/main" val="3736083669"/>
+        <p14:creationId xmlns:p14="http://schemas.microsoft.com/office/powerpoint/2010/main" xmlns="" val="3736083669"/>
       </p:ext>
     </p:extLst>
   </p:cSld>
@@ -24880,10 +25050,74 @@
           </a:p>
         </p:txBody>
       </p:sp>
+      <p:pic>
+        <p:nvPicPr>
+          <p:cNvPr id="1027" name="Picture 3"/>
+          <p:cNvPicPr>
+            <a:picLocks noChangeAspect="1" noChangeArrowheads="1"/>
+          </p:cNvPicPr>
+          <p:nvPr/>
+        </p:nvPicPr>
+        <p:blipFill>
+          <a:blip r:embed="rId2" cstate="print"/>
+          <a:srcRect/>
+          <a:stretch>
+            <a:fillRect/>
+          </a:stretch>
+        </p:blipFill>
+        <p:spPr bwMode="auto">
+          <a:xfrm>
+            <a:off x="2438400" y="2667000"/>
+            <a:ext cx="3867150" cy="1095375"/>
+          </a:xfrm>
+          <a:prstGeom prst="rect">
+            <a:avLst/>
+          </a:prstGeom>
+          <a:noFill/>
+          <a:ln w="9525">
+            <a:noFill/>
+            <a:miter lim="800000"/>
+            <a:headEnd/>
+            <a:tailEnd/>
+          </a:ln>
+        </p:spPr>
+      </p:pic>
+      <p:pic>
+        <p:nvPicPr>
+          <p:cNvPr id="1028" name="Picture 4"/>
+          <p:cNvPicPr>
+            <a:picLocks noChangeAspect="1" noChangeArrowheads="1"/>
+          </p:cNvPicPr>
+          <p:nvPr/>
+        </p:nvPicPr>
+        <p:blipFill>
+          <a:blip r:embed="rId3" cstate="print"/>
+          <a:srcRect/>
+          <a:stretch>
+            <a:fillRect/>
+          </a:stretch>
+        </p:blipFill>
+        <p:spPr bwMode="auto">
+          <a:xfrm>
+            <a:off x="2438400" y="4038600"/>
+            <a:ext cx="3943350" cy="714375"/>
+          </a:xfrm>
+          <a:prstGeom prst="rect">
+            <a:avLst/>
+          </a:prstGeom>
+          <a:noFill/>
+          <a:ln w="9525">
+            <a:noFill/>
+            <a:miter lim="800000"/>
+            <a:headEnd/>
+            <a:tailEnd/>
+          </a:ln>
+        </p:spPr>
+      </p:pic>
     </p:spTree>
     <p:extLst>
       <p:ext uri="{BB962C8B-B14F-4D97-AF65-F5344CB8AC3E}">
-        <p14:creationId xmlns:p14="http://schemas.microsoft.com/office/powerpoint/2010/main" val="3736083669"/>
+        <p14:creationId xmlns:p14="http://schemas.microsoft.com/office/powerpoint/2010/main" xmlns="" val="3736083669"/>
       </p:ext>
     </p:extLst>
   </p:cSld>
@@ -25026,7 +25260,7 @@
     </p:spTree>
     <p:extLst>
       <p:ext uri="{BB962C8B-B14F-4D97-AF65-F5344CB8AC3E}">
-        <p14:creationId xmlns:p14="http://schemas.microsoft.com/office/powerpoint/2010/main" val="2279565587"/>
+        <p14:creationId xmlns:p14="http://schemas.microsoft.com/office/powerpoint/2010/main" xmlns="" val="2279565587"/>
       </p:ext>
     </p:extLst>
   </p:cSld>
@@ -25129,7 +25363,7 @@
     </p:spTree>
     <p:extLst>
       <p:ext uri="{BB962C8B-B14F-4D97-AF65-F5344CB8AC3E}">
-        <p14:creationId xmlns:p14="http://schemas.microsoft.com/office/powerpoint/2010/main" val="3736083669"/>
+        <p14:creationId xmlns:p14="http://schemas.microsoft.com/office/powerpoint/2010/main" xmlns="" val="3736083669"/>
       </p:ext>
     </p:extLst>
   </p:cSld>
@@ -25216,7 +25450,7 @@
           <p:nvPr/>
         </p:nvGraphicFramePr>
         <p:xfrm>
-          <a:off x="838200" y="1219198"/>
+          <a:off x="838200" y="1336282"/>
           <a:ext cx="6705600" cy="3616718"/>
         </p:xfrm>
         <a:graphic>
@@ -25579,7 +25813,7 @@
                         </a:spcAft>
                       </a:pPr>
                       <a:r>
-                        <a:rPr lang="en-US" sz="1500">
+                        <a:rPr lang="en-US" sz="1500" dirty="0">
                           <a:solidFill>
                             <a:srgbClr val="000000"/>
                           </a:solidFill>
@@ -25590,7 +25824,7 @@
                         <a:t>2:  </a:t>
                       </a:r>
                       <a:r>
-                        <a:rPr lang="en-US" sz="1500" i="1">
+                        <a:rPr lang="en-US" sz="1500" i="1" dirty="0">
                           <a:solidFill>
                             <a:srgbClr val="000000"/>
                           </a:solidFill>
@@ -25601,7 +25835,7 @@
                         <a:t>G</a:t>
                       </a:r>
                       <a:r>
-                        <a:rPr lang="en-US" sz="1500">
+                        <a:rPr lang="en-US" sz="1500" dirty="0">
                           <a:solidFill>
                             <a:srgbClr val="000000"/>
                           </a:solidFill>
@@ -25612,7 +25846,7 @@
                         <a:t> = a graph by linking all blocks in </a:t>
                       </a:r>
                       <a:r>
-                        <a:rPr lang="en-US" sz="1500" i="1">
+                        <a:rPr lang="en-US" sz="1500" i="1" dirty="0">
                           <a:solidFill>
                             <a:srgbClr val="000000"/>
                           </a:solidFill>
@@ -25623,7 +25857,7 @@
                         <a:t>B</a:t>
                       </a:r>
                       <a:r>
-                        <a:rPr lang="en-US" sz="1500">
+                        <a:rPr lang="en-US" sz="1500" dirty="0">
                           <a:solidFill>
                             <a:srgbClr val="000000"/>
                           </a:solidFill>
@@ -26478,10 +26712,67 @@
           </a:graphicData>
         </a:graphic>
       </p:graphicFrame>
+      <p:sp>
+        <p:nvSpPr>
+          <p:cNvPr id="5" name="TextBox 4"/>
+          <p:cNvSpPr txBox="1"/>
+          <p:nvPr/>
+        </p:nvSpPr>
+        <p:spPr>
+          <a:xfrm>
+            <a:off x="381000" y="896035"/>
+            <a:ext cx="6553200" cy="323165"/>
+          </a:xfrm>
+          <a:prstGeom prst="rect">
+            <a:avLst/>
+          </a:prstGeom>
+          <a:noFill/>
+        </p:spPr>
+        <p:txBody>
+          <a:bodyPr wrap="square" rtlCol="0">
+            <a:spAutoFit/>
+          </a:bodyPr>
+          <a:lstStyle/>
+          <a:p>
+            <a:r>
+              <a:rPr lang="en-US" sz="1500" dirty="0" smtClean="0">
+                <a:latin typeface="Times New Roman" pitchFamily="18" charset="0"/>
+                <a:cs typeface="Times New Roman" pitchFamily="18" charset="0"/>
+              </a:rPr>
+              <a:t>Step 1: </a:t>
+            </a:r>
+            <a:r>
+              <a:rPr lang="en-US" sz="1500" dirty="0" smtClean="0">
+                <a:latin typeface="Times New Roman" pitchFamily="18" charset="0"/>
+                <a:cs typeface="Times New Roman" pitchFamily="18" charset="0"/>
+              </a:rPr>
+              <a:t>Generate control flow graph(</a:t>
+            </a:r>
+            <a:r>
+              <a:rPr lang="en-US" sz="1500" dirty="0" err="1" smtClean="0">
+                <a:latin typeface="Times New Roman" pitchFamily="18" charset="0"/>
+                <a:cs typeface="Times New Roman" pitchFamily="18" charset="0"/>
+              </a:rPr>
+              <a:t>CFG</a:t>
+            </a:r>
+            <a:r>
+              <a:rPr lang="en-US" sz="1500" dirty="0" smtClean="0">
+                <a:latin typeface="Times New Roman" pitchFamily="18" charset="0"/>
+                <a:cs typeface="Times New Roman" pitchFamily="18" charset="0"/>
+              </a:rPr>
+              <a:t>) from the program under test(PUT)</a:t>
+            </a:r>
+            <a:endParaRPr lang="en-US" sz="1500" dirty="0">
+              <a:latin typeface="Times New Roman" pitchFamily="18" charset="0"/>
+              <a:cs typeface="Times New Roman" pitchFamily="18" charset="0"/>
+            </a:endParaRPr>
+          </a:p>
+        </p:txBody>
+      </p:sp>
     </p:spTree>
     <p:extLst>
       <p:ext uri="{BB962C8B-B14F-4D97-AF65-F5344CB8AC3E}">
-        <p14:creationId xmlns:p14="http://schemas.microsoft.com/office/powerpoint/2010/main" val="3736083669"/>
+        <p14:creationId xmlns:p14="http://schemas.microsoft.com/office/powerpoint/2010/main" xmlns="" val="3736083669"/>
       </p:ext>
     </p:extLst>
   </p:cSld>
@@ -26592,7 +26883,7 @@
     </p:spTree>
     <p:extLst>
       <p:ext uri="{BB962C8B-B14F-4D97-AF65-F5344CB8AC3E}">
-        <p14:creationId xmlns:p14="http://schemas.microsoft.com/office/powerpoint/2010/main" val="3736083669"/>
+        <p14:creationId xmlns:p14="http://schemas.microsoft.com/office/powerpoint/2010/main" xmlns="" val="3736083669"/>
       </p:ext>
     </p:extLst>
   </p:cSld>
